--- a/presentation.pptx
+++ b/presentation.pptx
@@ -5,23 +5,23 @@
     <p:sldMasterId id="2147483648" r:id="rId1"/>
   </p:sldMasterIdLst>
   <p:notesMasterIdLst>
-    <p:notesMasterId r:id="rId23"/>
+    <p:notesMasterId r:id="rId24"/>
   </p:notesMasterIdLst>
   <p:sldIdLst>
     <p:sldId id="256" r:id="rId2"/>
     <p:sldId id="257" r:id="rId3"/>
-    <p:sldId id="276" r:id="rId4"/>
-    <p:sldId id="266" r:id="rId5"/>
+    <p:sldId id="266" r:id="rId4"/>
+    <p:sldId id="276" r:id="rId5"/>
     <p:sldId id="260" r:id="rId6"/>
     <p:sldId id="263" r:id="rId7"/>
     <p:sldId id="277" r:id="rId8"/>
     <p:sldId id="261" r:id="rId9"/>
     <p:sldId id="262" r:id="rId10"/>
     <p:sldId id="259" r:id="rId11"/>
-    <p:sldId id="267" r:id="rId12"/>
-    <p:sldId id="268" r:id="rId13"/>
-    <p:sldId id="269" r:id="rId14"/>
-    <p:sldId id="270" r:id="rId15"/>
+    <p:sldId id="268" r:id="rId12"/>
+    <p:sldId id="269" r:id="rId13"/>
+    <p:sldId id="270" r:id="rId14"/>
+    <p:sldId id="283" r:id="rId15"/>
     <p:sldId id="278" r:id="rId16"/>
     <p:sldId id="280" r:id="rId17"/>
     <p:sldId id="281" r:id="rId18"/>
@@ -29,6 +29,7 @@
     <p:sldId id="271" r:id="rId20"/>
     <p:sldId id="282" r:id="rId21"/>
     <p:sldId id="273" r:id="rId22"/>
+    <p:sldId id="284" r:id="rId23"/>
   </p:sldIdLst>
   <p:sldSz cx="12192000" cy="6858000"/>
   <p:notesSz cx="6858000" cy="9144000"/>
@@ -549,7 +550,7 @@
           <a:p>
             <a:fld id="{09D08A87-9A2C-5743-90B0-0B7C68297D5F}" type="slidenum">
               <a:rPr lang="en-US" smtClean="0"/>
-              <a:t>15</a:t>
+              <a:t>3</a:t>
             </a:fld>
             <a:endParaRPr lang="en-US"/>
           </a:p>
@@ -558,7 +559,7 @@
     </p:spTree>
     <p:extLst>
       <p:ext uri="{BB962C8B-B14F-4D97-AF65-F5344CB8AC3E}">
-        <p14:creationId xmlns:p14="http://schemas.microsoft.com/office/powerpoint/2010/main" val="1482925276"/>
+        <p14:creationId xmlns:p14="http://schemas.microsoft.com/office/powerpoint/2010/main" val="3486596934"/>
       </p:ext>
     </p:extLst>
   </p:cSld>
@@ -633,7 +634,7 @@
           <a:p>
             <a:fld id="{09D08A87-9A2C-5743-90B0-0B7C68297D5F}" type="slidenum">
               <a:rPr lang="en-US" smtClean="0"/>
-              <a:t>16</a:t>
+              <a:t>15</a:t>
             </a:fld>
             <a:endParaRPr lang="en-US"/>
           </a:p>
@@ -642,7 +643,7 @@
     </p:spTree>
     <p:extLst>
       <p:ext uri="{BB962C8B-B14F-4D97-AF65-F5344CB8AC3E}">
-        <p14:creationId xmlns:p14="http://schemas.microsoft.com/office/powerpoint/2010/main" val="1933422549"/>
+        <p14:creationId xmlns:p14="http://schemas.microsoft.com/office/powerpoint/2010/main" val="1482925276"/>
       </p:ext>
     </p:extLst>
   </p:cSld>
@@ -717,7 +718,7 @@
           <a:p>
             <a:fld id="{09D08A87-9A2C-5743-90B0-0B7C68297D5F}" type="slidenum">
               <a:rPr lang="en-US" smtClean="0"/>
-              <a:t>17</a:t>
+              <a:t>16</a:t>
             </a:fld>
             <a:endParaRPr lang="en-US"/>
           </a:p>
@@ -726,7 +727,7 @@
     </p:spTree>
     <p:extLst>
       <p:ext uri="{BB962C8B-B14F-4D97-AF65-F5344CB8AC3E}">
-        <p14:creationId xmlns:p14="http://schemas.microsoft.com/office/powerpoint/2010/main" val="2976287719"/>
+        <p14:creationId xmlns:p14="http://schemas.microsoft.com/office/powerpoint/2010/main" val="1933422549"/>
       </p:ext>
     </p:extLst>
   </p:cSld>
@@ -801,6 +802,90 @@
           <a:p>
             <a:fld id="{09D08A87-9A2C-5743-90B0-0B7C68297D5F}" type="slidenum">
               <a:rPr lang="en-US" smtClean="0"/>
+              <a:t>17</a:t>
+            </a:fld>
+            <a:endParaRPr lang="en-US"/>
+          </a:p>
+        </p:txBody>
+      </p:sp>
+    </p:spTree>
+    <p:extLst>
+      <p:ext uri="{BB962C8B-B14F-4D97-AF65-F5344CB8AC3E}">
+        <p14:creationId xmlns:p14="http://schemas.microsoft.com/office/powerpoint/2010/main" val="2976287719"/>
+      </p:ext>
+    </p:extLst>
+  </p:cSld>
+  <p:clrMapOvr>
+    <a:masterClrMapping/>
+  </p:clrMapOvr>
+</p:notes>
+</file>
+
+<file path=ppt/notesSlides/notesSlide5.xml><?xml version="1.0" encoding="utf-8"?>
+<p:notes xmlns:a="http://schemas.openxmlformats.org/drawingml/2006/main" xmlns:r="http://schemas.openxmlformats.org/officeDocument/2006/relationships" xmlns:p="http://schemas.openxmlformats.org/presentationml/2006/main">
+  <p:cSld>
+    <p:spTree>
+      <p:nvGrpSpPr>
+        <p:cNvPr id="1" name=""/>
+        <p:cNvGrpSpPr/>
+        <p:nvPr/>
+      </p:nvGrpSpPr>
+      <p:grpSpPr>
+        <a:xfrm>
+          <a:off x="0" y="0"/>
+          <a:ext cx="0" cy="0"/>
+          <a:chOff x="0" y="0"/>
+          <a:chExt cx="0" cy="0"/>
+        </a:xfrm>
+      </p:grpSpPr>
+      <p:sp>
+        <p:nvSpPr>
+          <p:cNvPr id="2" name="Slide Image Placeholder 1"/>
+          <p:cNvSpPr>
+            <a:spLocks noGrp="1" noRot="1" noChangeAspect="1"/>
+          </p:cNvSpPr>
+          <p:nvPr>
+            <p:ph type="sldImg"/>
+          </p:nvPr>
+        </p:nvSpPr>
+        <p:spPr/>
+      </p:sp>
+      <p:sp>
+        <p:nvSpPr>
+          <p:cNvPr id="3" name="Notes Placeholder 2"/>
+          <p:cNvSpPr>
+            <a:spLocks noGrp="1"/>
+          </p:cNvSpPr>
+          <p:nvPr>
+            <p:ph type="body" idx="1"/>
+          </p:nvPr>
+        </p:nvSpPr>
+        <p:spPr/>
+        <p:txBody>
+          <a:bodyPr/>
+          <a:lstStyle/>
+          <a:p>
+            <a:endParaRPr lang="en-US" dirty="0"/>
+          </a:p>
+        </p:txBody>
+      </p:sp>
+      <p:sp>
+        <p:nvSpPr>
+          <p:cNvPr id="4" name="Slide Number Placeholder 3"/>
+          <p:cNvSpPr>
+            <a:spLocks noGrp="1"/>
+          </p:cNvSpPr>
+          <p:nvPr>
+            <p:ph type="sldNum" sz="quarter" idx="5"/>
+          </p:nvPr>
+        </p:nvSpPr>
+        <p:spPr/>
+        <p:txBody>
+          <a:bodyPr/>
+          <a:lstStyle/>
+          <a:p>
+            <a:fld id="{09D08A87-9A2C-5743-90B0-0B7C68297D5F}" type="slidenum">
+              <a:rPr lang="en-US" smtClean="0"/>
               <a:t>18</a:t>
             </a:fld>
             <a:endParaRPr lang="en-US"/>
@@ -820,7 +905,7 @@
 </p:notes>
 </file>
 
-<file path=ppt/notesSlides/notesSlide5.xml><?xml version="1.0" encoding="utf-8"?>
+<file path=ppt/notesSlides/notesSlide6.xml><?xml version="1.0" encoding="utf-8"?>
 <p:notes xmlns:a="http://schemas.openxmlformats.org/drawingml/2006/main" xmlns:r="http://schemas.openxmlformats.org/officeDocument/2006/relationships" xmlns:p="http://schemas.openxmlformats.org/presentationml/2006/main">
   <p:cSld>
     <p:spTree>
@@ -4456,6 +4541,36 @@
           <a:chExt cx="0" cy="0"/>
         </a:xfrm>
       </p:grpSpPr>
+      <p:pic>
+        <p:nvPicPr>
+          <p:cNvPr id="15" name="Picture 14">
+            <a:extLst>
+              <a:ext uri="{FF2B5EF4-FFF2-40B4-BE49-F238E27FC236}">
+                <a16:creationId xmlns:a16="http://schemas.microsoft.com/office/drawing/2014/main" id="{E5C828B7-6B9A-EA46-9AB6-A115F9F8362C}"/>
+              </a:ext>
+            </a:extLst>
+          </p:cNvPr>
+          <p:cNvPicPr>
+            <a:picLocks noChangeAspect="1"/>
+          </p:cNvPicPr>
+          <p:nvPr/>
+        </p:nvPicPr>
+        <p:blipFill>
+          <a:blip r:embed="rId2"/>
+          <a:stretch>
+            <a:fillRect/>
+          </a:stretch>
+        </p:blipFill>
+        <p:spPr>
+          <a:xfrm>
+            <a:off x="6305433" y="4911652"/>
+            <a:ext cx="2451100" cy="406400"/>
+          </a:xfrm>
+          <a:prstGeom prst="rect">
+            <a:avLst/>
+          </a:prstGeom>
+        </p:spPr>
+      </p:pic>
       <p:sp>
         <p:nvSpPr>
           <p:cNvPr id="2" name="Title 1">
@@ -4516,8 +4631,12 @@
               <a:buNone/>
             </a:pPr>
             <a:r>
+              <a:rPr lang="en-US" b="1" dirty="0"/>
+              <a:t>Definition:</a:t>
+            </a:r>
+            <a:r>
               <a:rPr lang="en-US" dirty="0"/>
-              <a:t>For any function                               with </a:t>
+              <a:t> </a:t>
             </a:r>
             <a:r>
               <a:rPr lang="en-US" dirty="0">
@@ -4525,7 +4644,7 @@
                   <a:schemeClr val="accent2"/>
                 </a:solidFill>
               </a:rPr>
-              <a:t>Class Discrepancy</a:t>
+              <a:t>Class Discrepancy </a:t>
             </a:r>
           </a:p>
           <a:p>
@@ -4539,8 +4658,32 @@
               <a:buNone/>
             </a:pPr>
             <a:r>
+              <a:rPr lang="en-US" b="1" dirty="0"/>
+              <a:t>Lemma:</a:t>
+            </a:r>
+            <a:r>
               <a:rPr lang="en-US" dirty="0"/>
-              <a:t>                                                                                                 </a:t>
+              <a:t> For any function  whose </a:t>
+            </a:r>
+            <a:r>
+              <a:rPr lang="en-US" dirty="0">
+                <a:solidFill>
+                  <a:schemeClr val="accent2"/>
+                </a:solidFill>
+              </a:rPr>
+              <a:t>Class Discrepancy </a:t>
+            </a:r>
+            <a:r>
+              <a:rPr lang="en-US" dirty="0"/>
+              <a:t>is</a:t>
+            </a:r>
+            <a:r>
+              <a:rPr lang="en-US" dirty="0">
+                <a:solidFill>
+                  <a:schemeClr val="accent2"/>
+                </a:solidFill>
+              </a:rPr>
+              <a:t> </a:t>
             </a:r>
           </a:p>
           <a:p>
@@ -4593,7 +4736,7 @@
             </a:pPr>
             <a:r>
               <a:rPr lang="en-US" dirty="0"/>
-              <a:t>Its </a:t>
+              <a:t>Its randomized </a:t>
             </a:r>
             <a:r>
               <a:rPr lang="en-US" i="1" dirty="0"/>
@@ -4601,47 +4744,11 @@
             </a:r>
             <a:r>
               <a:rPr lang="en-US" dirty="0"/>
-              <a:t> coreset complexity is </a:t>
+              <a:t> coreset complexity is</a:t>
             </a:r>
-          </a:p>
-          <a:p>
-            <a:pPr marL="0" indent="0">
-              <a:buNone/>
-            </a:pPr>
-            <a:endParaRPr lang="en-US" dirty="0"/>
           </a:p>
         </p:txBody>
       </p:sp>
-      <p:pic>
-        <p:nvPicPr>
-          <p:cNvPr id="6" name="Picture 5">
-            <a:extLst>
-              <a:ext uri="{FF2B5EF4-FFF2-40B4-BE49-F238E27FC236}">
-                <a16:creationId xmlns:a16="http://schemas.microsoft.com/office/drawing/2014/main" id="{2B77B62A-7B53-1847-A9FE-9EA2A6CB2040}"/>
-              </a:ext>
-            </a:extLst>
-          </p:cNvPr>
-          <p:cNvPicPr>
-            <a:picLocks noChangeAspect="1"/>
-          </p:cNvPicPr>
-          <p:nvPr/>
-        </p:nvPicPr>
-        <p:blipFill>
-          <a:blip r:embed="rId2"/>
-          <a:stretch>
-            <a:fillRect/>
-          </a:stretch>
-        </p:blipFill>
-        <p:spPr>
-          <a:xfrm>
-            <a:off x="3489323" y="1900234"/>
-            <a:ext cx="2184400" cy="317500"/>
-          </a:xfrm>
-          <a:prstGeom prst="rect">
-            <a:avLst/>
-          </a:prstGeom>
-        </p:spPr>
-      </p:pic>
       <p:pic>
         <p:nvPicPr>
           <p:cNvPr id="7" name="Picture 6">
@@ -4674,10 +4781,10 @@
       </p:pic>
       <p:pic>
         <p:nvPicPr>
-          <p:cNvPr id="11" name="Picture 10">
-            <a:extLst>
-              <a:ext uri="{FF2B5EF4-FFF2-40B4-BE49-F238E27FC236}">
-                <a16:creationId xmlns:a16="http://schemas.microsoft.com/office/drawing/2014/main" id="{CBFCA011-28F8-534B-8142-9EC456B0C017}"/>
+          <p:cNvPr id="14" name="Picture 13">
+            <a:extLst>
+              <a:ext uri="{FF2B5EF4-FFF2-40B4-BE49-F238E27FC236}">
+                <a16:creationId xmlns:a16="http://schemas.microsoft.com/office/drawing/2014/main" id="{9648CF5A-9BB9-E74B-B846-94F987985C37}"/>
               </a:ext>
             </a:extLst>
           </p:cNvPr>
@@ -4694,7 +4801,7 @@
         </p:blipFill>
         <p:spPr>
           <a:xfrm>
-            <a:off x="6305433" y="5922714"/>
+            <a:off x="8098373" y="5922714"/>
             <a:ext cx="2946400" cy="368300"/>
           </a:xfrm>
           <a:prstGeom prst="rect">
@@ -4704,10 +4811,10 @@
       </p:pic>
       <p:pic>
         <p:nvPicPr>
-          <p:cNvPr id="12" name="Picture 11">
-            <a:extLst>
-              <a:ext uri="{FF2B5EF4-FFF2-40B4-BE49-F238E27FC236}">
-                <a16:creationId xmlns:a16="http://schemas.microsoft.com/office/drawing/2014/main" id="{0347D43F-40F3-054E-A665-E6D0C772FC5C}"/>
+          <p:cNvPr id="19" name="Picture 18">
+            <a:extLst>
+              <a:ext uri="{FF2B5EF4-FFF2-40B4-BE49-F238E27FC236}">
+                <a16:creationId xmlns:a16="http://schemas.microsoft.com/office/drawing/2014/main" id="{9A842BDB-D27C-5D43-9A06-A190ED565CF3}"/>
               </a:ext>
             </a:extLst>
           </p:cNvPr>
@@ -4724,8 +4831,8 @@
         </p:blipFill>
         <p:spPr>
           <a:xfrm>
-            <a:off x="3107625" y="2648746"/>
-            <a:ext cx="5511800" cy="863600"/>
+            <a:off x="5283083" y="1686109"/>
+            <a:ext cx="4495800" cy="863600"/>
           </a:xfrm>
           <a:prstGeom prst="rect">
             <a:avLst/>
@@ -4734,10 +4841,10 @@
       </p:pic>
       <p:pic>
         <p:nvPicPr>
-          <p:cNvPr id="4" name="Picture 3">
-            <a:extLst>
-              <a:ext uri="{FF2B5EF4-FFF2-40B4-BE49-F238E27FC236}">
-                <a16:creationId xmlns:a16="http://schemas.microsoft.com/office/drawing/2014/main" id="{9F5C85C3-9875-FB48-ACAE-5A6EDE5D052B}"/>
+          <p:cNvPr id="20" name="Picture 19">
+            <a:extLst>
+              <a:ext uri="{FF2B5EF4-FFF2-40B4-BE49-F238E27FC236}">
+                <a16:creationId xmlns:a16="http://schemas.microsoft.com/office/drawing/2014/main" id="{19C4F853-DA0E-8F42-A9BA-50C2037CBF7F}"/>
               </a:ext>
             </a:extLst>
           </p:cNvPr>
@@ -4754,525 +4861,8 @@
         </p:blipFill>
         <p:spPr>
           <a:xfrm>
-            <a:off x="6305433" y="4947510"/>
-            <a:ext cx="2451100" cy="406400"/>
-          </a:xfrm>
-          <a:prstGeom prst="rect">
-            <a:avLst/>
-          </a:prstGeom>
-        </p:spPr>
-      </p:pic>
-    </p:spTree>
-    <p:extLst>
-      <p:ext uri="{BB962C8B-B14F-4D97-AF65-F5344CB8AC3E}">
-        <p14:creationId xmlns:p14="http://schemas.microsoft.com/office/powerpoint/2010/main" val="3152087831"/>
-      </p:ext>
-    </p:extLst>
-  </p:cSld>
-  <p:clrMapOvr>
-    <a:masterClrMapping/>
-  </p:clrMapOvr>
-</p:sld>
-</file>
-
-<file path=ppt/slides/slide12.xml><?xml version="1.0" encoding="utf-8"?>
-<p:sld xmlns:a="http://schemas.openxmlformats.org/drawingml/2006/main" xmlns:r="http://schemas.openxmlformats.org/officeDocument/2006/relationships" xmlns:p="http://schemas.openxmlformats.org/presentationml/2006/main">
-  <p:cSld>
-    <p:spTree>
-      <p:nvGrpSpPr>
-        <p:cNvPr id="1" name=""/>
-        <p:cNvGrpSpPr/>
-        <p:nvPr/>
-      </p:nvGrpSpPr>
-      <p:grpSpPr>
-        <a:xfrm>
-          <a:off x="0" y="0"/>
-          <a:ext cx="0" cy="0"/>
-          <a:chOff x="0" y="0"/>
-          <a:chExt cx="0" cy="0"/>
-        </a:xfrm>
-      </p:grpSpPr>
-      <p:sp>
-        <p:nvSpPr>
-          <p:cNvPr id="2" name="Title 1">
-            <a:extLst>
-              <a:ext uri="{FF2B5EF4-FFF2-40B4-BE49-F238E27FC236}">
-                <a16:creationId xmlns:a16="http://schemas.microsoft.com/office/drawing/2014/main" id="{D48F7FF8-89AE-FC4F-9397-77D52ADA0AFB}"/>
-              </a:ext>
-            </a:extLst>
-          </p:cNvPr>
-          <p:cNvSpPr>
-            <a:spLocks noGrp="1"/>
-          </p:cNvSpPr>
-          <p:nvPr>
-            <p:ph type="title"/>
-          </p:nvPr>
-        </p:nvSpPr>
-        <p:spPr/>
-        <p:txBody>
-          <a:bodyPr/>
-          <a:lstStyle/>
-          <a:p>
-            <a:r>
-              <a:rPr lang="en-US" dirty="0"/>
-              <a:t>Answer: Yes</a:t>
-            </a:r>
-          </a:p>
-        </p:txBody>
-      </p:sp>
-      <p:sp>
-        <p:nvSpPr>
-          <p:cNvPr id="3" name="Content Placeholder 2">
-            <a:extLst>
-              <a:ext uri="{FF2B5EF4-FFF2-40B4-BE49-F238E27FC236}">
-                <a16:creationId xmlns:a16="http://schemas.microsoft.com/office/drawing/2014/main" id="{0FBA14E8-2312-FD4D-BC32-B7F1E7817477}"/>
-              </a:ext>
-            </a:extLst>
-          </p:cNvPr>
-          <p:cNvSpPr>
-            <a:spLocks noGrp="1"/>
-          </p:cNvSpPr>
-          <p:nvPr>
-            <p:ph idx="1"/>
-          </p:nvPr>
-        </p:nvSpPr>
-        <p:spPr>
-          <a:xfrm>
-            <a:off x="838200" y="1825624"/>
-            <a:ext cx="10515600" cy="5032375"/>
-          </a:xfrm>
-        </p:spPr>
-        <p:txBody>
-          <a:bodyPr>
-            <a:normAutofit/>
-          </a:bodyPr>
-          <a:lstStyle/>
-          <a:p>
-            <a:pPr marL="0" indent="0">
-              <a:buNone/>
-            </a:pPr>
-            <a:r>
-              <a:rPr lang="en-US" dirty="0"/>
-              <a:t>For any function                               with </a:t>
-            </a:r>
-            <a:r>
-              <a:rPr lang="en-US" dirty="0">
-                <a:solidFill>
-                  <a:schemeClr val="accent2"/>
-                </a:solidFill>
-              </a:rPr>
-              <a:t>Class Discrepancy</a:t>
-            </a:r>
-          </a:p>
-          <a:p>
-            <a:pPr marL="0" indent="0">
-              <a:buNone/>
-            </a:pPr>
-            <a:endParaRPr lang="en-US" dirty="0"/>
-          </a:p>
-          <a:p>
-            <a:pPr marL="0" indent="0">
-              <a:buNone/>
-            </a:pPr>
-            <a:r>
-              <a:rPr lang="en-US" dirty="0"/>
-              <a:t>                                                                                                 </a:t>
-            </a:r>
-          </a:p>
-          <a:p>
-            <a:pPr marL="0" indent="0">
-              <a:buNone/>
-            </a:pPr>
-            <a:endParaRPr lang="en-US" dirty="0"/>
-          </a:p>
-          <a:p>
-            <a:pPr marL="0" indent="0">
-              <a:buNone/>
-            </a:pPr>
-            <a:r>
-              <a:rPr lang="en-US" dirty="0"/>
-              <a:t>Its coreset complexity is </a:t>
-            </a:r>
-          </a:p>
-          <a:p>
-            <a:pPr marL="0" indent="0">
-              <a:buNone/>
-            </a:pPr>
-            <a:endParaRPr lang="en-US" dirty="0"/>
-          </a:p>
-          <a:p>
-            <a:pPr marL="0" indent="0">
-              <a:buNone/>
-            </a:pPr>
-            <a:r>
-              <a:rPr lang="en-US" dirty="0"/>
-              <a:t>Its </a:t>
-            </a:r>
-            <a:r>
-              <a:rPr lang="en-US" i="1" dirty="0"/>
-              <a:t>streaming</a:t>
-            </a:r>
-            <a:r>
-              <a:rPr lang="en-US" dirty="0"/>
-              <a:t> coreset complexity is </a:t>
-            </a:r>
-          </a:p>
-          <a:p>
-            <a:pPr marL="0" indent="0">
-              <a:buNone/>
-            </a:pPr>
-            <a:endParaRPr lang="en-US" dirty="0"/>
-          </a:p>
-          <a:p>
-            <a:pPr marL="0" indent="0">
-              <a:buNone/>
-            </a:pPr>
-            <a:r>
-              <a:rPr lang="en-US" dirty="0"/>
-              <a:t>Its </a:t>
-            </a:r>
-            <a:r>
-              <a:rPr lang="en-US" i="1" dirty="0"/>
-              <a:t>streaming</a:t>
-            </a:r>
-            <a:r>
-              <a:rPr lang="en-US" dirty="0"/>
-              <a:t> coreset complexity is </a:t>
-            </a:r>
-          </a:p>
-          <a:p>
-            <a:pPr marL="0" indent="0">
-              <a:buNone/>
-            </a:pPr>
-            <a:endParaRPr lang="en-US" dirty="0"/>
-          </a:p>
-        </p:txBody>
-      </p:sp>
-      <p:pic>
-        <p:nvPicPr>
-          <p:cNvPr id="6" name="Picture 5">
-            <a:extLst>
-              <a:ext uri="{FF2B5EF4-FFF2-40B4-BE49-F238E27FC236}">
-                <a16:creationId xmlns:a16="http://schemas.microsoft.com/office/drawing/2014/main" id="{2B77B62A-7B53-1847-A9FE-9EA2A6CB2040}"/>
-              </a:ext>
-            </a:extLst>
-          </p:cNvPr>
-          <p:cNvPicPr>
-            <a:picLocks noChangeAspect="1"/>
-          </p:cNvPicPr>
-          <p:nvPr/>
-        </p:nvPicPr>
-        <p:blipFill>
-          <a:blip r:embed="rId2"/>
-          <a:stretch>
-            <a:fillRect/>
-          </a:stretch>
-        </p:blipFill>
-        <p:spPr>
-          <a:xfrm>
-            <a:off x="3489323" y="1900234"/>
-            <a:ext cx="2184400" cy="317500"/>
-          </a:xfrm>
-          <a:prstGeom prst="rect">
-            <a:avLst/>
-          </a:prstGeom>
-        </p:spPr>
-      </p:pic>
-      <p:pic>
-        <p:nvPicPr>
-          <p:cNvPr id="7" name="Picture 6">
-            <a:extLst>
-              <a:ext uri="{FF2B5EF4-FFF2-40B4-BE49-F238E27FC236}">
-                <a16:creationId xmlns:a16="http://schemas.microsoft.com/office/drawing/2014/main" id="{F94BCEE1-0D69-7B42-B542-4D5BBB0B4A0B}"/>
-              </a:ext>
-            </a:extLst>
-          </p:cNvPr>
-          <p:cNvPicPr>
-            <a:picLocks noChangeAspect="1"/>
-          </p:cNvPicPr>
-          <p:nvPr/>
-        </p:nvPicPr>
-        <p:blipFill>
-          <a:blip r:embed="rId3"/>
-          <a:stretch>
-            <a:fillRect/>
-          </a:stretch>
-        </p:blipFill>
-        <p:spPr>
-          <a:xfrm>
-            <a:off x="4655670" y="3958856"/>
-            <a:ext cx="889000" cy="317500"/>
-          </a:xfrm>
-          <a:prstGeom prst="rect">
-            <a:avLst/>
-          </a:prstGeom>
-        </p:spPr>
-      </p:pic>
-      <p:pic>
-        <p:nvPicPr>
-          <p:cNvPr id="11" name="Picture 10">
-            <a:extLst>
-              <a:ext uri="{FF2B5EF4-FFF2-40B4-BE49-F238E27FC236}">
-                <a16:creationId xmlns:a16="http://schemas.microsoft.com/office/drawing/2014/main" id="{CBFCA011-28F8-534B-8142-9EC456B0C017}"/>
-              </a:ext>
-            </a:extLst>
-          </p:cNvPr>
-          <p:cNvPicPr>
-            <a:picLocks noChangeAspect="1"/>
-          </p:cNvPicPr>
-          <p:nvPr/>
-        </p:nvPicPr>
-        <p:blipFill>
-          <a:blip r:embed="rId4"/>
-          <a:stretch>
-            <a:fillRect/>
-          </a:stretch>
-        </p:blipFill>
-        <p:spPr>
-          <a:xfrm>
-            <a:off x="6126138" y="4918667"/>
-            <a:ext cx="2946400" cy="368300"/>
-          </a:xfrm>
-          <a:prstGeom prst="rect">
-            <a:avLst/>
-          </a:prstGeom>
-        </p:spPr>
-      </p:pic>
-      <p:pic>
-        <p:nvPicPr>
-          <p:cNvPr id="12" name="Picture 11">
-            <a:extLst>
-              <a:ext uri="{FF2B5EF4-FFF2-40B4-BE49-F238E27FC236}">
-                <a16:creationId xmlns:a16="http://schemas.microsoft.com/office/drawing/2014/main" id="{0347D43F-40F3-054E-A665-E6D0C772FC5C}"/>
-              </a:ext>
-            </a:extLst>
-          </p:cNvPr>
-          <p:cNvPicPr>
-            <a:picLocks noChangeAspect="1"/>
-          </p:cNvPicPr>
-          <p:nvPr/>
-        </p:nvPicPr>
-        <p:blipFill>
-          <a:blip r:embed="rId5"/>
-          <a:stretch>
-            <a:fillRect/>
-          </a:stretch>
-        </p:blipFill>
-        <p:spPr>
-          <a:xfrm>
-            <a:off x="3107625" y="2648746"/>
-            <a:ext cx="5511800" cy="863600"/>
-          </a:xfrm>
-          <a:prstGeom prst="rect">
-            <a:avLst/>
-          </a:prstGeom>
-        </p:spPr>
-      </p:pic>
-      <p:grpSp>
-        <p:nvGrpSpPr>
-          <p:cNvPr id="23" name="Group 22">
-            <a:extLst>
-              <a:ext uri="{FF2B5EF4-FFF2-40B4-BE49-F238E27FC236}">
-                <a16:creationId xmlns:a16="http://schemas.microsoft.com/office/drawing/2014/main" id="{1DE51373-1872-6B41-A018-F07F32E0C28C}"/>
-              </a:ext>
-            </a:extLst>
-          </p:cNvPr>
-          <p:cNvGrpSpPr/>
-          <p:nvPr/>
-        </p:nvGrpSpPr>
-        <p:grpSpPr>
-          <a:xfrm rot="20640462">
-            <a:off x="2939130" y="4096929"/>
-            <a:ext cx="6374016" cy="1643477"/>
-            <a:chOff x="2486714" y="3919609"/>
-            <a:chExt cx="6374016" cy="1643477"/>
-          </a:xfrm>
-        </p:grpSpPr>
-        <p:grpSp>
-          <p:nvGrpSpPr>
-            <p:cNvPr id="21" name="Group 20">
-              <a:extLst>
-                <a:ext uri="{FF2B5EF4-FFF2-40B4-BE49-F238E27FC236}">
-                  <a16:creationId xmlns:a16="http://schemas.microsoft.com/office/drawing/2014/main" id="{56FE9B26-C470-B14C-87D9-8DDF93B65BE7}"/>
-                </a:ext>
-              </a:extLst>
-            </p:cNvPr>
-            <p:cNvGrpSpPr/>
-            <p:nvPr/>
-          </p:nvGrpSpPr>
-          <p:grpSpPr>
-            <a:xfrm>
-              <a:off x="2486714" y="3919609"/>
-              <a:ext cx="6374016" cy="1643477"/>
-              <a:chOff x="2105278" y="3812300"/>
-              <a:chExt cx="6374016" cy="1643477"/>
-            </a:xfrm>
-          </p:grpSpPr>
-          <p:sp>
-            <p:nvSpPr>
-              <p:cNvPr id="16" name="Rectangle 15">
-                <a:extLst>
-                  <a:ext uri="{FF2B5EF4-FFF2-40B4-BE49-F238E27FC236}">
-                    <a16:creationId xmlns:a16="http://schemas.microsoft.com/office/drawing/2014/main" id="{26647BCC-488B-984F-8FDE-AAD388667402}"/>
-                  </a:ext>
-                </a:extLst>
-              </p:cNvPr>
-              <p:cNvSpPr/>
-              <p:nvPr/>
-            </p:nvSpPr>
-            <p:spPr>
-              <a:xfrm>
-                <a:off x="2105278" y="3812300"/>
-                <a:ext cx="6374016" cy="1643477"/>
-              </a:xfrm>
-              <a:prstGeom prst="rect">
-                <a:avLst/>
-              </a:prstGeom>
-              <a:solidFill>
-                <a:schemeClr val="bg2">
-                  <a:lumMod val="90000"/>
-                </a:schemeClr>
-              </a:solidFill>
-              <a:ln>
-                <a:noFill/>
-              </a:ln>
-            </p:spPr>
-            <p:style>
-              <a:lnRef idx="2">
-                <a:schemeClr val="accent1">
-                  <a:shade val="50000"/>
-                </a:schemeClr>
-              </a:lnRef>
-              <a:fillRef idx="1">
-                <a:schemeClr val="accent1"/>
-              </a:fillRef>
-              <a:effectRef idx="0">
-                <a:schemeClr val="accent1"/>
-              </a:effectRef>
-              <a:fontRef idx="minor">
-                <a:schemeClr val="lt1"/>
-              </a:fontRef>
-            </p:style>
-            <p:txBody>
-              <a:bodyPr rtlCol="0" anchor="ctr"/>
-              <a:lstStyle/>
-              <a:p>
-                <a:pPr algn="ctr"/>
-                <a:endParaRPr lang="en-US" dirty="0"/>
-              </a:p>
-            </p:txBody>
-          </p:sp>
-          <p:sp>
-            <p:nvSpPr>
-              <p:cNvPr id="17" name="TextBox 16">
-                <a:extLst>
-                  <a:ext uri="{FF2B5EF4-FFF2-40B4-BE49-F238E27FC236}">
-                    <a16:creationId xmlns:a16="http://schemas.microsoft.com/office/drawing/2014/main" id="{C39F218A-5CB2-5441-8FC5-95171C09C203}"/>
-                  </a:ext>
-                </a:extLst>
-              </p:cNvPr>
-              <p:cNvSpPr txBox="1"/>
-              <p:nvPr/>
-            </p:nvSpPr>
-            <p:spPr>
-              <a:xfrm>
-                <a:off x="2921259" y="3914442"/>
-                <a:ext cx="4742067" cy="523220"/>
-              </a:xfrm>
-              <a:prstGeom prst="rect">
-                <a:avLst/>
-              </a:prstGeom>
-              <a:noFill/>
-            </p:spPr>
-            <p:txBody>
-              <a:bodyPr wrap="none" rtlCol="0">
-                <a:spAutoFit/>
-              </a:bodyPr>
-              <a:lstStyle/>
-              <a:p>
-                <a:r>
-                  <a:rPr lang="en-US" sz="2800" dirty="0">
-                    <a:solidFill>
-                      <a:srgbClr val="FF0000"/>
-                    </a:solidFill>
-                  </a:rPr>
-                  <a:t>Note: </a:t>
-                </a:r>
-                <a:r>
-                  <a:rPr lang="en-US" sz="2800" dirty="0" err="1">
-                    <a:solidFill>
-                      <a:srgbClr val="FF0000"/>
-                    </a:solidFill>
-                  </a:rPr>
-                  <a:t>Rademacher</a:t>
-                </a:r>
-                <a:r>
-                  <a:rPr lang="en-US" sz="2800" dirty="0">
-                    <a:solidFill>
-                      <a:srgbClr val="FF0000"/>
-                    </a:solidFill>
-                  </a:rPr>
-                  <a:t> Complexity</a:t>
-                </a:r>
-              </a:p>
-            </p:txBody>
-          </p:sp>
-        </p:grpSp>
-        <p:pic>
-          <p:nvPicPr>
-            <p:cNvPr id="22" name="Picture 21">
-              <a:extLst>
-                <a:ext uri="{FF2B5EF4-FFF2-40B4-BE49-F238E27FC236}">
-                  <a16:creationId xmlns:a16="http://schemas.microsoft.com/office/drawing/2014/main" id="{BB5D3F72-1BAE-4A4B-A0F9-88D694B90215}"/>
-                </a:ext>
-              </a:extLst>
-            </p:cNvPr>
-            <p:cNvPicPr>
-              <a:picLocks noChangeAspect="1"/>
-            </p:cNvPicPr>
-            <p:nvPr/>
-          </p:nvPicPr>
-          <p:blipFill>
-            <a:blip r:embed="rId6"/>
-            <a:stretch>
-              <a:fillRect/>
-            </a:stretch>
-          </p:blipFill>
-          <p:spPr>
-            <a:xfrm>
-              <a:off x="2867021" y="4609025"/>
-              <a:ext cx="5613400" cy="863600"/>
-            </a:xfrm>
-            <a:prstGeom prst="rect">
-              <a:avLst/>
-            </a:prstGeom>
-          </p:spPr>
-        </p:pic>
-      </p:grpSp>
-      <p:pic>
-        <p:nvPicPr>
-          <p:cNvPr id="13" name="Picture 12">
-            <a:extLst>
-              <a:ext uri="{FF2B5EF4-FFF2-40B4-BE49-F238E27FC236}">
-                <a16:creationId xmlns:a16="http://schemas.microsoft.com/office/drawing/2014/main" id="{6E848FA2-ED55-A94E-8154-389737BA2216}"/>
-              </a:ext>
-            </a:extLst>
-          </p:cNvPr>
-          <p:cNvPicPr>
-            <a:picLocks noChangeAspect="1"/>
-          </p:cNvPicPr>
-          <p:nvPr/>
-        </p:nvPicPr>
-        <p:blipFill>
-          <a:blip r:embed="rId4"/>
-          <a:stretch>
-            <a:fillRect/>
-          </a:stretch>
-        </p:blipFill>
-        <p:spPr>
-          <a:xfrm>
-            <a:off x="6305433" y="5922714"/>
-            <a:ext cx="2946400" cy="368300"/>
+            <a:off x="8694765" y="2936782"/>
+            <a:ext cx="1955800" cy="317500"/>
           </a:xfrm>
           <a:prstGeom prst="rect">
             <a:avLst/>
@@ -5292,7 +4882,7 @@
 </p:sld>
 </file>
 
-<file path=ppt/slides/slide13.xml><?xml version="1.0" encoding="utf-8"?>
+<file path=ppt/slides/slide12.xml><?xml version="1.0" encoding="utf-8"?>
 <p:sld xmlns:a="http://schemas.openxmlformats.org/drawingml/2006/main" xmlns:r="http://schemas.openxmlformats.org/officeDocument/2006/relationships" xmlns:p="http://schemas.openxmlformats.org/presentationml/2006/main">
   <p:cSld>
     <p:spTree>
@@ -5965,7 +5555,7 @@
 </p:sld>
 </file>
 
-<file path=ppt/slides/slide14.xml><?xml version="1.0" encoding="utf-8"?>
+<file path=ppt/slides/slide13.xml><?xml version="1.0" encoding="utf-8"?>
 <p:sld xmlns:a="http://schemas.openxmlformats.org/drawingml/2006/main" xmlns:r="http://schemas.openxmlformats.org/officeDocument/2006/relationships" xmlns:p="http://schemas.openxmlformats.org/presentationml/2006/main">
   <p:cSld>
     <p:spTree>
@@ -6218,51 +5808,6 @@
             </a:solidFill>
             <a:headEnd type="triangle"/>
             <a:tailEnd type="none"/>
-          </a:ln>
-        </p:spPr>
-        <p:style>
-          <a:lnRef idx="1">
-            <a:schemeClr val="accent1"/>
-          </a:lnRef>
-          <a:fillRef idx="0">
-            <a:schemeClr val="accent1"/>
-          </a:fillRef>
-          <a:effectRef idx="0">
-            <a:schemeClr val="accent1"/>
-          </a:effectRef>
-          <a:fontRef idx="minor">
-            <a:schemeClr val="tx1"/>
-          </a:fontRef>
-        </p:style>
-      </p:cxnSp>
-      <p:cxnSp>
-        <p:nvCxnSpPr>
-          <p:cNvPr id="59" name="Straight Connector 58">
-            <a:extLst>
-              <a:ext uri="{FF2B5EF4-FFF2-40B4-BE49-F238E27FC236}">
-                <a16:creationId xmlns:a16="http://schemas.microsoft.com/office/drawing/2014/main" id="{E400C496-48A0-AE47-96A4-897C1270842B}"/>
-              </a:ext>
-            </a:extLst>
-          </p:cNvPr>
-          <p:cNvCxnSpPr>
-            <a:cxnSpLocks/>
-          </p:cNvCxnSpPr>
-          <p:nvPr/>
-        </p:nvCxnSpPr>
-        <p:spPr>
-          <a:xfrm>
-            <a:off x="4103695" y="6245361"/>
-            <a:ext cx="4073617" cy="0"/>
-          </a:xfrm>
-          <a:prstGeom prst="line">
-            <a:avLst/>
-          </a:prstGeom>
-          <a:ln>
-            <a:solidFill>
-              <a:schemeClr val="tx1"/>
-            </a:solidFill>
-            <a:headEnd type="none" w="lg" len="lg"/>
-            <a:tailEnd type="triangle"/>
           </a:ln>
         </p:spPr>
         <p:style>
@@ -6410,12 +5955,277 @@
           </a:p>
         </p:txBody>
       </p:sp>
+      <p:cxnSp>
+        <p:nvCxnSpPr>
+          <p:cNvPr id="76" name="Straight Connector 75">
+            <a:extLst>
+              <a:ext uri="{FF2B5EF4-FFF2-40B4-BE49-F238E27FC236}">
+                <a16:creationId xmlns:a16="http://schemas.microsoft.com/office/drawing/2014/main" id="{138D6A72-E03C-B247-BB58-BB7B91649839}"/>
+              </a:ext>
+            </a:extLst>
+          </p:cNvPr>
+          <p:cNvCxnSpPr>
+            <a:cxnSpLocks/>
+          </p:cNvCxnSpPr>
+          <p:nvPr/>
+        </p:nvCxnSpPr>
+        <p:spPr>
+          <a:xfrm flipH="1">
+            <a:off x="4062054" y="3164084"/>
+            <a:ext cx="855657" cy="873357"/>
+          </a:xfrm>
+          <a:prstGeom prst="line">
+            <a:avLst/>
+          </a:prstGeom>
+          <a:ln>
+            <a:solidFill>
+              <a:schemeClr val="tx1"/>
+            </a:solidFill>
+            <a:headEnd type="triangle"/>
+            <a:tailEnd type="none"/>
+          </a:ln>
+        </p:spPr>
+        <p:style>
+          <a:lnRef idx="1">
+            <a:schemeClr val="accent1"/>
+          </a:lnRef>
+          <a:fillRef idx="0">
+            <a:schemeClr val="accent1"/>
+          </a:fillRef>
+          <a:effectRef idx="0">
+            <a:schemeClr val="accent1"/>
+          </a:effectRef>
+          <a:fontRef idx="minor">
+            <a:schemeClr val="tx1"/>
+          </a:fontRef>
+        </p:style>
+      </p:cxnSp>
+      <p:cxnSp>
+        <p:nvCxnSpPr>
+          <p:cNvPr id="77" name="Straight Connector 76">
+            <a:extLst>
+              <a:ext uri="{FF2B5EF4-FFF2-40B4-BE49-F238E27FC236}">
+                <a16:creationId xmlns:a16="http://schemas.microsoft.com/office/drawing/2014/main" id="{0537F63D-C134-E84F-AC40-F4C3B7FD413D}"/>
+              </a:ext>
+            </a:extLst>
+          </p:cNvPr>
+          <p:cNvCxnSpPr>
+            <a:cxnSpLocks/>
+          </p:cNvCxnSpPr>
+          <p:nvPr/>
+        </p:nvCxnSpPr>
+        <p:spPr>
+          <a:xfrm flipH="1">
+            <a:off x="4078335" y="5638315"/>
+            <a:ext cx="855657" cy="873357"/>
+          </a:xfrm>
+          <a:prstGeom prst="line">
+            <a:avLst/>
+          </a:prstGeom>
+          <a:ln>
+            <a:solidFill>
+              <a:schemeClr val="tx1"/>
+            </a:solidFill>
+            <a:headEnd type="triangle"/>
+            <a:tailEnd type="none"/>
+          </a:ln>
+        </p:spPr>
+        <p:style>
+          <a:lnRef idx="1">
+            <a:schemeClr val="accent1"/>
+          </a:lnRef>
+          <a:fillRef idx="0">
+            <a:schemeClr val="accent1"/>
+          </a:fillRef>
+          <a:effectRef idx="0">
+            <a:schemeClr val="accent1"/>
+          </a:effectRef>
+          <a:fontRef idx="minor">
+            <a:schemeClr val="tx1"/>
+          </a:fontRef>
+        </p:style>
+      </p:cxnSp>
+      <p:pic>
+        <p:nvPicPr>
+          <p:cNvPr id="32" name="Picture 31">
+            <a:extLst>
+              <a:ext uri="{FF2B5EF4-FFF2-40B4-BE49-F238E27FC236}">
+                <a16:creationId xmlns:a16="http://schemas.microsoft.com/office/drawing/2014/main" id="{C7102E6F-821A-DB41-A692-708C25C31DA1}"/>
+              </a:ext>
+            </a:extLst>
+          </p:cNvPr>
+          <p:cNvPicPr>
+            <a:picLocks noChangeAspect="1"/>
+          </p:cNvPicPr>
+          <p:nvPr/>
+        </p:nvPicPr>
+        <p:blipFill>
+          <a:blip r:embed="rId4"/>
+          <a:stretch>
+            <a:fillRect/>
+          </a:stretch>
+        </p:blipFill>
+        <p:spPr>
+          <a:xfrm>
+            <a:off x="290588" y="5710800"/>
+            <a:ext cx="3441700" cy="355600"/>
+          </a:xfrm>
+          <a:prstGeom prst="rect">
+            <a:avLst/>
+          </a:prstGeom>
+        </p:spPr>
+      </p:pic>
+      <p:pic>
+        <p:nvPicPr>
+          <p:cNvPr id="33" name="Picture 32">
+            <a:extLst>
+              <a:ext uri="{FF2B5EF4-FFF2-40B4-BE49-F238E27FC236}">
+                <a16:creationId xmlns:a16="http://schemas.microsoft.com/office/drawing/2014/main" id="{43F8A3F4-4889-B44E-8282-CAD4565408A5}"/>
+              </a:ext>
+            </a:extLst>
+          </p:cNvPr>
+          <p:cNvPicPr>
+            <a:picLocks noChangeAspect="1"/>
+          </p:cNvPicPr>
+          <p:nvPr/>
+        </p:nvPicPr>
+        <p:blipFill>
+          <a:blip r:embed="rId5"/>
+          <a:stretch>
+            <a:fillRect/>
+          </a:stretch>
+        </p:blipFill>
+        <p:spPr>
+          <a:xfrm>
+            <a:off x="333257" y="3159778"/>
+            <a:ext cx="3302000" cy="381000"/>
+          </a:xfrm>
+          <a:prstGeom prst="rect">
+            <a:avLst/>
+          </a:prstGeom>
+        </p:spPr>
+      </p:pic>
       <p:sp>
         <p:nvSpPr>
-          <p:cNvPr id="72" name="Freeform 71">
-            <a:extLst>
-              <a:ext uri="{FF2B5EF4-FFF2-40B4-BE49-F238E27FC236}">
-                <a16:creationId xmlns:a16="http://schemas.microsoft.com/office/drawing/2014/main" id="{5A56F40C-AEB1-9640-93C9-41B5C5AF39ED}"/>
+          <p:cNvPr id="6" name="TextBox 5">
+            <a:extLst>
+              <a:ext uri="{FF2B5EF4-FFF2-40B4-BE49-F238E27FC236}">
+                <a16:creationId xmlns:a16="http://schemas.microsoft.com/office/drawing/2014/main" id="{AC5D8397-BDC3-464B-8735-255345F9110E}"/>
+              </a:ext>
+            </a:extLst>
+          </p:cNvPr>
+          <p:cNvSpPr txBox="1"/>
+          <p:nvPr/>
+        </p:nvSpPr>
+        <p:spPr>
+          <a:xfrm>
+            <a:off x="4066306" y="1855106"/>
+            <a:ext cx="4554067" cy="523220"/>
+          </a:xfrm>
+          <a:prstGeom prst="rect">
+            <a:avLst/>
+          </a:prstGeom>
+          <a:noFill/>
+        </p:spPr>
+        <p:txBody>
+          <a:bodyPr wrap="none" rtlCol="0">
+            <a:spAutoFit/>
+          </a:bodyPr>
+          <a:lstStyle/>
+          <a:p>
+            <a:r>
+              <a:rPr lang="en-US" sz="2800" dirty="0"/>
+              <a:t>Sigmoid Activation Regression</a:t>
+            </a:r>
+          </a:p>
+        </p:txBody>
+      </p:sp>
+      <p:sp>
+        <p:nvSpPr>
+          <p:cNvPr id="36" name="TextBox 35">
+            <a:extLst>
+              <a:ext uri="{FF2B5EF4-FFF2-40B4-BE49-F238E27FC236}">
+                <a16:creationId xmlns:a16="http://schemas.microsoft.com/office/drawing/2014/main" id="{D1018730-5829-EC4E-9C34-AA86D6F27422}"/>
+              </a:ext>
+            </a:extLst>
+          </p:cNvPr>
+          <p:cNvSpPr txBox="1"/>
+          <p:nvPr/>
+        </p:nvSpPr>
+        <p:spPr>
+          <a:xfrm>
+            <a:off x="4555401" y="4688656"/>
+            <a:ext cx="3683957" cy="523220"/>
+          </a:xfrm>
+          <a:prstGeom prst="rect">
+            <a:avLst/>
+          </a:prstGeom>
+          <a:noFill/>
+        </p:spPr>
+        <p:txBody>
+          <a:bodyPr wrap="none" rtlCol="0">
+            <a:spAutoFit/>
+          </a:bodyPr>
+          <a:lstStyle/>
+          <a:p>
+            <a:r>
+              <a:rPr lang="en-US" sz="2800" dirty="0"/>
+              <a:t>Gaussian Kernel Density</a:t>
+            </a:r>
+          </a:p>
+        </p:txBody>
+      </p:sp>
+      <p:cxnSp>
+        <p:nvCxnSpPr>
+          <p:cNvPr id="37" name="Straight Connector 36">
+            <a:extLst>
+              <a:ext uri="{FF2B5EF4-FFF2-40B4-BE49-F238E27FC236}">
+                <a16:creationId xmlns:a16="http://schemas.microsoft.com/office/drawing/2014/main" id="{7C5C8539-1088-954D-BE9C-55DD59CB681D}"/>
+              </a:ext>
+            </a:extLst>
+          </p:cNvPr>
+          <p:cNvCxnSpPr>
+            <a:cxnSpLocks/>
+          </p:cNvCxnSpPr>
+          <p:nvPr/>
+        </p:nvCxnSpPr>
+        <p:spPr>
+          <a:xfrm>
+            <a:off x="4103695" y="6258332"/>
+            <a:ext cx="4073617" cy="0"/>
+          </a:xfrm>
+          <a:prstGeom prst="line">
+            <a:avLst/>
+          </a:prstGeom>
+          <a:ln>
+            <a:solidFill>
+              <a:schemeClr val="tx1"/>
+            </a:solidFill>
+            <a:headEnd type="none" w="lg" len="lg"/>
+            <a:tailEnd type="triangle"/>
+          </a:ln>
+        </p:spPr>
+        <p:style>
+          <a:lnRef idx="1">
+            <a:schemeClr val="accent1"/>
+          </a:lnRef>
+          <a:fillRef idx="0">
+            <a:schemeClr val="accent1"/>
+          </a:fillRef>
+          <a:effectRef idx="0">
+            <a:schemeClr val="accent1"/>
+          </a:effectRef>
+          <a:fontRef idx="minor">
+            <a:schemeClr val="tx1"/>
+          </a:fontRef>
+        </p:style>
+      </p:cxnSp>
+      <p:sp>
+        <p:nvSpPr>
+          <p:cNvPr id="38" name="Freeform 37">
+            <a:extLst>
+              <a:ext uri="{FF2B5EF4-FFF2-40B4-BE49-F238E27FC236}">
+                <a16:creationId xmlns:a16="http://schemas.microsoft.com/office/drawing/2014/main" id="{B9E269AF-3356-ED4B-A624-989C226DB577}"/>
               </a:ext>
             </a:extLst>
           </p:cNvPr>
@@ -6424,7 +6234,7 @@
         </p:nvSpPr>
         <p:spPr>
           <a:xfrm>
-            <a:off x="4327124" y="5537872"/>
+            <a:off x="4327124" y="5529578"/>
             <a:ext cx="3771900" cy="741680"/>
           </a:xfrm>
           <a:custGeom>
@@ -6520,102 +6330,243 @@
           </a:p>
         </p:txBody>
       </p:sp>
-      <p:cxnSp>
-        <p:nvCxnSpPr>
-          <p:cNvPr id="76" name="Straight Connector 75">
-            <a:extLst>
-              <a:ext uri="{FF2B5EF4-FFF2-40B4-BE49-F238E27FC236}">
-                <a16:creationId xmlns:a16="http://schemas.microsoft.com/office/drawing/2014/main" id="{138D6A72-E03C-B247-BB58-BB7B91649839}"/>
-              </a:ext>
-            </a:extLst>
-          </p:cNvPr>
-          <p:cNvCxnSpPr>
-            <a:cxnSpLocks/>
-          </p:cNvCxnSpPr>
-          <p:nvPr/>
-        </p:nvCxnSpPr>
-        <p:spPr>
-          <a:xfrm flipH="1">
-            <a:off x="4062054" y="3164084"/>
-            <a:ext cx="855657" cy="873357"/>
-          </a:xfrm>
-          <a:prstGeom prst="line">
-            <a:avLst/>
-          </a:prstGeom>
-          <a:ln>
-            <a:solidFill>
-              <a:schemeClr val="tx1"/>
-            </a:solidFill>
-            <a:headEnd type="triangle"/>
-            <a:tailEnd type="none"/>
-          </a:ln>
-        </p:spPr>
-        <p:style>
-          <a:lnRef idx="1">
-            <a:schemeClr val="accent1"/>
-          </a:lnRef>
-          <a:fillRef idx="0">
-            <a:schemeClr val="accent1"/>
-          </a:fillRef>
-          <a:effectRef idx="0">
-            <a:schemeClr val="accent1"/>
-          </a:effectRef>
-          <a:fontRef idx="minor">
-            <a:schemeClr val="tx1"/>
-          </a:fontRef>
-        </p:style>
-      </p:cxnSp>
-      <p:cxnSp>
-        <p:nvCxnSpPr>
-          <p:cNvPr id="77" name="Straight Connector 76">
-            <a:extLst>
-              <a:ext uri="{FF2B5EF4-FFF2-40B4-BE49-F238E27FC236}">
-                <a16:creationId xmlns:a16="http://schemas.microsoft.com/office/drawing/2014/main" id="{0537F63D-C134-E84F-AC40-F4C3B7FD413D}"/>
-              </a:ext>
-            </a:extLst>
-          </p:cNvPr>
-          <p:cNvCxnSpPr>
-            <a:cxnSpLocks/>
-          </p:cNvCxnSpPr>
-          <p:nvPr/>
-        </p:nvCxnSpPr>
-        <p:spPr>
-          <a:xfrm flipH="1">
-            <a:off x="4127573" y="5638315"/>
-            <a:ext cx="855657" cy="873357"/>
-          </a:xfrm>
-          <a:prstGeom prst="line">
-            <a:avLst/>
-          </a:prstGeom>
-          <a:ln>
-            <a:solidFill>
-              <a:schemeClr val="tx1"/>
-            </a:solidFill>
-            <a:headEnd type="triangle"/>
-            <a:tailEnd type="none"/>
-          </a:ln>
-        </p:spPr>
-        <p:style>
-          <a:lnRef idx="1">
-            <a:schemeClr val="accent1"/>
-          </a:lnRef>
-          <a:fillRef idx="0">
-            <a:schemeClr val="accent1"/>
-          </a:fillRef>
-          <a:effectRef idx="0">
-            <a:schemeClr val="accent1"/>
-          </a:effectRef>
-          <a:fontRef idx="minor">
-            <a:schemeClr val="tx1"/>
-          </a:fontRef>
-        </p:style>
-      </p:cxnSp>
+    </p:spTree>
+    <p:extLst>
+      <p:ext uri="{BB962C8B-B14F-4D97-AF65-F5344CB8AC3E}">
+        <p14:creationId xmlns:p14="http://schemas.microsoft.com/office/powerpoint/2010/main" val="4032048773"/>
+      </p:ext>
+    </p:extLst>
+  </p:cSld>
+  <p:clrMapOvr>
+    <a:masterClrMapping/>
+  </p:clrMapOvr>
+</p:sld>
+</file>
+
+<file path=ppt/slides/slide14.xml><?xml version="1.0" encoding="utf-8"?>
+<p:sld xmlns:a="http://schemas.openxmlformats.org/drawingml/2006/main" xmlns:r="http://schemas.openxmlformats.org/officeDocument/2006/relationships" xmlns:p="http://schemas.openxmlformats.org/presentationml/2006/main">
+  <p:cSld>
+    <p:spTree>
+      <p:nvGrpSpPr>
+        <p:cNvPr id="1" name=""/>
+        <p:cNvGrpSpPr/>
+        <p:nvPr/>
+      </p:nvGrpSpPr>
+      <p:grpSpPr>
+        <a:xfrm>
+          <a:off x="0" y="0"/>
+          <a:ext cx="0" cy="0"/>
+          <a:chOff x="0" y="0"/>
+          <a:chExt cx="0" cy="0"/>
+        </a:xfrm>
+      </p:grpSpPr>
+      <p:sp>
+        <p:nvSpPr>
+          <p:cNvPr id="2" name="Title 1">
+            <a:extLst>
+              <a:ext uri="{FF2B5EF4-FFF2-40B4-BE49-F238E27FC236}">
+                <a16:creationId xmlns:a16="http://schemas.microsoft.com/office/drawing/2014/main" id="{EB7FC96D-B12F-FC49-BDA4-B4B1FCB14D91}"/>
+              </a:ext>
+            </a:extLst>
+          </p:cNvPr>
+          <p:cNvSpPr>
+            <a:spLocks noGrp="1"/>
+          </p:cNvSpPr>
+          <p:nvPr>
+            <p:ph type="title"/>
+          </p:nvPr>
+        </p:nvSpPr>
+        <p:spPr/>
+        <p:txBody>
+          <a:bodyPr/>
+          <a:lstStyle/>
+          <a:p>
+            <a:r>
+              <a:rPr lang="en-US" dirty="0"/>
+              <a:t>Interesting Connection</a:t>
+            </a:r>
+          </a:p>
+        </p:txBody>
+      </p:sp>
+      <p:sp>
+        <p:nvSpPr>
+          <p:cNvPr id="3" name="Content Placeholder 2">
+            <a:extLst>
+              <a:ext uri="{FF2B5EF4-FFF2-40B4-BE49-F238E27FC236}">
+                <a16:creationId xmlns:a16="http://schemas.microsoft.com/office/drawing/2014/main" id="{299302F4-608A-B14D-914A-E511170DEB38}"/>
+              </a:ext>
+            </a:extLst>
+          </p:cNvPr>
+          <p:cNvSpPr>
+            <a:spLocks noGrp="1"/>
+          </p:cNvSpPr>
+          <p:nvPr>
+            <p:ph idx="1"/>
+          </p:nvPr>
+        </p:nvSpPr>
+        <p:spPr/>
+        <p:txBody>
+          <a:bodyPr/>
+          <a:lstStyle/>
+          <a:p>
+            <a:pPr marL="0" indent="0">
+              <a:buNone/>
+            </a:pPr>
+            <a:r>
+              <a:rPr lang="en-US" dirty="0">
+                <a:solidFill>
+                  <a:schemeClr val="accent2"/>
+                </a:solidFill>
+              </a:rPr>
+              <a:t>        Class Discrepancy                                   </a:t>
+            </a:r>
+            <a:r>
+              <a:rPr lang="en-US" dirty="0" err="1">
+                <a:solidFill>
+                  <a:srgbClr val="FF0000"/>
+                </a:solidFill>
+              </a:rPr>
+              <a:t>Rademacher</a:t>
+            </a:r>
+            <a:r>
+              <a:rPr lang="en-US" dirty="0">
+                <a:solidFill>
+                  <a:srgbClr val="FF0000"/>
+                </a:solidFill>
+              </a:rPr>
+              <a:t> Complexity</a:t>
+            </a:r>
+          </a:p>
+          <a:p>
+            <a:pPr marL="0" indent="0">
+              <a:buNone/>
+            </a:pPr>
+            <a:endParaRPr lang="en-US" dirty="0"/>
+          </a:p>
+          <a:p>
+            <a:pPr marL="0" indent="0">
+              <a:buNone/>
+            </a:pPr>
+            <a:endParaRPr lang="en-US" dirty="0"/>
+          </a:p>
+          <a:p>
+            <a:pPr marL="0" indent="0">
+              <a:buNone/>
+            </a:pPr>
+            <a:endParaRPr lang="en-US" dirty="0"/>
+          </a:p>
+          <a:p>
+            <a:pPr marL="0" indent="0">
+              <a:buNone/>
+            </a:pPr>
+            <a:r>
+              <a:rPr lang="en-US" dirty="0"/>
+              <a:t>Usually:                                                      Usually: </a:t>
+            </a:r>
+          </a:p>
+          <a:p>
+            <a:pPr marL="0" indent="0">
+              <a:buNone/>
+            </a:pPr>
+            <a:endParaRPr lang="en-US" dirty="0"/>
+          </a:p>
+          <a:p>
+            <a:pPr marL="0" indent="0">
+              <a:buNone/>
+            </a:pPr>
+            <a:r>
+              <a:rPr lang="en-US" dirty="0"/>
+              <a:t>Governs: </a:t>
+            </a:r>
+            <a:r>
+              <a:rPr lang="en-US" dirty="0">
+                <a:solidFill>
+                  <a:schemeClr val="accent2"/>
+                </a:solidFill>
+              </a:rPr>
+              <a:t>Coreset Complexity</a:t>
+            </a:r>
+            <a:r>
+              <a:rPr lang="en-US" dirty="0"/>
+              <a:t>                    Governs: </a:t>
+            </a:r>
+            <a:r>
+              <a:rPr lang="en-US" dirty="0">
+                <a:solidFill>
+                  <a:srgbClr val="FF0000"/>
+                </a:solidFill>
+              </a:rPr>
+              <a:t>Sample Complexity</a:t>
+            </a:r>
+          </a:p>
+        </p:txBody>
+      </p:sp>
       <p:pic>
         <p:nvPicPr>
-          <p:cNvPr id="32" name="Picture 31">
-            <a:extLst>
-              <a:ext uri="{FF2B5EF4-FFF2-40B4-BE49-F238E27FC236}">
-                <a16:creationId xmlns:a16="http://schemas.microsoft.com/office/drawing/2014/main" id="{C7102E6F-821A-DB41-A692-708C25C31DA1}"/>
+          <p:cNvPr id="5" name="Picture 4">
+            <a:extLst>
+              <a:ext uri="{FF2B5EF4-FFF2-40B4-BE49-F238E27FC236}">
+                <a16:creationId xmlns:a16="http://schemas.microsoft.com/office/drawing/2014/main" id="{34D721FB-B5FA-E945-AC6B-06E776173839}"/>
+              </a:ext>
+            </a:extLst>
+          </p:cNvPr>
+          <p:cNvPicPr>
+            <a:picLocks noChangeAspect="1"/>
+          </p:cNvPicPr>
+          <p:nvPr/>
+        </p:nvPicPr>
+        <p:blipFill>
+          <a:blip r:embed="rId2"/>
+          <a:stretch>
+            <a:fillRect/>
+          </a:stretch>
+        </p:blipFill>
+        <p:spPr>
+          <a:xfrm>
+            <a:off x="6441121" y="2690178"/>
+            <a:ext cx="4318000" cy="863600"/>
+          </a:xfrm>
+          <a:prstGeom prst="rect">
+            <a:avLst/>
+          </a:prstGeom>
+        </p:spPr>
+      </p:pic>
+      <p:pic>
+        <p:nvPicPr>
+          <p:cNvPr id="6" name="Picture 5">
+            <a:extLst>
+              <a:ext uri="{FF2B5EF4-FFF2-40B4-BE49-F238E27FC236}">
+                <a16:creationId xmlns:a16="http://schemas.microsoft.com/office/drawing/2014/main" id="{104ED861-A19D-F545-BD47-920A5B1071AF}"/>
+              </a:ext>
+            </a:extLst>
+          </p:cNvPr>
+          <p:cNvPicPr>
+            <a:picLocks noChangeAspect="1"/>
+          </p:cNvPicPr>
+          <p:nvPr/>
+        </p:nvPicPr>
+        <p:blipFill>
+          <a:blip r:embed="rId3"/>
+          <a:stretch>
+            <a:fillRect/>
+          </a:stretch>
+        </p:blipFill>
+        <p:spPr>
+          <a:xfrm>
+            <a:off x="838200" y="2690178"/>
+            <a:ext cx="4495800" cy="863600"/>
+          </a:xfrm>
+          <a:prstGeom prst="rect">
+            <a:avLst/>
+          </a:prstGeom>
+        </p:spPr>
+      </p:pic>
+      <p:pic>
+        <p:nvPicPr>
+          <p:cNvPr id="8" name="Picture 7">
+            <a:extLst>
+              <a:ext uri="{FF2B5EF4-FFF2-40B4-BE49-F238E27FC236}">
+                <a16:creationId xmlns:a16="http://schemas.microsoft.com/office/drawing/2014/main" id="{822A2687-61C4-184A-8201-3157DECD31B5}"/>
               </a:ext>
             </a:extLst>
           </p:cNvPr>
@@ -6632,8 +6583,8 @@
         </p:blipFill>
         <p:spPr>
           <a:xfrm>
-            <a:off x="290588" y="5710800"/>
-            <a:ext cx="3441700" cy="355600"/>
+            <a:off x="2528824" y="3940842"/>
+            <a:ext cx="1955800" cy="317500"/>
           </a:xfrm>
           <a:prstGeom prst="rect">
             <a:avLst/>
@@ -6642,10 +6593,10 @@
       </p:pic>
       <p:pic>
         <p:nvPicPr>
-          <p:cNvPr id="33" name="Picture 32">
-            <a:extLst>
-              <a:ext uri="{FF2B5EF4-FFF2-40B4-BE49-F238E27FC236}">
-                <a16:creationId xmlns:a16="http://schemas.microsoft.com/office/drawing/2014/main" id="{43F8A3F4-4889-B44E-8282-CAD4565408A5}"/>
+          <p:cNvPr id="9" name="Picture 8">
+            <a:extLst>
+              <a:ext uri="{FF2B5EF4-FFF2-40B4-BE49-F238E27FC236}">
+                <a16:creationId xmlns:a16="http://schemas.microsoft.com/office/drawing/2014/main" id="{7B958899-0322-E843-A560-DCFE6521DED5}"/>
               </a:ext>
             </a:extLst>
           </p:cNvPr>
@@ -6662,8 +6613,8 @@
         </p:blipFill>
         <p:spPr>
           <a:xfrm>
-            <a:off x="333257" y="3159778"/>
-            <a:ext cx="3302000" cy="381000"/>
+            <a:off x="8074087" y="3928142"/>
+            <a:ext cx="2222500" cy="330200"/>
           </a:xfrm>
           <a:prstGeom prst="rect">
             <a:avLst/>
@@ -6672,10 +6623,10 @@
       </p:pic>
       <p:sp>
         <p:nvSpPr>
-          <p:cNvPr id="6" name="TextBox 5">
-            <a:extLst>
-              <a:ext uri="{FF2B5EF4-FFF2-40B4-BE49-F238E27FC236}">
-                <a16:creationId xmlns:a16="http://schemas.microsoft.com/office/drawing/2014/main" id="{AC5D8397-BDC3-464B-8735-255345F9110E}"/>
+          <p:cNvPr id="10" name="TextBox 9">
+            <a:extLst>
+              <a:ext uri="{FF2B5EF4-FFF2-40B4-BE49-F238E27FC236}">
+                <a16:creationId xmlns:a16="http://schemas.microsoft.com/office/drawing/2014/main" id="{5C401777-8AE9-1445-B40D-77A118B63C17}"/>
               </a:ext>
             </a:extLst>
           </p:cNvPr>
@@ -6684,8 +6635,8 @@
         </p:nvSpPr>
         <p:spPr>
           <a:xfrm>
-            <a:off x="4066306" y="1855106"/>
-            <a:ext cx="4554067" cy="523220"/>
+            <a:off x="392355" y="6028107"/>
+            <a:ext cx="11407290" cy="523220"/>
           </a:xfrm>
           <a:prstGeom prst="rect">
             <a:avLst/>
@@ -6700,42 +6651,15 @@
           <a:p>
             <a:r>
               <a:rPr lang="en-US" sz="2800" dirty="0"/>
-              <a:t>Sigmoid Activation Regression</a:t>
+              <a:t>Look at techniques for bounding the </a:t>
             </a:r>
-          </a:p>
-        </p:txBody>
-      </p:sp>
-      <p:sp>
-        <p:nvSpPr>
-          <p:cNvPr id="36" name="TextBox 35">
-            <a:extLst>
-              <a:ext uri="{FF2B5EF4-FFF2-40B4-BE49-F238E27FC236}">
-                <a16:creationId xmlns:a16="http://schemas.microsoft.com/office/drawing/2014/main" id="{D1018730-5829-EC4E-9C34-AA86D6F27422}"/>
-              </a:ext>
-            </a:extLst>
-          </p:cNvPr>
-          <p:cNvSpPr txBox="1"/>
-          <p:nvPr/>
-        </p:nvSpPr>
-        <p:spPr>
-          <a:xfrm>
-            <a:off x="4555401" y="4688656"/>
-            <a:ext cx="3683957" cy="523220"/>
-          </a:xfrm>
-          <a:prstGeom prst="rect">
-            <a:avLst/>
-          </a:prstGeom>
-          <a:noFill/>
-        </p:spPr>
-        <p:txBody>
-          <a:bodyPr wrap="none" rtlCol="0">
-            <a:spAutoFit/>
-          </a:bodyPr>
-          <a:lstStyle/>
-          <a:p>
+            <a:r>
+              <a:rPr lang="en-US" sz="2800" dirty="0" err="1"/>
+              <a:t>Rademacher</a:t>
+            </a:r>
             <a:r>
               <a:rPr lang="en-US" sz="2800" dirty="0"/>
-              <a:t>Gaussian Kernel Density</a:t>
+              <a:t> Complexity for inspiration...</a:t>
             </a:r>
           </a:p>
         </p:txBody>
@@ -6743,7 +6667,7 @@
     </p:spTree>
     <p:extLst>
       <p:ext uri="{BB962C8B-B14F-4D97-AF65-F5344CB8AC3E}">
-        <p14:creationId xmlns:p14="http://schemas.microsoft.com/office/powerpoint/2010/main" val="4032048773"/>
+        <p14:creationId xmlns:p14="http://schemas.microsoft.com/office/powerpoint/2010/main" val="924647193"/>
       </p:ext>
     </p:extLst>
   </p:cSld>
@@ -6859,8 +6783,8 @@
         </p:nvCxnSpPr>
         <p:spPr>
           <a:xfrm>
-            <a:off x="1727200" y="4647906"/>
-            <a:ext cx="7910286" cy="0"/>
+            <a:off x="3338285" y="4647906"/>
+            <a:ext cx="4873921" cy="0"/>
           </a:xfrm>
           <a:prstGeom prst="line">
             <a:avLst/>
@@ -7456,79 +7380,324 @@
           </a:prstGeom>
         </p:spPr>
       </p:pic>
+      <p:grpSp>
+        <p:nvGrpSpPr>
+          <p:cNvPr id="128" name="Group 127">
+            <a:extLst>
+              <a:ext uri="{FF2B5EF4-FFF2-40B4-BE49-F238E27FC236}">
+                <a16:creationId xmlns:a16="http://schemas.microsoft.com/office/drawing/2014/main" id="{A30CA0AD-E84A-7C48-80BE-89E9B4A4EE7E}"/>
+              </a:ext>
+            </a:extLst>
+          </p:cNvPr>
+          <p:cNvGrpSpPr/>
+          <p:nvPr/>
+        </p:nvGrpSpPr>
+        <p:grpSpPr>
+          <a:xfrm>
+            <a:off x="2632069" y="1751977"/>
+            <a:ext cx="7426045" cy="1404727"/>
+            <a:chOff x="2632069" y="1751977"/>
+            <a:chExt cx="7426045" cy="1404727"/>
+          </a:xfrm>
+        </p:grpSpPr>
+        <p:sp>
+          <p:nvSpPr>
+            <p:cNvPr id="105" name="Right Brace 104">
+              <a:extLst>
+                <a:ext uri="{FF2B5EF4-FFF2-40B4-BE49-F238E27FC236}">
+                  <a16:creationId xmlns:a16="http://schemas.microsoft.com/office/drawing/2014/main" id="{40F13277-2B77-3D48-9D38-216D84AAAA70}"/>
+                </a:ext>
+              </a:extLst>
+            </p:cNvPr>
+            <p:cNvSpPr/>
+            <p:nvPr/>
+          </p:nvSpPr>
+          <p:spPr>
+            <a:xfrm rot="5400000">
+              <a:off x="6532097" y="2247543"/>
+              <a:ext cx="278297" cy="533709"/>
+            </a:xfrm>
+            <a:prstGeom prst="rightBrace">
+              <a:avLst/>
+            </a:prstGeom>
+            <a:ln>
+              <a:solidFill>
+                <a:schemeClr val="accent2"/>
+              </a:solidFill>
+            </a:ln>
+          </p:spPr>
+          <p:style>
+            <a:lnRef idx="1">
+              <a:schemeClr val="accent1"/>
+            </a:lnRef>
+            <a:fillRef idx="0">
+              <a:schemeClr val="accent1"/>
+            </a:fillRef>
+            <a:effectRef idx="0">
+              <a:schemeClr val="accent1"/>
+            </a:effectRef>
+            <a:fontRef idx="minor">
+              <a:schemeClr val="tx1"/>
+            </a:fontRef>
+          </p:style>
+          <p:txBody>
+            <a:bodyPr rtlCol="0" anchor="ctr"/>
+            <a:lstStyle/>
+            <a:p>
+              <a:pPr algn="ctr"/>
+              <a:endParaRPr lang="en-US" dirty="0"/>
+            </a:p>
+          </p:txBody>
+        </p:sp>
+        <p:sp>
+          <p:nvSpPr>
+            <p:cNvPr id="106" name="TextBox 105">
+              <a:extLst>
+                <a:ext uri="{FF2B5EF4-FFF2-40B4-BE49-F238E27FC236}">
+                  <a16:creationId xmlns:a16="http://schemas.microsoft.com/office/drawing/2014/main" id="{E5B2C970-3943-4C44-861C-9C8574496E49}"/>
+                </a:ext>
+              </a:extLst>
+            </p:cNvPr>
+            <p:cNvSpPr txBox="1"/>
+            <p:nvPr/>
+          </p:nvSpPr>
+          <p:spPr>
+            <a:xfrm>
+              <a:off x="6547216" y="2633484"/>
+              <a:ext cx="3510898" cy="523220"/>
+            </a:xfrm>
+            <a:prstGeom prst="rect">
+              <a:avLst/>
+            </a:prstGeom>
+            <a:noFill/>
+            <a:ln>
+              <a:noFill/>
+            </a:ln>
+          </p:spPr>
+          <p:txBody>
+            <a:bodyPr wrap="none" rtlCol="0">
+              <a:spAutoFit/>
+            </a:bodyPr>
+            <a:lstStyle/>
+            <a:p>
+              <a:r>
+                <a:rPr lang="en-US" sz="2800" dirty="0">
+                  <a:solidFill>
+                    <a:schemeClr val="accent2"/>
+                  </a:solidFill>
+                </a:rPr>
+                <a:t>Does not depend on n</a:t>
+              </a:r>
+            </a:p>
+          </p:txBody>
+        </p:sp>
+        <p:sp>
+          <p:nvSpPr>
+            <p:cNvPr id="107" name="Freeform 106">
+              <a:extLst>
+                <a:ext uri="{FF2B5EF4-FFF2-40B4-BE49-F238E27FC236}">
+                  <a16:creationId xmlns:a16="http://schemas.microsoft.com/office/drawing/2014/main" id="{D70352C8-5EC5-464E-8B89-0B55920BC3AA}"/>
+                </a:ext>
+              </a:extLst>
+            </p:cNvPr>
+            <p:cNvSpPr/>
+            <p:nvPr/>
+          </p:nvSpPr>
+          <p:spPr>
+            <a:xfrm>
+              <a:off x="2632069" y="1751977"/>
+              <a:ext cx="3870333" cy="1263493"/>
+            </a:xfrm>
+            <a:custGeom>
+              <a:avLst/>
+              <a:gdLst>
+                <a:gd name="connsiteX0" fmla="*/ 2060277 w 3724485"/>
+                <a:gd name="connsiteY0" fmla="*/ 0 h 1263493"/>
+                <a:gd name="connsiteX1" fmla="*/ 213189 w 3724485"/>
+                <a:gd name="connsiteY1" fmla="*/ 512064 h 1263493"/>
+                <a:gd name="connsiteX2" fmla="*/ 432645 w 3724485"/>
+                <a:gd name="connsiteY2" fmla="*/ 1170432 h 1263493"/>
+                <a:gd name="connsiteX3" fmla="*/ 3724485 w 3724485"/>
+                <a:gd name="connsiteY3" fmla="*/ 1243584 h 1263493"/>
+              </a:gdLst>
+              <a:ahLst/>
+              <a:cxnLst>
+                <a:cxn ang="0">
+                  <a:pos x="connsiteX0" y="connsiteY0"/>
+                </a:cxn>
+                <a:cxn ang="0">
+                  <a:pos x="connsiteX1" y="connsiteY1"/>
+                </a:cxn>
+                <a:cxn ang="0">
+                  <a:pos x="connsiteX2" y="connsiteY2"/>
+                </a:cxn>
+                <a:cxn ang="0">
+                  <a:pos x="connsiteX3" y="connsiteY3"/>
+                </a:cxn>
+              </a:cxnLst>
+              <a:rect l="l" t="t" r="r" b="b"/>
+              <a:pathLst>
+                <a:path w="3724485" h="1263493">
+                  <a:moveTo>
+                    <a:pt x="2060277" y="0"/>
+                  </a:moveTo>
+                  <a:cubicBezTo>
+                    <a:pt x="1272369" y="158496"/>
+                    <a:pt x="484461" y="316992"/>
+                    <a:pt x="213189" y="512064"/>
+                  </a:cubicBezTo>
+                  <a:cubicBezTo>
+                    <a:pt x="-58083" y="707136"/>
+                    <a:pt x="-152571" y="1048512"/>
+                    <a:pt x="432645" y="1170432"/>
+                  </a:cubicBezTo>
+                  <a:cubicBezTo>
+                    <a:pt x="1017861" y="1292352"/>
+                    <a:pt x="2371173" y="1267968"/>
+                    <a:pt x="3724485" y="1243584"/>
+                  </a:cubicBezTo>
+                </a:path>
+              </a:pathLst>
+            </a:custGeom>
+            <a:noFill/>
+            <a:ln>
+              <a:solidFill>
+                <a:schemeClr val="accent2"/>
+              </a:solidFill>
+              <a:headEnd type="triangle"/>
+            </a:ln>
+          </p:spPr>
+          <p:style>
+            <a:lnRef idx="2">
+              <a:schemeClr val="accent1">
+                <a:shade val="50000"/>
+              </a:schemeClr>
+            </a:lnRef>
+            <a:fillRef idx="1">
+              <a:schemeClr val="accent1"/>
+            </a:fillRef>
+            <a:effectRef idx="0">
+              <a:schemeClr val="accent1"/>
+            </a:effectRef>
+            <a:fontRef idx="minor">
+              <a:schemeClr val="lt1"/>
+            </a:fontRef>
+          </p:style>
+          <p:txBody>
+            <a:bodyPr rtlCol="0" anchor="ctr"/>
+            <a:lstStyle/>
+            <a:p>
+              <a:pPr algn="ctr"/>
+              <a:endParaRPr lang="en-US"/>
+            </a:p>
+          </p:txBody>
+        </p:sp>
+      </p:grpSp>
+      <p:cxnSp>
+        <p:nvCxnSpPr>
+          <p:cNvPr id="108" name="Straight Arrow Connector 107">
+            <a:extLst>
+              <a:ext uri="{FF2B5EF4-FFF2-40B4-BE49-F238E27FC236}">
+                <a16:creationId xmlns:a16="http://schemas.microsoft.com/office/drawing/2014/main" id="{7C3BA4A7-8590-734D-87D0-7926DEC526DE}"/>
+              </a:ext>
+            </a:extLst>
+          </p:cNvPr>
+          <p:cNvCxnSpPr>
+            <a:cxnSpLocks/>
+          </p:cNvCxnSpPr>
+          <p:nvPr/>
+        </p:nvCxnSpPr>
+        <p:spPr>
+          <a:xfrm flipH="1">
+            <a:off x="5753100" y="5115478"/>
+            <a:ext cx="282380" cy="575277"/>
+          </a:xfrm>
+          <a:prstGeom prst="straightConnector1">
+            <a:avLst/>
+          </a:prstGeom>
+          <a:ln w="38100">
+            <a:prstDash val="sysDash"/>
+            <a:tailEnd type="triangle"/>
+          </a:ln>
+        </p:spPr>
+        <p:style>
+          <a:lnRef idx="1">
+            <a:schemeClr val="accent1"/>
+          </a:lnRef>
+          <a:fillRef idx="0">
+            <a:schemeClr val="accent1"/>
+          </a:fillRef>
+          <a:effectRef idx="0">
+            <a:schemeClr val="accent1"/>
+          </a:effectRef>
+          <a:fontRef idx="minor">
+            <a:schemeClr val="tx1"/>
+          </a:fontRef>
+        </p:style>
+      </p:cxnSp>
+      <p:cxnSp>
+        <p:nvCxnSpPr>
+          <p:cNvPr id="112" name="Straight Arrow Connector 111">
+            <a:extLst>
+              <a:ext uri="{FF2B5EF4-FFF2-40B4-BE49-F238E27FC236}">
+                <a16:creationId xmlns:a16="http://schemas.microsoft.com/office/drawing/2014/main" id="{497BBAEB-7765-1144-BEF9-EAA2AA7480C8}"/>
+              </a:ext>
+            </a:extLst>
+          </p:cNvPr>
+          <p:cNvCxnSpPr>
+            <a:cxnSpLocks/>
+          </p:cNvCxnSpPr>
+          <p:nvPr/>
+        </p:nvCxnSpPr>
+        <p:spPr>
+          <a:xfrm flipV="1">
+            <a:off x="6037055" y="4482954"/>
+            <a:ext cx="318795" cy="623800"/>
+          </a:xfrm>
+          <a:prstGeom prst="straightConnector1">
+            <a:avLst/>
+          </a:prstGeom>
+          <a:ln w="38100">
+            <a:prstDash val="sysDash"/>
+            <a:tailEnd type="triangle"/>
+          </a:ln>
+        </p:spPr>
+        <p:style>
+          <a:lnRef idx="1">
+            <a:schemeClr val="accent1"/>
+          </a:lnRef>
+          <a:fillRef idx="0">
+            <a:schemeClr val="accent1"/>
+          </a:fillRef>
+          <a:effectRef idx="0">
+            <a:schemeClr val="accent1"/>
+          </a:effectRef>
+          <a:fontRef idx="minor">
+            <a:schemeClr val="tx1"/>
+          </a:fontRef>
+        </p:style>
+      </p:cxnSp>
       <p:sp>
         <p:nvSpPr>
-          <p:cNvPr id="105" name="Right Brace 104">
-            <a:extLst>
-              <a:ext uri="{FF2B5EF4-FFF2-40B4-BE49-F238E27FC236}">
-                <a16:creationId xmlns:a16="http://schemas.microsoft.com/office/drawing/2014/main" id="{40F13277-2B77-3D48-9D38-216D84AAAA70}"/>
-              </a:ext>
-            </a:extLst>
-          </p:cNvPr>
-          <p:cNvSpPr/>
+          <p:cNvPr id="120" name="TextBox 119">
+            <a:extLst>
+              <a:ext uri="{FF2B5EF4-FFF2-40B4-BE49-F238E27FC236}">
+                <a16:creationId xmlns:a16="http://schemas.microsoft.com/office/drawing/2014/main" id="{E76B7456-D229-BD4A-8D7C-A5A8BD188288}"/>
+              </a:ext>
+            </a:extLst>
+          </p:cNvPr>
+          <p:cNvSpPr txBox="1"/>
           <p:nvPr/>
         </p:nvSpPr>
         <p:spPr>
-          <a:xfrm rot="5400000">
-            <a:off x="6532097" y="2247543"/>
-            <a:ext cx="278297" cy="533709"/>
-          </a:xfrm>
-          <a:prstGeom prst="rightBrace">
-            <a:avLst/>
-          </a:prstGeom>
-          <a:ln>
-            <a:solidFill>
-              <a:srgbClr val="FF261A"/>
-            </a:solidFill>
-          </a:ln>
-        </p:spPr>
-        <p:style>
-          <a:lnRef idx="1">
-            <a:schemeClr val="accent1"/>
-          </a:lnRef>
-          <a:fillRef idx="0">
-            <a:schemeClr val="accent1"/>
-          </a:fillRef>
-          <a:effectRef idx="0">
-            <a:schemeClr val="accent1"/>
-          </a:effectRef>
-          <a:fontRef idx="minor">
-            <a:schemeClr val="tx1"/>
-          </a:fontRef>
-        </p:style>
-        <p:txBody>
-          <a:bodyPr rtlCol="0" anchor="ctr"/>
-          <a:lstStyle/>
-          <a:p>
-            <a:pPr algn="ctr"/>
-            <a:endParaRPr lang="en-US" dirty="0"/>
-          </a:p>
-        </p:txBody>
-      </p:sp>
-      <p:sp>
-        <p:nvSpPr>
-          <p:cNvPr id="106" name="TextBox 105">
-            <a:extLst>
-              <a:ext uri="{FF2B5EF4-FFF2-40B4-BE49-F238E27FC236}">
-                <a16:creationId xmlns:a16="http://schemas.microsoft.com/office/drawing/2014/main" id="{E5B2C970-3943-4C44-861C-9C8574496E49}"/>
-              </a:ext>
-            </a:extLst>
-          </p:cNvPr>
-          <p:cNvSpPr txBox="1"/>
-          <p:nvPr/>
-        </p:nvSpPr>
-        <p:spPr>
-          <a:xfrm>
-            <a:off x="6547216" y="2633484"/>
-            <a:ext cx="3510898" cy="523220"/>
+          <a:xfrm>
+            <a:off x="5808518" y="5496791"/>
+            <a:ext cx="184731" cy="369332"/>
           </a:xfrm>
           <a:prstGeom prst="rect">
             <a:avLst/>
           </a:prstGeom>
           <a:noFill/>
-          <a:ln>
-            <a:noFill/>
-          </a:ln>
         </p:spPr>
         <p:txBody>
           <a:bodyPr wrap="none" rtlCol="0">
@@ -7536,234 +7705,177 @@
           </a:bodyPr>
           <a:lstStyle/>
           <a:p>
-            <a:r>
-              <a:rPr lang="en-US" sz="2800" dirty="0">
+            <a:endParaRPr lang="en-US" dirty="0"/>
+          </a:p>
+        </p:txBody>
+      </p:sp>
+      <p:grpSp>
+        <p:nvGrpSpPr>
+          <p:cNvPr id="130" name="Group 129">
+            <a:extLst>
+              <a:ext uri="{FF2B5EF4-FFF2-40B4-BE49-F238E27FC236}">
+                <a16:creationId xmlns:a16="http://schemas.microsoft.com/office/drawing/2014/main" id="{4ADEFD2B-B66D-E943-A536-3494D41C076F}"/>
+              </a:ext>
+            </a:extLst>
+          </p:cNvPr>
+          <p:cNvGrpSpPr/>
+          <p:nvPr/>
+        </p:nvGrpSpPr>
+        <p:grpSpPr>
+          <a:xfrm>
+            <a:off x="8267070" y="4748625"/>
+            <a:ext cx="3674994" cy="1889919"/>
+            <a:chOff x="8267070" y="4748625"/>
+            <a:chExt cx="3674994" cy="1889919"/>
+          </a:xfrm>
+        </p:grpSpPr>
+        <p:grpSp>
+          <p:nvGrpSpPr>
+            <p:cNvPr id="127" name="Group 126">
+              <a:extLst>
+                <a:ext uri="{FF2B5EF4-FFF2-40B4-BE49-F238E27FC236}">
+                  <a16:creationId xmlns:a16="http://schemas.microsoft.com/office/drawing/2014/main" id="{41C77525-5413-9540-9F62-7ABF276A2DC0}"/>
+                </a:ext>
+              </a:extLst>
+            </p:cNvPr>
+            <p:cNvGrpSpPr/>
+            <p:nvPr/>
+          </p:nvGrpSpPr>
+          <p:grpSpPr>
+            <a:xfrm>
+              <a:off x="8267070" y="4748625"/>
+              <a:ext cx="3674994" cy="1889919"/>
+              <a:chOff x="8175630" y="4803489"/>
+              <a:chExt cx="3674994" cy="1889919"/>
+            </a:xfrm>
+          </p:grpSpPr>
+          <p:sp>
+            <p:nvSpPr>
+              <p:cNvPr id="125" name="TextBox 124">
+                <a:extLst>
+                  <a:ext uri="{FF2B5EF4-FFF2-40B4-BE49-F238E27FC236}">
+                    <a16:creationId xmlns:a16="http://schemas.microsoft.com/office/drawing/2014/main" id="{3B694B2E-D13B-C14F-B1CE-215D80A494AC}"/>
+                  </a:ext>
+                </a:extLst>
+              </p:cNvPr>
+              <p:cNvSpPr txBox="1"/>
+              <p:nvPr/>
+            </p:nvSpPr>
+            <p:spPr>
+              <a:xfrm>
+                <a:off x="8405996" y="6032894"/>
+                <a:ext cx="3388363" cy="523220"/>
+              </a:xfrm>
+              <a:prstGeom prst="rect">
+                <a:avLst/>
+              </a:prstGeom>
+              <a:noFill/>
+            </p:spPr>
+            <p:txBody>
+              <a:bodyPr wrap="none" rtlCol="0">
+                <a:spAutoFit/>
+              </a:bodyPr>
+              <a:lstStyle/>
+              <a:p>
+                <a:r>
+                  <a:rPr lang="en-US" sz="2800" dirty="0">
+                    <a:solidFill>
+                      <a:srgbClr val="FF0000"/>
+                    </a:solidFill>
+                  </a:rPr>
+                  <a:t>That’s encouraging.....</a:t>
+                </a:r>
+              </a:p>
+            </p:txBody>
+          </p:sp>
+          <p:sp>
+            <p:nvSpPr>
+              <p:cNvPr id="126" name="Rounded Rectangle 125">
+                <a:extLst>
+                  <a:ext uri="{FF2B5EF4-FFF2-40B4-BE49-F238E27FC236}">
+                    <a16:creationId xmlns:a16="http://schemas.microsoft.com/office/drawing/2014/main" id="{71250B84-679B-8D4E-AF01-E889E9115D75}"/>
+                  </a:ext>
+                </a:extLst>
+              </p:cNvPr>
+              <p:cNvSpPr/>
+              <p:nvPr/>
+            </p:nvSpPr>
+            <p:spPr>
+              <a:xfrm>
+                <a:off x="8175630" y="4803489"/>
+                <a:ext cx="3674994" cy="1889919"/>
+              </a:xfrm>
+              <a:prstGeom prst="roundRect">
+                <a:avLst/>
+              </a:prstGeom>
+              <a:noFill/>
+              <a:ln>
                 <a:solidFill>
                   <a:srgbClr val="FF0000"/>
                 </a:solidFill>
-              </a:rPr>
-              <a:t>Does not depend on n</a:t>
-            </a:r>
-          </a:p>
-        </p:txBody>
-      </p:sp>
-      <p:sp>
-        <p:nvSpPr>
-          <p:cNvPr id="107" name="Freeform 106">
-            <a:extLst>
-              <a:ext uri="{FF2B5EF4-FFF2-40B4-BE49-F238E27FC236}">
-                <a16:creationId xmlns:a16="http://schemas.microsoft.com/office/drawing/2014/main" id="{D70352C8-5EC5-464E-8B89-0B55920BC3AA}"/>
-              </a:ext>
-            </a:extLst>
-          </p:cNvPr>
-          <p:cNvSpPr/>
-          <p:nvPr/>
-        </p:nvSpPr>
-        <p:spPr>
-          <a:xfrm>
-            <a:off x="2632069" y="1751977"/>
-            <a:ext cx="3870333" cy="1263493"/>
-          </a:xfrm>
-          <a:custGeom>
-            <a:avLst/>
-            <a:gdLst>
-              <a:gd name="connsiteX0" fmla="*/ 2060277 w 3724485"/>
-              <a:gd name="connsiteY0" fmla="*/ 0 h 1263493"/>
-              <a:gd name="connsiteX1" fmla="*/ 213189 w 3724485"/>
-              <a:gd name="connsiteY1" fmla="*/ 512064 h 1263493"/>
-              <a:gd name="connsiteX2" fmla="*/ 432645 w 3724485"/>
-              <a:gd name="connsiteY2" fmla="*/ 1170432 h 1263493"/>
-              <a:gd name="connsiteX3" fmla="*/ 3724485 w 3724485"/>
-              <a:gd name="connsiteY3" fmla="*/ 1243584 h 1263493"/>
-            </a:gdLst>
-            <a:ahLst/>
-            <a:cxnLst>
-              <a:cxn ang="0">
-                <a:pos x="connsiteX0" y="connsiteY0"/>
-              </a:cxn>
-              <a:cxn ang="0">
-                <a:pos x="connsiteX1" y="connsiteY1"/>
-              </a:cxn>
-              <a:cxn ang="0">
-                <a:pos x="connsiteX2" y="connsiteY2"/>
-              </a:cxn>
-              <a:cxn ang="0">
-                <a:pos x="connsiteX3" y="connsiteY3"/>
-              </a:cxn>
-            </a:cxnLst>
-            <a:rect l="l" t="t" r="r" b="b"/>
-            <a:pathLst>
-              <a:path w="3724485" h="1263493">
-                <a:moveTo>
-                  <a:pt x="2060277" y="0"/>
-                </a:moveTo>
-                <a:cubicBezTo>
-                  <a:pt x="1272369" y="158496"/>
-                  <a:pt x="484461" y="316992"/>
-                  <a:pt x="213189" y="512064"/>
-                </a:cubicBezTo>
-                <a:cubicBezTo>
-                  <a:pt x="-58083" y="707136"/>
-                  <a:pt x="-152571" y="1048512"/>
-                  <a:pt x="432645" y="1170432"/>
-                </a:cubicBezTo>
-                <a:cubicBezTo>
-                  <a:pt x="1017861" y="1292352"/>
-                  <a:pt x="2371173" y="1267968"/>
-                  <a:pt x="3724485" y="1243584"/>
-                </a:cubicBezTo>
-              </a:path>
-            </a:pathLst>
-          </a:custGeom>
-          <a:noFill/>
-          <a:ln>
-            <a:solidFill>
-              <a:srgbClr val="FF261A"/>
-            </a:solidFill>
-            <a:headEnd type="triangle"/>
-          </a:ln>
-        </p:spPr>
-        <p:style>
-          <a:lnRef idx="2">
-            <a:schemeClr val="accent1">
-              <a:shade val="50000"/>
-            </a:schemeClr>
-          </a:lnRef>
-          <a:fillRef idx="1">
-            <a:schemeClr val="accent1"/>
-          </a:fillRef>
-          <a:effectRef idx="0">
-            <a:schemeClr val="accent1"/>
-          </a:effectRef>
-          <a:fontRef idx="minor">
-            <a:schemeClr val="lt1"/>
-          </a:fontRef>
-        </p:style>
-        <p:txBody>
-          <a:bodyPr rtlCol="0" anchor="ctr"/>
-          <a:lstStyle/>
-          <a:p>
-            <a:pPr algn="ctr"/>
-            <a:endParaRPr lang="en-US"/>
-          </a:p>
-        </p:txBody>
-      </p:sp>
-      <p:cxnSp>
-        <p:nvCxnSpPr>
-          <p:cNvPr id="108" name="Straight Arrow Connector 107">
-            <a:extLst>
-              <a:ext uri="{FF2B5EF4-FFF2-40B4-BE49-F238E27FC236}">
-                <a16:creationId xmlns:a16="http://schemas.microsoft.com/office/drawing/2014/main" id="{7C3BA4A7-8590-734D-87D0-7926DEC526DE}"/>
-              </a:ext>
-            </a:extLst>
-          </p:cNvPr>
-          <p:cNvCxnSpPr>
-            <a:cxnSpLocks/>
-          </p:cNvCxnSpPr>
-          <p:nvPr/>
-        </p:nvCxnSpPr>
-        <p:spPr>
-          <a:xfrm flipH="1">
-            <a:off x="5753100" y="5115478"/>
-            <a:ext cx="282380" cy="575277"/>
-          </a:xfrm>
-          <a:prstGeom prst="straightConnector1">
-            <a:avLst/>
-          </a:prstGeom>
-          <a:ln w="38100">
-            <a:prstDash val="sysDash"/>
-            <a:tailEnd type="triangle"/>
-          </a:ln>
-        </p:spPr>
-        <p:style>
-          <a:lnRef idx="1">
-            <a:schemeClr val="accent1"/>
-          </a:lnRef>
-          <a:fillRef idx="0">
-            <a:schemeClr val="accent1"/>
-          </a:fillRef>
-          <a:effectRef idx="0">
-            <a:schemeClr val="accent1"/>
-          </a:effectRef>
-          <a:fontRef idx="minor">
-            <a:schemeClr val="tx1"/>
-          </a:fontRef>
-        </p:style>
-      </p:cxnSp>
-      <p:cxnSp>
-        <p:nvCxnSpPr>
-          <p:cNvPr id="112" name="Straight Arrow Connector 111">
-            <a:extLst>
-              <a:ext uri="{FF2B5EF4-FFF2-40B4-BE49-F238E27FC236}">
-                <a16:creationId xmlns:a16="http://schemas.microsoft.com/office/drawing/2014/main" id="{497BBAEB-7765-1144-BEF9-EAA2AA7480C8}"/>
-              </a:ext>
-            </a:extLst>
-          </p:cNvPr>
-          <p:cNvCxnSpPr>
-            <a:cxnSpLocks/>
-          </p:cNvCxnSpPr>
-          <p:nvPr/>
-        </p:nvCxnSpPr>
-        <p:spPr>
-          <a:xfrm flipV="1">
-            <a:off x="6037055" y="4482954"/>
-            <a:ext cx="318795" cy="623800"/>
-          </a:xfrm>
-          <a:prstGeom prst="straightConnector1">
-            <a:avLst/>
-          </a:prstGeom>
-          <a:ln w="38100">
-            <a:prstDash val="sysDash"/>
-            <a:tailEnd type="triangle"/>
-          </a:ln>
-        </p:spPr>
-        <p:style>
-          <a:lnRef idx="1">
-            <a:schemeClr val="accent1"/>
-          </a:lnRef>
-          <a:fillRef idx="0">
-            <a:schemeClr val="accent1"/>
-          </a:fillRef>
-          <a:effectRef idx="0">
-            <a:schemeClr val="accent1"/>
-          </a:effectRef>
-          <a:fontRef idx="minor">
-            <a:schemeClr val="tx1"/>
-          </a:fontRef>
-        </p:style>
-      </p:cxnSp>
-      <p:sp>
-        <p:nvSpPr>
-          <p:cNvPr id="120" name="TextBox 119">
-            <a:extLst>
-              <a:ext uri="{FF2B5EF4-FFF2-40B4-BE49-F238E27FC236}">
-                <a16:creationId xmlns:a16="http://schemas.microsoft.com/office/drawing/2014/main" id="{E76B7456-D229-BD4A-8D7C-A5A8BD188288}"/>
-              </a:ext>
-            </a:extLst>
-          </p:cNvPr>
-          <p:cNvSpPr txBox="1"/>
-          <p:nvPr/>
-        </p:nvSpPr>
-        <p:spPr>
-          <a:xfrm>
-            <a:off x="5808518" y="5496791"/>
-            <a:ext cx="184731" cy="369332"/>
-          </a:xfrm>
-          <a:prstGeom prst="rect">
-            <a:avLst/>
-          </a:prstGeom>
-          <a:noFill/>
-        </p:spPr>
-        <p:txBody>
-          <a:bodyPr wrap="none" rtlCol="0">
-            <a:spAutoFit/>
-          </a:bodyPr>
-          <a:lstStyle/>
-          <a:p>
-            <a:endParaRPr lang="en-US" dirty="0"/>
-          </a:p>
-        </p:txBody>
-      </p:sp>
+              </a:ln>
+            </p:spPr>
+            <p:style>
+              <a:lnRef idx="2">
+                <a:schemeClr val="accent1">
+                  <a:shade val="50000"/>
+                </a:schemeClr>
+              </a:lnRef>
+              <a:fillRef idx="1">
+                <a:schemeClr val="accent1"/>
+              </a:fillRef>
+              <a:effectRef idx="0">
+                <a:schemeClr val="accent1"/>
+              </a:effectRef>
+              <a:fontRef idx="minor">
+                <a:schemeClr val="lt1"/>
+              </a:fontRef>
+            </p:style>
+            <p:txBody>
+              <a:bodyPr rtlCol="0" anchor="ctr"/>
+              <a:lstStyle/>
+              <a:p>
+                <a:pPr algn="ctr"/>
+                <a:endParaRPr lang="en-US" dirty="0">
+                  <a:solidFill>
+                    <a:srgbClr val="FF0000"/>
+                  </a:solidFill>
+                </a:endParaRPr>
+              </a:p>
+            </p:txBody>
+          </p:sp>
+        </p:grpSp>
+        <p:pic>
+          <p:nvPicPr>
+            <p:cNvPr id="129" name="Picture 128">
+              <a:extLst>
+                <a:ext uri="{FF2B5EF4-FFF2-40B4-BE49-F238E27FC236}">
+                  <a16:creationId xmlns:a16="http://schemas.microsoft.com/office/drawing/2014/main" id="{54DD91A3-6956-4648-9922-05ED3D70D7DA}"/>
+                </a:ext>
+              </a:extLst>
+            </p:cNvPr>
+            <p:cNvPicPr>
+              <a:picLocks noChangeAspect="1"/>
+            </p:cNvPicPr>
+            <p:nvPr/>
+          </p:nvPicPr>
+          <p:blipFill>
+            <a:blip r:embed="rId5"/>
+            <a:stretch>
+              <a:fillRect/>
+            </a:stretch>
+          </p:blipFill>
+          <p:spPr>
+            <a:xfrm>
+              <a:off x="8780307" y="5004985"/>
+              <a:ext cx="2705100" cy="863600"/>
+            </a:xfrm>
+            <a:prstGeom prst="rect">
+              <a:avLst/>
+            </a:prstGeom>
+          </p:spPr>
+        </p:pic>
+      </p:grpSp>
     </p:spTree>
     <p:extLst>
       <p:ext uri="{BB962C8B-B14F-4D97-AF65-F5344CB8AC3E}">
@@ -8352,6 +8464,78 @@
                                   </p:childTnLst>
                                 </p:cTn>
                               </p:par>
+                              <p:par>
+                                <p:cTn id="53" presetID="1" presetClass="entr" presetSubtype="0" fill="hold" nodeType="withEffect">
+                                  <p:stCondLst>
+                                    <p:cond delay="0"/>
+                                  </p:stCondLst>
+                                  <p:childTnLst>
+                                    <p:set>
+                                      <p:cBhvr>
+                                        <p:cTn id="54" dur="1" fill="hold">
+                                          <p:stCondLst>
+                                            <p:cond delay="0"/>
+                                          </p:stCondLst>
+                                        </p:cTn>
+                                        <p:tgtEl>
+                                          <p:spTgt spid="128"/>
+                                        </p:tgtEl>
+                                        <p:attrNameLst>
+                                          <p:attrName>style.visibility</p:attrName>
+                                        </p:attrNameLst>
+                                      </p:cBhvr>
+                                      <p:to>
+                                        <p:strVal val="visible"/>
+                                      </p:to>
+                                    </p:set>
+                                  </p:childTnLst>
+                                </p:cTn>
+                              </p:par>
+                            </p:childTnLst>
+                          </p:cTn>
+                        </p:par>
+                      </p:childTnLst>
+                    </p:cTn>
+                  </p:par>
+                  <p:par>
+                    <p:cTn id="55" fill="hold">
+                      <p:stCondLst>
+                        <p:cond delay="indefinite"/>
+                      </p:stCondLst>
+                      <p:childTnLst>
+                        <p:par>
+                          <p:cTn id="56" fill="hold">
+                            <p:stCondLst>
+                              <p:cond delay="0"/>
+                            </p:stCondLst>
+                            <p:childTnLst>
+                              <p:par>
+                                <p:cTn id="57" presetID="1" presetClass="entr" presetSubtype="0" fill="hold" nodeType="clickEffect">
+                                  <p:stCondLst>
+                                    <p:cond delay="0"/>
+                                  </p:stCondLst>
+                                  <p:childTnLst>
+                                    <p:set>
+                                      <p:cBhvr>
+                                        <p:cTn id="58" dur="1" fill="hold">
+                                          <p:stCondLst>
+                                            <p:cond delay="0"/>
+                                          </p:stCondLst>
+                                        </p:cTn>
+                                        <p:tgtEl>
+                                          <p:spTgt spid="130"/>
+                                        </p:tgtEl>
+                                        <p:attrNameLst>
+                                          <p:attrName>style.visibility</p:attrName>
+                                        </p:attrNameLst>
+                                      </p:cBhvr>
+                                      <p:to>
+                                        <p:strVal val="visible"/>
+                                      </p:to>
+                                    </p:set>
+                                  </p:childTnLst>
+                                </p:cTn>
+                              </p:par>
                             </p:childTnLst>
                           </p:cTn>
                         </p:par>
@@ -8458,6 +8642,40 @@
           </a:prstGeom>
         </p:spPr>
       </p:pic>
+      <p:sp>
+        <p:nvSpPr>
+          <p:cNvPr id="24" name="Rectangle 23">
+            <a:extLst>
+              <a:ext uri="{FF2B5EF4-FFF2-40B4-BE49-F238E27FC236}">
+                <a16:creationId xmlns:a16="http://schemas.microsoft.com/office/drawing/2014/main" id="{6A1CF52E-6BD6-5244-9132-1E6F4AA875C5}"/>
+              </a:ext>
+            </a:extLst>
+          </p:cNvPr>
+          <p:cNvSpPr/>
+          <p:nvPr/>
+        </p:nvSpPr>
+        <p:spPr>
+          <a:xfrm>
+            <a:off x="1151966" y="3008874"/>
+            <a:ext cx="7515455" cy="523220"/>
+          </a:xfrm>
+          <a:prstGeom prst="rect">
+            <a:avLst/>
+          </a:prstGeom>
+        </p:spPr>
+        <p:txBody>
+          <a:bodyPr wrap="none">
+            <a:spAutoFit/>
+          </a:bodyPr>
+          <a:lstStyle/>
+          <a:p>
+            <a:r>
+              <a:rPr lang="en-US" sz="2800" dirty="0"/>
+              <a:t>I did not know the answer to this one for a while...</a:t>
+            </a:r>
+          </a:p>
+        </p:txBody>
+      </p:sp>
     </p:spTree>
     <p:extLst>
       <p:ext uri="{BB962C8B-B14F-4D97-AF65-F5344CB8AC3E}">
@@ -8595,8 +8813,8 @@
         </p:nvSpPr>
         <p:spPr>
           <a:xfrm>
-            <a:off x="1151966" y="4395694"/>
-            <a:ext cx="9756325" cy="1661993"/>
+            <a:off x="1151966" y="3016251"/>
+            <a:ext cx="9756325" cy="2954655"/>
           </a:xfrm>
           <a:prstGeom prst="rect">
             <a:avLst/>
@@ -8608,6 +8826,12 @@
             <a:spAutoFit/>
           </a:bodyPr>
           <a:lstStyle/>
+          <a:p>
+            <a:endParaRPr lang="en-US" sz="2800" b="1" dirty="0"/>
+          </a:p>
+          <a:p>
+            <a:endParaRPr lang="en-US" sz="2800" b="1" dirty="0"/>
+          </a:p>
           <a:p>
             <a:r>
               <a:rPr lang="en-US" sz="2800" b="1" dirty="0"/>
@@ -8640,6 +8864,12 @@
           </a:p>
           <a:p>
             <a:endParaRPr lang="en-US" dirty="0"/>
+          </a:p>
+          <a:p>
+            <a:r>
+              <a:rPr lang="en-US" sz="2800" dirty="0"/>
+              <a:t>It’s also tight.</a:t>
+            </a:r>
           </a:p>
         </p:txBody>
       </p:sp>
@@ -8891,7 +9121,7 @@
           </a:prstGeom>
           <a:ln>
             <a:solidFill>
-              <a:srgbClr val="FF261A"/>
+              <a:schemeClr val="accent2"/>
             </a:solidFill>
           </a:ln>
         </p:spPr>
@@ -8933,7 +9163,7 @@
         <p:spPr>
           <a:xfrm>
             <a:off x="6174519" y="6277376"/>
-            <a:ext cx="3618298" cy="523220"/>
+            <a:ext cx="4198585" cy="523220"/>
           </a:xfrm>
           <a:prstGeom prst="rect">
             <a:avLst/>
@@ -8952,10 +9182,10 @@
             <a:r>
               <a:rPr lang="en-US" sz="2800" dirty="0">
                 <a:solidFill>
-                  <a:srgbClr val="FF0000"/>
+                  <a:schemeClr val="accent2"/>
                 </a:solidFill>
               </a:rPr>
-              <a:t>Does not depend on n !</a:t>
+              <a:t>Still does not depend on n !</a:t>
             </a:r>
           </a:p>
         </p:txBody>
@@ -9031,7 +9261,7 @@
           <a:noFill/>
           <a:ln>
             <a:solidFill>
-              <a:srgbClr val="FF261A"/>
+              <a:schemeClr val="accent2"/>
             </a:solidFill>
             <a:headEnd type="triangle"/>
           </a:ln>
@@ -9171,6 +9401,11 @@
           <a:prstGeom prst="rect">
             <a:avLst/>
           </a:prstGeom>
+          <a:solidFill>
+            <a:schemeClr val="bg2">
+              <a:lumMod val="75000"/>
+            </a:schemeClr>
+          </a:solidFill>
         </p:spPr>
         <p:style>
           <a:lnRef idx="2">
@@ -9217,6 +9452,11 @@
           <a:prstGeom prst="rect">
             <a:avLst/>
           </a:prstGeom>
+          <a:solidFill>
+            <a:schemeClr val="bg2">
+              <a:lumMod val="75000"/>
+            </a:schemeClr>
+          </a:solidFill>
         </p:spPr>
         <p:style>
           <a:lnRef idx="2">
@@ -9263,6 +9503,11 @@
           <a:prstGeom prst="cube">
             <a:avLst/>
           </a:prstGeom>
+          <a:solidFill>
+            <a:schemeClr val="bg2">
+              <a:lumMod val="75000"/>
+            </a:schemeClr>
+          </a:solidFill>
         </p:spPr>
         <p:style>
           <a:lnRef idx="2">
@@ -9362,7 +9607,7 @@
         <p:spPr>
           <a:xfrm>
             <a:off x="572135" y="1406619"/>
-            <a:ext cx="10630218" cy="1815882"/>
+            <a:ext cx="10750443" cy="1815882"/>
           </a:xfrm>
           <a:prstGeom prst="rect">
             <a:avLst/>
@@ -9376,8 +9621,12 @@
           <a:lstStyle/>
           <a:p>
             <a:r>
+              <a:rPr lang="en-US" sz="2800" b="1" dirty="0"/>
+              <a:t>Lemma:</a:t>
+            </a:r>
+            <a:r>
               <a:rPr lang="en-US" sz="2800" dirty="0"/>
-              <a:t>Lemma [</a:t>
+              <a:t> [</a:t>
             </a:r>
             <a:r>
               <a:rPr lang="en-US" sz="2800" dirty="0" err="1"/>
@@ -9399,7 +9648,7 @@
           </a:p>
           <a:p>
             <a:r>
-              <a:rPr lang="en-US" sz="2800" dirty="0"/>
+              <a:rPr lang="en-US" sz="2800" b="1" dirty="0"/>
               <a:t>Proof:</a:t>
             </a:r>
           </a:p>
@@ -11045,6 +11294,152 @@
           </a:p>
         </p:txBody>
       </p:sp>
+      <p:pic>
+        <p:nvPicPr>
+          <p:cNvPr id="5" name="Picture 4">
+            <a:extLst>
+              <a:ext uri="{FF2B5EF4-FFF2-40B4-BE49-F238E27FC236}">
+                <a16:creationId xmlns:a16="http://schemas.microsoft.com/office/drawing/2014/main" id="{7890CCB8-5505-5645-B92A-97C79172E0E5}"/>
+              </a:ext>
+            </a:extLst>
+          </p:cNvPr>
+          <p:cNvPicPr>
+            <a:picLocks noChangeAspect="1"/>
+          </p:cNvPicPr>
+          <p:nvPr/>
+        </p:nvPicPr>
+        <p:blipFill>
+          <a:blip r:embed="rId2"/>
+          <a:stretch>
+            <a:fillRect/>
+          </a:stretch>
+        </p:blipFill>
+        <p:spPr>
+          <a:xfrm>
+            <a:off x="2880465" y="2067235"/>
+            <a:ext cx="254000" cy="190500"/>
+          </a:xfrm>
+          <a:prstGeom prst="rect">
+            <a:avLst/>
+          </a:prstGeom>
+        </p:spPr>
+      </p:pic>
+      <p:pic>
+        <p:nvPicPr>
+          <p:cNvPr id="7" name="Picture 6">
+            <a:extLst>
+              <a:ext uri="{FF2B5EF4-FFF2-40B4-BE49-F238E27FC236}">
+                <a16:creationId xmlns:a16="http://schemas.microsoft.com/office/drawing/2014/main" id="{4F5C2426-5D1D-3A42-A559-416F68C5E1F2}"/>
+              </a:ext>
+            </a:extLst>
+          </p:cNvPr>
+          <p:cNvPicPr>
+            <a:picLocks noChangeAspect="1"/>
+          </p:cNvPicPr>
+          <p:nvPr/>
+        </p:nvPicPr>
+        <p:blipFill>
+          <a:blip r:embed="rId3"/>
+          <a:stretch>
+            <a:fillRect/>
+          </a:stretch>
+        </p:blipFill>
+        <p:spPr>
+          <a:xfrm>
+            <a:off x="9196210" y="1967373"/>
+            <a:ext cx="1028700" cy="317500"/>
+          </a:xfrm>
+          <a:prstGeom prst="rect">
+            <a:avLst/>
+          </a:prstGeom>
+        </p:spPr>
+      </p:pic>
+      <p:cxnSp>
+        <p:nvCxnSpPr>
+          <p:cNvPr id="27" name="Straight Arrow Connector 26">
+            <a:extLst>
+              <a:ext uri="{FF2B5EF4-FFF2-40B4-BE49-F238E27FC236}">
+                <a16:creationId xmlns:a16="http://schemas.microsoft.com/office/drawing/2014/main" id="{79C7A826-C6BA-9041-83E3-F8DD8FC59B71}"/>
+              </a:ext>
+            </a:extLst>
+          </p:cNvPr>
+          <p:cNvCxnSpPr/>
+          <p:nvPr/>
+        </p:nvCxnSpPr>
+        <p:spPr>
+          <a:xfrm flipH="1">
+            <a:off x="2329674" y="2340829"/>
+            <a:ext cx="383415" cy="352143"/>
+          </a:xfrm>
+          <a:prstGeom prst="straightConnector1">
+            <a:avLst/>
+          </a:prstGeom>
+          <a:ln>
+            <a:solidFill>
+              <a:schemeClr val="tx1"/>
+            </a:solidFill>
+            <a:prstDash val="sysDash"/>
+            <a:tailEnd type="triangle"/>
+          </a:ln>
+        </p:spPr>
+        <p:style>
+          <a:lnRef idx="1">
+            <a:schemeClr val="accent1"/>
+          </a:lnRef>
+          <a:fillRef idx="0">
+            <a:schemeClr val="accent1"/>
+          </a:fillRef>
+          <a:effectRef idx="0">
+            <a:schemeClr val="accent1"/>
+          </a:effectRef>
+          <a:fontRef idx="minor">
+            <a:schemeClr val="tx1"/>
+          </a:fontRef>
+        </p:style>
+      </p:cxnSp>
+      <p:cxnSp>
+        <p:nvCxnSpPr>
+          <p:cNvPr id="43" name="Straight Arrow Connector 42">
+            <a:extLst>
+              <a:ext uri="{FF2B5EF4-FFF2-40B4-BE49-F238E27FC236}">
+                <a16:creationId xmlns:a16="http://schemas.microsoft.com/office/drawing/2014/main" id="{B38F77DD-30F3-F54B-AC09-37B96FD93ED4}"/>
+              </a:ext>
+            </a:extLst>
+          </p:cNvPr>
+          <p:cNvCxnSpPr/>
+          <p:nvPr/>
+        </p:nvCxnSpPr>
+        <p:spPr>
+          <a:xfrm flipH="1">
+            <a:off x="8648178" y="2346759"/>
+            <a:ext cx="383415" cy="352143"/>
+          </a:xfrm>
+          <a:prstGeom prst="straightConnector1">
+            <a:avLst/>
+          </a:prstGeom>
+          <a:ln>
+            <a:solidFill>
+              <a:schemeClr val="tx1"/>
+            </a:solidFill>
+            <a:prstDash val="sysDash"/>
+            <a:tailEnd type="triangle"/>
+          </a:ln>
+        </p:spPr>
+        <p:style>
+          <a:lnRef idx="1">
+            <a:schemeClr val="accent1"/>
+          </a:lnRef>
+          <a:fillRef idx="0">
+            <a:schemeClr val="accent1"/>
+          </a:fillRef>
+          <a:effectRef idx="0">
+            <a:schemeClr val="accent1"/>
+          </a:effectRef>
+          <a:fontRef idx="minor">
+            <a:schemeClr val="tx1"/>
+          </a:fontRef>
+        </p:style>
+      </p:cxnSp>
     </p:spTree>
     <p:extLst>
       <p:ext uri="{BB962C8B-B14F-4D97-AF65-F5344CB8AC3E}">
@@ -11055,6 +11450,162 @@
   <p:clrMapOvr>
     <a:masterClrMapping/>
   </p:clrMapOvr>
+  <p:timing>
+    <p:tnLst>
+      <p:par>
+        <p:cTn id="1" dur="indefinite" restart="never" nodeType="tmRoot">
+          <p:childTnLst>
+            <p:seq concurrent="1" nextAc="seek">
+              <p:cTn id="2" dur="indefinite" nodeType="mainSeq">
+                <p:childTnLst>
+                  <p:par>
+                    <p:cTn id="3" fill="hold">
+                      <p:stCondLst>
+                        <p:cond delay="indefinite"/>
+                      </p:stCondLst>
+                      <p:childTnLst>
+                        <p:par>
+                          <p:cTn id="4" fill="hold">
+                            <p:stCondLst>
+                              <p:cond delay="0"/>
+                            </p:stCondLst>
+                            <p:childTnLst>
+                              <p:par>
+                                <p:cTn id="5" presetID="1" presetClass="entr" presetSubtype="0" fill="hold" nodeType="clickEffect">
+                                  <p:stCondLst>
+                                    <p:cond delay="0"/>
+                                  </p:stCondLst>
+                                  <p:childTnLst>
+                                    <p:set>
+                                      <p:cBhvr>
+                                        <p:cTn id="6" dur="1" fill="hold">
+                                          <p:stCondLst>
+                                            <p:cond delay="0"/>
+                                          </p:stCondLst>
+                                        </p:cTn>
+                                        <p:tgtEl>
+                                          <p:spTgt spid="5"/>
+                                        </p:tgtEl>
+                                        <p:attrNameLst>
+                                          <p:attrName>style.visibility</p:attrName>
+                                        </p:attrNameLst>
+                                      </p:cBhvr>
+                                      <p:to>
+                                        <p:strVal val="visible"/>
+                                      </p:to>
+                                    </p:set>
+                                  </p:childTnLst>
+                                </p:cTn>
+                              </p:par>
+                              <p:par>
+                                <p:cTn id="7" presetID="1" presetClass="entr" presetSubtype="0" fill="hold" nodeType="withEffect">
+                                  <p:stCondLst>
+                                    <p:cond delay="0"/>
+                                  </p:stCondLst>
+                                  <p:childTnLst>
+                                    <p:set>
+                                      <p:cBhvr>
+                                        <p:cTn id="8" dur="1" fill="hold">
+                                          <p:stCondLst>
+                                            <p:cond delay="0"/>
+                                          </p:stCondLst>
+                                        </p:cTn>
+                                        <p:tgtEl>
+                                          <p:spTgt spid="27"/>
+                                        </p:tgtEl>
+                                        <p:attrNameLst>
+                                          <p:attrName>style.visibility</p:attrName>
+                                        </p:attrNameLst>
+                                      </p:cBhvr>
+                                      <p:to>
+                                        <p:strVal val="visible"/>
+                                      </p:to>
+                                    </p:set>
+                                  </p:childTnLst>
+                                </p:cTn>
+                              </p:par>
+                              <p:par>
+                                <p:cTn id="9" presetID="1" presetClass="entr" presetSubtype="0" fill="hold" nodeType="withEffect">
+                                  <p:stCondLst>
+                                    <p:cond delay="0"/>
+                                  </p:stCondLst>
+                                  <p:childTnLst>
+                                    <p:set>
+                                      <p:cBhvr>
+                                        <p:cTn id="10" dur="1" fill="hold">
+                                          <p:stCondLst>
+                                            <p:cond delay="0"/>
+                                          </p:stCondLst>
+                                        </p:cTn>
+                                        <p:tgtEl>
+                                          <p:spTgt spid="7"/>
+                                        </p:tgtEl>
+                                        <p:attrNameLst>
+                                          <p:attrName>style.visibility</p:attrName>
+                                        </p:attrNameLst>
+                                      </p:cBhvr>
+                                      <p:to>
+                                        <p:strVal val="visible"/>
+                                      </p:to>
+                                    </p:set>
+                                  </p:childTnLst>
+                                </p:cTn>
+                              </p:par>
+                              <p:par>
+                                <p:cTn id="11" presetID="1" presetClass="entr" presetSubtype="0" fill="hold" nodeType="withEffect">
+                                  <p:stCondLst>
+                                    <p:cond delay="0"/>
+                                  </p:stCondLst>
+                                  <p:childTnLst>
+                                    <p:set>
+                                      <p:cBhvr>
+                                        <p:cTn id="12" dur="1" fill="hold">
+                                          <p:stCondLst>
+                                            <p:cond delay="0"/>
+                                          </p:stCondLst>
+                                        </p:cTn>
+                                        <p:tgtEl>
+                                          <p:spTgt spid="43"/>
+                                        </p:tgtEl>
+                                        <p:attrNameLst>
+                                          <p:attrName>style.visibility</p:attrName>
+                                        </p:attrNameLst>
+                                      </p:cBhvr>
+                                      <p:to>
+                                        <p:strVal val="visible"/>
+                                      </p:to>
+                                    </p:set>
+                                  </p:childTnLst>
+                                </p:cTn>
+                              </p:par>
+                            </p:childTnLst>
+                          </p:cTn>
+                        </p:par>
+                      </p:childTnLst>
+                    </p:cTn>
+                  </p:par>
+                </p:childTnLst>
+              </p:cTn>
+              <p:prevCondLst>
+                <p:cond evt="onPrev" delay="0">
+                  <p:tgtEl>
+                    <p:sldTgt/>
+                  </p:tgtEl>
+                </p:cond>
+              </p:prevCondLst>
+              <p:nextCondLst>
+                <p:cond evt="onNext" delay="0">
+                  <p:tgtEl>
+                    <p:sldTgt/>
+                  </p:tgtEl>
+                </p:cond>
+              </p:nextCondLst>
+            </p:seq>
+          </p:childTnLst>
+        </p:cTn>
+      </p:par>
+    </p:tnLst>
+  </p:timing>
 </p:sld>
 </file>
 
@@ -11131,6 +11682,56 @@
           </a:bodyPr>
           <a:lstStyle/>
           <a:p>
+            <a:r>
+              <a:rPr lang="en-US" dirty="0"/>
+              <a:t>Sigmoid Activation Regression, Logistic Regression, </a:t>
+            </a:r>
+          </a:p>
+          <a:p>
+            <a:r>
+              <a:rPr lang="en-US" dirty="0"/>
+              <a:t>Covariance approximation and Graph Laplacians Quadratic forms</a:t>
+            </a:r>
+          </a:p>
+          <a:p>
+            <a:r>
+              <a:rPr lang="en-US" dirty="0"/>
+              <a:t>Gaussian Kernel Density estimation  </a:t>
+            </a:r>
+          </a:p>
+          <a:p>
+            <a:pPr lvl="1"/>
+            <a:r>
+              <a:rPr lang="en-US" dirty="0"/>
+              <a:t>Improving on result by Philips an Tai and </a:t>
+            </a:r>
+            <a:r>
+              <a:rPr lang="en-US" b="1" dirty="0"/>
+              <a:t>resolving the open problem</a:t>
+            </a:r>
+          </a:p>
+          <a:p>
+            <a:pPr marL="0" indent="0">
+              <a:buNone/>
+            </a:pPr>
+            <a:endParaRPr lang="en-US" dirty="0"/>
+          </a:p>
+          <a:p>
+            <a:pPr marL="0" indent="0">
+              <a:buNone/>
+            </a:pPr>
+            <a:r>
+              <a:rPr lang="en-US" dirty="0"/>
+              <a:t>All have the above have Class Discrepancy of </a:t>
+            </a:r>
+          </a:p>
+          <a:p>
+            <a:pPr marL="0" indent="0">
+              <a:buNone/>
+            </a:pPr>
+            <a:endParaRPr lang="en-US" dirty="0"/>
+          </a:p>
+          <a:p>
             <a:pPr marL="514350" indent="-514350">
               <a:buAutoNum type="arabicParenR"/>
             </a:pPr>
@@ -11159,51 +11760,6 @@
             </a:r>
           </a:p>
           <a:p>
-            <a:pPr marL="514350" indent="-514350">
-              <a:buFont typeface="Arial" panose="020B0604020202020204" pitchFamily="34" charset="0"/>
-              <a:buAutoNum type="arabicParenR"/>
-            </a:pPr>
-            <a:endParaRPr lang="en-US" dirty="0"/>
-          </a:p>
-          <a:p>
-            <a:r>
-              <a:rPr lang="en-US" dirty="0"/>
-              <a:t>Gaussian Kernel Density estimation  </a:t>
-            </a:r>
-          </a:p>
-          <a:p>
-            <a:pPr lvl="1"/>
-            <a:r>
-              <a:rPr lang="en-US" dirty="0"/>
-              <a:t>Improving on Philips an Tai and </a:t>
-            </a:r>
-            <a:r>
-              <a:rPr lang="en-US" b="1" dirty="0"/>
-              <a:t>resolving the open problem</a:t>
-            </a:r>
-          </a:p>
-          <a:p>
-            <a:r>
-              <a:rPr lang="en-US" dirty="0"/>
-              <a:t>Logistic Regression, Sigmoid Activation Regression</a:t>
-            </a:r>
-          </a:p>
-          <a:p>
-            <a:r>
-              <a:rPr lang="en-US" dirty="0"/>
-              <a:t>Covariance approximation and Graph Laplacians Quadratic forms</a:t>
-            </a:r>
-          </a:p>
-          <a:p>
-            <a:r>
-              <a:rPr lang="en-US" dirty="0"/>
-              <a:t>Many more...</a:t>
-            </a:r>
-          </a:p>
-          <a:p>
-            <a:endParaRPr lang="en-US" dirty="0"/>
-          </a:p>
-          <a:p>
             <a:endParaRPr lang="en-US" dirty="0"/>
           </a:p>
         </p:txBody>
@@ -11230,7 +11786,7 @@
         </p:blipFill>
         <p:spPr>
           <a:xfrm>
-            <a:off x="3865036" y="1686142"/>
+            <a:off x="3865036" y="5124286"/>
             <a:ext cx="1114872" cy="359636"/>
           </a:xfrm>
           <a:prstGeom prst="rect">
@@ -11260,7 +11816,7 @@
         </p:blipFill>
         <p:spPr>
           <a:xfrm>
-            <a:off x="5559261" y="2045778"/>
+            <a:off x="5559261" y="5483922"/>
             <a:ext cx="3479800" cy="571500"/>
           </a:xfrm>
           <a:prstGeom prst="rect">
@@ -11290,8 +11846,38 @@
         </p:blipFill>
         <p:spPr>
           <a:xfrm>
-            <a:off x="7433235" y="2617278"/>
+            <a:off x="7433235" y="6055422"/>
             <a:ext cx="3708400" cy="571500"/>
+          </a:xfrm>
+          <a:prstGeom prst="rect">
+            <a:avLst/>
+          </a:prstGeom>
+        </p:spPr>
+      </p:pic>
+      <p:pic>
+        <p:nvPicPr>
+          <p:cNvPr id="16" name="Picture 15">
+            <a:extLst>
+              <a:ext uri="{FF2B5EF4-FFF2-40B4-BE49-F238E27FC236}">
+                <a16:creationId xmlns:a16="http://schemas.microsoft.com/office/drawing/2014/main" id="{E5053D54-1145-854E-A151-40AA0720506D}"/>
+              </a:ext>
+            </a:extLst>
+          </p:cNvPr>
+          <p:cNvPicPr>
+            <a:picLocks noChangeAspect="1"/>
+          </p:cNvPicPr>
+          <p:nvPr/>
+        </p:nvPicPr>
+        <p:blipFill>
+          <a:blip r:embed="rId5"/>
+          <a:stretch>
+            <a:fillRect/>
+          </a:stretch>
+        </p:blipFill>
+        <p:spPr>
+          <a:xfrm>
+            <a:off x="7520432" y="4085886"/>
+            <a:ext cx="2235200" cy="381000"/>
           </a:xfrm>
           <a:prstGeom prst="rect">
             <a:avLst/>
@@ -12198,7 +12784,2533 @@
 </p:sld>
 </file>
 
+<file path=ppt/slides/slide22.xml><?xml version="1.0" encoding="utf-8"?>
+<p:sld xmlns:a="http://schemas.openxmlformats.org/drawingml/2006/main" xmlns:r="http://schemas.openxmlformats.org/officeDocument/2006/relationships" xmlns:p="http://schemas.openxmlformats.org/presentationml/2006/main">
+  <p:cSld>
+    <p:spTree>
+      <p:nvGrpSpPr>
+        <p:cNvPr id="1" name=""/>
+        <p:cNvGrpSpPr/>
+        <p:nvPr/>
+      </p:nvGrpSpPr>
+      <p:grpSpPr>
+        <a:xfrm>
+          <a:off x="0" y="0"/>
+          <a:ext cx="0" cy="0"/>
+          <a:chOff x="0" y="0"/>
+          <a:chExt cx="0" cy="0"/>
+        </a:xfrm>
+      </p:grpSpPr>
+      <p:sp>
+        <p:nvSpPr>
+          <p:cNvPr id="2" name="Title 1">
+            <a:extLst>
+              <a:ext uri="{FF2B5EF4-FFF2-40B4-BE49-F238E27FC236}">
+                <a16:creationId xmlns:a16="http://schemas.microsoft.com/office/drawing/2014/main" id="{086AEFFB-F450-0C44-83DB-DBBC8205E1EE}"/>
+              </a:ext>
+            </a:extLst>
+          </p:cNvPr>
+          <p:cNvSpPr>
+            <a:spLocks noGrp="1"/>
+          </p:cNvSpPr>
+          <p:nvPr>
+            <p:ph type="title"/>
+          </p:nvPr>
+        </p:nvSpPr>
+        <p:spPr>
+          <a:xfrm>
+            <a:off x="838200" y="1447800"/>
+            <a:ext cx="10515600" cy="5048250"/>
+          </a:xfrm>
+        </p:spPr>
+        <p:txBody>
+          <a:bodyPr>
+            <a:noAutofit/>
+          </a:bodyPr>
+          <a:lstStyle/>
+          <a:p>
+            <a:r>
+              <a:rPr lang="en-US" sz="1200" dirty="0"/>
+              <a:t>Pankaj K Agarwal, </a:t>
+            </a:r>
+            <a:r>
+              <a:rPr lang="en-US" sz="1200" dirty="0" err="1"/>
+              <a:t>Sariel</a:t>
+            </a:r>
+            <a:r>
+              <a:rPr lang="en-US" sz="1200" dirty="0"/>
+              <a:t> </a:t>
+            </a:r>
+            <a:r>
+              <a:rPr lang="en-US" sz="1200" dirty="0" err="1"/>
+              <a:t>Har-Peled</a:t>
+            </a:r>
+            <a:r>
+              <a:rPr lang="en-US" sz="1200" dirty="0"/>
+              <a:t>, and Kasturi R </a:t>
+            </a:r>
+            <a:r>
+              <a:rPr lang="en-US" sz="1200" dirty="0" err="1"/>
+              <a:t>Varadarajan</a:t>
+            </a:r>
+            <a:r>
+              <a:rPr lang="en-US" sz="1200" dirty="0"/>
+              <a:t>. Geometric approximation via coresets. </a:t>
+            </a:r>
+            <a:r>
+              <a:rPr lang="en-US" sz="1200" i="1" dirty="0"/>
+              <a:t>Combinatorial and computational geometry</a:t>
+            </a:r>
+            <a:r>
+              <a:rPr lang="en-US" sz="1200" dirty="0"/>
+              <a:t>, 52:1–30, 2005.</a:t>
+            </a:r>
+            <a:br>
+              <a:rPr lang="en-US" sz="1200" dirty="0"/>
+            </a:br>
+            <a:br>
+              <a:rPr lang="en-US" sz="1200" dirty="0"/>
+            </a:br>
+            <a:r>
+              <a:rPr lang="en-US" sz="1200" dirty="0"/>
+              <a:t>Jeff M Phillips. </a:t>
+            </a:r>
+            <a:r>
+              <a:rPr lang="en-US" sz="1200" i="1" dirty="0"/>
+              <a:t>Small and stable descriptors of distributions for geometric statistical problems</a:t>
+            </a:r>
+            <a:r>
+              <a:rPr lang="en-US" sz="1200" dirty="0"/>
+              <a:t>. PhD thesis, 2009. </a:t>
+            </a:r>
+            <a:br>
+              <a:rPr lang="en-US" sz="1200" dirty="0"/>
+            </a:br>
+            <a:br>
+              <a:rPr lang="en-US" sz="1200" dirty="0"/>
+            </a:br>
+            <a:r>
+              <a:rPr lang="en-US" sz="1200" dirty="0"/>
+              <a:t>Jeff M. Phillips and Wai Ming Tai. Improved coresets for kernel density estimates. In </a:t>
+            </a:r>
+            <a:r>
+              <a:rPr lang="en-US" sz="1200" dirty="0" err="1"/>
+              <a:t>Ar</a:t>
+            </a:r>
+            <a:r>
+              <a:rPr lang="en-US" sz="1200" dirty="0"/>
+              <a:t>- tur </a:t>
+            </a:r>
+            <a:r>
+              <a:rPr lang="en-US" sz="1200" dirty="0" err="1"/>
+              <a:t>Czumaj</a:t>
+            </a:r>
+            <a:r>
+              <a:rPr lang="en-US" sz="1200" dirty="0"/>
+              <a:t>, editor, </a:t>
+            </a:r>
+            <a:r>
+              <a:rPr lang="en-US" sz="1200" i="1" dirty="0"/>
+              <a:t>Proceedings of the Twenty-Ninth Annual ACM-SIAM Symposium on Dis- </a:t>
+            </a:r>
+            <a:r>
+              <a:rPr lang="en-US" sz="1200" i="1" dirty="0" err="1"/>
+              <a:t>crete</a:t>
+            </a:r>
+            <a:r>
+              <a:rPr lang="en-US" sz="1200" i="1" dirty="0"/>
+              <a:t> Algorithms, SODA 2018 </a:t>
+            </a:r>
+            <a:br>
+              <a:rPr lang="en-US" sz="1200" dirty="0"/>
+            </a:br>
+            <a:br>
+              <a:rPr lang="en-US" sz="1200" dirty="0"/>
+            </a:br>
+            <a:r>
+              <a:rPr lang="en-US" sz="1200" dirty="0"/>
+              <a:t>Dan Feldman and Michael Langberg. A unified framework for approximating and clustering data. In </a:t>
+            </a:r>
+            <a:r>
+              <a:rPr lang="en-US" sz="1200" dirty="0" err="1"/>
+              <a:t>Fortnow</a:t>
+            </a:r>
+            <a:r>
+              <a:rPr lang="en-US" sz="1200" dirty="0"/>
+              <a:t> and </a:t>
+            </a:r>
+            <a:r>
+              <a:rPr lang="en-US" sz="1200" dirty="0" err="1"/>
+              <a:t>Vadhan</a:t>
+            </a:r>
+            <a:r>
+              <a:rPr lang="en-US" sz="1200" dirty="0"/>
+              <a:t> (2011), pages 569–578 </a:t>
+            </a:r>
+            <a:br>
+              <a:rPr lang="en-US" sz="1200" dirty="0"/>
+            </a:br>
+            <a:br>
+              <a:rPr lang="en-US" sz="1200" dirty="0"/>
+            </a:br>
+            <a:r>
+              <a:rPr lang="en-US" sz="1200" dirty="0"/>
+              <a:t>Jeff M. Phillips and Wai Ming Tai. Near-optimal coresets of kernel density estimates </a:t>
+            </a:r>
+            <a:br>
+              <a:rPr lang="en-US" sz="1200" dirty="0"/>
+            </a:br>
+            <a:r>
+              <a:rPr lang="en-US" sz="1200" dirty="0" err="1"/>
+              <a:t>Elad</a:t>
+            </a:r>
+            <a:r>
+              <a:rPr lang="en-US" sz="1200" dirty="0"/>
+              <a:t> </a:t>
+            </a:r>
+            <a:r>
+              <a:rPr lang="en-US" sz="1200" dirty="0" err="1"/>
+              <a:t>Tolochinsky</a:t>
+            </a:r>
+            <a:r>
+              <a:rPr lang="en-US" sz="1200" dirty="0"/>
+              <a:t> and Dan Feldman. Coresets for monotonic functions with applications to deep </a:t>
+            </a:r>
+            <a:br>
+              <a:rPr lang="en-US" sz="1200" dirty="0"/>
+            </a:br>
+            <a:r>
+              <a:rPr lang="en-US" sz="1200" dirty="0"/>
+              <a:t>learning.</a:t>
+            </a:r>
+            <a:br>
+              <a:rPr lang="en-US" sz="1200" dirty="0"/>
+            </a:br>
+            <a:br>
+              <a:rPr lang="en-US" sz="1200" dirty="0"/>
+            </a:br>
+            <a:r>
+              <a:rPr lang="en-US" sz="1200" dirty="0" err="1"/>
+              <a:t>Sariel</a:t>
+            </a:r>
+            <a:r>
+              <a:rPr lang="en-US" sz="1200" dirty="0"/>
+              <a:t> </a:t>
+            </a:r>
+            <a:r>
+              <a:rPr lang="en-US" sz="1200" dirty="0" err="1"/>
+              <a:t>Har-Peled</a:t>
+            </a:r>
+            <a:r>
+              <a:rPr lang="en-US" sz="1200" dirty="0"/>
+              <a:t>, Dan Roth, and </a:t>
+            </a:r>
+            <a:r>
+              <a:rPr lang="en-US" sz="1200" dirty="0" err="1"/>
+              <a:t>Dav</a:t>
+            </a:r>
+            <a:r>
+              <a:rPr lang="en-US" sz="1200" dirty="0"/>
+              <a:t> </a:t>
+            </a:r>
+            <a:r>
+              <a:rPr lang="en-US" sz="1200" dirty="0" err="1"/>
+              <a:t>Zimak</a:t>
+            </a:r>
+            <a:r>
+              <a:rPr lang="en-US" sz="1200" dirty="0"/>
+              <a:t>. Maximum margin coresets for active and noise tolerant learning. In Manuela M. Veloso, editor, </a:t>
+            </a:r>
+            <a:r>
+              <a:rPr lang="en-US" sz="1200" i="1" dirty="0"/>
+              <a:t>IJCAI 2007 </a:t>
+            </a:r>
+            <a:br>
+              <a:rPr lang="en-US" sz="1200" dirty="0"/>
+            </a:br>
+            <a:br>
+              <a:rPr lang="en-US" sz="1200" dirty="0"/>
+            </a:br>
+            <a:r>
+              <a:rPr lang="en-US" sz="1200" dirty="0" err="1"/>
+              <a:t>Sariel</a:t>
+            </a:r>
+            <a:r>
+              <a:rPr lang="en-US" sz="1200" dirty="0"/>
+              <a:t> </a:t>
+            </a:r>
+            <a:r>
+              <a:rPr lang="en-US" sz="1200" dirty="0" err="1"/>
+              <a:t>Har-Peled</a:t>
+            </a:r>
+            <a:r>
+              <a:rPr lang="en-US" sz="1200" dirty="0"/>
+              <a:t> and Akash Kushal. Smaller coresets for k-median and k-means clustering. In JosephS.B.MitchellandGunterRote,editors,</a:t>
+            </a:r>
+            <a:r>
+              <a:rPr lang="en-US" sz="1200" i="1" dirty="0"/>
+              <a:t>Proceedingsofthe21stACMSymposiumonCom- </a:t>
+            </a:r>
+            <a:r>
+              <a:rPr lang="en-US" sz="1200" i="1" dirty="0" err="1"/>
+              <a:t>putational</a:t>
+            </a:r>
+            <a:r>
+              <a:rPr lang="en-US" sz="1200" i="1" dirty="0"/>
+              <a:t> Geometry, Pisa, Italy, June 6-8, 2005</a:t>
+            </a:r>
+            <a:r>
+              <a:rPr lang="en-US" sz="1200" dirty="0"/>
+              <a:t>, pages 126–134 </a:t>
+            </a:r>
+            <a:br>
+              <a:rPr lang="en-US" sz="1200" dirty="0"/>
+            </a:br>
+            <a:br>
+              <a:rPr lang="en-US" sz="1200" dirty="0"/>
+            </a:br>
+            <a:r>
+              <a:rPr lang="en-US" sz="1200" dirty="0"/>
+              <a:t>Gurmeet Singh </a:t>
+            </a:r>
+            <a:r>
+              <a:rPr lang="en-US" sz="1200" dirty="0" err="1"/>
+              <a:t>Manku</a:t>
+            </a:r>
+            <a:r>
+              <a:rPr lang="en-US" sz="1200" dirty="0"/>
+              <a:t>, Sridhar Rajagopalan, and Bruce G. Lindsay. Random sampling techniques for space efficient online computation of order statistics of large datasets. </a:t>
+            </a:r>
+            <a:br>
+              <a:rPr lang="en-US" sz="1200" dirty="0"/>
+            </a:br>
+            <a:br>
+              <a:rPr lang="en-US" sz="1200" dirty="0"/>
+            </a:br>
+            <a:r>
+              <a:rPr lang="en-US" sz="1200" dirty="0"/>
+              <a:t>Alexander </a:t>
+            </a:r>
+            <a:r>
+              <a:rPr lang="en-US" sz="1200" dirty="0" err="1"/>
+              <a:t>Munteanu</a:t>
+            </a:r>
+            <a:r>
+              <a:rPr lang="en-US" sz="1200" dirty="0"/>
+              <a:t>, Chris </a:t>
+            </a:r>
+            <a:r>
+              <a:rPr lang="en-US" sz="1200" dirty="0" err="1"/>
+              <a:t>Schwiegelshohn</a:t>
+            </a:r>
+            <a:r>
+              <a:rPr lang="en-US" sz="1200" dirty="0"/>
+              <a:t>, Christian </a:t>
+            </a:r>
+            <a:r>
+              <a:rPr lang="en-US" sz="1200" dirty="0" err="1"/>
+              <a:t>Sohler</a:t>
+            </a:r>
+            <a:r>
+              <a:rPr lang="en-US" sz="1200" dirty="0"/>
+              <a:t>, and David P. Woodruff. On coresets for logistic regression. </a:t>
+            </a:r>
+            <a:br>
+              <a:rPr lang="en-US" sz="1200" dirty="0"/>
+            </a:br>
+            <a:br>
+              <a:rPr lang="en-US" sz="1200" dirty="0"/>
+            </a:br>
+            <a:r>
+              <a:rPr lang="en-US" sz="1200" dirty="0"/>
+              <a:t>Zohar S. </a:t>
+            </a:r>
+            <a:r>
+              <a:rPr lang="en-US" sz="1200" dirty="0" err="1"/>
+              <a:t>Karnin</a:t>
+            </a:r>
+            <a:r>
+              <a:rPr lang="en-US" sz="1200" dirty="0"/>
+              <a:t>, Kevin J. Lang, and Edo Liberty. Optimal quantile approximation in streams. In </a:t>
+            </a:r>
+            <a:r>
+              <a:rPr lang="en-US" sz="1200" dirty="0" err="1"/>
+              <a:t>Irit</a:t>
+            </a:r>
+            <a:r>
+              <a:rPr lang="en-US" sz="1200" dirty="0"/>
+              <a:t> </a:t>
+            </a:r>
+            <a:r>
+              <a:rPr lang="en-US" sz="1200" dirty="0" err="1"/>
+              <a:t>Dinur</a:t>
+            </a:r>
+            <a:r>
+              <a:rPr lang="en-US" sz="1200" dirty="0"/>
+              <a:t>, editor, </a:t>
+            </a:r>
+            <a:r>
+              <a:rPr lang="en-US" sz="1200" i="1" dirty="0"/>
+              <a:t>IEEE 57th Annual Symposium on Foundations of Computer Science, FOCS 2016 </a:t>
+            </a:r>
+            <a:br>
+              <a:rPr lang="en-US" sz="1200" dirty="0"/>
+            </a:br>
+            <a:br>
+              <a:rPr lang="en-US" sz="1200" dirty="0"/>
+            </a:br>
+            <a:r>
+              <a:rPr lang="en-US" sz="1200" dirty="0"/>
+              <a:t>Peter L. Bartlett and Shahar Mendelson. </a:t>
+            </a:r>
+            <a:r>
+              <a:rPr lang="en-US" sz="1200" dirty="0" err="1"/>
+              <a:t>Rademacher</a:t>
+            </a:r>
+            <a:r>
+              <a:rPr lang="en-US" sz="1200" dirty="0"/>
+              <a:t> and gaussian complexities: Risk bounds and structural results. </a:t>
+            </a:r>
+            <a:r>
+              <a:rPr lang="en-US" sz="1200" i="1" dirty="0"/>
+              <a:t>J. Mach. Learn. Res.</a:t>
+            </a:r>
+            <a:r>
+              <a:rPr lang="en-US" sz="1200" dirty="0"/>
+              <a:t>, 3:463–482, March 2003 </a:t>
+            </a:r>
+            <a:br>
+              <a:rPr lang="en-US" sz="1200" dirty="0"/>
+            </a:br>
+            <a:r>
+              <a:rPr lang="en-US" sz="1200" dirty="0"/>
+              <a:t>Olivier </a:t>
+            </a:r>
+            <a:r>
+              <a:rPr lang="en-US" sz="1200" dirty="0" err="1"/>
+              <a:t>Bachem</a:t>
+            </a:r>
+            <a:r>
+              <a:rPr lang="en-US" sz="1200" dirty="0"/>
+              <a:t>, Mario </a:t>
+            </a:r>
+            <a:r>
+              <a:rPr lang="en-US" sz="1200" dirty="0" err="1"/>
+              <a:t>Lucic</a:t>
+            </a:r>
+            <a:r>
+              <a:rPr lang="en-US" sz="1200" dirty="0"/>
+              <a:t>, and Andreas Krause. Practical coreset constructions for machine learning </a:t>
+            </a:r>
+            <a:br>
+              <a:rPr lang="en-US" sz="1200" dirty="0"/>
+            </a:br>
+            <a:br>
+              <a:rPr lang="en-US" sz="1200" dirty="0"/>
+            </a:br>
+            <a:r>
+              <a:rPr lang="en-US" sz="1200" dirty="0" err="1"/>
+              <a:t>Wojciech</a:t>
+            </a:r>
+            <a:r>
+              <a:rPr lang="en-US" sz="1200" dirty="0"/>
+              <a:t> </a:t>
+            </a:r>
+            <a:r>
+              <a:rPr lang="en-US" sz="1200" dirty="0" err="1"/>
+              <a:t>Banaszczyk</a:t>
+            </a:r>
+            <a:r>
+              <a:rPr lang="en-US" sz="1200" dirty="0"/>
+              <a:t>. Balancing vectors and gaussian measures of n-dimensional convex bod- </a:t>
+            </a:r>
+            <a:r>
+              <a:rPr lang="en-US" sz="1200" dirty="0" err="1"/>
+              <a:t>ies</a:t>
+            </a:r>
+            <a:r>
+              <a:rPr lang="en-US" sz="1200" dirty="0"/>
+              <a:t>. </a:t>
+            </a:r>
+            <a:r>
+              <a:rPr lang="en-US" sz="1200" i="1" dirty="0"/>
+              <a:t>Random Struct. Algorithms</a:t>
+            </a:r>
+            <a:r>
+              <a:rPr lang="en-US" sz="1200" dirty="0"/>
+              <a:t>, 12(4):351–360, July 1998 </a:t>
+            </a:r>
+          </a:p>
+        </p:txBody>
+      </p:sp>
+      <p:sp>
+        <p:nvSpPr>
+          <p:cNvPr id="4" name="Title 1">
+            <a:extLst>
+              <a:ext uri="{FF2B5EF4-FFF2-40B4-BE49-F238E27FC236}">
+                <a16:creationId xmlns:a16="http://schemas.microsoft.com/office/drawing/2014/main" id="{E7E09E47-0DB5-3C46-B12B-F9F01B5808E3}"/>
+              </a:ext>
+            </a:extLst>
+          </p:cNvPr>
+          <p:cNvSpPr txBox="1">
+            <a:spLocks/>
+          </p:cNvSpPr>
+          <p:nvPr/>
+        </p:nvSpPr>
+        <p:spPr>
+          <a:xfrm>
+            <a:off x="838200" y="365125"/>
+            <a:ext cx="10515600" cy="1325563"/>
+          </a:xfrm>
+          <a:prstGeom prst="rect">
+            <a:avLst/>
+          </a:prstGeom>
+        </p:spPr>
+        <p:txBody>
+          <a:bodyPr vert="horz" lIns="91440" tIns="45720" rIns="91440" bIns="45720" rtlCol="0" anchor="ctr">
+            <a:normAutofit/>
+          </a:bodyPr>
+          <a:lstStyle>
+            <a:lvl1pPr algn="l" defTabSz="914400" rtl="0" eaLnBrk="1" latinLnBrk="0" hangingPunct="1">
+              <a:lnSpc>
+                <a:spcPct val="90000"/>
+              </a:lnSpc>
+              <a:spcBef>
+                <a:spcPct val="0"/>
+              </a:spcBef>
+              <a:buNone/>
+              <a:defRPr sz="4400" kern="1200">
+                <a:solidFill>
+                  <a:schemeClr val="tx1"/>
+                </a:solidFill>
+                <a:latin typeface="+mj-lt"/>
+                <a:ea typeface="+mj-ea"/>
+                <a:cs typeface="+mj-cs"/>
+              </a:defRPr>
+            </a:lvl1pPr>
+          </a:lstStyle>
+          <a:p>
+            <a:r>
+              <a:rPr lang="en-US" dirty="0"/>
+              <a:t>&lt;/slides&gt;</a:t>
+            </a:r>
+          </a:p>
+        </p:txBody>
+      </p:sp>
+    </p:spTree>
+    <p:extLst>
+      <p:ext uri="{BB962C8B-B14F-4D97-AF65-F5344CB8AC3E}">
+        <p14:creationId xmlns:p14="http://schemas.microsoft.com/office/powerpoint/2010/main" val="2172511745"/>
+      </p:ext>
+    </p:extLst>
+  </p:cSld>
+  <p:clrMapOvr>
+    <a:masterClrMapping/>
+  </p:clrMapOvr>
+</p:sld>
+</file>
+
 <file path=ppt/slides/slide3.xml><?xml version="1.0" encoding="utf-8"?>
+<p:sld xmlns:a="http://schemas.openxmlformats.org/drawingml/2006/main" xmlns:r="http://schemas.openxmlformats.org/officeDocument/2006/relationships" xmlns:p="http://schemas.openxmlformats.org/presentationml/2006/main">
+  <p:cSld>
+    <p:spTree>
+      <p:nvGrpSpPr>
+        <p:cNvPr id="1" name=""/>
+        <p:cNvGrpSpPr/>
+        <p:nvPr/>
+      </p:nvGrpSpPr>
+      <p:grpSpPr>
+        <a:xfrm>
+          <a:off x="0" y="0"/>
+          <a:ext cx="0" cy="0"/>
+          <a:chOff x="0" y="0"/>
+          <a:chExt cx="0" cy="0"/>
+        </a:xfrm>
+      </p:grpSpPr>
+      <p:grpSp>
+        <p:nvGrpSpPr>
+          <p:cNvPr id="39" name="Group 38">
+            <a:extLst>
+              <a:ext uri="{FF2B5EF4-FFF2-40B4-BE49-F238E27FC236}">
+                <a16:creationId xmlns:a16="http://schemas.microsoft.com/office/drawing/2014/main" id="{FABFE463-E2F0-814E-83A8-CC89DF2B00B4}"/>
+              </a:ext>
+            </a:extLst>
+          </p:cNvPr>
+          <p:cNvGrpSpPr/>
+          <p:nvPr/>
+        </p:nvGrpSpPr>
+        <p:grpSpPr>
+          <a:xfrm>
+            <a:off x="5786394" y="1029829"/>
+            <a:ext cx="4046201" cy="3872531"/>
+            <a:chOff x="-160956" y="930229"/>
+            <a:chExt cx="4046201" cy="3872531"/>
+          </a:xfrm>
+        </p:grpSpPr>
+        <p:sp>
+          <p:nvSpPr>
+            <p:cNvPr id="41" name="Oval 40">
+              <a:extLst>
+                <a:ext uri="{FF2B5EF4-FFF2-40B4-BE49-F238E27FC236}">
+                  <a16:creationId xmlns:a16="http://schemas.microsoft.com/office/drawing/2014/main" id="{226E2691-1760-F845-A57B-1BC9B1951E69}"/>
+                </a:ext>
+              </a:extLst>
+            </p:cNvPr>
+            <p:cNvSpPr/>
+            <p:nvPr/>
+          </p:nvSpPr>
+          <p:spPr>
+            <a:xfrm>
+              <a:off x="-160956" y="930229"/>
+              <a:ext cx="4046201" cy="3872531"/>
+            </a:xfrm>
+            <a:prstGeom prst="ellipse">
+              <a:avLst/>
+            </a:prstGeom>
+            <a:gradFill flip="none" rotWithShape="1">
+              <a:gsLst>
+                <a:gs pos="76000">
+                  <a:schemeClr val="accent5">
+                    <a:lumMod val="5000"/>
+                    <a:lumOff val="95000"/>
+                    <a:alpha val="48000"/>
+                  </a:schemeClr>
+                </a:gs>
+                <a:gs pos="1000">
+                  <a:schemeClr val="accent5">
+                    <a:lumMod val="94000"/>
+                  </a:schemeClr>
+                </a:gs>
+                <a:gs pos="47000">
+                  <a:schemeClr val="accent5">
+                    <a:lumMod val="45000"/>
+                    <a:lumOff val="55000"/>
+                    <a:alpha val="50000"/>
+                  </a:schemeClr>
+                </a:gs>
+                <a:gs pos="38000">
+                  <a:schemeClr val="accent5">
+                    <a:lumMod val="30000"/>
+                    <a:lumOff val="70000"/>
+                  </a:schemeClr>
+                </a:gs>
+              </a:gsLst>
+              <a:path path="shape">
+                <a:fillToRect l="50000" t="50000" r="50000" b="50000"/>
+              </a:path>
+              <a:tileRect/>
+            </a:gradFill>
+            <a:ln>
+              <a:noFill/>
+            </a:ln>
+          </p:spPr>
+          <p:style>
+            <a:lnRef idx="2">
+              <a:schemeClr val="accent1">
+                <a:shade val="50000"/>
+              </a:schemeClr>
+            </a:lnRef>
+            <a:fillRef idx="1">
+              <a:schemeClr val="accent1"/>
+            </a:fillRef>
+            <a:effectRef idx="0">
+              <a:schemeClr val="accent1"/>
+            </a:effectRef>
+            <a:fontRef idx="minor">
+              <a:schemeClr val="lt1"/>
+            </a:fontRef>
+          </p:style>
+          <p:txBody>
+            <a:bodyPr rtlCol="0" anchor="ctr"/>
+            <a:lstStyle/>
+            <a:p>
+              <a:pPr algn="ctr"/>
+              <a:endParaRPr lang="en-US"/>
+            </a:p>
+          </p:txBody>
+        </p:sp>
+        <p:pic>
+          <p:nvPicPr>
+            <p:cNvPr id="42" name="Picture 41">
+              <a:extLst>
+                <a:ext uri="{FF2B5EF4-FFF2-40B4-BE49-F238E27FC236}">
+                  <a16:creationId xmlns:a16="http://schemas.microsoft.com/office/drawing/2014/main" id="{43387599-C0D3-8E49-9C90-F23056FFF48D}"/>
+                </a:ext>
+              </a:extLst>
+            </p:cNvPr>
+            <p:cNvPicPr>
+              <a:picLocks noChangeAspect="1"/>
+            </p:cNvPicPr>
+            <p:nvPr/>
+          </p:nvPicPr>
+          <p:blipFill>
+            <a:blip r:embed="rId3"/>
+            <a:stretch>
+              <a:fillRect/>
+            </a:stretch>
+          </p:blipFill>
+          <p:spPr>
+            <a:xfrm>
+              <a:off x="1462800" y="2800414"/>
+              <a:ext cx="127000" cy="203200"/>
+            </a:xfrm>
+            <a:prstGeom prst="rect">
+              <a:avLst/>
+            </a:prstGeom>
+          </p:spPr>
+        </p:pic>
+        <p:sp>
+          <p:nvSpPr>
+            <p:cNvPr id="43" name="Oval 42">
+              <a:extLst>
+                <a:ext uri="{FF2B5EF4-FFF2-40B4-BE49-F238E27FC236}">
+                  <a16:creationId xmlns:a16="http://schemas.microsoft.com/office/drawing/2014/main" id="{EC26B61B-2864-3D4F-96A8-13FFDFDED4B3}"/>
+                </a:ext>
+              </a:extLst>
+            </p:cNvPr>
+            <p:cNvSpPr/>
+            <p:nvPr/>
+          </p:nvSpPr>
+          <p:spPr>
+            <a:xfrm>
+              <a:off x="1751296" y="2785214"/>
+              <a:ext cx="182880" cy="182880"/>
+            </a:xfrm>
+            <a:prstGeom prst="ellipse">
+              <a:avLst/>
+            </a:prstGeom>
+            <a:solidFill>
+              <a:schemeClr val="tx1">
+                <a:lumMod val="95000"/>
+                <a:lumOff val="5000"/>
+              </a:schemeClr>
+            </a:solidFill>
+          </p:spPr>
+          <p:style>
+            <a:lnRef idx="2">
+              <a:schemeClr val="accent1">
+                <a:shade val="50000"/>
+              </a:schemeClr>
+            </a:lnRef>
+            <a:fillRef idx="1">
+              <a:schemeClr val="accent1"/>
+            </a:fillRef>
+            <a:effectRef idx="0">
+              <a:schemeClr val="accent1"/>
+            </a:effectRef>
+            <a:fontRef idx="minor">
+              <a:schemeClr val="lt1"/>
+            </a:fontRef>
+          </p:style>
+          <p:txBody>
+            <a:bodyPr rtlCol="0" anchor="ctr"/>
+            <a:lstStyle/>
+            <a:p>
+              <a:pPr algn="ctr"/>
+              <a:endParaRPr lang="en-US" dirty="0"/>
+            </a:p>
+          </p:txBody>
+        </p:sp>
+      </p:grpSp>
+      <p:grpSp>
+        <p:nvGrpSpPr>
+          <p:cNvPr id="17" name="Group 16">
+            <a:extLst>
+              <a:ext uri="{FF2B5EF4-FFF2-40B4-BE49-F238E27FC236}">
+                <a16:creationId xmlns:a16="http://schemas.microsoft.com/office/drawing/2014/main" id="{E954E3DE-16F8-8B4D-85EF-9D984E78F0BE}"/>
+              </a:ext>
+            </a:extLst>
+          </p:cNvPr>
+          <p:cNvGrpSpPr/>
+          <p:nvPr/>
+        </p:nvGrpSpPr>
+        <p:grpSpPr>
+          <a:xfrm>
+            <a:off x="-281727" y="964735"/>
+            <a:ext cx="4046201" cy="3872531"/>
+            <a:chOff x="-160956" y="930229"/>
+            <a:chExt cx="4046201" cy="3872531"/>
+          </a:xfrm>
+        </p:grpSpPr>
+        <p:sp>
+          <p:nvSpPr>
+            <p:cNvPr id="7" name="Oval 6">
+              <a:extLst>
+                <a:ext uri="{FF2B5EF4-FFF2-40B4-BE49-F238E27FC236}">
+                  <a16:creationId xmlns:a16="http://schemas.microsoft.com/office/drawing/2014/main" id="{B5D92E67-DC1C-5E45-9CB9-028ECB0BE5B3}"/>
+                </a:ext>
+              </a:extLst>
+            </p:cNvPr>
+            <p:cNvSpPr/>
+            <p:nvPr/>
+          </p:nvSpPr>
+          <p:spPr>
+            <a:xfrm>
+              <a:off x="-160956" y="930229"/>
+              <a:ext cx="4046201" cy="3872531"/>
+            </a:xfrm>
+            <a:prstGeom prst="ellipse">
+              <a:avLst/>
+            </a:prstGeom>
+            <a:gradFill flip="none" rotWithShape="1">
+              <a:gsLst>
+                <a:gs pos="76000">
+                  <a:schemeClr val="accent5">
+                    <a:lumMod val="5000"/>
+                    <a:lumOff val="95000"/>
+                    <a:alpha val="48000"/>
+                  </a:schemeClr>
+                </a:gs>
+                <a:gs pos="1000">
+                  <a:schemeClr val="accent5">
+                    <a:lumMod val="94000"/>
+                  </a:schemeClr>
+                </a:gs>
+                <a:gs pos="47000">
+                  <a:schemeClr val="accent5">
+                    <a:lumMod val="45000"/>
+                    <a:lumOff val="55000"/>
+                    <a:alpha val="50000"/>
+                  </a:schemeClr>
+                </a:gs>
+                <a:gs pos="38000">
+                  <a:schemeClr val="accent5">
+                    <a:lumMod val="30000"/>
+                    <a:lumOff val="70000"/>
+                  </a:schemeClr>
+                </a:gs>
+              </a:gsLst>
+              <a:path path="shape">
+                <a:fillToRect l="50000" t="50000" r="50000" b="50000"/>
+              </a:path>
+              <a:tileRect/>
+            </a:gradFill>
+            <a:ln>
+              <a:noFill/>
+            </a:ln>
+          </p:spPr>
+          <p:style>
+            <a:lnRef idx="2">
+              <a:schemeClr val="accent1">
+                <a:shade val="50000"/>
+              </a:schemeClr>
+            </a:lnRef>
+            <a:fillRef idx="1">
+              <a:schemeClr val="accent1"/>
+            </a:fillRef>
+            <a:effectRef idx="0">
+              <a:schemeClr val="accent1"/>
+            </a:effectRef>
+            <a:fontRef idx="minor">
+              <a:schemeClr val="lt1"/>
+            </a:fontRef>
+          </p:style>
+          <p:txBody>
+            <a:bodyPr rtlCol="0" anchor="ctr"/>
+            <a:lstStyle/>
+            <a:p>
+              <a:pPr algn="ctr"/>
+              <a:endParaRPr lang="en-US"/>
+            </a:p>
+          </p:txBody>
+        </p:sp>
+        <p:pic>
+          <p:nvPicPr>
+            <p:cNvPr id="9" name="Picture 8">
+              <a:extLst>
+                <a:ext uri="{FF2B5EF4-FFF2-40B4-BE49-F238E27FC236}">
+                  <a16:creationId xmlns:a16="http://schemas.microsoft.com/office/drawing/2014/main" id="{7ABEBCE7-3AA1-FE41-BE2B-D259F83E494B}"/>
+                </a:ext>
+              </a:extLst>
+            </p:cNvPr>
+            <p:cNvPicPr>
+              <a:picLocks noChangeAspect="1"/>
+            </p:cNvPicPr>
+            <p:nvPr/>
+          </p:nvPicPr>
+          <p:blipFill>
+            <a:blip r:embed="rId3"/>
+            <a:stretch>
+              <a:fillRect/>
+            </a:stretch>
+          </p:blipFill>
+          <p:spPr>
+            <a:xfrm>
+              <a:off x="1473940" y="2829988"/>
+              <a:ext cx="127000" cy="203200"/>
+            </a:xfrm>
+            <a:prstGeom prst="rect">
+              <a:avLst/>
+            </a:prstGeom>
+          </p:spPr>
+        </p:pic>
+        <p:sp>
+          <p:nvSpPr>
+            <p:cNvPr id="38" name="Oval 37">
+              <a:extLst>
+                <a:ext uri="{FF2B5EF4-FFF2-40B4-BE49-F238E27FC236}">
+                  <a16:creationId xmlns:a16="http://schemas.microsoft.com/office/drawing/2014/main" id="{C50E4118-9F20-5942-9001-2D45ED0EB0BF}"/>
+                </a:ext>
+              </a:extLst>
+            </p:cNvPr>
+            <p:cNvSpPr/>
+            <p:nvPr/>
+          </p:nvSpPr>
+          <p:spPr>
+            <a:xfrm>
+              <a:off x="1753215" y="2781387"/>
+              <a:ext cx="182880" cy="182880"/>
+            </a:xfrm>
+            <a:prstGeom prst="ellipse">
+              <a:avLst/>
+            </a:prstGeom>
+            <a:solidFill>
+              <a:schemeClr val="tx1">
+                <a:lumMod val="95000"/>
+                <a:lumOff val="5000"/>
+              </a:schemeClr>
+            </a:solidFill>
+          </p:spPr>
+          <p:style>
+            <a:lnRef idx="2">
+              <a:schemeClr val="accent1">
+                <a:shade val="50000"/>
+              </a:schemeClr>
+            </a:lnRef>
+            <a:fillRef idx="1">
+              <a:schemeClr val="accent1"/>
+            </a:fillRef>
+            <a:effectRef idx="0">
+              <a:schemeClr val="accent1"/>
+            </a:effectRef>
+            <a:fontRef idx="minor">
+              <a:schemeClr val="lt1"/>
+            </a:fontRef>
+          </p:style>
+          <p:txBody>
+            <a:bodyPr rtlCol="0" anchor="ctr"/>
+            <a:lstStyle/>
+            <a:p>
+              <a:pPr algn="ctr"/>
+              <a:endParaRPr lang="en-US" dirty="0"/>
+            </a:p>
+          </p:txBody>
+        </p:sp>
+      </p:grpSp>
+      <p:sp>
+        <p:nvSpPr>
+          <p:cNvPr id="2" name="Title 1">
+            <a:extLst>
+              <a:ext uri="{FF2B5EF4-FFF2-40B4-BE49-F238E27FC236}">
+                <a16:creationId xmlns:a16="http://schemas.microsoft.com/office/drawing/2014/main" id="{9D6E73AA-471A-6246-8DF1-9944FC447921}"/>
+              </a:ext>
+            </a:extLst>
+          </p:cNvPr>
+          <p:cNvSpPr>
+            <a:spLocks noGrp="1"/>
+          </p:cNvSpPr>
+          <p:nvPr>
+            <p:ph type="title"/>
+          </p:nvPr>
+        </p:nvSpPr>
+        <p:spPr/>
+        <p:txBody>
+          <a:bodyPr/>
+          <a:lstStyle/>
+          <a:p>
+            <a:r>
+              <a:rPr lang="en-US" dirty="0"/>
+              <a:t>What is a Coreset?</a:t>
+            </a:r>
+          </a:p>
+        </p:txBody>
+      </p:sp>
+      <p:sp>
+        <p:nvSpPr>
+          <p:cNvPr id="6" name="Oval 5">
+            <a:extLst>
+              <a:ext uri="{FF2B5EF4-FFF2-40B4-BE49-F238E27FC236}">
+                <a16:creationId xmlns:a16="http://schemas.microsoft.com/office/drawing/2014/main" id="{B75DAA0C-3F5F-CD4E-9260-7B567B5A0AE6}"/>
+              </a:ext>
+            </a:extLst>
+          </p:cNvPr>
+          <p:cNvSpPr/>
+          <p:nvPr/>
+        </p:nvSpPr>
+        <p:spPr>
+          <a:xfrm>
+            <a:off x="1723884" y="2601532"/>
+            <a:ext cx="182880" cy="182880"/>
+          </a:xfrm>
+          <a:prstGeom prst="ellipse">
+            <a:avLst/>
+          </a:prstGeom>
+          <a:solidFill>
+            <a:schemeClr val="accent2"/>
+          </a:solidFill>
+        </p:spPr>
+        <p:style>
+          <a:lnRef idx="2">
+            <a:schemeClr val="accent1">
+              <a:shade val="50000"/>
+            </a:schemeClr>
+          </a:lnRef>
+          <a:fillRef idx="1">
+            <a:schemeClr val="accent1"/>
+          </a:fillRef>
+          <a:effectRef idx="0">
+            <a:schemeClr val="accent1"/>
+          </a:effectRef>
+          <a:fontRef idx="minor">
+            <a:schemeClr val="lt1"/>
+          </a:fontRef>
+        </p:style>
+        <p:txBody>
+          <a:bodyPr rtlCol="0" anchor="ctr"/>
+          <a:lstStyle/>
+          <a:p>
+            <a:pPr algn="ctr"/>
+            <a:endParaRPr lang="en-US"/>
+          </a:p>
+        </p:txBody>
+      </p:sp>
+      <p:sp>
+        <p:nvSpPr>
+          <p:cNvPr id="11" name="Oval 10">
+            <a:extLst>
+              <a:ext uri="{FF2B5EF4-FFF2-40B4-BE49-F238E27FC236}">
+                <a16:creationId xmlns:a16="http://schemas.microsoft.com/office/drawing/2014/main" id="{44CA6A20-EFEB-DF47-BF08-222C761DBB9D}"/>
+              </a:ext>
+            </a:extLst>
+          </p:cNvPr>
+          <p:cNvSpPr/>
+          <p:nvPr/>
+        </p:nvSpPr>
+        <p:spPr>
+          <a:xfrm>
+            <a:off x="1632444" y="3150172"/>
+            <a:ext cx="182880" cy="182880"/>
+          </a:xfrm>
+          <a:prstGeom prst="ellipse">
+            <a:avLst/>
+          </a:prstGeom>
+          <a:solidFill>
+            <a:schemeClr val="accent2"/>
+          </a:solidFill>
+        </p:spPr>
+        <p:style>
+          <a:lnRef idx="2">
+            <a:schemeClr val="accent1">
+              <a:shade val="50000"/>
+            </a:schemeClr>
+          </a:lnRef>
+          <a:fillRef idx="1">
+            <a:schemeClr val="accent1"/>
+          </a:fillRef>
+          <a:effectRef idx="0">
+            <a:schemeClr val="accent1"/>
+          </a:effectRef>
+          <a:fontRef idx="minor">
+            <a:schemeClr val="lt1"/>
+          </a:fontRef>
+        </p:style>
+        <p:txBody>
+          <a:bodyPr rtlCol="0" anchor="ctr"/>
+          <a:lstStyle/>
+          <a:p>
+            <a:pPr algn="ctr"/>
+            <a:endParaRPr lang="en-US"/>
+          </a:p>
+        </p:txBody>
+      </p:sp>
+      <p:sp>
+        <p:nvSpPr>
+          <p:cNvPr id="12" name="Oval 11">
+            <a:extLst>
+              <a:ext uri="{FF2B5EF4-FFF2-40B4-BE49-F238E27FC236}">
+                <a16:creationId xmlns:a16="http://schemas.microsoft.com/office/drawing/2014/main" id="{3588B434-BC00-7D4B-9719-65C85BE08084}"/>
+              </a:ext>
+            </a:extLst>
+          </p:cNvPr>
+          <p:cNvSpPr/>
+          <p:nvPr/>
+        </p:nvSpPr>
+        <p:spPr>
+          <a:xfrm>
+            <a:off x="2051544" y="2837752"/>
+            <a:ext cx="182880" cy="182880"/>
+          </a:xfrm>
+          <a:prstGeom prst="ellipse">
+            <a:avLst/>
+          </a:prstGeom>
+          <a:solidFill>
+            <a:schemeClr val="accent2"/>
+          </a:solidFill>
+        </p:spPr>
+        <p:style>
+          <a:lnRef idx="2">
+            <a:schemeClr val="accent1">
+              <a:shade val="50000"/>
+            </a:schemeClr>
+          </a:lnRef>
+          <a:fillRef idx="1">
+            <a:schemeClr val="accent1"/>
+          </a:fillRef>
+          <a:effectRef idx="0">
+            <a:schemeClr val="accent1"/>
+          </a:effectRef>
+          <a:fontRef idx="minor">
+            <a:schemeClr val="lt1"/>
+          </a:fontRef>
+        </p:style>
+        <p:txBody>
+          <a:bodyPr rtlCol="0" anchor="ctr"/>
+          <a:lstStyle/>
+          <a:p>
+            <a:pPr algn="ctr"/>
+            <a:endParaRPr lang="en-US"/>
+          </a:p>
+        </p:txBody>
+      </p:sp>
+      <p:sp>
+        <p:nvSpPr>
+          <p:cNvPr id="13" name="Oval 12">
+            <a:extLst>
+              <a:ext uri="{FF2B5EF4-FFF2-40B4-BE49-F238E27FC236}">
+                <a16:creationId xmlns:a16="http://schemas.microsoft.com/office/drawing/2014/main" id="{D9A363F0-3398-244F-A9F2-FCFE77410FE8}"/>
+              </a:ext>
+            </a:extLst>
+          </p:cNvPr>
+          <p:cNvSpPr/>
+          <p:nvPr/>
+        </p:nvSpPr>
+        <p:spPr>
+          <a:xfrm>
+            <a:off x="2146794" y="3058732"/>
+            <a:ext cx="182880" cy="182880"/>
+          </a:xfrm>
+          <a:prstGeom prst="ellipse">
+            <a:avLst/>
+          </a:prstGeom>
+          <a:solidFill>
+            <a:schemeClr val="accent2"/>
+          </a:solidFill>
+        </p:spPr>
+        <p:style>
+          <a:lnRef idx="2">
+            <a:schemeClr val="accent1">
+              <a:shade val="50000"/>
+            </a:schemeClr>
+          </a:lnRef>
+          <a:fillRef idx="1">
+            <a:schemeClr val="accent1"/>
+          </a:fillRef>
+          <a:effectRef idx="0">
+            <a:schemeClr val="accent1"/>
+          </a:effectRef>
+          <a:fontRef idx="minor">
+            <a:schemeClr val="lt1"/>
+          </a:fontRef>
+        </p:style>
+        <p:txBody>
+          <a:bodyPr rtlCol="0" anchor="ctr"/>
+          <a:lstStyle/>
+          <a:p>
+            <a:pPr algn="ctr"/>
+            <a:endParaRPr lang="en-US"/>
+          </a:p>
+        </p:txBody>
+      </p:sp>
+      <p:sp>
+        <p:nvSpPr>
+          <p:cNvPr id="14" name="Oval 13">
+            <a:extLst>
+              <a:ext uri="{FF2B5EF4-FFF2-40B4-BE49-F238E27FC236}">
+                <a16:creationId xmlns:a16="http://schemas.microsoft.com/office/drawing/2014/main" id="{90F29690-423B-A248-A16D-CD4253C8FA9E}"/>
+              </a:ext>
+            </a:extLst>
+          </p:cNvPr>
+          <p:cNvSpPr/>
+          <p:nvPr/>
+        </p:nvSpPr>
+        <p:spPr>
+          <a:xfrm>
+            <a:off x="2329674" y="2848484"/>
+            <a:ext cx="182880" cy="182880"/>
+          </a:xfrm>
+          <a:prstGeom prst="ellipse">
+            <a:avLst/>
+          </a:prstGeom>
+          <a:solidFill>
+            <a:schemeClr val="accent2"/>
+          </a:solidFill>
+        </p:spPr>
+        <p:style>
+          <a:lnRef idx="2">
+            <a:schemeClr val="accent1">
+              <a:shade val="50000"/>
+            </a:schemeClr>
+          </a:lnRef>
+          <a:fillRef idx="1">
+            <a:schemeClr val="accent1"/>
+          </a:fillRef>
+          <a:effectRef idx="0">
+            <a:schemeClr val="accent1"/>
+          </a:effectRef>
+          <a:fontRef idx="minor">
+            <a:schemeClr val="lt1"/>
+          </a:fontRef>
+        </p:style>
+        <p:txBody>
+          <a:bodyPr rtlCol="0" anchor="ctr"/>
+          <a:lstStyle/>
+          <a:p>
+            <a:pPr algn="ctr"/>
+            <a:endParaRPr lang="en-US"/>
+          </a:p>
+        </p:txBody>
+      </p:sp>
+      <p:sp>
+        <p:nvSpPr>
+          <p:cNvPr id="15" name="Oval 14">
+            <a:extLst>
+              <a:ext uri="{FF2B5EF4-FFF2-40B4-BE49-F238E27FC236}">
+                <a16:creationId xmlns:a16="http://schemas.microsoft.com/office/drawing/2014/main" id="{336FC252-EA89-4242-985B-24FF55AC299E}"/>
+              </a:ext>
+            </a:extLst>
+          </p:cNvPr>
+          <p:cNvSpPr/>
+          <p:nvPr/>
+        </p:nvSpPr>
+        <p:spPr>
+          <a:xfrm>
+            <a:off x="3425559" y="2875852"/>
+            <a:ext cx="182880" cy="182880"/>
+          </a:xfrm>
+          <a:prstGeom prst="ellipse">
+            <a:avLst/>
+          </a:prstGeom>
+          <a:solidFill>
+            <a:schemeClr val="accent2"/>
+          </a:solidFill>
+        </p:spPr>
+        <p:style>
+          <a:lnRef idx="2">
+            <a:schemeClr val="accent1">
+              <a:shade val="50000"/>
+            </a:schemeClr>
+          </a:lnRef>
+          <a:fillRef idx="1">
+            <a:schemeClr val="accent1"/>
+          </a:fillRef>
+          <a:effectRef idx="0">
+            <a:schemeClr val="accent1"/>
+          </a:effectRef>
+          <a:fontRef idx="minor">
+            <a:schemeClr val="lt1"/>
+          </a:fontRef>
+        </p:style>
+        <p:txBody>
+          <a:bodyPr rtlCol="0" anchor="ctr"/>
+          <a:lstStyle/>
+          <a:p>
+            <a:pPr algn="ctr"/>
+            <a:endParaRPr lang="en-US"/>
+          </a:p>
+        </p:txBody>
+      </p:sp>
+      <p:sp>
+        <p:nvSpPr>
+          <p:cNvPr id="16" name="Oval 15">
+            <a:extLst>
+              <a:ext uri="{FF2B5EF4-FFF2-40B4-BE49-F238E27FC236}">
+                <a16:creationId xmlns:a16="http://schemas.microsoft.com/office/drawing/2014/main" id="{B1C76DB7-4652-E149-894E-003301036145}"/>
+              </a:ext>
+            </a:extLst>
+          </p:cNvPr>
+          <p:cNvSpPr/>
+          <p:nvPr/>
+        </p:nvSpPr>
+        <p:spPr>
+          <a:xfrm>
+            <a:off x="3174993" y="3538094"/>
+            <a:ext cx="182880" cy="182880"/>
+          </a:xfrm>
+          <a:prstGeom prst="ellipse">
+            <a:avLst/>
+          </a:prstGeom>
+          <a:solidFill>
+            <a:schemeClr val="accent2"/>
+          </a:solidFill>
+        </p:spPr>
+        <p:style>
+          <a:lnRef idx="2">
+            <a:schemeClr val="accent1">
+              <a:shade val="50000"/>
+            </a:schemeClr>
+          </a:lnRef>
+          <a:fillRef idx="1">
+            <a:schemeClr val="accent1"/>
+          </a:fillRef>
+          <a:effectRef idx="0">
+            <a:schemeClr val="accent1"/>
+          </a:effectRef>
+          <a:fontRef idx="minor">
+            <a:schemeClr val="lt1"/>
+          </a:fontRef>
+        </p:style>
+        <p:txBody>
+          <a:bodyPr rtlCol="0" anchor="ctr"/>
+          <a:lstStyle/>
+          <a:p>
+            <a:pPr algn="ctr"/>
+            <a:endParaRPr lang="en-US"/>
+          </a:p>
+        </p:txBody>
+      </p:sp>
+      <p:sp>
+        <p:nvSpPr>
+          <p:cNvPr id="18" name="Oval 17">
+            <a:extLst>
+              <a:ext uri="{FF2B5EF4-FFF2-40B4-BE49-F238E27FC236}">
+                <a16:creationId xmlns:a16="http://schemas.microsoft.com/office/drawing/2014/main" id="{998762ED-B7F5-4E4C-A5FE-E2ADAF87F66B}"/>
+              </a:ext>
+            </a:extLst>
+          </p:cNvPr>
+          <p:cNvSpPr/>
+          <p:nvPr/>
+        </p:nvSpPr>
+        <p:spPr>
+          <a:xfrm>
+            <a:off x="2530209" y="4155314"/>
+            <a:ext cx="182880" cy="182880"/>
+          </a:xfrm>
+          <a:prstGeom prst="ellipse">
+            <a:avLst/>
+          </a:prstGeom>
+          <a:solidFill>
+            <a:schemeClr val="accent2"/>
+          </a:solidFill>
+        </p:spPr>
+        <p:style>
+          <a:lnRef idx="2">
+            <a:schemeClr val="accent1">
+              <a:shade val="50000"/>
+            </a:schemeClr>
+          </a:lnRef>
+          <a:fillRef idx="1">
+            <a:schemeClr val="accent1"/>
+          </a:fillRef>
+          <a:effectRef idx="0">
+            <a:schemeClr val="accent1"/>
+          </a:effectRef>
+          <a:fontRef idx="minor">
+            <a:schemeClr val="lt1"/>
+          </a:fontRef>
+        </p:style>
+        <p:txBody>
+          <a:bodyPr rtlCol="0" anchor="ctr"/>
+          <a:lstStyle/>
+          <a:p>
+            <a:pPr algn="ctr"/>
+            <a:endParaRPr lang="en-US"/>
+          </a:p>
+        </p:txBody>
+      </p:sp>
+      <p:sp>
+        <p:nvSpPr>
+          <p:cNvPr id="20" name="Oval 19">
+            <a:extLst>
+              <a:ext uri="{FF2B5EF4-FFF2-40B4-BE49-F238E27FC236}">
+                <a16:creationId xmlns:a16="http://schemas.microsoft.com/office/drawing/2014/main" id="{3480F637-1CA8-AC4D-A139-778B2209FD5D}"/>
+              </a:ext>
+            </a:extLst>
+          </p:cNvPr>
+          <p:cNvSpPr/>
+          <p:nvPr/>
+        </p:nvSpPr>
+        <p:spPr>
+          <a:xfrm>
+            <a:off x="2943084" y="3820732"/>
+            <a:ext cx="182880" cy="182880"/>
+          </a:xfrm>
+          <a:prstGeom prst="ellipse">
+            <a:avLst/>
+          </a:prstGeom>
+          <a:solidFill>
+            <a:schemeClr val="accent2"/>
+          </a:solidFill>
+        </p:spPr>
+        <p:style>
+          <a:lnRef idx="2">
+            <a:schemeClr val="accent1">
+              <a:shade val="50000"/>
+            </a:schemeClr>
+          </a:lnRef>
+          <a:fillRef idx="1">
+            <a:schemeClr val="accent1"/>
+          </a:fillRef>
+          <a:effectRef idx="0">
+            <a:schemeClr val="accent1"/>
+          </a:effectRef>
+          <a:fontRef idx="minor">
+            <a:schemeClr val="lt1"/>
+          </a:fontRef>
+        </p:style>
+        <p:txBody>
+          <a:bodyPr rtlCol="0" anchor="ctr"/>
+          <a:lstStyle/>
+          <a:p>
+            <a:pPr algn="ctr"/>
+            <a:endParaRPr lang="en-US"/>
+          </a:p>
+        </p:txBody>
+      </p:sp>
+      <p:sp>
+        <p:nvSpPr>
+          <p:cNvPr id="21" name="Oval 20">
+            <a:extLst>
+              <a:ext uri="{FF2B5EF4-FFF2-40B4-BE49-F238E27FC236}">
+                <a16:creationId xmlns:a16="http://schemas.microsoft.com/office/drawing/2014/main" id="{D61378A7-2E74-6C41-8BE7-DC240B405A78}"/>
+              </a:ext>
+            </a:extLst>
+          </p:cNvPr>
+          <p:cNvSpPr/>
+          <p:nvPr/>
+        </p:nvSpPr>
+        <p:spPr>
+          <a:xfrm>
+            <a:off x="2850249" y="4063874"/>
+            <a:ext cx="182880" cy="182880"/>
+          </a:xfrm>
+          <a:prstGeom prst="ellipse">
+            <a:avLst/>
+          </a:prstGeom>
+          <a:solidFill>
+            <a:schemeClr val="accent2"/>
+          </a:solidFill>
+        </p:spPr>
+        <p:style>
+          <a:lnRef idx="2">
+            <a:schemeClr val="accent1">
+              <a:shade val="50000"/>
+            </a:schemeClr>
+          </a:lnRef>
+          <a:fillRef idx="1">
+            <a:schemeClr val="accent1"/>
+          </a:fillRef>
+          <a:effectRef idx="0">
+            <a:schemeClr val="accent1"/>
+          </a:effectRef>
+          <a:fontRef idx="minor">
+            <a:schemeClr val="lt1"/>
+          </a:fontRef>
+        </p:style>
+        <p:txBody>
+          <a:bodyPr rtlCol="0" anchor="ctr"/>
+          <a:lstStyle/>
+          <a:p>
+            <a:pPr algn="ctr"/>
+            <a:endParaRPr lang="en-US"/>
+          </a:p>
+        </p:txBody>
+      </p:sp>
+      <p:sp>
+        <p:nvSpPr>
+          <p:cNvPr id="22" name="Oval 21">
+            <a:extLst>
+              <a:ext uri="{FF2B5EF4-FFF2-40B4-BE49-F238E27FC236}">
+                <a16:creationId xmlns:a16="http://schemas.microsoft.com/office/drawing/2014/main" id="{DD99B7F7-B2C5-184C-AE06-6520DB25D8E1}"/>
+              </a:ext>
+            </a:extLst>
+          </p:cNvPr>
+          <p:cNvSpPr/>
+          <p:nvPr/>
+        </p:nvSpPr>
+        <p:spPr>
+          <a:xfrm>
+            <a:off x="3817989" y="3960306"/>
+            <a:ext cx="182880" cy="182880"/>
+          </a:xfrm>
+          <a:prstGeom prst="ellipse">
+            <a:avLst/>
+          </a:prstGeom>
+          <a:solidFill>
+            <a:schemeClr val="accent2"/>
+          </a:solidFill>
+        </p:spPr>
+        <p:style>
+          <a:lnRef idx="2">
+            <a:schemeClr val="accent1">
+              <a:shade val="50000"/>
+            </a:schemeClr>
+          </a:lnRef>
+          <a:fillRef idx="1">
+            <a:schemeClr val="accent1"/>
+          </a:fillRef>
+          <a:effectRef idx="0">
+            <a:schemeClr val="accent1"/>
+          </a:effectRef>
+          <a:fontRef idx="minor">
+            <a:schemeClr val="lt1"/>
+          </a:fontRef>
+        </p:style>
+        <p:txBody>
+          <a:bodyPr rtlCol="0" anchor="ctr"/>
+          <a:lstStyle/>
+          <a:p>
+            <a:pPr algn="ctr"/>
+            <a:endParaRPr lang="en-US"/>
+          </a:p>
+        </p:txBody>
+      </p:sp>
+      <p:sp>
+        <p:nvSpPr>
+          <p:cNvPr id="23" name="Oval 22">
+            <a:extLst>
+              <a:ext uri="{FF2B5EF4-FFF2-40B4-BE49-F238E27FC236}">
+                <a16:creationId xmlns:a16="http://schemas.microsoft.com/office/drawing/2014/main" id="{347E2A1C-7D01-A24C-A667-7AE66BFF4710}"/>
+              </a:ext>
+            </a:extLst>
+          </p:cNvPr>
+          <p:cNvSpPr/>
+          <p:nvPr/>
+        </p:nvSpPr>
+        <p:spPr>
+          <a:xfrm>
+            <a:off x="3796524" y="4263201"/>
+            <a:ext cx="182880" cy="182880"/>
+          </a:xfrm>
+          <a:prstGeom prst="ellipse">
+            <a:avLst/>
+          </a:prstGeom>
+          <a:solidFill>
+            <a:schemeClr val="accent2"/>
+          </a:solidFill>
+        </p:spPr>
+        <p:style>
+          <a:lnRef idx="2">
+            <a:schemeClr val="accent1">
+              <a:shade val="50000"/>
+            </a:schemeClr>
+          </a:lnRef>
+          <a:fillRef idx="1">
+            <a:schemeClr val="accent1"/>
+          </a:fillRef>
+          <a:effectRef idx="0">
+            <a:schemeClr val="accent1"/>
+          </a:effectRef>
+          <a:fontRef idx="minor">
+            <a:schemeClr val="lt1"/>
+          </a:fontRef>
+        </p:style>
+        <p:txBody>
+          <a:bodyPr rtlCol="0" anchor="ctr"/>
+          <a:lstStyle/>
+          <a:p>
+            <a:pPr algn="ctr"/>
+            <a:endParaRPr lang="en-US"/>
+          </a:p>
+        </p:txBody>
+      </p:sp>
+      <p:sp>
+        <p:nvSpPr>
+          <p:cNvPr id="24" name="Oval 23">
+            <a:extLst>
+              <a:ext uri="{FF2B5EF4-FFF2-40B4-BE49-F238E27FC236}">
+                <a16:creationId xmlns:a16="http://schemas.microsoft.com/office/drawing/2014/main" id="{1D5210A1-5F72-0A4E-96CE-A9FC33B44AFA}"/>
+              </a:ext>
+            </a:extLst>
+          </p:cNvPr>
+          <p:cNvSpPr/>
+          <p:nvPr/>
+        </p:nvSpPr>
+        <p:spPr>
+          <a:xfrm>
+            <a:off x="3552684" y="4430332"/>
+            <a:ext cx="182880" cy="182880"/>
+          </a:xfrm>
+          <a:prstGeom prst="ellipse">
+            <a:avLst/>
+          </a:prstGeom>
+          <a:solidFill>
+            <a:schemeClr val="accent2"/>
+          </a:solidFill>
+        </p:spPr>
+        <p:style>
+          <a:lnRef idx="2">
+            <a:schemeClr val="accent1">
+              <a:shade val="50000"/>
+            </a:schemeClr>
+          </a:lnRef>
+          <a:fillRef idx="1">
+            <a:schemeClr val="accent1"/>
+          </a:fillRef>
+          <a:effectRef idx="0">
+            <a:schemeClr val="accent1"/>
+          </a:effectRef>
+          <a:fontRef idx="minor">
+            <a:schemeClr val="lt1"/>
+          </a:fontRef>
+        </p:style>
+        <p:txBody>
+          <a:bodyPr rtlCol="0" anchor="ctr"/>
+          <a:lstStyle/>
+          <a:p>
+            <a:pPr algn="ctr"/>
+            <a:endParaRPr lang="en-US"/>
+          </a:p>
+        </p:txBody>
+      </p:sp>
+      <p:sp>
+        <p:nvSpPr>
+          <p:cNvPr id="25" name="Oval 24">
+            <a:extLst>
+              <a:ext uri="{FF2B5EF4-FFF2-40B4-BE49-F238E27FC236}">
+                <a16:creationId xmlns:a16="http://schemas.microsoft.com/office/drawing/2014/main" id="{15D81A69-065B-484F-94B9-155A145BF2A9}"/>
+              </a:ext>
+            </a:extLst>
+          </p:cNvPr>
+          <p:cNvSpPr/>
+          <p:nvPr/>
+        </p:nvSpPr>
+        <p:spPr>
+          <a:xfrm>
+            <a:off x="2151624" y="4993067"/>
+            <a:ext cx="182880" cy="182880"/>
+          </a:xfrm>
+          <a:prstGeom prst="ellipse">
+            <a:avLst/>
+          </a:prstGeom>
+          <a:solidFill>
+            <a:schemeClr val="accent2"/>
+          </a:solidFill>
+        </p:spPr>
+        <p:style>
+          <a:lnRef idx="2">
+            <a:schemeClr val="accent1">
+              <a:shade val="50000"/>
+            </a:schemeClr>
+          </a:lnRef>
+          <a:fillRef idx="1">
+            <a:schemeClr val="accent1"/>
+          </a:fillRef>
+          <a:effectRef idx="0">
+            <a:schemeClr val="accent1"/>
+          </a:effectRef>
+          <a:fontRef idx="minor">
+            <a:schemeClr val="lt1"/>
+          </a:fontRef>
+        </p:style>
+        <p:txBody>
+          <a:bodyPr rtlCol="0" anchor="ctr"/>
+          <a:lstStyle/>
+          <a:p>
+            <a:pPr algn="ctr"/>
+            <a:endParaRPr lang="en-US"/>
+          </a:p>
+        </p:txBody>
+      </p:sp>
+      <p:sp>
+        <p:nvSpPr>
+          <p:cNvPr id="26" name="Oval 25">
+            <a:extLst>
+              <a:ext uri="{FF2B5EF4-FFF2-40B4-BE49-F238E27FC236}">
+                <a16:creationId xmlns:a16="http://schemas.microsoft.com/office/drawing/2014/main" id="{0B81A97D-055D-D947-8686-1DD04CA422B8}"/>
+              </a:ext>
+            </a:extLst>
+          </p:cNvPr>
+          <p:cNvSpPr/>
+          <p:nvPr/>
+        </p:nvSpPr>
+        <p:spPr>
+          <a:xfrm>
+            <a:off x="3857484" y="4735132"/>
+            <a:ext cx="182880" cy="182880"/>
+          </a:xfrm>
+          <a:prstGeom prst="ellipse">
+            <a:avLst/>
+          </a:prstGeom>
+          <a:solidFill>
+            <a:schemeClr val="accent2"/>
+          </a:solidFill>
+        </p:spPr>
+        <p:style>
+          <a:lnRef idx="2">
+            <a:schemeClr val="accent1">
+              <a:shade val="50000"/>
+            </a:schemeClr>
+          </a:lnRef>
+          <a:fillRef idx="1">
+            <a:schemeClr val="accent1"/>
+          </a:fillRef>
+          <a:effectRef idx="0">
+            <a:schemeClr val="accent1"/>
+          </a:effectRef>
+          <a:fontRef idx="minor">
+            <a:schemeClr val="lt1"/>
+          </a:fontRef>
+        </p:style>
+        <p:txBody>
+          <a:bodyPr rtlCol="0" anchor="ctr"/>
+          <a:lstStyle/>
+          <a:p>
+            <a:pPr algn="ctr"/>
+            <a:endParaRPr lang="en-US"/>
+          </a:p>
+        </p:txBody>
+      </p:sp>
+      <p:sp>
+        <p:nvSpPr>
+          <p:cNvPr id="27" name="Oval 26">
+            <a:extLst>
+              <a:ext uri="{FF2B5EF4-FFF2-40B4-BE49-F238E27FC236}">
+                <a16:creationId xmlns:a16="http://schemas.microsoft.com/office/drawing/2014/main" id="{EA97851E-6C0F-1349-8A9A-2ED4848B7D5A}"/>
+              </a:ext>
+            </a:extLst>
+          </p:cNvPr>
+          <p:cNvSpPr/>
+          <p:nvPr/>
+        </p:nvSpPr>
+        <p:spPr>
+          <a:xfrm>
+            <a:off x="2530209" y="5084507"/>
+            <a:ext cx="182880" cy="182880"/>
+          </a:xfrm>
+          <a:prstGeom prst="ellipse">
+            <a:avLst/>
+          </a:prstGeom>
+          <a:solidFill>
+            <a:schemeClr val="accent2"/>
+          </a:solidFill>
+        </p:spPr>
+        <p:style>
+          <a:lnRef idx="2">
+            <a:schemeClr val="accent1">
+              <a:shade val="50000"/>
+            </a:schemeClr>
+          </a:lnRef>
+          <a:fillRef idx="1">
+            <a:schemeClr val="accent1"/>
+          </a:fillRef>
+          <a:effectRef idx="0">
+            <a:schemeClr val="accent1"/>
+          </a:effectRef>
+          <a:fontRef idx="minor">
+            <a:schemeClr val="lt1"/>
+          </a:fontRef>
+        </p:style>
+        <p:txBody>
+          <a:bodyPr rtlCol="0" anchor="ctr"/>
+          <a:lstStyle/>
+          <a:p>
+            <a:pPr algn="ctr"/>
+            <a:endParaRPr lang="en-US"/>
+          </a:p>
+        </p:txBody>
+      </p:sp>
+      <p:sp>
+        <p:nvSpPr>
+          <p:cNvPr id="28" name="Oval 27">
+            <a:extLst>
+              <a:ext uri="{FF2B5EF4-FFF2-40B4-BE49-F238E27FC236}">
+                <a16:creationId xmlns:a16="http://schemas.microsoft.com/office/drawing/2014/main" id="{CAE060D5-5F99-174D-A8BE-3CBEA18BF0CD}"/>
+              </a:ext>
+            </a:extLst>
+          </p:cNvPr>
+          <p:cNvSpPr/>
+          <p:nvPr/>
+        </p:nvSpPr>
+        <p:spPr>
+          <a:xfrm>
+            <a:off x="4502941" y="5066104"/>
+            <a:ext cx="182880" cy="182880"/>
+          </a:xfrm>
+          <a:prstGeom prst="ellipse">
+            <a:avLst/>
+          </a:prstGeom>
+          <a:solidFill>
+            <a:schemeClr val="accent2"/>
+          </a:solidFill>
+        </p:spPr>
+        <p:style>
+          <a:lnRef idx="2">
+            <a:schemeClr val="accent1">
+              <a:shade val="50000"/>
+            </a:schemeClr>
+          </a:lnRef>
+          <a:fillRef idx="1">
+            <a:schemeClr val="accent1"/>
+          </a:fillRef>
+          <a:effectRef idx="0">
+            <a:schemeClr val="accent1"/>
+          </a:effectRef>
+          <a:fontRef idx="minor">
+            <a:schemeClr val="lt1"/>
+          </a:fontRef>
+        </p:style>
+        <p:txBody>
+          <a:bodyPr rtlCol="0" anchor="ctr"/>
+          <a:lstStyle/>
+          <a:p>
+            <a:pPr algn="ctr"/>
+            <a:endParaRPr lang="en-US"/>
+          </a:p>
+        </p:txBody>
+      </p:sp>
+      <p:sp>
+        <p:nvSpPr>
+          <p:cNvPr id="31" name="Oval 30">
+            <a:extLst>
+              <a:ext uri="{FF2B5EF4-FFF2-40B4-BE49-F238E27FC236}">
+                <a16:creationId xmlns:a16="http://schemas.microsoft.com/office/drawing/2014/main" id="{6045CE59-768C-B94E-9CD5-6E557CFF1B71}"/>
+              </a:ext>
+            </a:extLst>
+          </p:cNvPr>
+          <p:cNvSpPr/>
+          <p:nvPr/>
+        </p:nvSpPr>
+        <p:spPr>
+          <a:xfrm>
+            <a:off x="8069386" y="2815893"/>
+            <a:ext cx="548640" cy="548640"/>
+          </a:xfrm>
+          <a:prstGeom prst="ellipse">
+            <a:avLst/>
+          </a:prstGeom>
+          <a:solidFill>
+            <a:schemeClr val="accent2"/>
+          </a:solidFill>
+        </p:spPr>
+        <p:style>
+          <a:lnRef idx="2">
+            <a:schemeClr val="accent1">
+              <a:shade val="50000"/>
+            </a:schemeClr>
+          </a:lnRef>
+          <a:fillRef idx="1">
+            <a:schemeClr val="accent1"/>
+          </a:fillRef>
+          <a:effectRef idx="0">
+            <a:schemeClr val="accent1"/>
+          </a:effectRef>
+          <a:fontRef idx="minor">
+            <a:schemeClr val="lt1"/>
+          </a:fontRef>
+        </p:style>
+        <p:txBody>
+          <a:bodyPr rtlCol="0" anchor="ctr"/>
+          <a:lstStyle/>
+          <a:p>
+            <a:pPr algn="ctr"/>
+            <a:endParaRPr lang="en-US"/>
+          </a:p>
+        </p:txBody>
+      </p:sp>
+      <p:sp>
+        <p:nvSpPr>
+          <p:cNvPr id="34" name="Oval 33">
+            <a:extLst>
+              <a:ext uri="{FF2B5EF4-FFF2-40B4-BE49-F238E27FC236}">
+                <a16:creationId xmlns:a16="http://schemas.microsoft.com/office/drawing/2014/main" id="{9511DB40-5A9C-9B4E-9F92-BC7FA0248806}"/>
+              </a:ext>
+            </a:extLst>
+          </p:cNvPr>
+          <p:cNvSpPr/>
+          <p:nvPr/>
+        </p:nvSpPr>
+        <p:spPr>
+          <a:xfrm>
+            <a:off x="9553469" y="2879393"/>
+            <a:ext cx="182880" cy="182880"/>
+          </a:xfrm>
+          <a:prstGeom prst="ellipse">
+            <a:avLst/>
+          </a:prstGeom>
+          <a:solidFill>
+            <a:schemeClr val="accent2"/>
+          </a:solidFill>
+        </p:spPr>
+        <p:style>
+          <a:lnRef idx="2">
+            <a:schemeClr val="accent1">
+              <a:shade val="50000"/>
+            </a:schemeClr>
+          </a:lnRef>
+          <a:fillRef idx="1">
+            <a:schemeClr val="accent1"/>
+          </a:fillRef>
+          <a:effectRef idx="0">
+            <a:schemeClr val="accent1"/>
+          </a:effectRef>
+          <a:fontRef idx="minor">
+            <a:schemeClr val="lt1"/>
+          </a:fontRef>
+        </p:style>
+        <p:txBody>
+          <a:bodyPr rtlCol="0" anchor="ctr"/>
+          <a:lstStyle/>
+          <a:p>
+            <a:pPr algn="ctr"/>
+            <a:endParaRPr lang="en-US"/>
+          </a:p>
+        </p:txBody>
+      </p:sp>
+      <p:sp>
+        <p:nvSpPr>
+          <p:cNvPr id="36" name="Oval 35">
+            <a:extLst>
+              <a:ext uri="{FF2B5EF4-FFF2-40B4-BE49-F238E27FC236}">
+                <a16:creationId xmlns:a16="http://schemas.microsoft.com/office/drawing/2014/main" id="{B35FC9C7-54CB-F146-95E3-D03C3C9B0B38}"/>
+              </a:ext>
+            </a:extLst>
+          </p:cNvPr>
+          <p:cNvSpPr/>
+          <p:nvPr/>
+        </p:nvSpPr>
+        <p:spPr>
+          <a:xfrm>
+            <a:off x="8658119" y="4158855"/>
+            <a:ext cx="182880" cy="182880"/>
+          </a:xfrm>
+          <a:prstGeom prst="ellipse">
+            <a:avLst/>
+          </a:prstGeom>
+          <a:solidFill>
+            <a:schemeClr val="accent2"/>
+          </a:solidFill>
+        </p:spPr>
+        <p:style>
+          <a:lnRef idx="2">
+            <a:schemeClr val="accent1">
+              <a:shade val="50000"/>
+            </a:schemeClr>
+          </a:lnRef>
+          <a:fillRef idx="1">
+            <a:schemeClr val="accent1"/>
+          </a:fillRef>
+          <a:effectRef idx="0">
+            <a:schemeClr val="accent1"/>
+          </a:effectRef>
+          <a:fontRef idx="minor">
+            <a:schemeClr val="lt1"/>
+          </a:fontRef>
+        </p:style>
+        <p:txBody>
+          <a:bodyPr rtlCol="0" anchor="ctr"/>
+          <a:lstStyle/>
+          <a:p>
+            <a:pPr algn="ctr"/>
+            <a:endParaRPr lang="en-US"/>
+          </a:p>
+        </p:txBody>
+      </p:sp>
+      <p:sp>
+        <p:nvSpPr>
+          <p:cNvPr id="37" name="Oval 36">
+            <a:extLst>
+              <a:ext uri="{FF2B5EF4-FFF2-40B4-BE49-F238E27FC236}">
+                <a16:creationId xmlns:a16="http://schemas.microsoft.com/office/drawing/2014/main" id="{C590F71B-9B42-044C-8437-FBD8B84A9EEC}"/>
+              </a:ext>
+            </a:extLst>
+          </p:cNvPr>
+          <p:cNvSpPr/>
+          <p:nvPr/>
+        </p:nvSpPr>
+        <p:spPr>
+          <a:xfrm>
+            <a:off x="8941702" y="3847001"/>
+            <a:ext cx="365760" cy="365760"/>
+          </a:xfrm>
+          <a:prstGeom prst="ellipse">
+            <a:avLst/>
+          </a:prstGeom>
+          <a:solidFill>
+            <a:schemeClr val="accent2"/>
+          </a:solidFill>
+        </p:spPr>
+        <p:style>
+          <a:lnRef idx="2">
+            <a:schemeClr val="accent1">
+              <a:shade val="50000"/>
+            </a:schemeClr>
+          </a:lnRef>
+          <a:fillRef idx="1">
+            <a:schemeClr val="accent1"/>
+          </a:fillRef>
+          <a:effectRef idx="0">
+            <a:schemeClr val="accent1"/>
+          </a:effectRef>
+          <a:fontRef idx="minor">
+            <a:schemeClr val="lt1"/>
+          </a:fontRef>
+        </p:style>
+        <p:txBody>
+          <a:bodyPr rtlCol="0" anchor="ctr"/>
+          <a:lstStyle/>
+          <a:p>
+            <a:pPr algn="ctr"/>
+            <a:endParaRPr lang="en-US"/>
+          </a:p>
+        </p:txBody>
+      </p:sp>
+      <p:sp>
+        <p:nvSpPr>
+          <p:cNvPr id="40" name="Oval 39">
+            <a:extLst>
+              <a:ext uri="{FF2B5EF4-FFF2-40B4-BE49-F238E27FC236}">
+                <a16:creationId xmlns:a16="http://schemas.microsoft.com/office/drawing/2014/main" id="{7A8F0C77-A22F-0D4C-BA40-97984B714A05}"/>
+              </a:ext>
+            </a:extLst>
+          </p:cNvPr>
+          <p:cNvSpPr/>
+          <p:nvPr/>
+        </p:nvSpPr>
+        <p:spPr>
+          <a:xfrm>
+            <a:off x="9924434" y="4266742"/>
+            <a:ext cx="457200" cy="457200"/>
+          </a:xfrm>
+          <a:prstGeom prst="ellipse">
+            <a:avLst/>
+          </a:prstGeom>
+          <a:solidFill>
+            <a:schemeClr val="accent2"/>
+          </a:solidFill>
+        </p:spPr>
+        <p:style>
+          <a:lnRef idx="2">
+            <a:schemeClr val="accent1">
+              <a:shade val="50000"/>
+            </a:schemeClr>
+          </a:lnRef>
+          <a:fillRef idx="1">
+            <a:schemeClr val="accent1"/>
+          </a:fillRef>
+          <a:effectRef idx="0">
+            <a:schemeClr val="accent1"/>
+          </a:effectRef>
+          <a:fontRef idx="minor">
+            <a:schemeClr val="lt1"/>
+          </a:fontRef>
+        </p:style>
+        <p:txBody>
+          <a:bodyPr rtlCol="0" anchor="ctr"/>
+          <a:lstStyle/>
+          <a:p>
+            <a:pPr algn="ctr"/>
+            <a:endParaRPr lang="en-US"/>
+          </a:p>
+        </p:txBody>
+      </p:sp>
+      <p:sp>
+        <p:nvSpPr>
+          <p:cNvPr id="44" name="Oval 43">
+            <a:extLst>
+              <a:ext uri="{FF2B5EF4-FFF2-40B4-BE49-F238E27FC236}">
+                <a16:creationId xmlns:a16="http://schemas.microsoft.com/office/drawing/2014/main" id="{23B24AC2-68D5-944F-AA6B-0FAE467697D1}"/>
+              </a:ext>
+            </a:extLst>
+          </p:cNvPr>
+          <p:cNvSpPr/>
+          <p:nvPr/>
+        </p:nvSpPr>
+        <p:spPr>
+          <a:xfrm>
+            <a:off x="8446402" y="4997597"/>
+            <a:ext cx="274320" cy="274320"/>
+          </a:xfrm>
+          <a:prstGeom prst="ellipse">
+            <a:avLst/>
+          </a:prstGeom>
+          <a:solidFill>
+            <a:schemeClr val="accent2"/>
+          </a:solidFill>
+        </p:spPr>
+        <p:style>
+          <a:lnRef idx="2">
+            <a:schemeClr val="accent1">
+              <a:shade val="50000"/>
+            </a:schemeClr>
+          </a:lnRef>
+          <a:fillRef idx="1">
+            <a:schemeClr val="accent1"/>
+          </a:fillRef>
+          <a:effectRef idx="0">
+            <a:schemeClr val="accent1"/>
+          </a:effectRef>
+          <a:fontRef idx="minor">
+            <a:schemeClr val="lt1"/>
+          </a:fontRef>
+        </p:style>
+        <p:txBody>
+          <a:bodyPr rtlCol="0" anchor="ctr"/>
+          <a:lstStyle/>
+          <a:p>
+            <a:pPr algn="ctr"/>
+            <a:endParaRPr lang="en-US"/>
+          </a:p>
+        </p:txBody>
+      </p:sp>
+      <p:sp>
+        <p:nvSpPr>
+          <p:cNvPr id="45" name="Oval 44">
+            <a:extLst>
+              <a:ext uri="{FF2B5EF4-FFF2-40B4-BE49-F238E27FC236}">
+                <a16:creationId xmlns:a16="http://schemas.microsoft.com/office/drawing/2014/main" id="{A7406862-C8F0-7E49-A9D8-A9E22C6E7BF7}"/>
+              </a:ext>
+            </a:extLst>
+          </p:cNvPr>
+          <p:cNvSpPr/>
+          <p:nvPr/>
+        </p:nvSpPr>
+        <p:spPr>
+          <a:xfrm>
+            <a:off x="10881865" y="5066104"/>
+            <a:ext cx="182880" cy="182880"/>
+          </a:xfrm>
+          <a:prstGeom prst="ellipse">
+            <a:avLst/>
+          </a:prstGeom>
+          <a:solidFill>
+            <a:schemeClr val="accent2"/>
+          </a:solidFill>
+        </p:spPr>
+        <p:style>
+          <a:lnRef idx="2">
+            <a:schemeClr val="accent1">
+              <a:shade val="50000"/>
+            </a:schemeClr>
+          </a:lnRef>
+          <a:fillRef idx="1">
+            <a:schemeClr val="accent1"/>
+          </a:fillRef>
+          <a:effectRef idx="0">
+            <a:schemeClr val="accent1"/>
+          </a:effectRef>
+          <a:fontRef idx="minor">
+            <a:schemeClr val="lt1"/>
+          </a:fontRef>
+        </p:style>
+        <p:txBody>
+          <a:bodyPr rtlCol="0" anchor="ctr"/>
+          <a:lstStyle/>
+          <a:p>
+            <a:pPr algn="ctr"/>
+            <a:endParaRPr lang="en-US"/>
+          </a:p>
+        </p:txBody>
+      </p:sp>
+      <p:pic>
+        <p:nvPicPr>
+          <p:cNvPr id="29" name="Picture 28">
+            <a:extLst>
+              <a:ext uri="{FF2B5EF4-FFF2-40B4-BE49-F238E27FC236}">
+                <a16:creationId xmlns:a16="http://schemas.microsoft.com/office/drawing/2014/main" id="{F175531A-BD60-9B47-B68C-D8ED47B9D642}"/>
+              </a:ext>
+            </a:extLst>
+          </p:cNvPr>
+          <p:cNvPicPr>
+            <a:picLocks noChangeAspect="1"/>
+          </p:cNvPicPr>
+          <p:nvPr/>
+        </p:nvPicPr>
+        <p:blipFill>
+          <a:blip r:embed="rId4"/>
+          <a:stretch>
+            <a:fillRect/>
+          </a:stretch>
+        </p:blipFill>
+        <p:spPr>
+          <a:xfrm>
+            <a:off x="1803769" y="6143436"/>
+            <a:ext cx="2527300" cy="342900"/>
+          </a:xfrm>
+          <a:prstGeom prst="rect">
+            <a:avLst/>
+          </a:prstGeom>
+        </p:spPr>
+      </p:pic>
+      <p:pic>
+        <p:nvPicPr>
+          <p:cNvPr id="4" name="Picture 3">
+            <a:extLst>
+              <a:ext uri="{FF2B5EF4-FFF2-40B4-BE49-F238E27FC236}">
+                <a16:creationId xmlns:a16="http://schemas.microsoft.com/office/drawing/2014/main" id="{AEC1C396-CC8A-BA46-8142-73A4005711E0}"/>
+              </a:ext>
+            </a:extLst>
+          </p:cNvPr>
+          <p:cNvPicPr>
+            <a:picLocks noChangeAspect="1"/>
+          </p:cNvPicPr>
+          <p:nvPr/>
+        </p:nvPicPr>
+        <p:blipFill>
+          <a:blip r:embed="rId5"/>
+          <a:stretch>
+            <a:fillRect/>
+          </a:stretch>
+        </p:blipFill>
+        <p:spPr>
+          <a:xfrm>
+            <a:off x="7524382" y="6111686"/>
+            <a:ext cx="3200400" cy="406400"/>
+          </a:xfrm>
+          <a:prstGeom prst="rect">
+            <a:avLst/>
+          </a:prstGeom>
+        </p:spPr>
+      </p:pic>
+      <p:cxnSp>
+        <p:nvCxnSpPr>
+          <p:cNvPr id="10" name="Straight Connector 9">
+            <a:extLst>
+              <a:ext uri="{FF2B5EF4-FFF2-40B4-BE49-F238E27FC236}">
+                <a16:creationId xmlns:a16="http://schemas.microsoft.com/office/drawing/2014/main" id="{4902FF21-4A9B-7242-9716-4154C06A2727}"/>
+              </a:ext>
+            </a:extLst>
+          </p:cNvPr>
+          <p:cNvCxnSpPr/>
+          <p:nvPr/>
+        </p:nvCxnSpPr>
+        <p:spPr>
+          <a:xfrm>
+            <a:off x="6096000" y="1940312"/>
+            <a:ext cx="0" cy="3657600"/>
+          </a:xfrm>
+          <a:prstGeom prst="line">
+            <a:avLst/>
+          </a:prstGeom>
+          <a:ln>
+            <a:solidFill>
+              <a:schemeClr val="tx1"/>
+            </a:solidFill>
+          </a:ln>
+        </p:spPr>
+        <p:style>
+          <a:lnRef idx="1">
+            <a:schemeClr val="accent1"/>
+          </a:lnRef>
+          <a:fillRef idx="0">
+            <a:schemeClr val="accent1"/>
+          </a:fillRef>
+          <a:effectRef idx="0">
+            <a:schemeClr val="accent1"/>
+          </a:effectRef>
+          <a:fontRef idx="minor">
+            <a:schemeClr val="tx1"/>
+          </a:fontRef>
+        </p:style>
+      </p:cxnSp>
+      <p:sp>
+        <p:nvSpPr>
+          <p:cNvPr id="46" name="Right Arrow 45">
+            <a:extLst>
+              <a:ext uri="{FF2B5EF4-FFF2-40B4-BE49-F238E27FC236}">
+                <a16:creationId xmlns:a16="http://schemas.microsoft.com/office/drawing/2014/main" id="{D920C811-88FF-9044-B4F1-79ADA4671A03}"/>
+              </a:ext>
+            </a:extLst>
+          </p:cNvPr>
+          <p:cNvSpPr/>
+          <p:nvPr/>
+        </p:nvSpPr>
+        <p:spPr>
+          <a:xfrm>
+            <a:off x="5582475" y="3629534"/>
+            <a:ext cx="1290918" cy="330772"/>
+          </a:xfrm>
+          <a:prstGeom prst="rightArrow">
+            <a:avLst>
+              <a:gd name="adj1" fmla="val 50000"/>
+              <a:gd name="adj2" fmla="val 138767"/>
+            </a:avLst>
+          </a:prstGeom>
+          <a:solidFill>
+            <a:schemeClr val="tx1"/>
+          </a:solidFill>
+          <a:ln>
+            <a:solidFill>
+              <a:schemeClr val="tx1"/>
+            </a:solidFill>
+          </a:ln>
+        </p:spPr>
+        <p:style>
+          <a:lnRef idx="2">
+            <a:schemeClr val="accent1">
+              <a:shade val="50000"/>
+            </a:schemeClr>
+          </a:lnRef>
+          <a:fillRef idx="1">
+            <a:schemeClr val="accent1"/>
+          </a:fillRef>
+          <a:effectRef idx="0">
+            <a:schemeClr val="accent1"/>
+          </a:effectRef>
+          <a:fontRef idx="minor">
+            <a:schemeClr val="lt1"/>
+          </a:fontRef>
+        </p:style>
+        <p:txBody>
+          <a:bodyPr rtlCol="0" anchor="ctr"/>
+          <a:lstStyle/>
+          <a:p>
+            <a:pPr algn="ctr"/>
+            <a:endParaRPr lang="en-US"/>
+          </a:p>
+        </p:txBody>
+      </p:sp>
+      <p:pic>
+        <p:nvPicPr>
+          <p:cNvPr id="47" name="Picture 46">
+            <a:extLst>
+              <a:ext uri="{FF2B5EF4-FFF2-40B4-BE49-F238E27FC236}">
+                <a16:creationId xmlns:a16="http://schemas.microsoft.com/office/drawing/2014/main" id="{29B1E688-3747-0249-8023-E0566F439018}"/>
+              </a:ext>
+            </a:extLst>
+          </p:cNvPr>
+          <p:cNvPicPr>
+            <a:picLocks noChangeAspect="1"/>
+          </p:cNvPicPr>
+          <p:nvPr/>
+        </p:nvPicPr>
+        <p:blipFill>
+          <a:blip r:embed="rId6"/>
+          <a:stretch>
+            <a:fillRect/>
+          </a:stretch>
+        </p:blipFill>
+        <p:spPr>
+          <a:xfrm>
+            <a:off x="2880465" y="2067235"/>
+            <a:ext cx="254000" cy="190500"/>
+          </a:xfrm>
+          <a:prstGeom prst="rect">
+            <a:avLst/>
+          </a:prstGeom>
+        </p:spPr>
+      </p:pic>
+      <p:pic>
+        <p:nvPicPr>
+          <p:cNvPr id="48" name="Picture 47">
+            <a:extLst>
+              <a:ext uri="{FF2B5EF4-FFF2-40B4-BE49-F238E27FC236}">
+                <a16:creationId xmlns:a16="http://schemas.microsoft.com/office/drawing/2014/main" id="{70CD514A-1B63-0D44-8E51-DA2ACB079CA3}"/>
+              </a:ext>
+            </a:extLst>
+          </p:cNvPr>
+          <p:cNvPicPr>
+            <a:picLocks noChangeAspect="1"/>
+          </p:cNvPicPr>
+          <p:nvPr/>
+        </p:nvPicPr>
+        <p:blipFill>
+          <a:blip r:embed="rId7"/>
+          <a:stretch>
+            <a:fillRect/>
+          </a:stretch>
+        </p:blipFill>
+        <p:spPr>
+          <a:xfrm>
+            <a:off x="9196210" y="1967373"/>
+            <a:ext cx="1028700" cy="317500"/>
+          </a:xfrm>
+          <a:prstGeom prst="rect">
+            <a:avLst/>
+          </a:prstGeom>
+        </p:spPr>
+      </p:pic>
+      <p:cxnSp>
+        <p:nvCxnSpPr>
+          <p:cNvPr id="49" name="Straight Arrow Connector 48">
+            <a:extLst>
+              <a:ext uri="{FF2B5EF4-FFF2-40B4-BE49-F238E27FC236}">
+                <a16:creationId xmlns:a16="http://schemas.microsoft.com/office/drawing/2014/main" id="{D8727E67-4CB2-DC4B-A210-ADAC1CF6CBB2}"/>
+              </a:ext>
+            </a:extLst>
+          </p:cNvPr>
+          <p:cNvCxnSpPr/>
+          <p:nvPr/>
+        </p:nvCxnSpPr>
+        <p:spPr>
+          <a:xfrm flipH="1">
+            <a:off x="2329674" y="2340829"/>
+            <a:ext cx="383415" cy="352143"/>
+          </a:xfrm>
+          <a:prstGeom prst="straightConnector1">
+            <a:avLst/>
+          </a:prstGeom>
+          <a:ln>
+            <a:solidFill>
+              <a:schemeClr val="tx1"/>
+            </a:solidFill>
+            <a:prstDash val="sysDash"/>
+            <a:tailEnd type="triangle"/>
+          </a:ln>
+        </p:spPr>
+        <p:style>
+          <a:lnRef idx="1">
+            <a:schemeClr val="accent1"/>
+          </a:lnRef>
+          <a:fillRef idx="0">
+            <a:schemeClr val="accent1"/>
+          </a:fillRef>
+          <a:effectRef idx="0">
+            <a:schemeClr val="accent1"/>
+          </a:effectRef>
+          <a:fontRef idx="minor">
+            <a:schemeClr val="tx1"/>
+          </a:fontRef>
+        </p:style>
+      </p:cxnSp>
+      <p:cxnSp>
+        <p:nvCxnSpPr>
+          <p:cNvPr id="50" name="Straight Arrow Connector 49">
+            <a:extLst>
+              <a:ext uri="{FF2B5EF4-FFF2-40B4-BE49-F238E27FC236}">
+                <a16:creationId xmlns:a16="http://schemas.microsoft.com/office/drawing/2014/main" id="{473D660A-5BA8-9A4B-BF85-7FE9A4256279}"/>
+              </a:ext>
+            </a:extLst>
+          </p:cNvPr>
+          <p:cNvCxnSpPr/>
+          <p:nvPr/>
+        </p:nvCxnSpPr>
+        <p:spPr>
+          <a:xfrm flipH="1">
+            <a:off x="8648178" y="2346759"/>
+            <a:ext cx="383415" cy="352143"/>
+          </a:xfrm>
+          <a:prstGeom prst="straightConnector1">
+            <a:avLst/>
+          </a:prstGeom>
+          <a:ln>
+            <a:solidFill>
+              <a:schemeClr val="tx1"/>
+            </a:solidFill>
+            <a:prstDash val="sysDash"/>
+            <a:tailEnd type="triangle"/>
+          </a:ln>
+        </p:spPr>
+        <p:style>
+          <a:lnRef idx="1">
+            <a:schemeClr val="accent1"/>
+          </a:lnRef>
+          <a:fillRef idx="0">
+            <a:schemeClr val="accent1"/>
+          </a:fillRef>
+          <a:effectRef idx="0">
+            <a:schemeClr val="accent1"/>
+          </a:effectRef>
+          <a:fontRef idx="minor">
+            <a:schemeClr val="tx1"/>
+          </a:fontRef>
+        </p:style>
+      </p:cxnSp>
+    </p:spTree>
+    <p:extLst>
+      <p:ext uri="{BB962C8B-B14F-4D97-AF65-F5344CB8AC3E}">
+        <p14:creationId xmlns:p14="http://schemas.microsoft.com/office/powerpoint/2010/main" val="1644300713"/>
+      </p:ext>
+    </p:extLst>
+  </p:cSld>
+  <p:clrMapOvr>
+    <a:masterClrMapping/>
+  </p:clrMapOvr>
+  <p:timing>
+    <p:tnLst>
+      <p:par>
+        <p:cTn id="1" dur="indefinite" restart="never" nodeType="tmRoot">
+          <p:childTnLst>
+            <p:seq concurrent="1" nextAc="seek">
+              <p:cTn id="2" dur="indefinite" nodeType="mainSeq">
+                <p:childTnLst>
+                  <p:par>
+                    <p:cTn id="3" fill="hold">
+                      <p:stCondLst>
+                        <p:cond delay="indefinite"/>
+                      </p:stCondLst>
+                      <p:childTnLst>
+                        <p:par>
+                          <p:cTn id="4" fill="hold">
+                            <p:stCondLst>
+                              <p:cond delay="0"/>
+                            </p:stCondLst>
+                            <p:childTnLst>
+                              <p:par>
+                                <p:cTn id="5" presetID="37" presetClass="path" presetSubtype="0" accel="50000" decel="50000" fill="hold" nodeType="clickEffect">
+                                  <p:stCondLst>
+                                    <p:cond delay="0"/>
+                                  </p:stCondLst>
+                                  <p:childTnLst>
+                                    <p:animMotion origin="layout" path="M 1.45833E-6 3.33333E-6 L 0.06706 0.21828 C 0.08099 0.26759 0.10195 0.29421 0.12396 0.29421 C 0.14896 0.29421 0.16901 0.26759 0.18294 0.21828 L 0.25 3.33333E-6 " pathEditMode="relative" rAng="0" ptsTypes="AAAAA">
+                                      <p:cBhvr>
+                                        <p:cTn id="6" dur="7000" fill="hold"/>
+                                        <p:tgtEl>
+                                          <p:spTgt spid="17"/>
+                                        </p:tgtEl>
+                                        <p:attrNameLst>
+                                          <p:attrName>ppt_x</p:attrName>
+                                          <p:attrName>ppt_y</p:attrName>
+                                        </p:attrNameLst>
+                                      </p:cBhvr>
+                                      <p:rCtr x="12500" y="14699"/>
+                                    </p:animMotion>
+                                  </p:childTnLst>
+                                </p:cTn>
+                              </p:par>
+                              <p:par>
+                                <p:cTn id="7" presetID="37" presetClass="path" presetSubtype="0" accel="50000" decel="50000" fill="hold" nodeType="withEffect">
+                                  <p:stCondLst>
+                                    <p:cond delay="0"/>
+                                  </p:stCondLst>
+                                  <p:childTnLst>
+                                    <p:animMotion origin="layout" path="M -4.79167E-6 2.59259E-6 L 0.06706 0.21828 C 0.08099 0.26759 0.10196 0.29421 0.12396 0.29421 C 0.14896 0.29421 0.16902 0.26759 0.18295 0.21828 L 0.25 2.59259E-6 " pathEditMode="relative" rAng="0" ptsTypes="AAAAA">
+                                      <p:cBhvr>
+                                        <p:cTn id="8" dur="7000" fill="hold"/>
+                                        <p:tgtEl>
+                                          <p:spTgt spid="39"/>
+                                        </p:tgtEl>
+                                        <p:attrNameLst>
+                                          <p:attrName>ppt_x</p:attrName>
+                                          <p:attrName>ppt_y</p:attrName>
+                                        </p:attrNameLst>
+                                      </p:cBhvr>
+                                      <p:rCtr x="12500" y="14699"/>
+                                    </p:animMotion>
+                                  </p:childTnLst>
+                                </p:cTn>
+                              </p:par>
+                            </p:childTnLst>
+                          </p:cTn>
+                        </p:par>
+                      </p:childTnLst>
+                    </p:cTn>
+                  </p:par>
+                </p:childTnLst>
+              </p:cTn>
+              <p:prevCondLst>
+                <p:cond evt="onPrev" delay="0">
+                  <p:tgtEl>
+                    <p:sldTgt/>
+                  </p:tgtEl>
+                </p:cond>
+              </p:prevCondLst>
+              <p:nextCondLst>
+                <p:cond evt="onNext" delay="0">
+                  <p:tgtEl>
+                    <p:sldTgt/>
+                  </p:tgtEl>
+                </p:cond>
+              </p:nextCondLst>
+            </p:seq>
+          </p:childTnLst>
+        </p:cTn>
+      </p:par>
+    </p:tnLst>
+  </p:timing>
+</p:sld>
+</file>
+
+<file path=ppt/slides/slide4.xml><?xml version="1.0" encoding="utf-8"?>
 <p:sld xmlns:a="http://schemas.openxmlformats.org/drawingml/2006/main" xmlns:r="http://schemas.openxmlformats.org/officeDocument/2006/relationships" xmlns:p="http://schemas.openxmlformats.org/presentationml/2006/main">
   <p:cSld>
     <p:spTree>
@@ -13741,6 +16853,152 @@
           </a:prstGeom>
         </p:spPr>
       </p:pic>
+      <p:pic>
+        <p:nvPicPr>
+          <p:cNvPr id="39" name="Picture 38">
+            <a:extLst>
+              <a:ext uri="{FF2B5EF4-FFF2-40B4-BE49-F238E27FC236}">
+                <a16:creationId xmlns:a16="http://schemas.microsoft.com/office/drawing/2014/main" id="{18F250E5-00B7-364E-97A2-E605D33C1AC9}"/>
+              </a:ext>
+            </a:extLst>
+          </p:cNvPr>
+          <p:cNvPicPr>
+            <a:picLocks noChangeAspect="1"/>
+          </p:cNvPicPr>
+          <p:nvPr/>
+        </p:nvPicPr>
+        <p:blipFill>
+          <a:blip r:embed="rId4"/>
+          <a:stretch>
+            <a:fillRect/>
+          </a:stretch>
+        </p:blipFill>
+        <p:spPr>
+          <a:xfrm>
+            <a:off x="2880465" y="2067235"/>
+            <a:ext cx="254000" cy="190500"/>
+          </a:xfrm>
+          <a:prstGeom prst="rect">
+            <a:avLst/>
+          </a:prstGeom>
+        </p:spPr>
+      </p:pic>
+      <p:pic>
+        <p:nvPicPr>
+          <p:cNvPr id="41" name="Picture 40">
+            <a:extLst>
+              <a:ext uri="{FF2B5EF4-FFF2-40B4-BE49-F238E27FC236}">
+                <a16:creationId xmlns:a16="http://schemas.microsoft.com/office/drawing/2014/main" id="{123D8CCF-C2BA-4346-9895-F6CAB7DAF72C}"/>
+              </a:ext>
+            </a:extLst>
+          </p:cNvPr>
+          <p:cNvPicPr>
+            <a:picLocks noChangeAspect="1"/>
+          </p:cNvPicPr>
+          <p:nvPr/>
+        </p:nvPicPr>
+        <p:blipFill>
+          <a:blip r:embed="rId5"/>
+          <a:stretch>
+            <a:fillRect/>
+          </a:stretch>
+        </p:blipFill>
+        <p:spPr>
+          <a:xfrm>
+            <a:off x="9196210" y="1967373"/>
+            <a:ext cx="1028700" cy="317500"/>
+          </a:xfrm>
+          <a:prstGeom prst="rect">
+            <a:avLst/>
+          </a:prstGeom>
+        </p:spPr>
+      </p:pic>
+      <p:cxnSp>
+        <p:nvCxnSpPr>
+          <p:cNvPr id="42" name="Straight Arrow Connector 41">
+            <a:extLst>
+              <a:ext uri="{FF2B5EF4-FFF2-40B4-BE49-F238E27FC236}">
+                <a16:creationId xmlns:a16="http://schemas.microsoft.com/office/drawing/2014/main" id="{06DE7A24-C0CD-2140-A584-5C83DE6E8A94}"/>
+              </a:ext>
+            </a:extLst>
+          </p:cNvPr>
+          <p:cNvCxnSpPr/>
+          <p:nvPr/>
+        </p:nvCxnSpPr>
+        <p:spPr>
+          <a:xfrm flipH="1">
+            <a:off x="2329674" y="2340829"/>
+            <a:ext cx="383415" cy="352143"/>
+          </a:xfrm>
+          <a:prstGeom prst="straightConnector1">
+            <a:avLst/>
+          </a:prstGeom>
+          <a:ln>
+            <a:solidFill>
+              <a:schemeClr val="tx1"/>
+            </a:solidFill>
+            <a:prstDash val="sysDash"/>
+            <a:tailEnd type="triangle"/>
+          </a:ln>
+        </p:spPr>
+        <p:style>
+          <a:lnRef idx="1">
+            <a:schemeClr val="accent1"/>
+          </a:lnRef>
+          <a:fillRef idx="0">
+            <a:schemeClr val="accent1"/>
+          </a:fillRef>
+          <a:effectRef idx="0">
+            <a:schemeClr val="accent1"/>
+          </a:effectRef>
+          <a:fontRef idx="minor">
+            <a:schemeClr val="tx1"/>
+          </a:fontRef>
+        </p:style>
+      </p:cxnSp>
+      <p:cxnSp>
+        <p:nvCxnSpPr>
+          <p:cNvPr id="43" name="Straight Arrow Connector 42">
+            <a:extLst>
+              <a:ext uri="{FF2B5EF4-FFF2-40B4-BE49-F238E27FC236}">
+                <a16:creationId xmlns:a16="http://schemas.microsoft.com/office/drawing/2014/main" id="{11FF8C93-A88A-2743-81E1-43DA4CD6E78A}"/>
+              </a:ext>
+            </a:extLst>
+          </p:cNvPr>
+          <p:cNvCxnSpPr/>
+          <p:nvPr/>
+        </p:nvCxnSpPr>
+        <p:spPr>
+          <a:xfrm flipH="1">
+            <a:off x="8648178" y="2346759"/>
+            <a:ext cx="383415" cy="352143"/>
+          </a:xfrm>
+          <a:prstGeom prst="straightConnector1">
+            <a:avLst/>
+          </a:prstGeom>
+          <a:ln>
+            <a:solidFill>
+              <a:schemeClr val="tx1"/>
+            </a:solidFill>
+            <a:prstDash val="sysDash"/>
+            <a:tailEnd type="triangle"/>
+          </a:ln>
+        </p:spPr>
+        <p:style>
+          <a:lnRef idx="1">
+            <a:schemeClr val="accent1"/>
+          </a:lnRef>
+          <a:fillRef idx="0">
+            <a:schemeClr val="accent1"/>
+          </a:fillRef>
+          <a:effectRef idx="0">
+            <a:schemeClr val="accent1"/>
+          </a:effectRef>
+          <a:fontRef idx="minor">
+            <a:schemeClr val="tx1"/>
+          </a:fontRef>
+        </p:style>
+      </p:cxnSp>
     </p:spTree>
     <p:extLst>
       <p:ext uri="{BB962C8B-B14F-4D97-AF65-F5344CB8AC3E}">
@@ -13841,1658 +17099,6 @@
     <p:bldLst>
       <p:bldP spid="8" grpId="0" animBg="1"/>
       <p:bldP spid="38" grpId="0" animBg="1"/>
-    </p:bldLst>
-  </p:timing>
-</p:sld>
-</file>
-
-<file path=ppt/slides/slide4.xml><?xml version="1.0" encoding="utf-8"?>
-<p:sld xmlns:a="http://schemas.openxmlformats.org/drawingml/2006/main" xmlns:r="http://schemas.openxmlformats.org/officeDocument/2006/relationships" xmlns:p="http://schemas.openxmlformats.org/presentationml/2006/main">
-  <p:cSld>
-    <p:spTree>
-      <p:nvGrpSpPr>
-        <p:cNvPr id="1" name=""/>
-        <p:cNvGrpSpPr/>
-        <p:nvPr/>
-      </p:nvGrpSpPr>
-      <p:grpSpPr>
-        <a:xfrm>
-          <a:off x="0" y="0"/>
-          <a:ext cx="0" cy="0"/>
-          <a:chOff x="0" y="0"/>
-          <a:chExt cx="0" cy="0"/>
-        </a:xfrm>
-      </p:grpSpPr>
-      <p:sp>
-        <p:nvSpPr>
-          <p:cNvPr id="7" name="Oval 6">
-            <a:extLst>
-              <a:ext uri="{FF2B5EF4-FFF2-40B4-BE49-F238E27FC236}">
-                <a16:creationId xmlns:a16="http://schemas.microsoft.com/office/drawing/2014/main" id="{B5D92E67-DC1C-5E45-9CB9-028ECB0BE5B3}"/>
-              </a:ext>
-            </a:extLst>
-          </p:cNvPr>
-          <p:cNvSpPr/>
-          <p:nvPr/>
-        </p:nvSpPr>
-        <p:spPr>
-          <a:xfrm>
-            <a:off x="-302845" y="926306"/>
-            <a:ext cx="4046201" cy="3872531"/>
-          </a:xfrm>
-          <a:prstGeom prst="ellipse">
-            <a:avLst/>
-          </a:prstGeom>
-          <a:gradFill flip="none" rotWithShape="1">
-            <a:gsLst>
-              <a:gs pos="76000">
-                <a:schemeClr val="accent5">
-                  <a:lumMod val="5000"/>
-                  <a:lumOff val="95000"/>
-                  <a:alpha val="48000"/>
-                </a:schemeClr>
-              </a:gs>
-              <a:gs pos="1000">
-                <a:schemeClr val="accent5">
-                  <a:lumMod val="94000"/>
-                </a:schemeClr>
-              </a:gs>
-              <a:gs pos="47000">
-                <a:schemeClr val="accent5">
-                  <a:lumMod val="45000"/>
-                  <a:lumOff val="55000"/>
-                  <a:alpha val="50000"/>
-                </a:schemeClr>
-              </a:gs>
-              <a:gs pos="38000">
-                <a:schemeClr val="accent5">
-                  <a:lumMod val="30000"/>
-                  <a:lumOff val="70000"/>
-                </a:schemeClr>
-              </a:gs>
-            </a:gsLst>
-            <a:path path="shape">
-              <a:fillToRect l="50000" t="50000" r="50000" b="50000"/>
-            </a:path>
-            <a:tileRect/>
-          </a:gradFill>
-          <a:ln>
-            <a:noFill/>
-          </a:ln>
-        </p:spPr>
-        <p:style>
-          <a:lnRef idx="2">
-            <a:schemeClr val="accent1">
-              <a:shade val="50000"/>
-            </a:schemeClr>
-          </a:lnRef>
-          <a:fillRef idx="1">
-            <a:schemeClr val="accent1"/>
-          </a:fillRef>
-          <a:effectRef idx="0">
-            <a:schemeClr val="accent1"/>
-          </a:effectRef>
-          <a:fontRef idx="minor">
-            <a:schemeClr val="lt1"/>
-          </a:fontRef>
-        </p:style>
-        <p:txBody>
-          <a:bodyPr rtlCol="0" anchor="ctr"/>
-          <a:lstStyle/>
-          <a:p>
-            <a:pPr algn="ctr"/>
-            <a:endParaRPr lang="en-US"/>
-          </a:p>
-        </p:txBody>
-      </p:sp>
-      <p:sp>
-        <p:nvSpPr>
-          <p:cNvPr id="35" name="Oval 34">
-            <a:extLst>
-              <a:ext uri="{FF2B5EF4-FFF2-40B4-BE49-F238E27FC236}">
-                <a16:creationId xmlns:a16="http://schemas.microsoft.com/office/drawing/2014/main" id="{EDFDDBD1-1B5C-F74D-9D6F-E491E52FBFC6}"/>
-              </a:ext>
-            </a:extLst>
-          </p:cNvPr>
-          <p:cNvSpPr/>
-          <p:nvPr/>
-        </p:nvSpPr>
-        <p:spPr>
-          <a:xfrm>
-            <a:off x="5770130" y="893724"/>
-            <a:ext cx="4046201" cy="3872531"/>
-          </a:xfrm>
-          <a:prstGeom prst="ellipse">
-            <a:avLst/>
-          </a:prstGeom>
-          <a:gradFill flip="none" rotWithShape="1">
-            <a:gsLst>
-              <a:gs pos="76000">
-                <a:schemeClr val="accent5">
-                  <a:lumMod val="5000"/>
-                  <a:lumOff val="95000"/>
-                  <a:alpha val="48000"/>
-                </a:schemeClr>
-              </a:gs>
-              <a:gs pos="1000">
-                <a:schemeClr val="accent5">
-                  <a:lumMod val="94000"/>
-                </a:schemeClr>
-              </a:gs>
-              <a:gs pos="47000">
-                <a:schemeClr val="accent5">
-                  <a:lumMod val="45000"/>
-                  <a:lumOff val="55000"/>
-                  <a:alpha val="50000"/>
-                </a:schemeClr>
-              </a:gs>
-              <a:gs pos="38000">
-                <a:schemeClr val="accent5">
-                  <a:lumMod val="30000"/>
-                  <a:lumOff val="70000"/>
-                </a:schemeClr>
-              </a:gs>
-            </a:gsLst>
-            <a:path path="shape">
-              <a:fillToRect l="50000" t="50000" r="50000" b="50000"/>
-            </a:path>
-            <a:tileRect/>
-          </a:gradFill>
-          <a:ln>
-            <a:noFill/>
-          </a:ln>
-        </p:spPr>
-        <p:style>
-          <a:lnRef idx="2">
-            <a:schemeClr val="accent1">
-              <a:shade val="50000"/>
-            </a:schemeClr>
-          </a:lnRef>
-          <a:fillRef idx="1">
-            <a:schemeClr val="accent1"/>
-          </a:fillRef>
-          <a:effectRef idx="0">
-            <a:schemeClr val="accent1"/>
-          </a:effectRef>
-          <a:fontRef idx="minor">
-            <a:schemeClr val="lt1"/>
-          </a:fontRef>
-        </p:style>
-        <p:txBody>
-          <a:bodyPr rtlCol="0" anchor="ctr"/>
-          <a:lstStyle/>
-          <a:p>
-            <a:pPr algn="ctr"/>
-            <a:endParaRPr lang="en-US"/>
-          </a:p>
-        </p:txBody>
-      </p:sp>
-      <p:sp>
-        <p:nvSpPr>
-          <p:cNvPr id="2" name="Title 1">
-            <a:extLst>
-              <a:ext uri="{FF2B5EF4-FFF2-40B4-BE49-F238E27FC236}">
-                <a16:creationId xmlns:a16="http://schemas.microsoft.com/office/drawing/2014/main" id="{9D6E73AA-471A-6246-8DF1-9944FC447921}"/>
-              </a:ext>
-            </a:extLst>
-          </p:cNvPr>
-          <p:cNvSpPr>
-            <a:spLocks noGrp="1"/>
-          </p:cNvSpPr>
-          <p:nvPr>
-            <p:ph type="title"/>
-          </p:nvPr>
-        </p:nvSpPr>
-        <p:spPr/>
-        <p:txBody>
-          <a:bodyPr/>
-          <a:lstStyle/>
-          <a:p>
-            <a:r>
-              <a:rPr lang="en-US" dirty="0"/>
-              <a:t>What is a Coreset?</a:t>
-            </a:r>
-          </a:p>
-        </p:txBody>
-      </p:sp>
-      <p:sp>
-        <p:nvSpPr>
-          <p:cNvPr id="6" name="Oval 5">
-            <a:extLst>
-              <a:ext uri="{FF2B5EF4-FFF2-40B4-BE49-F238E27FC236}">
-                <a16:creationId xmlns:a16="http://schemas.microsoft.com/office/drawing/2014/main" id="{B75DAA0C-3F5F-CD4E-9260-7B567B5A0AE6}"/>
-              </a:ext>
-            </a:extLst>
-          </p:cNvPr>
-          <p:cNvSpPr/>
-          <p:nvPr/>
-        </p:nvSpPr>
-        <p:spPr>
-          <a:xfrm>
-            <a:off x="1723884" y="2601532"/>
-            <a:ext cx="182880" cy="182880"/>
-          </a:xfrm>
-          <a:prstGeom prst="ellipse">
-            <a:avLst/>
-          </a:prstGeom>
-          <a:solidFill>
-            <a:schemeClr val="accent2"/>
-          </a:solidFill>
-        </p:spPr>
-        <p:style>
-          <a:lnRef idx="2">
-            <a:schemeClr val="accent1">
-              <a:shade val="50000"/>
-            </a:schemeClr>
-          </a:lnRef>
-          <a:fillRef idx="1">
-            <a:schemeClr val="accent1"/>
-          </a:fillRef>
-          <a:effectRef idx="0">
-            <a:schemeClr val="accent1"/>
-          </a:effectRef>
-          <a:fontRef idx="minor">
-            <a:schemeClr val="lt1"/>
-          </a:fontRef>
-        </p:style>
-        <p:txBody>
-          <a:bodyPr rtlCol="0" anchor="ctr"/>
-          <a:lstStyle/>
-          <a:p>
-            <a:pPr algn="ctr"/>
-            <a:endParaRPr lang="en-US"/>
-          </a:p>
-        </p:txBody>
-      </p:sp>
-      <p:sp>
-        <p:nvSpPr>
-          <p:cNvPr id="11" name="Oval 10">
-            <a:extLst>
-              <a:ext uri="{FF2B5EF4-FFF2-40B4-BE49-F238E27FC236}">
-                <a16:creationId xmlns:a16="http://schemas.microsoft.com/office/drawing/2014/main" id="{44CA6A20-EFEB-DF47-BF08-222C761DBB9D}"/>
-              </a:ext>
-            </a:extLst>
-          </p:cNvPr>
-          <p:cNvSpPr/>
-          <p:nvPr/>
-        </p:nvSpPr>
-        <p:spPr>
-          <a:xfrm>
-            <a:off x="1632444" y="3150172"/>
-            <a:ext cx="182880" cy="182880"/>
-          </a:xfrm>
-          <a:prstGeom prst="ellipse">
-            <a:avLst/>
-          </a:prstGeom>
-          <a:solidFill>
-            <a:schemeClr val="accent2"/>
-          </a:solidFill>
-        </p:spPr>
-        <p:style>
-          <a:lnRef idx="2">
-            <a:schemeClr val="accent1">
-              <a:shade val="50000"/>
-            </a:schemeClr>
-          </a:lnRef>
-          <a:fillRef idx="1">
-            <a:schemeClr val="accent1"/>
-          </a:fillRef>
-          <a:effectRef idx="0">
-            <a:schemeClr val="accent1"/>
-          </a:effectRef>
-          <a:fontRef idx="minor">
-            <a:schemeClr val="lt1"/>
-          </a:fontRef>
-        </p:style>
-        <p:txBody>
-          <a:bodyPr rtlCol="0" anchor="ctr"/>
-          <a:lstStyle/>
-          <a:p>
-            <a:pPr algn="ctr"/>
-            <a:endParaRPr lang="en-US"/>
-          </a:p>
-        </p:txBody>
-      </p:sp>
-      <p:sp>
-        <p:nvSpPr>
-          <p:cNvPr id="12" name="Oval 11">
-            <a:extLst>
-              <a:ext uri="{FF2B5EF4-FFF2-40B4-BE49-F238E27FC236}">
-                <a16:creationId xmlns:a16="http://schemas.microsoft.com/office/drawing/2014/main" id="{3588B434-BC00-7D4B-9719-65C85BE08084}"/>
-              </a:ext>
-            </a:extLst>
-          </p:cNvPr>
-          <p:cNvSpPr/>
-          <p:nvPr/>
-        </p:nvSpPr>
-        <p:spPr>
-          <a:xfrm>
-            <a:off x="2051544" y="2837752"/>
-            <a:ext cx="182880" cy="182880"/>
-          </a:xfrm>
-          <a:prstGeom prst="ellipse">
-            <a:avLst/>
-          </a:prstGeom>
-          <a:solidFill>
-            <a:schemeClr val="accent2"/>
-          </a:solidFill>
-        </p:spPr>
-        <p:style>
-          <a:lnRef idx="2">
-            <a:schemeClr val="accent1">
-              <a:shade val="50000"/>
-            </a:schemeClr>
-          </a:lnRef>
-          <a:fillRef idx="1">
-            <a:schemeClr val="accent1"/>
-          </a:fillRef>
-          <a:effectRef idx="0">
-            <a:schemeClr val="accent1"/>
-          </a:effectRef>
-          <a:fontRef idx="minor">
-            <a:schemeClr val="lt1"/>
-          </a:fontRef>
-        </p:style>
-        <p:txBody>
-          <a:bodyPr rtlCol="0" anchor="ctr"/>
-          <a:lstStyle/>
-          <a:p>
-            <a:pPr algn="ctr"/>
-            <a:endParaRPr lang="en-US"/>
-          </a:p>
-        </p:txBody>
-      </p:sp>
-      <p:sp>
-        <p:nvSpPr>
-          <p:cNvPr id="13" name="Oval 12">
-            <a:extLst>
-              <a:ext uri="{FF2B5EF4-FFF2-40B4-BE49-F238E27FC236}">
-                <a16:creationId xmlns:a16="http://schemas.microsoft.com/office/drawing/2014/main" id="{D9A363F0-3398-244F-A9F2-FCFE77410FE8}"/>
-              </a:ext>
-            </a:extLst>
-          </p:cNvPr>
-          <p:cNvSpPr/>
-          <p:nvPr/>
-        </p:nvSpPr>
-        <p:spPr>
-          <a:xfrm>
-            <a:off x="2146794" y="3058732"/>
-            <a:ext cx="182880" cy="182880"/>
-          </a:xfrm>
-          <a:prstGeom prst="ellipse">
-            <a:avLst/>
-          </a:prstGeom>
-          <a:solidFill>
-            <a:schemeClr val="accent2"/>
-          </a:solidFill>
-        </p:spPr>
-        <p:style>
-          <a:lnRef idx="2">
-            <a:schemeClr val="accent1">
-              <a:shade val="50000"/>
-            </a:schemeClr>
-          </a:lnRef>
-          <a:fillRef idx="1">
-            <a:schemeClr val="accent1"/>
-          </a:fillRef>
-          <a:effectRef idx="0">
-            <a:schemeClr val="accent1"/>
-          </a:effectRef>
-          <a:fontRef idx="minor">
-            <a:schemeClr val="lt1"/>
-          </a:fontRef>
-        </p:style>
-        <p:txBody>
-          <a:bodyPr rtlCol="0" anchor="ctr"/>
-          <a:lstStyle/>
-          <a:p>
-            <a:pPr algn="ctr"/>
-            <a:endParaRPr lang="en-US"/>
-          </a:p>
-        </p:txBody>
-      </p:sp>
-      <p:sp>
-        <p:nvSpPr>
-          <p:cNvPr id="14" name="Oval 13">
-            <a:extLst>
-              <a:ext uri="{FF2B5EF4-FFF2-40B4-BE49-F238E27FC236}">
-                <a16:creationId xmlns:a16="http://schemas.microsoft.com/office/drawing/2014/main" id="{90F29690-423B-A248-A16D-CD4253C8FA9E}"/>
-              </a:ext>
-            </a:extLst>
-          </p:cNvPr>
-          <p:cNvSpPr/>
-          <p:nvPr/>
-        </p:nvSpPr>
-        <p:spPr>
-          <a:xfrm>
-            <a:off x="2329674" y="2848484"/>
-            <a:ext cx="182880" cy="182880"/>
-          </a:xfrm>
-          <a:prstGeom prst="ellipse">
-            <a:avLst/>
-          </a:prstGeom>
-          <a:solidFill>
-            <a:schemeClr val="accent2"/>
-          </a:solidFill>
-        </p:spPr>
-        <p:style>
-          <a:lnRef idx="2">
-            <a:schemeClr val="accent1">
-              <a:shade val="50000"/>
-            </a:schemeClr>
-          </a:lnRef>
-          <a:fillRef idx="1">
-            <a:schemeClr val="accent1"/>
-          </a:fillRef>
-          <a:effectRef idx="0">
-            <a:schemeClr val="accent1"/>
-          </a:effectRef>
-          <a:fontRef idx="minor">
-            <a:schemeClr val="lt1"/>
-          </a:fontRef>
-        </p:style>
-        <p:txBody>
-          <a:bodyPr rtlCol="0" anchor="ctr"/>
-          <a:lstStyle/>
-          <a:p>
-            <a:pPr algn="ctr"/>
-            <a:endParaRPr lang="en-US"/>
-          </a:p>
-        </p:txBody>
-      </p:sp>
-      <p:sp>
-        <p:nvSpPr>
-          <p:cNvPr id="15" name="Oval 14">
-            <a:extLst>
-              <a:ext uri="{FF2B5EF4-FFF2-40B4-BE49-F238E27FC236}">
-                <a16:creationId xmlns:a16="http://schemas.microsoft.com/office/drawing/2014/main" id="{336FC252-EA89-4242-985B-24FF55AC299E}"/>
-              </a:ext>
-            </a:extLst>
-          </p:cNvPr>
-          <p:cNvSpPr/>
-          <p:nvPr/>
-        </p:nvSpPr>
-        <p:spPr>
-          <a:xfrm>
-            <a:off x="3425559" y="2875852"/>
-            <a:ext cx="182880" cy="182880"/>
-          </a:xfrm>
-          <a:prstGeom prst="ellipse">
-            <a:avLst/>
-          </a:prstGeom>
-          <a:solidFill>
-            <a:schemeClr val="accent2"/>
-          </a:solidFill>
-        </p:spPr>
-        <p:style>
-          <a:lnRef idx="2">
-            <a:schemeClr val="accent1">
-              <a:shade val="50000"/>
-            </a:schemeClr>
-          </a:lnRef>
-          <a:fillRef idx="1">
-            <a:schemeClr val="accent1"/>
-          </a:fillRef>
-          <a:effectRef idx="0">
-            <a:schemeClr val="accent1"/>
-          </a:effectRef>
-          <a:fontRef idx="minor">
-            <a:schemeClr val="lt1"/>
-          </a:fontRef>
-        </p:style>
-        <p:txBody>
-          <a:bodyPr rtlCol="0" anchor="ctr"/>
-          <a:lstStyle/>
-          <a:p>
-            <a:pPr algn="ctr"/>
-            <a:endParaRPr lang="en-US"/>
-          </a:p>
-        </p:txBody>
-      </p:sp>
-      <p:sp>
-        <p:nvSpPr>
-          <p:cNvPr id="16" name="Oval 15">
-            <a:extLst>
-              <a:ext uri="{FF2B5EF4-FFF2-40B4-BE49-F238E27FC236}">
-                <a16:creationId xmlns:a16="http://schemas.microsoft.com/office/drawing/2014/main" id="{B1C76DB7-4652-E149-894E-003301036145}"/>
-              </a:ext>
-            </a:extLst>
-          </p:cNvPr>
-          <p:cNvSpPr/>
-          <p:nvPr/>
-        </p:nvSpPr>
-        <p:spPr>
-          <a:xfrm>
-            <a:off x="3174993" y="3538094"/>
-            <a:ext cx="182880" cy="182880"/>
-          </a:xfrm>
-          <a:prstGeom prst="ellipse">
-            <a:avLst/>
-          </a:prstGeom>
-          <a:solidFill>
-            <a:schemeClr val="accent2"/>
-          </a:solidFill>
-        </p:spPr>
-        <p:style>
-          <a:lnRef idx="2">
-            <a:schemeClr val="accent1">
-              <a:shade val="50000"/>
-            </a:schemeClr>
-          </a:lnRef>
-          <a:fillRef idx="1">
-            <a:schemeClr val="accent1"/>
-          </a:fillRef>
-          <a:effectRef idx="0">
-            <a:schemeClr val="accent1"/>
-          </a:effectRef>
-          <a:fontRef idx="minor">
-            <a:schemeClr val="lt1"/>
-          </a:fontRef>
-        </p:style>
-        <p:txBody>
-          <a:bodyPr rtlCol="0" anchor="ctr"/>
-          <a:lstStyle/>
-          <a:p>
-            <a:pPr algn="ctr"/>
-            <a:endParaRPr lang="en-US"/>
-          </a:p>
-        </p:txBody>
-      </p:sp>
-      <p:sp>
-        <p:nvSpPr>
-          <p:cNvPr id="18" name="Oval 17">
-            <a:extLst>
-              <a:ext uri="{FF2B5EF4-FFF2-40B4-BE49-F238E27FC236}">
-                <a16:creationId xmlns:a16="http://schemas.microsoft.com/office/drawing/2014/main" id="{998762ED-B7F5-4E4C-A5FE-E2ADAF87F66B}"/>
-              </a:ext>
-            </a:extLst>
-          </p:cNvPr>
-          <p:cNvSpPr/>
-          <p:nvPr/>
-        </p:nvSpPr>
-        <p:spPr>
-          <a:xfrm>
-            <a:off x="2530209" y="4155314"/>
-            <a:ext cx="182880" cy="182880"/>
-          </a:xfrm>
-          <a:prstGeom prst="ellipse">
-            <a:avLst/>
-          </a:prstGeom>
-          <a:solidFill>
-            <a:schemeClr val="accent2"/>
-          </a:solidFill>
-        </p:spPr>
-        <p:style>
-          <a:lnRef idx="2">
-            <a:schemeClr val="accent1">
-              <a:shade val="50000"/>
-            </a:schemeClr>
-          </a:lnRef>
-          <a:fillRef idx="1">
-            <a:schemeClr val="accent1"/>
-          </a:fillRef>
-          <a:effectRef idx="0">
-            <a:schemeClr val="accent1"/>
-          </a:effectRef>
-          <a:fontRef idx="minor">
-            <a:schemeClr val="lt1"/>
-          </a:fontRef>
-        </p:style>
-        <p:txBody>
-          <a:bodyPr rtlCol="0" anchor="ctr"/>
-          <a:lstStyle/>
-          <a:p>
-            <a:pPr algn="ctr"/>
-            <a:endParaRPr lang="en-US"/>
-          </a:p>
-        </p:txBody>
-      </p:sp>
-      <p:sp>
-        <p:nvSpPr>
-          <p:cNvPr id="20" name="Oval 19">
-            <a:extLst>
-              <a:ext uri="{FF2B5EF4-FFF2-40B4-BE49-F238E27FC236}">
-                <a16:creationId xmlns:a16="http://schemas.microsoft.com/office/drawing/2014/main" id="{3480F637-1CA8-AC4D-A139-778B2209FD5D}"/>
-              </a:ext>
-            </a:extLst>
-          </p:cNvPr>
-          <p:cNvSpPr/>
-          <p:nvPr/>
-        </p:nvSpPr>
-        <p:spPr>
-          <a:xfrm>
-            <a:off x="2943084" y="3820732"/>
-            <a:ext cx="182880" cy="182880"/>
-          </a:xfrm>
-          <a:prstGeom prst="ellipse">
-            <a:avLst/>
-          </a:prstGeom>
-          <a:solidFill>
-            <a:schemeClr val="accent2"/>
-          </a:solidFill>
-        </p:spPr>
-        <p:style>
-          <a:lnRef idx="2">
-            <a:schemeClr val="accent1">
-              <a:shade val="50000"/>
-            </a:schemeClr>
-          </a:lnRef>
-          <a:fillRef idx="1">
-            <a:schemeClr val="accent1"/>
-          </a:fillRef>
-          <a:effectRef idx="0">
-            <a:schemeClr val="accent1"/>
-          </a:effectRef>
-          <a:fontRef idx="minor">
-            <a:schemeClr val="lt1"/>
-          </a:fontRef>
-        </p:style>
-        <p:txBody>
-          <a:bodyPr rtlCol="0" anchor="ctr"/>
-          <a:lstStyle/>
-          <a:p>
-            <a:pPr algn="ctr"/>
-            <a:endParaRPr lang="en-US"/>
-          </a:p>
-        </p:txBody>
-      </p:sp>
-      <p:sp>
-        <p:nvSpPr>
-          <p:cNvPr id="21" name="Oval 20">
-            <a:extLst>
-              <a:ext uri="{FF2B5EF4-FFF2-40B4-BE49-F238E27FC236}">
-                <a16:creationId xmlns:a16="http://schemas.microsoft.com/office/drawing/2014/main" id="{D61378A7-2E74-6C41-8BE7-DC240B405A78}"/>
-              </a:ext>
-            </a:extLst>
-          </p:cNvPr>
-          <p:cNvSpPr/>
-          <p:nvPr/>
-        </p:nvSpPr>
-        <p:spPr>
-          <a:xfrm>
-            <a:off x="2850249" y="4063874"/>
-            <a:ext cx="182880" cy="182880"/>
-          </a:xfrm>
-          <a:prstGeom prst="ellipse">
-            <a:avLst/>
-          </a:prstGeom>
-          <a:solidFill>
-            <a:schemeClr val="accent2"/>
-          </a:solidFill>
-        </p:spPr>
-        <p:style>
-          <a:lnRef idx="2">
-            <a:schemeClr val="accent1">
-              <a:shade val="50000"/>
-            </a:schemeClr>
-          </a:lnRef>
-          <a:fillRef idx="1">
-            <a:schemeClr val="accent1"/>
-          </a:fillRef>
-          <a:effectRef idx="0">
-            <a:schemeClr val="accent1"/>
-          </a:effectRef>
-          <a:fontRef idx="minor">
-            <a:schemeClr val="lt1"/>
-          </a:fontRef>
-        </p:style>
-        <p:txBody>
-          <a:bodyPr rtlCol="0" anchor="ctr"/>
-          <a:lstStyle/>
-          <a:p>
-            <a:pPr algn="ctr"/>
-            <a:endParaRPr lang="en-US"/>
-          </a:p>
-        </p:txBody>
-      </p:sp>
-      <p:sp>
-        <p:nvSpPr>
-          <p:cNvPr id="22" name="Oval 21">
-            <a:extLst>
-              <a:ext uri="{FF2B5EF4-FFF2-40B4-BE49-F238E27FC236}">
-                <a16:creationId xmlns:a16="http://schemas.microsoft.com/office/drawing/2014/main" id="{DD99B7F7-B2C5-184C-AE06-6520DB25D8E1}"/>
-              </a:ext>
-            </a:extLst>
-          </p:cNvPr>
-          <p:cNvSpPr/>
-          <p:nvPr/>
-        </p:nvSpPr>
-        <p:spPr>
-          <a:xfrm>
-            <a:off x="3817989" y="3960306"/>
-            <a:ext cx="182880" cy="182880"/>
-          </a:xfrm>
-          <a:prstGeom prst="ellipse">
-            <a:avLst/>
-          </a:prstGeom>
-          <a:solidFill>
-            <a:schemeClr val="accent2"/>
-          </a:solidFill>
-        </p:spPr>
-        <p:style>
-          <a:lnRef idx="2">
-            <a:schemeClr val="accent1">
-              <a:shade val="50000"/>
-            </a:schemeClr>
-          </a:lnRef>
-          <a:fillRef idx="1">
-            <a:schemeClr val="accent1"/>
-          </a:fillRef>
-          <a:effectRef idx="0">
-            <a:schemeClr val="accent1"/>
-          </a:effectRef>
-          <a:fontRef idx="minor">
-            <a:schemeClr val="lt1"/>
-          </a:fontRef>
-        </p:style>
-        <p:txBody>
-          <a:bodyPr rtlCol="0" anchor="ctr"/>
-          <a:lstStyle/>
-          <a:p>
-            <a:pPr algn="ctr"/>
-            <a:endParaRPr lang="en-US"/>
-          </a:p>
-        </p:txBody>
-      </p:sp>
-      <p:sp>
-        <p:nvSpPr>
-          <p:cNvPr id="23" name="Oval 22">
-            <a:extLst>
-              <a:ext uri="{FF2B5EF4-FFF2-40B4-BE49-F238E27FC236}">
-                <a16:creationId xmlns:a16="http://schemas.microsoft.com/office/drawing/2014/main" id="{347E2A1C-7D01-A24C-A667-7AE66BFF4710}"/>
-              </a:ext>
-            </a:extLst>
-          </p:cNvPr>
-          <p:cNvSpPr/>
-          <p:nvPr/>
-        </p:nvSpPr>
-        <p:spPr>
-          <a:xfrm>
-            <a:off x="3796524" y="4263201"/>
-            <a:ext cx="182880" cy="182880"/>
-          </a:xfrm>
-          <a:prstGeom prst="ellipse">
-            <a:avLst/>
-          </a:prstGeom>
-          <a:solidFill>
-            <a:schemeClr val="accent2"/>
-          </a:solidFill>
-        </p:spPr>
-        <p:style>
-          <a:lnRef idx="2">
-            <a:schemeClr val="accent1">
-              <a:shade val="50000"/>
-            </a:schemeClr>
-          </a:lnRef>
-          <a:fillRef idx="1">
-            <a:schemeClr val="accent1"/>
-          </a:fillRef>
-          <a:effectRef idx="0">
-            <a:schemeClr val="accent1"/>
-          </a:effectRef>
-          <a:fontRef idx="minor">
-            <a:schemeClr val="lt1"/>
-          </a:fontRef>
-        </p:style>
-        <p:txBody>
-          <a:bodyPr rtlCol="0" anchor="ctr"/>
-          <a:lstStyle/>
-          <a:p>
-            <a:pPr algn="ctr"/>
-            <a:endParaRPr lang="en-US"/>
-          </a:p>
-        </p:txBody>
-      </p:sp>
-      <p:sp>
-        <p:nvSpPr>
-          <p:cNvPr id="24" name="Oval 23">
-            <a:extLst>
-              <a:ext uri="{FF2B5EF4-FFF2-40B4-BE49-F238E27FC236}">
-                <a16:creationId xmlns:a16="http://schemas.microsoft.com/office/drawing/2014/main" id="{1D5210A1-5F72-0A4E-96CE-A9FC33B44AFA}"/>
-              </a:ext>
-            </a:extLst>
-          </p:cNvPr>
-          <p:cNvSpPr/>
-          <p:nvPr/>
-        </p:nvSpPr>
-        <p:spPr>
-          <a:xfrm>
-            <a:off x="3552684" y="4430332"/>
-            <a:ext cx="182880" cy="182880"/>
-          </a:xfrm>
-          <a:prstGeom prst="ellipse">
-            <a:avLst/>
-          </a:prstGeom>
-          <a:solidFill>
-            <a:schemeClr val="accent2"/>
-          </a:solidFill>
-        </p:spPr>
-        <p:style>
-          <a:lnRef idx="2">
-            <a:schemeClr val="accent1">
-              <a:shade val="50000"/>
-            </a:schemeClr>
-          </a:lnRef>
-          <a:fillRef idx="1">
-            <a:schemeClr val="accent1"/>
-          </a:fillRef>
-          <a:effectRef idx="0">
-            <a:schemeClr val="accent1"/>
-          </a:effectRef>
-          <a:fontRef idx="minor">
-            <a:schemeClr val="lt1"/>
-          </a:fontRef>
-        </p:style>
-        <p:txBody>
-          <a:bodyPr rtlCol="0" anchor="ctr"/>
-          <a:lstStyle/>
-          <a:p>
-            <a:pPr algn="ctr"/>
-            <a:endParaRPr lang="en-US"/>
-          </a:p>
-        </p:txBody>
-      </p:sp>
-      <p:sp>
-        <p:nvSpPr>
-          <p:cNvPr id="25" name="Oval 24">
-            <a:extLst>
-              <a:ext uri="{FF2B5EF4-FFF2-40B4-BE49-F238E27FC236}">
-                <a16:creationId xmlns:a16="http://schemas.microsoft.com/office/drawing/2014/main" id="{15D81A69-065B-484F-94B9-155A145BF2A9}"/>
-              </a:ext>
-            </a:extLst>
-          </p:cNvPr>
-          <p:cNvSpPr/>
-          <p:nvPr/>
-        </p:nvSpPr>
-        <p:spPr>
-          <a:xfrm>
-            <a:off x="2151624" y="4993067"/>
-            <a:ext cx="182880" cy="182880"/>
-          </a:xfrm>
-          <a:prstGeom prst="ellipse">
-            <a:avLst/>
-          </a:prstGeom>
-          <a:solidFill>
-            <a:schemeClr val="accent2"/>
-          </a:solidFill>
-        </p:spPr>
-        <p:style>
-          <a:lnRef idx="2">
-            <a:schemeClr val="accent1">
-              <a:shade val="50000"/>
-            </a:schemeClr>
-          </a:lnRef>
-          <a:fillRef idx="1">
-            <a:schemeClr val="accent1"/>
-          </a:fillRef>
-          <a:effectRef idx="0">
-            <a:schemeClr val="accent1"/>
-          </a:effectRef>
-          <a:fontRef idx="minor">
-            <a:schemeClr val="lt1"/>
-          </a:fontRef>
-        </p:style>
-        <p:txBody>
-          <a:bodyPr rtlCol="0" anchor="ctr"/>
-          <a:lstStyle/>
-          <a:p>
-            <a:pPr algn="ctr"/>
-            <a:endParaRPr lang="en-US"/>
-          </a:p>
-        </p:txBody>
-      </p:sp>
-      <p:sp>
-        <p:nvSpPr>
-          <p:cNvPr id="26" name="Oval 25">
-            <a:extLst>
-              <a:ext uri="{FF2B5EF4-FFF2-40B4-BE49-F238E27FC236}">
-                <a16:creationId xmlns:a16="http://schemas.microsoft.com/office/drawing/2014/main" id="{0B81A97D-055D-D947-8686-1DD04CA422B8}"/>
-              </a:ext>
-            </a:extLst>
-          </p:cNvPr>
-          <p:cNvSpPr/>
-          <p:nvPr/>
-        </p:nvSpPr>
-        <p:spPr>
-          <a:xfrm>
-            <a:off x="3857484" y="4735132"/>
-            <a:ext cx="182880" cy="182880"/>
-          </a:xfrm>
-          <a:prstGeom prst="ellipse">
-            <a:avLst/>
-          </a:prstGeom>
-          <a:solidFill>
-            <a:schemeClr val="accent2"/>
-          </a:solidFill>
-        </p:spPr>
-        <p:style>
-          <a:lnRef idx="2">
-            <a:schemeClr val="accent1">
-              <a:shade val="50000"/>
-            </a:schemeClr>
-          </a:lnRef>
-          <a:fillRef idx="1">
-            <a:schemeClr val="accent1"/>
-          </a:fillRef>
-          <a:effectRef idx="0">
-            <a:schemeClr val="accent1"/>
-          </a:effectRef>
-          <a:fontRef idx="minor">
-            <a:schemeClr val="lt1"/>
-          </a:fontRef>
-        </p:style>
-        <p:txBody>
-          <a:bodyPr rtlCol="0" anchor="ctr"/>
-          <a:lstStyle/>
-          <a:p>
-            <a:pPr algn="ctr"/>
-            <a:endParaRPr lang="en-US"/>
-          </a:p>
-        </p:txBody>
-      </p:sp>
-      <p:sp>
-        <p:nvSpPr>
-          <p:cNvPr id="27" name="Oval 26">
-            <a:extLst>
-              <a:ext uri="{FF2B5EF4-FFF2-40B4-BE49-F238E27FC236}">
-                <a16:creationId xmlns:a16="http://schemas.microsoft.com/office/drawing/2014/main" id="{EA97851E-6C0F-1349-8A9A-2ED4848B7D5A}"/>
-              </a:ext>
-            </a:extLst>
-          </p:cNvPr>
-          <p:cNvSpPr/>
-          <p:nvPr/>
-        </p:nvSpPr>
-        <p:spPr>
-          <a:xfrm>
-            <a:off x="2530209" y="5084507"/>
-            <a:ext cx="182880" cy="182880"/>
-          </a:xfrm>
-          <a:prstGeom prst="ellipse">
-            <a:avLst/>
-          </a:prstGeom>
-          <a:solidFill>
-            <a:schemeClr val="accent2"/>
-          </a:solidFill>
-        </p:spPr>
-        <p:style>
-          <a:lnRef idx="2">
-            <a:schemeClr val="accent1">
-              <a:shade val="50000"/>
-            </a:schemeClr>
-          </a:lnRef>
-          <a:fillRef idx="1">
-            <a:schemeClr val="accent1"/>
-          </a:fillRef>
-          <a:effectRef idx="0">
-            <a:schemeClr val="accent1"/>
-          </a:effectRef>
-          <a:fontRef idx="minor">
-            <a:schemeClr val="lt1"/>
-          </a:fontRef>
-        </p:style>
-        <p:txBody>
-          <a:bodyPr rtlCol="0" anchor="ctr"/>
-          <a:lstStyle/>
-          <a:p>
-            <a:pPr algn="ctr"/>
-            <a:endParaRPr lang="en-US"/>
-          </a:p>
-        </p:txBody>
-      </p:sp>
-      <p:sp>
-        <p:nvSpPr>
-          <p:cNvPr id="28" name="Oval 27">
-            <a:extLst>
-              <a:ext uri="{FF2B5EF4-FFF2-40B4-BE49-F238E27FC236}">
-                <a16:creationId xmlns:a16="http://schemas.microsoft.com/office/drawing/2014/main" id="{CAE060D5-5F99-174D-A8BE-3CBEA18BF0CD}"/>
-              </a:ext>
-            </a:extLst>
-          </p:cNvPr>
-          <p:cNvSpPr/>
-          <p:nvPr/>
-        </p:nvSpPr>
-        <p:spPr>
-          <a:xfrm>
-            <a:off x="4502941" y="5066104"/>
-            <a:ext cx="182880" cy="182880"/>
-          </a:xfrm>
-          <a:prstGeom prst="ellipse">
-            <a:avLst/>
-          </a:prstGeom>
-          <a:solidFill>
-            <a:schemeClr val="accent2"/>
-          </a:solidFill>
-        </p:spPr>
-        <p:style>
-          <a:lnRef idx="2">
-            <a:schemeClr val="accent1">
-              <a:shade val="50000"/>
-            </a:schemeClr>
-          </a:lnRef>
-          <a:fillRef idx="1">
-            <a:schemeClr val="accent1"/>
-          </a:fillRef>
-          <a:effectRef idx="0">
-            <a:schemeClr val="accent1"/>
-          </a:effectRef>
-          <a:fontRef idx="minor">
-            <a:schemeClr val="lt1"/>
-          </a:fontRef>
-        </p:style>
-        <p:txBody>
-          <a:bodyPr rtlCol="0" anchor="ctr"/>
-          <a:lstStyle/>
-          <a:p>
-            <a:pPr algn="ctr"/>
-            <a:endParaRPr lang="en-US"/>
-          </a:p>
-        </p:txBody>
-      </p:sp>
-      <p:sp>
-        <p:nvSpPr>
-          <p:cNvPr id="31" name="Oval 30">
-            <a:extLst>
-              <a:ext uri="{FF2B5EF4-FFF2-40B4-BE49-F238E27FC236}">
-                <a16:creationId xmlns:a16="http://schemas.microsoft.com/office/drawing/2014/main" id="{6045CE59-768C-B94E-9CD5-6E557CFF1B71}"/>
-              </a:ext>
-            </a:extLst>
-          </p:cNvPr>
-          <p:cNvSpPr/>
-          <p:nvPr/>
-        </p:nvSpPr>
-        <p:spPr>
-          <a:xfrm>
-            <a:off x="8069386" y="2815893"/>
-            <a:ext cx="548640" cy="548640"/>
-          </a:xfrm>
-          <a:prstGeom prst="ellipse">
-            <a:avLst/>
-          </a:prstGeom>
-          <a:solidFill>
-            <a:schemeClr val="accent2"/>
-          </a:solidFill>
-        </p:spPr>
-        <p:style>
-          <a:lnRef idx="2">
-            <a:schemeClr val="accent1">
-              <a:shade val="50000"/>
-            </a:schemeClr>
-          </a:lnRef>
-          <a:fillRef idx="1">
-            <a:schemeClr val="accent1"/>
-          </a:fillRef>
-          <a:effectRef idx="0">
-            <a:schemeClr val="accent1"/>
-          </a:effectRef>
-          <a:fontRef idx="minor">
-            <a:schemeClr val="lt1"/>
-          </a:fontRef>
-        </p:style>
-        <p:txBody>
-          <a:bodyPr rtlCol="0" anchor="ctr"/>
-          <a:lstStyle/>
-          <a:p>
-            <a:pPr algn="ctr"/>
-            <a:endParaRPr lang="en-US"/>
-          </a:p>
-        </p:txBody>
-      </p:sp>
-      <p:sp>
-        <p:nvSpPr>
-          <p:cNvPr id="34" name="Oval 33">
-            <a:extLst>
-              <a:ext uri="{FF2B5EF4-FFF2-40B4-BE49-F238E27FC236}">
-                <a16:creationId xmlns:a16="http://schemas.microsoft.com/office/drawing/2014/main" id="{9511DB40-5A9C-9B4E-9F92-BC7FA0248806}"/>
-              </a:ext>
-            </a:extLst>
-          </p:cNvPr>
-          <p:cNvSpPr/>
-          <p:nvPr/>
-        </p:nvSpPr>
-        <p:spPr>
-          <a:xfrm>
-            <a:off x="9553469" y="2879393"/>
-            <a:ext cx="182880" cy="182880"/>
-          </a:xfrm>
-          <a:prstGeom prst="ellipse">
-            <a:avLst/>
-          </a:prstGeom>
-          <a:solidFill>
-            <a:schemeClr val="accent2"/>
-          </a:solidFill>
-        </p:spPr>
-        <p:style>
-          <a:lnRef idx="2">
-            <a:schemeClr val="accent1">
-              <a:shade val="50000"/>
-            </a:schemeClr>
-          </a:lnRef>
-          <a:fillRef idx="1">
-            <a:schemeClr val="accent1"/>
-          </a:fillRef>
-          <a:effectRef idx="0">
-            <a:schemeClr val="accent1"/>
-          </a:effectRef>
-          <a:fontRef idx="minor">
-            <a:schemeClr val="lt1"/>
-          </a:fontRef>
-        </p:style>
-        <p:txBody>
-          <a:bodyPr rtlCol="0" anchor="ctr"/>
-          <a:lstStyle/>
-          <a:p>
-            <a:pPr algn="ctr"/>
-            <a:endParaRPr lang="en-US"/>
-          </a:p>
-        </p:txBody>
-      </p:sp>
-      <p:sp>
-        <p:nvSpPr>
-          <p:cNvPr id="36" name="Oval 35">
-            <a:extLst>
-              <a:ext uri="{FF2B5EF4-FFF2-40B4-BE49-F238E27FC236}">
-                <a16:creationId xmlns:a16="http://schemas.microsoft.com/office/drawing/2014/main" id="{B35FC9C7-54CB-F146-95E3-D03C3C9B0B38}"/>
-              </a:ext>
-            </a:extLst>
-          </p:cNvPr>
-          <p:cNvSpPr/>
-          <p:nvPr/>
-        </p:nvSpPr>
-        <p:spPr>
-          <a:xfrm>
-            <a:off x="8658119" y="4158855"/>
-            <a:ext cx="182880" cy="182880"/>
-          </a:xfrm>
-          <a:prstGeom prst="ellipse">
-            <a:avLst/>
-          </a:prstGeom>
-          <a:solidFill>
-            <a:schemeClr val="accent2"/>
-          </a:solidFill>
-        </p:spPr>
-        <p:style>
-          <a:lnRef idx="2">
-            <a:schemeClr val="accent1">
-              <a:shade val="50000"/>
-            </a:schemeClr>
-          </a:lnRef>
-          <a:fillRef idx="1">
-            <a:schemeClr val="accent1"/>
-          </a:fillRef>
-          <a:effectRef idx="0">
-            <a:schemeClr val="accent1"/>
-          </a:effectRef>
-          <a:fontRef idx="minor">
-            <a:schemeClr val="lt1"/>
-          </a:fontRef>
-        </p:style>
-        <p:txBody>
-          <a:bodyPr rtlCol="0" anchor="ctr"/>
-          <a:lstStyle/>
-          <a:p>
-            <a:pPr algn="ctr"/>
-            <a:endParaRPr lang="en-US"/>
-          </a:p>
-        </p:txBody>
-      </p:sp>
-      <p:sp>
-        <p:nvSpPr>
-          <p:cNvPr id="37" name="Oval 36">
-            <a:extLst>
-              <a:ext uri="{FF2B5EF4-FFF2-40B4-BE49-F238E27FC236}">
-                <a16:creationId xmlns:a16="http://schemas.microsoft.com/office/drawing/2014/main" id="{C590F71B-9B42-044C-8437-FBD8B84A9EEC}"/>
-              </a:ext>
-            </a:extLst>
-          </p:cNvPr>
-          <p:cNvSpPr/>
-          <p:nvPr/>
-        </p:nvSpPr>
-        <p:spPr>
-          <a:xfrm>
-            <a:off x="8941702" y="3847001"/>
-            <a:ext cx="365760" cy="365760"/>
-          </a:xfrm>
-          <a:prstGeom prst="ellipse">
-            <a:avLst/>
-          </a:prstGeom>
-          <a:solidFill>
-            <a:schemeClr val="accent2"/>
-          </a:solidFill>
-        </p:spPr>
-        <p:style>
-          <a:lnRef idx="2">
-            <a:schemeClr val="accent1">
-              <a:shade val="50000"/>
-            </a:schemeClr>
-          </a:lnRef>
-          <a:fillRef idx="1">
-            <a:schemeClr val="accent1"/>
-          </a:fillRef>
-          <a:effectRef idx="0">
-            <a:schemeClr val="accent1"/>
-          </a:effectRef>
-          <a:fontRef idx="minor">
-            <a:schemeClr val="lt1"/>
-          </a:fontRef>
-        </p:style>
-        <p:txBody>
-          <a:bodyPr rtlCol="0" anchor="ctr"/>
-          <a:lstStyle/>
-          <a:p>
-            <a:pPr algn="ctr"/>
-            <a:endParaRPr lang="en-US"/>
-          </a:p>
-        </p:txBody>
-      </p:sp>
-      <p:sp>
-        <p:nvSpPr>
-          <p:cNvPr id="40" name="Oval 39">
-            <a:extLst>
-              <a:ext uri="{FF2B5EF4-FFF2-40B4-BE49-F238E27FC236}">
-                <a16:creationId xmlns:a16="http://schemas.microsoft.com/office/drawing/2014/main" id="{7A8F0C77-A22F-0D4C-BA40-97984B714A05}"/>
-              </a:ext>
-            </a:extLst>
-          </p:cNvPr>
-          <p:cNvSpPr/>
-          <p:nvPr/>
-        </p:nvSpPr>
-        <p:spPr>
-          <a:xfrm>
-            <a:off x="9924434" y="4266742"/>
-            <a:ext cx="457200" cy="457200"/>
-          </a:xfrm>
-          <a:prstGeom prst="ellipse">
-            <a:avLst/>
-          </a:prstGeom>
-          <a:solidFill>
-            <a:schemeClr val="accent2"/>
-          </a:solidFill>
-        </p:spPr>
-        <p:style>
-          <a:lnRef idx="2">
-            <a:schemeClr val="accent1">
-              <a:shade val="50000"/>
-            </a:schemeClr>
-          </a:lnRef>
-          <a:fillRef idx="1">
-            <a:schemeClr val="accent1"/>
-          </a:fillRef>
-          <a:effectRef idx="0">
-            <a:schemeClr val="accent1"/>
-          </a:effectRef>
-          <a:fontRef idx="minor">
-            <a:schemeClr val="lt1"/>
-          </a:fontRef>
-        </p:style>
-        <p:txBody>
-          <a:bodyPr rtlCol="0" anchor="ctr"/>
-          <a:lstStyle/>
-          <a:p>
-            <a:pPr algn="ctr"/>
-            <a:endParaRPr lang="en-US"/>
-          </a:p>
-        </p:txBody>
-      </p:sp>
-      <p:sp>
-        <p:nvSpPr>
-          <p:cNvPr id="44" name="Oval 43">
-            <a:extLst>
-              <a:ext uri="{FF2B5EF4-FFF2-40B4-BE49-F238E27FC236}">
-                <a16:creationId xmlns:a16="http://schemas.microsoft.com/office/drawing/2014/main" id="{23B24AC2-68D5-944F-AA6B-0FAE467697D1}"/>
-              </a:ext>
-            </a:extLst>
-          </p:cNvPr>
-          <p:cNvSpPr/>
-          <p:nvPr/>
-        </p:nvSpPr>
-        <p:spPr>
-          <a:xfrm>
-            <a:off x="8446402" y="4997597"/>
-            <a:ext cx="274320" cy="274320"/>
-          </a:xfrm>
-          <a:prstGeom prst="ellipse">
-            <a:avLst/>
-          </a:prstGeom>
-          <a:solidFill>
-            <a:schemeClr val="accent2"/>
-          </a:solidFill>
-        </p:spPr>
-        <p:style>
-          <a:lnRef idx="2">
-            <a:schemeClr val="accent1">
-              <a:shade val="50000"/>
-            </a:schemeClr>
-          </a:lnRef>
-          <a:fillRef idx="1">
-            <a:schemeClr val="accent1"/>
-          </a:fillRef>
-          <a:effectRef idx="0">
-            <a:schemeClr val="accent1"/>
-          </a:effectRef>
-          <a:fontRef idx="minor">
-            <a:schemeClr val="lt1"/>
-          </a:fontRef>
-        </p:style>
-        <p:txBody>
-          <a:bodyPr rtlCol="0" anchor="ctr"/>
-          <a:lstStyle/>
-          <a:p>
-            <a:pPr algn="ctr"/>
-            <a:endParaRPr lang="en-US"/>
-          </a:p>
-        </p:txBody>
-      </p:sp>
-      <p:sp>
-        <p:nvSpPr>
-          <p:cNvPr id="45" name="Oval 44">
-            <a:extLst>
-              <a:ext uri="{FF2B5EF4-FFF2-40B4-BE49-F238E27FC236}">
-                <a16:creationId xmlns:a16="http://schemas.microsoft.com/office/drawing/2014/main" id="{A7406862-C8F0-7E49-A9D8-A9E22C6E7BF7}"/>
-              </a:ext>
-            </a:extLst>
-          </p:cNvPr>
-          <p:cNvSpPr/>
-          <p:nvPr/>
-        </p:nvSpPr>
-        <p:spPr>
-          <a:xfrm>
-            <a:off x="10881865" y="5066104"/>
-            <a:ext cx="182880" cy="182880"/>
-          </a:xfrm>
-          <a:prstGeom prst="ellipse">
-            <a:avLst/>
-          </a:prstGeom>
-          <a:solidFill>
-            <a:schemeClr val="accent2"/>
-          </a:solidFill>
-        </p:spPr>
-        <p:style>
-          <a:lnRef idx="2">
-            <a:schemeClr val="accent1">
-              <a:shade val="50000"/>
-            </a:schemeClr>
-          </a:lnRef>
-          <a:fillRef idx="1">
-            <a:schemeClr val="accent1"/>
-          </a:fillRef>
-          <a:effectRef idx="0">
-            <a:schemeClr val="accent1"/>
-          </a:effectRef>
-          <a:fontRef idx="minor">
-            <a:schemeClr val="lt1"/>
-          </a:fontRef>
-        </p:style>
-        <p:txBody>
-          <a:bodyPr rtlCol="0" anchor="ctr"/>
-          <a:lstStyle/>
-          <a:p>
-            <a:pPr algn="ctr"/>
-            <a:endParaRPr lang="en-US"/>
-          </a:p>
-        </p:txBody>
-      </p:sp>
-      <p:pic>
-        <p:nvPicPr>
-          <p:cNvPr id="29" name="Picture 28">
-            <a:extLst>
-              <a:ext uri="{FF2B5EF4-FFF2-40B4-BE49-F238E27FC236}">
-                <a16:creationId xmlns:a16="http://schemas.microsoft.com/office/drawing/2014/main" id="{F175531A-BD60-9B47-B68C-D8ED47B9D642}"/>
-              </a:ext>
-            </a:extLst>
-          </p:cNvPr>
-          <p:cNvPicPr>
-            <a:picLocks noChangeAspect="1"/>
-          </p:cNvPicPr>
-          <p:nvPr/>
-        </p:nvPicPr>
-        <p:blipFill>
-          <a:blip r:embed="rId2"/>
-          <a:stretch>
-            <a:fillRect/>
-          </a:stretch>
-        </p:blipFill>
-        <p:spPr>
-          <a:xfrm>
-            <a:off x="1803769" y="6143436"/>
-            <a:ext cx="2527300" cy="342900"/>
-          </a:xfrm>
-          <a:prstGeom prst="rect">
-            <a:avLst/>
-          </a:prstGeom>
-        </p:spPr>
-      </p:pic>
-      <p:pic>
-        <p:nvPicPr>
-          <p:cNvPr id="4" name="Picture 3">
-            <a:extLst>
-              <a:ext uri="{FF2B5EF4-FFF2-40B4-BE49-F238E27FC236}">
-                <a16:creationId xmlns:a16="http://schemas.microsoft.com/office/drawing/2014/main" id="{AEC1C396-CC8A-BA46-8142-73A4005711E0}"/>
-              </a:ext>
-            </a:extLst>
-          </p:cNvPr>
-          <p:cNvPicPr>
-            <a:picLocks noChangeAspect="1"/>
-          </p:cNvPicPr>
-          <p:nvPr/>
-        </p:nvPicPr>
-        <p:blipFill>
-          <a:blip r:embed="rId3"/>
-          <a:stretch>
-            <a:fillRect/>
-          </a:stretch>
-        </p:blipFill>
-        <p:spPr>
-          <a:xfrm>
-            <a:off x="7524382" y="6111686"/>
-            <a:ext cx="3200400" cy="406400"/>
-          </a:xfrm>
-          <a:prstGeom prst="rect">
-            <a:avLst/>
-          </a:prstGeom>
-        </p:spPr>
-      </p:pic>
-      <p:cxnSp>
-        <p:nvCxnSpPr>
-          <p:cNvPr id="10" name="Straight Connector 9">
-            <a:extLst>
-              <a:ext uri="{FF2B5EF4-FFF2-40B4-BE49-F238E27FC236}">
-                <a16:creationId xmlns:a16="http://schemas.microsoft.com/office/drawing/2014/main" id="{4902FF21-4A9B-7242-9716-4154C06A2727}"/>
-              </a:ext>
-            </a:extLst>
-          </p:cNvPr>
-          <p:cNvCxnSpPr/>
-          <p:nvPr/>
-        </p:nvCxnSpPr>
-        <p:spPr>
-          <a:xfrm>
-            <a:off x="6096000" y="1940312"/>
-            <a:ext cx="0" cy="3657600"/>
-          </a:xfrm>
-          <a:prstGeom prst="line">
-            <a:avLst/>
-          </a:prstGeom>
-          <a:ln>
-            <a:solidFill>
-              <a:schemeClr val="tx1"/>
-            </a:solidFill>
-          </a:ln>
-        </p:spPr>
-        <p:style>
-          <a:lnRef idx="1">
-            <a:schemeClr val="accent1"/>
-          </a:lnRef>
-          <a:fillRef idx="0">
-            <a:schemeClr val="accent1"/>
-          </a:fillRef>
-          <a:effectRef idx="0">
-            <a:schemeClr val="accent1"/>
-          </a:effectRef>
-          <a:fontRef idx="minor">
-            <a:schemeClr val="tx1"/>
-          </a:fontRef>
-        </p:style>
-      </p:cxnSp>
-      <p:sp>
-        <p:nvSpPr>
-          <p:cNvPr id="46" name="Right Arrow 45">
-            <a:extLst>
-              <a:ext uri="{FF2B5EF4-FFF2-40B4-BE49-F238E27FC236}">
-                <a16:creationId xmlns:a16="http://schemas.microsoft.com/office/drawing/2014/main" id="{D920C811-88FF-9044-B4F1-79ADA4671A03}"/>
-              </a:ext>
-            </a:extLst>
-          </p:cNvPr>
-          <p:cNvSpPr/>
-          <p:nvPr/>
-        </p:nvSpPr>
-        <p:spPr>
-          <a:xfrm>
-            <a:off x="5582475" y="3629534"/>
-            <a:ext cx="1290918" cy="330772"/>
-          </a:xfrm>
-          <a:prstGeom prst="rightArrow">
-            <a:avLst>
-              <a:gd name="adj1" fmla="val 50000"/>
-              <a:gd name="adj2" fmla="val 138767"/>
-            </a:avLst>
-          </a:prstGeom>
-          <a:solidFill>
-            <a:schemeClr val="tx1"/>
-          </a:solidFill>
-          <a:ln>
-            <a:solidFill>
-              <a:schemeClr val="tx1"/>
-            </a:solidFill>
-          </a:ln>
-        </p:spPr>
-        <p:style>
-          <a:lnRef idx="2">
-            <a:schemeClr val="accent1">
-              <a:shade val="50000"/>
-            </a:schemeClr>
-          </a:lnRef>
-          <a:fillRef idx="1">
-            <a:schemeClr val="accent1"/>
-          </a:fillRef>
-          <a:effectRef idx="0">
-            <a:schemeClr val="accent1"/>
-          </a:effectRef>
-          <a:fontRef idx="minor">
-            <a:schemeClr val="lt1"/>
-          </a:fontRef>
-        </p:style>
-        <p:txBody>
-          <a:bodyPr rtlCol="0" anchor="ctr"/>
-          <a:lstStyle/>
-          <a:p>
-            <a:pPr algn="ctr"/>
-            <a:endParaRPr lang="en-US"/>
-          </a:p>
-        </p:txBody>
-      </p:sp>
-    </p:spTree>
-    <p:extLst>
-      <p:ext uri="{BB962C8B-B14F-4D97-AF65-F5344CB8AC3E}">
-        <p14:creationId xmlns:p14="http://schemas.microsoft.com/office/powerpoint/2010/main" val="1644300713"/>
-      </p:ext>
-    </p:extLst>
-  </p:cSld>
-  <p:clrMapOvr>
-    <a:masterClrMapping/>
-  </p:clrMapOvr>
-  <p:timing>
-    <p:tnLst>
-      <p:par>
-        <p:cTn id="1" dur="indefinite" restart="never" nodeType="tmRoot">
-          <p:childTnLst>
-            <p:seq concurrent="1" nextAc="seek">
-              <p:cTn id="2" dur="indefinite" nodeType="mainSeq">
-                <p:childTnLst>
-                  <p:par>
-                    <p:cTn id="3" fill="hold">
-                      <p:stCondLst>
-                        <p:cond delay="indefinite"/>
-                      </p:stCondLst>
-                      <p:childTnLst>
-                        <p:par>
-                          <p:cTn id="4" fill="hold">
-                            <p:stCondLst>
-                              <p:cond delay="0"/>
-                            </p:stCondLst>
-                            <p:childTnLst>
-                              <p:par>
-                                <p:cTn id="5" presetID="37" presetClass="path" presetSubtype="0" fill="hold" grpId="0" nodeType="clickEffect">
-                                  <p:stCondLst>
-                                    <p:cond delay="0"/>
-                                  </p:stCondLst>
-                                  <p:childTnLst>
-                                    <p:animMotion origin="layout" path="M 4.375E-6 -1.11111E-6 L 0.06705 0.20949 C 0.08099 0.25695 0.10195 0.28241 0.12395 0.28241 C 0.14895 0.28241 0.16901 0.25695 0.18294 0.20949 L 0.25 -1.11111E-6 " pathEditMode="relative" rAng="0" ptsTypes="AAAAA">
-                                      <p:cBhvr>
-                                        <p:cTn id="6" dur="10000" fill="hold"/>
-                                        <p:tgtEl>
-                                          <p:spTgt spid="7"/>
-                                        </p:tgtEl>
-                                        <p:attrNameLst>
-                                          <p:attrName>ppt_x</p:attrName>
-                                          <p:attrName>ppt_y</p:attrName>
-                                        </p:attrNameLst>
-                                      </p:cBhvr>
-                                      <p:rCtr x="12500" y="14120"/>
-                                    </p:animMotion>
-                                  </p:childTnLst>
-                                </p:cTn>
-                              </p:par>
-                              <p:par>
-                                <p:cTn id="7" presetID="37" presetClass="path" presetSubtype="0" fill="hold" grpId="0" nodeType="withEffect">
-                                  <p:stCondLst>
-                                    <p:cond delay="0"/>
-                                  </p:stCondLst>
-                                  <p:childTnLst>
-                                    <p:animMotion origin="layout" path="M -2.70833E-6 0 L 0.06706 0.20949 C 0.08099 0.25694 0.10196 0.28241 0.12396 0.28241 C 0.14896 0.28241 0.16901 0.25694 0.18295 0.20949 L 0.25 0 " pathEditMode="relative" rAng="0" ptsTypes="AAAAA">
-                                      <p:cBhvr>
-                                        <p:cTn id="8" dur="10000" fill="hold"/>
-                                        <p:tgtEl>
-                                          <p:spTgt spid="35"/>
-                                        </p:tgtEl>
-                                        <p:attrNameLst>
-                                          <p:attrName>ppt_x</p:attrName>
-                                          <p:attrName>ppt_y</p:attrName>
-                                        </p:attrNameLst>
-                                      </p:cBhvr>
-                                      <p:rCtr x="12500" y="14120"/>
-                                    </p:animMotion>
-                                  </p:childTnLst>
-                                </p:cTn>
-                              </p:par>
-                            </p:childTnLst>
-                          </p:cTn>
-                        </p:par>
-                      </p:childTnLst>
-                    </p:cTn>
-                  </p:par>
-                </p:childTnLst>
-              </p:cTn>
-              <p:prevCondLst>
-                <p:cond evt="onPrev" delay="0">
-                  <p:tgtEl>
-                    <p:sldTgt/>
-                  </p:tgtEl>
-                </p:cond>
-              </p:prevCondLst>
-              <p:nextCondLst>
-                <p:cond evt="onNext" delay="0">
-                  <p:tgtEl>
-                    <p:sldTgt/>
-                  </p:tgtEl>
-                </p:cond>
-              </p:nextCondLst>
-            </p:seq>
-          </p:childTnLst>
-        </p:cTn>
-      </p:par>
-    </p:tnLst>
-    <p:bldLst>
-      <p:bldP spid="7" grpId="0" animBg="1"/>
-      <p:bldP spid="35" grpId="0" animBg="1"/>
     </p:bldLst>
   </p:timing>
 </p:sld>

--- a/presentation.pptx
+++ b/presentation.pptx
@@ -4541,36 +4541,6 @@
           <a:chExt cx="0" cy="0"/>
         </a:xfrm>
       </p:grpSpPr>
-      <p:pic>
-        <p:nvPicPr>
-          <p:cNvPr id="15" name="Picture 14">
-            <a:extLst>
-              <a:ext uri="{FF2B5EF4-FFF2-40B4-BE49-F238E27FC236}">
-                <a16:creationId xmlns:a16="http://schemas.microsoft.com/office/drawing/2014/main" id="{E5C828B7-6B9A-EA46-9AB6-A115F9F8362C}"/>
-              </a:ext>
-            </a:extLst>
-          </p:cNvPr>
-          <p:cNvPicPr>
-            <a:picLocks noChangeAspect="1"/>
-          </p:cNvPicPr>
-          <p:nvPr/>
-        </p:nvPicPr>
-        <p:blipFill>
-          <a:blip r:embed="rId2"/>
-          <a:stretch>
-            <a:fillRect/>
-          </a:stretch>
-        </p:blipFill>
-        <p:spPr>
-          <a:xfrm>
-            <a:off x="6305433" y="4911652"/>
-            <a:ext cx="2451100" cy="406400"/>
-          </a:xfrm>
-          <a:prstGeom prst="rect">
-            <a:avLst/>
-          </a:prstGeom>
-        </p:spPr>
-      </p:pic>
       <p:sp>
         <p:nvSpPr>
           <p:cNvPr id="2" name="Title 1">
@@ -4663,7 +4633,7 @@
             </a:r>
             <a:r>
               <a:rPr lang="en-US" dirty="0"/>
-              <a:t> For any function  whose </a:t>
+              <a:t> For any function whose </a:t>
             </a:r>
             <a:r>
               <a:rPr lang="en-US" dirty="0">
@@ -4764,6 +4734,36 @@
           <p:nvPr/>
         </p:nvPicPr>
         <p:blipFill>
+          <a:blip r:embed="rId2"/>
+          <a:stretch>
+            <a:fillRect/>
+          </a:stretch>
+        </p:blipFill>
+        <p:spPr>
+          <a:xfrm>
+            <a:off x="4655670" y="3958856"/>
+            <a:ext cx="889000" cy="317500"/>
+          </a:xfrm>
+          <a:prstGeom prst="rect">
+            <a:avLst/>
+          </a:prstGeom>
+        </p:spPr>
+      </p:pic>
+      <p:pic>
+        <p:nvPicPr>
+          <p:cNvPr id="19" name="Picture 18">
+            <a:extLst>
+              <a:ext uri="{FF2B5EF4-FFF2-40B4-BE49-F238E27FC236}">
+                <a16:creationId xmlns:a16="http://schemas.microsoft.com/office/drawing/2014/main" id="{9A842BDB-D27C-5D43-9A06-A190ED565CF3}"/>
+              </a:ext>
+            </a:extLst>
+          </p:cNvPr>
+          <p:cNvPicPr>
+            <a:picLocks noChangeAspect="1"/>
+          </p:cNvPicPr>
+          <p:nvPr/>
+        </p:nvPicPr>
+        <p:blipFill>
           <a:blip r:embed="rId3"/>
           <a:stretch>
             <a:fillRect/>
@@ -4771,8 +4771,8 @@
         </p:blipFill>
         <p:spPr>
           <a:xfrm>
-            <a:off x="4655670" y="3958856"/>
-            <a:ext cx="889000" cy="317500"/>
+            <a:off x="5283083" y="1686109"/>
+            <a:ext cx="4495800" cy="863600"/>
           </a:xfrm>
           <a:prstGeom prst="rect">
             <a:avLst/>
@@ -4781,10 +4781,10 @@
       </p:pic>
       <p:pic>
         <p:nvPicPr>
-          <p:cNvPr id="14" name="Picture 13">
-            <a:extLst>
-              <a:ext uri="{FF2B5EF4-FFF2-40B4-BE49-F238E27FC236}">
-                <a16:creationId xmlns:a16="http://schemas.microsoft.com/office/drawing/2014/main" id="{9648CF5A-9BB9-E74B-B846-94F987985C37}"/>
+          <p:cNvPr id="20" name="Picture 19">
+            <a:extLst>
+              <a:ext uri="{FF2B5EF4-FFF2-40B4-BE49-F238E27FC236}">
+                <a16:creationId xmlns:a16="http://schemas.microsoft.com/office/drawing/2014/main" id="{19C4F853-DA0E-8F42-A9BA-50C2037CBF7F}"/>
               </a:ext>
             </a:extLst>
           </p:cNvPr>
@@ -4801,8 +4801,8 @@
         </p:blipFill>
         <p:spPr>
           <a:xfrm>
-            <a:off x="8098373" y="5922714"/>
-            <a:ext cx="2946400" cy="368300"/>
+            <a:off x="8694765" y="2936782"/>
+            <a:ext cx="1955800" cy="317500"/>
           </a:xfrm>
           <a:prstGeom prst="rect">
             <a:avLst/>
@@ -4811,10 +4811,10 @@
       </p:pic>
       <p:pic>
         <p:nvPicPr>
-          <p:cNvPr id="19" name="Picture 18">
-            <a:extLst>
-              <a:ext uri="{FF2B5EF4-FFF2-40B4-BE49-F238E27FC236}">
-                <a16:creationId xmlns:a16="http://schemas.microsoft.com/office/drawing/2014/main" id="{9A842BDB-D27C-5D43-9A06-A190ED565CF3}"/>
+          <p:cNvPr id="4" name="Picture 3">
+            <a:extLst>
+              <a:ext uri="{FF2B5EF4-FFF2-40B4-BE49-F238E27FC236}">
+                <a16:creationId xmlns:a16="http://schemas.microsoft.com/office/drawing/2014/main" id="{84C9AC6A-489D-FF46-9EF7-7BB251F68241}"/>
               </a:ext>
             </a:extLst>
           </p:cNvPr>
@@ -4831,8 +4831,8 @@
         </p:blipFill>
         <p:spPr>
           <a:xfrm>
-            <a:off x="5283083" y="1686109"/>
-            <a:ext cx="4495800" cy="863600"/>
+            <a:off x="8083550" y="5961025"/>
+            <a:ext cx="3327400" cy="406400"/>
           </a:xfrm>
           <a:prstGeom prst="rect">
             <a:avLst/>
@@ -4841,10 +4841,10 @@
       </p:pic>
       <p:pic>
         <p:nvPicPr>
-          <p:cNvPr id="20" name="Picture 19">
-            <a:extLst>
-              <a:ext uri="{FF2B5EF4-FFF2-40B4-BE49-F238E27FC236}">
-                <a16:creationId xmlns:a16="http://schemas.microsoft.com/office/drawing/2014/main" id="{19C4F853-DA0E-8F42-A9BA-50C2037CBF7F}"/>
+          <p:cNvPr id="5" name="Picture 4">
+            <a:extLst>
+              <a:ext uri="{FF2B5EF4-FFF2-40B4-BE49-F238E27FC236}">
+                <a16:creationId xmlns:a16="http://schemas.microsoft.com/office/drawing/2014/main" id="{73D1410B-A7A4-E844-BBA9-631139024FB2}"/>
               </a:ext>
             </a:extLst>
           </p:cNvPr>
@@ -4861,8 +4861,8 @@
         </p:blipFill>
         <p:spPr>
           <a:xfrm>
-            <a:off x="8694765" y="2936782"/>
-            <a:ext cx="1955800" cy="317500"/>
+            <a:off x="6191133" y="4898804"/>
+            <a:ext cx="2679700" cy="406400"/>
           </a:xfrm>
           <a:prstGeom prst="rect">
             <a:avLst/>
@@ -8954,9 +8954,9 @@
         <p:grpSpPr>
           <a:xfrm>
             <a:off x="572135" y="4120791"/>
-            <a:ext cx="10730117" cy="954107"/>
+            <a:ext cx="10407016" cy="954107"/>
             <a:chOff x="572135" y="4415938"/>
-            <a:chExt cx="10730117" cy="954107"/>
+            <a:chExt cx="10407016" cy="954107"/>
           </a:xfrm>
         </p:grpSpPr>
         <p:sp>
@@ -8974,7 +8974,7 @@
           <p:spPr>
             <a:xfrm>
               <a:off x="572135" y="4415938"/>
-              <a:ext cx="10730117" cy="954107"/>
+              <a:ext cx="10407016" cy="954107"/>
             </a:xfrm>
             <a:prstGeom prst="rect">
               <a:avLst/>
@@ -8989,7 +8989,7 @@
             <a:p>
               <a:r>
                 <a:rPr lang="en-US" sz="2800" dirty="0"/>
-                <a:t>Lemma [L, </a:t>
+                <a:t>Lemma [</a:t>
               </a:r>
               <a:r>
                 <a:rPr lang="en-US" sz="2800" dirty="0" err="1"/>
@@ -8997,7 +8997,7 @@
               </a:r>
               <a:r>
                 <a:rPr lang="en-US" sz="2800" dirty="0"/>
-                <a:t>]: For any set of vectors                 there exist signs       </a:t>
+                <a:t>, L]: For any set of vectors                 there exist signs       </a:t>
               </a:r>
             </a:p>
             <a:p>
@@ -9564,6 +9564,36 @@
           <a:chExt cx="0" cy="0"/>
         </a:xfrm>
       </p:grpSpPr>
+      <p:pic>
+        <p:nvPicPr>
+          <p:cNvPr id="5" name="Picture 4">
+            <a:extLst>
+              <a:ext uri="{FF2B5EF4-FFF2-40B4-BE49-F238E27FC236}">
+                <a16:creationId xmlns:a16="http://schemas.microsoft.com/office/drawing/2014/main" id="{13827DAE-811F-7945-8F5B-56B50CBE4ADF}"/>
+              </a:ext>
+            </a:extLst>
+          </p:cNvPr>
+          <p:cNvPicPr>
+            <a:picLocks noChangeAspect="1"/>
+          </p:cNvPicPr>
+          <p:nvPr/>
+        </p:nvPicPr>
+        <p:blipFill>
+          <a:blip r:embed="rId3"/>
+          <a:stretch>
+            <a:fillRect/>
+          </a:stretch>
+        </p:blipFill>
+        <p:spPr>
+          <a:xfrm>
+            <a:off x="1648406" y="3721806"/>
+            <a:ext cx="8597900" cy="2425700"/>
+          </a:xfrm>
+          <a:prstGeom prst="rect">
+            <a:avLst/>
+          </a:prstGeom>
+        </p:spPr>
+      </p:pic>
       <p:sp>
         <p:nvSpPr>
           <p:cNvPr id="9" name="Title 8">
@@ -9654,36 +9684,6 @@
           </a:p>
         </p:txBody>
       </p:sp>
-      <p:pic>
-        <p:nvPicPr>
-          <p:cNvPr id="28" name="Picture 27">
-            <a:extLst>
-              <a:ext uri="{FF2B5EF4-FFF2-40B4-BE49-F238E27FC236}">
-                <a16:creationId xmlns:a16="http://schemas.microsoft.com/office/drawing/2014/main" id="{C0C84840-ECD1-3A49-8F9D-C40E8D2C7D7D}"/>
-              </a:ext>
-            </a:extLst>
-          </p:cNvPr>
-          <p:cNvPicPr>
-            <a:picLocks noChangeAspect="1"/>
-          </p:cNvPicPr>
-          <p:nvPr/>
-        </p:nvPicPr>
-        <p:blipFill>
-          <a:blip r:embed="rId3"/>
-          <a:stretch>
-            <a:fillRect/>
-          </a:stretch>
-        </p:blipFill>
-        <p:spPr>
-          <a:xfrm>
-            <a:off x="1655537" y="3675948"/>
-            <a:ext cx="7848600" cy="2425700"/>
-          </a:xfrm>
-          <a:prstGeom prst="rect">
-            <a:avLst/>
-          </a:prstGeom>
-        </p:spPr>
-      </p:pic>
       <p:sp>
         <p:nvSpPr>
           <p:cNvPr id="30" name="Right Brace 29">
@@ -9698,15 +9698,15 @@
         </p:nvSpPr>
         <p:spPr>
           <a:xfrm rot="5400000" flipH="1">
-            <a:off x="8372132" y="4269640"/>
-            <a:ext cx="333286" cy="1930724"/>
+            <a:off x="8922684" y="4129782"/>
+            <a:ext cx="333286" cy="2210439"/>
           </a:xfrm>
           <a:prstGeom prst="rightBrace">
             <a:avLst/>
           </a:prstGeom>
           <a:ln>
             <a:solidFill>
-              <a:srgbClr val="00B050"/>
+              <a:srgbClr val="01B150"/>
             </a:solidFill>
           </a:ln>
         </p:spPr>
@@ -9747,7 +9747,7 @@
         </p:nvSpPr>
         <p:spPr>
           <a:xfrm>
-            <a:off x="7618017" y="4575038"/>
+            <a:off x="8080471" y="4575038"/>
             <a:ext cx="3465629" cy="523220"/>
           </a:xfrm>
           <a:prstGeom prst="rect">
@@ -9819,8 +9819,8 @@
         </p:nvSpPr>
         <p:spPr>
           <a:xfrm>
-            <a:off x="7111199" y="2687789"/>
-            <a:ext cx="2461636" cy="523220"/>
+            <a:off x="7372454" y="2252358"/>
+            <a:ext cx="2616422" cy="523220"/>
           </a:xfrm>
           <a:prstGeom prst="rect">
             <a:avLst/>
@@ -9831,7 +9831,7 @@
           </a:ln>
         </p:spPr>
         <p:txBody>
-          <a:bodyPr wrap="none" rtlCol="0">
+          <a:bodyPr wrap="square" rtlCol="0">
             <a:spAutoFit/>
           </a:bodyPr>
           <a:lstStyle/>
@@ -9842,7 +9842,7 @@
                   <a:srgbClr val="00B050"/>
                 </a:solidFill>
               </a:rPr>
-              <a:t>Tylor expansion</a:t>
+              <a:t>Taylor expansion</a:t>
             </a:r>
           </a:p>
         </p:txBody>
@@ -9857,14 +9857,14 @@
             </a:extLst>
           </p:cNvPr>
           <p:cNvCxnSpPr>
+            <a:cxnSpLocks/>
             <a:stCxn id="16" idx="1"/>
-            <a:endCxn id="28" idx="0"/>
           </p:cNvCxnSpPr>
           <p:nvPr/>
         </p:nvCxnSpPr>
         <p:spPr>
           <a:xfrm rot="10800000" flipV="1">
-            <a:off x="5579837" y="2949398"/>
+            <a:off x="5841092" y="2513967"/>
             <a:ext cx="1531362" cy="726549"/>
           </a:xfrm>
           <a:prstGeom prst="curvedConnector2">
@@ -9872,7 +9872,7 @@
           </a:prstGeom>
           <a:ln>
             <a:solidFill>
-              <a:schemeClr val="accent6"/>
+              <a:srgbClr val="01B150"/>
             </a:solidFill>
             <a:tailEnd type="triangle"/>
           </a:ln>
@@ -9892,6 +9892,55 @@
           </a:fontRef>
         </p:style>
       </p:cxnSp>
+      <p:sp>
+        <p:nvSpPr>
+          <p:cNvPr id="19" name="Right Brace 18">
+            <a:extLst>
+              <a:ext uri="{FF2B5EF4-FFF2-40B4-BE49-F238E27FC236}">
+                <a16:creationId xmlns:a16="http://schemas.microsoft.com/office/drawing/2014/main" id="{1AD2791F-5670-B143-95EC-70FE8C55D0D2}"/>
+              </a:ext>
+            </a:extLst>
+          </p:cNvPr>
+          <p:cNvSpPr/>
+          <p:nvPr/>
+        </p:nvSpPr>
+        <p:spPr>
+          <a:xfrm rot="5400000" flipH="1">
+            <a:off x="5672822" y="2565255"/>
+            <a:ext cx="333286" cy="1877411"/>
+          </a:xfrm>
+          <a:prstGeom prst="rightBrace">
+            <a:avLst/>
+          </a:prstGeom>
+          <a:ln>
+            <a:solidFill>
+              <a:srgbClr val="01B150"/>
+            </a:solidFill>
+          </a:ln>
+        </p:spPr>
+        <p:style>
+          <a:lnRef idx="1">
+            <a:schemeClr val="accent1"/>
+          </a:lnRef>
+          <a:fillRef idx="0">
+            <a:schemeClr val="accent1"/>
+          </a:fillRef>
+          <a:effectRef idx="0">
+            <a:schemeClr val="accent1"/>
+          </a:effectRef>
+          <a:fontRef idx="minor">
+            <a:schemeClr val="tx1"/>
+          </a:fontRef>
+        </p:style>
+        <p:txBody>
+          <a:bodyPr rtlCol="0" anchor="ctr"/>
+          <a:lstStyle/>
+          <a:p>
+            <a:pPr algn="ctr"/>
+            <a:endParaRPr lang="en-US" dirty="0"/>
+          </a:p>
+        </p:txBody>
+      </p:sp>
     </p:spTree>
     <p:extLst>
       <p:ext uri="{BB962C8B-B14F-4D97-AF65-F5344CB8AC3E}">
@@ -11628,6 +11677,126 @@
       </p:grpSpPr>
       <p:sp>
         <p:nvSpPr>
+          <p:cNvPr id="17" name="TextBox 16">
+            <a:extLst>
+              <a:ext uri="{FF2B5EF4-FFF2-40B4-BE49-F238E27FC236}">
+                <a16:creationId xmlns:a16="http://schemas.microsoft.com/office/drawing/2014/main" id="{DFE9D5CB-79D8-5C4F-9FC7-2EA5BB0CBD71}"/>
+              </a:ext>
+            </a:extLst>
+          </p:cNvPr>
+          <p:cNvSpPr txBox="1"/>
+          <p:nvPr/>
+        </p:nvSpPr>
+        <p:spPr>
+          <a:xfrm>
+            <a:off x="7679582" y="397484"/>
+            <a:ext cx="4152099" cy="954107"/>
+          </a:xfrm>
+          <a:prstGeom prst="rect">
+            <a:avLst/>
+          </a:prstGeom>
+          <a:solidFill>
+            <a:schemeClr val="accent4">
+              <a:lumMod val="40000"/>
+              <a:lumOff val="60000"/>
+            </a:schemeClr>
+          </a:solidFill>
+        </p:spPr>
+        <p:txBody>
+          <a:bodyPr wrap="none" rtlCol="0">
+            <a:spAutoFit/>
+          </a:bodyPr>
+          <a:lstStyle/>
+          <a:p>
+            <a:r>
+              <a:rPr lang="en-US" sz="2800" dirty="0"/>
+              <a:t>Resolves the open problem</a:t>
+            </a:r>
+          </a:p>
+          <a:p>
+            <a:r>
+              <a:rPr lang="en-US" sz="2800" dirty="0"/>
+              <a:t>See Philips an Tai 2018</a:t>
+            </a:r>
+          </a:p>
+        </p:txBody>
+      </p:sp>
+      <p:sp>
+        <p:nvSpPr>
+          <p:cNvPr id="18" name="TextBox 17">
+            <a:extLst>
+              <a:ext uri="{FF2B5EF4-FFF2-40B4-BE49-F238E27FC236}">
+                <a16:creationId xmlns:a16="http://schemas.microsoft.com/office/drawing/2014/main" id="{7223DCF0-05B0-AC4D-A58D-205896BD1374}"/>
+              </a:ext>
+            </a:extLst>
+          </p:cNvPr>
+          <p:cNvSpPr txBox="1"/>
+          <p:nvPr/>
+        </p:nvSpPr>
+        <p:spPr>
+          <a:xfrm>
+            <a:off x="1121977" y="2554120"/>
+            <a:ext cx="5244317" cy="725099"/>
+          </a:xfrm>
+          <a:prstGeom prst="rect">
+            <a:avLst/>
+          </a:prstGeom>
+          <a:solidFill>
+            <a:schemeClr val="accent4">
+              <a:lumMod val="40000"/>
+              <a:lumOff val="60000"/>
+            </a:schemeClr>
+          </a:solidFill>
+        </p:spPr>
+        <p:txBody>
+          <a:bodyPr wrap="square" rtlCol="0">
+            <a:spAutoFit/>
+          </a:bodyPr>
+          <a:lstStyle/>
+          <a:p>
+            <a:endParaRPr lang="en-US" dirty="0"/>
+          </a:p>
+        </p:txBody>
+      </p:sp>
+      <p:sp>
+        <p:nvSpPr>
+          <p:cNvPr id="19" name="TextBox 18">
+            <a:extLst>
+              <a:ext uri="{FF2B5EF4-FFF2-40B4-BE49-F238E27FC236}">
+                <a16:creationId xmlns:a16="http://schemas.microsoft.com/office/drawing/2014/main" id="{B24B6C63-A514-F143-AAE8-DAE30635311E}"/>
+              </a:ext>
+            </a:extLst>
+          </p:cNvPr>
+          <p:cNvSpPr txBox="1"/>
+          <p:nvPr/>
+        </p:nvSpPr>
+        <p:spPr>
+          <a:xfrm>
+            <a:off x="1311890" y="4518604"/>
+            <a:ext cx="3967478" cy="725099"/>
+          </a:xfrm>
+          <a:prstGeom prst="rect">
+            <a:avLst/>
+          </a:prstGeom>
+          <a:solidFill>
+            <a:schemeClr val="accent4">
+              <a:lumMod val="40000"/>
+              <a:lumOff val="60000"/>
+            </a:schemeClr>
+          </a:solidFill>
+        </p:spPr>
+        <p:txBody>
+          <a:bodyPr wrap="square" rtlCol="0">
+            <a:spAutoFit/>
+          </a:bodyPr>
+          <a:lstStyle/>
+          <a:p>
+            <a:endParaRPr lang="en-US" dirty="0"/>
+          </a:p>
+        </p:txBody>
+      </p:sp>
+      <p:sp>
+        <p:nvSpPr>
           <p:cNvPr id="2" name="Title 1">
             <a:extLst>
               <a:ext uri="{FF2B5EF4-FFF2-40B4-BE49-F238E27FC236}">
@@ -11654,6 +11823,126 @@
           </a:p>
         </p:txBody>
       </p:sp>
+      <p:pic>
+        <p:nvPicPr>
+          <p:cNvPr id="4" name="Picture 3">
+            <a:extLst>
+              <a:ext uri="{FF2B5EF4-FFF2-40B4-BE49-F238E27FC236}">
+                <a16:creationId xmlns:a16="http://schemas.microsoft.com/office/drawing/2014/main" id="{4F16A3F3-AD7C-D340-B89A-94007DF8F4A4}"/>
+              </a:ext>
+            </a:extLst>
+          </p:cNvPr>
+          <p:cNvPicPr>
+            <a:picLocks noChangeAspect="1"/>
+          </p:cNvPicPr>
+          <p:nvPr/>
+        </p:nvPicPr>
+        <p:blipFill>
+          <a:blip r:embed="rId2"/>
+          <a:stretch>
+            <a:fillRect/>
+          </a:stretch>
+        </p:blipFill>
+        <p:spPr>
+          <a:xfrm>
+            <a:off x="3865036" y="4710217"/>
+            <a:ext cx="1114872" cy="359636"/>
+          </a:xfrm>
+          <a:prstGeom prst="rect">
+            <a:avLst/>
+          </a:prstGeom>
+        </p:spPr>
+      </p:pic>
+      <p:pic>
+        <p:nvPicPr>
+          <p:cNvPr id="14" name="Picture 13">
+            <a:extLst>
+              <a:ext uri="{FF2B5EF4-FFF2-40B4-BE49-F238E27FC236}">
+                <a16:creationId xmlns:a16="http://schemas.microsoft.com/office/drawing/2014/main" id="{673E78E5-4F09-6A40-9726-E2E04A935196}"/>
+              </a:ext>
+            </a:extLst>
+          </p:cNvPr>
+          <p:cNvPicPr>
+            <a:picLocks noChangeAspect="1"/>
+          </p:cNvPicPr>
+          <p:nvPr/>
+        </p:nvPicPr>
+        <p:blipFill>
+          <a:blip r:embed="rId3"/>
+          <a:stretch>
+            <a:fillRect/>
+          </a:stretch>
+        </p:blipFill>
+        <p:spPr>
+          <a:xfrm>
+            <a:off x="5559261" y="5069853"/>
+            <a:ext cx="3479800" cy="571500"/>
+          </a:xfrm>
+          <a:prstGeom prst="rect">
+            <a:avLst/>
+          </a:prstGeom>
+        </p:spPr>
+      </p:pic>
+      <p:pic>
+        <p:nvPicPr>
+          <p:cNvPr id="15" name="Picture 14">
+            <a:extLst>
+              <a:ext uri="{FF2B5EF4-FFF2-40B4-BE49-F238E27FC236}">
+                <a16:creationId xmlns:a16="http://schemas.microsoft.com/office/drawing/2014/main" id="{98C04F29-2B9C-8B49-AA3D-22B136F80831}"/>
+              </a:ext>
+            </a:extLst>
+          </p:cNvPr>
+          <p:cNvPicPr>
+            <a:picLocks noChangeAspect="1"/>
+          </p:cNvPicPr>
+          <p:nvPr/>
+        </p:nvPicPr>
+        <p:blipFill>
+          <a:blip r:embed="rId4"/>
+          <a:stretch>
+            <a:fillRect/>
+          </a:stretch>
+        </p:blipFill>
+        <p:spPr>
+          <a:xfrm>
+            <a:off x="7433235" y="5641353"/>
+            <a:ext cx="3708400" cy="571500"/>
+          </a:xfrm>
+          <a:prstGeom prst="rect">
+            <a:avLst/>
+          </a:prstGeom>
+        </p:spPr>
+      </p:pic>
+      <p:pic>
+        <p:nvPicPr>
+          <p:cNvPr id="16" name="Picture 15">
+            <a:extLst>
+              <a:ext uri="{FF2B5EF4-FFF2-40B4-BE49-F238E27FC236}">
+                <a16:creationId xmlns:a16="http://schemas.microsoft.com/office/drawing/2014/main" id="{E5053D54-1145-854E-A151-40AA0720506D}"/>
+              </a:ext>
+            </a:extLst>
+          </p:cNvPr>
+          <p:cNvPicPr>
+            <a:picLocks noChangeAspect="1"/>
+          </p:cNvPicPr>
+          <p:nvPr/>
+        </p:nvPicPr>
+        <p:blipFill>
+          <a:blip r:embed="rId5"/>
+          <a:stretch>
+            <a:fillRect/>
+          </a:stretch>
+        </p:blipFill>
+        <p:spPr>
+          <a:xfrm>
+            <a:off x="7520432" y="3671821"/>
+            <a:ext cx="2235200" cy="381000"/>
+          </a:xfrm>
+          <a:prstGeom prst="rect">
+            <a:avLst/>
+          </a:prstGeom>
+        </p:spPr>
+      </p:pic>
       <p:sp>
         <p:nvSpPr>
           <p:cNvPr id="3" name="Content Placeholder 2">
@@ -11672,7 +11961,7 @@
         </p:nvSpPr>
         <p:spPr>
           <a:xfrm>
-            <a:off x="838200" y="1624149"/>
+            <a:off x="838200" y="1606897"/>
             <a:ext cx="10515600" cy="5722051"/>
           </a:xfrm>
         </p:spPr>
@@ -11697,17 +11986,6 @@
             <a:r>
               <a:rPr lang="en-US" dirty="0"/>
               <a:t>Gaussian Kernel Density estimation  </a:t>
-            </a:r>
-          </a:p>
-          <a:p>
-            <a:pPr lvl="1"/>
-            <a:r>
-              <a:rPr lang="en-US" dirty="0"/>
-              <a:t>Improving on result by Philips an Tai and </a:t>
-            </a:r>
-            <a:r>
-              <a:rPr lang="en-US" b="1" dirty="0"/>
-              <a:t>resolving the open problem</a:t>
             </a:r>
           </a:p>
           <a:p>
@@ -11764,126 +12042,6 @@
           </a:p>
         </p:txBody>
       </p:sp>
-      <p:pic>
-        <p:nvPicPr>
-          <p:cNvPr id="4" name="Picture 3">
-            <a:extLst>
-              <a:ext uri="{FF2B5EF4-FFF2-40B4-BE49-F238E27FC236}">
-                <a16:creationId xmlns:a16="http://schemas.microsoft.com/office/drawing/2014/main" id="{4F16A3F3-AD7C-D340-B89A-94007DF8F4A4}"/>
-              </a:ext>
-            </a:extLst>
-          </p:cNvPr>
-          <p:cNvPicPr>
-            <a:picLocks noChangeAspect="1"/>
-          </p:cNvPicPr>
-          <p:nvPr/>
-        </p:nvPicPr>
-        <p:blipFill>
-          <a:blip r:embed="rId2"/>
-          <a:stretch>
-            <a:fillRect/>
-          </a:stretch>
-        </p:blipFill>
-        <p:spPr>
-          <a:xfrm>
-            <a:off x="3865036" y="5124286"/>
-            <a:ext cx="1114872" cy="359636"/>
-          </a:xfrm>
-          <a:prstGeom prst="rect">
-            <a:avLst/>
-          </a:prstGeom>
-        </p:spPr>
-      </p:pic>
-      <p:pic>
-        <p:nvPicPr>
-          <p:cNvPr id="14" name="Picture 13">
-            <a:extLst>
-              <a:ext uri="{FF2B5EF4-FFF2-40B4-BE49-F238E27FC236}">
-                <a16:creationId xmlns:a16="http://schemas.microsoft.com/office/drawing/2014/main" id="{673E78E5-4F09-6A40-9726-E2E04A935196}"/>
-              </a:ext>
-            </a:extLst>
-          </p:cNvPr>
-          <p:cNvPicPr>
-            <a:picLocks noChangeAspect="1"/>
-          </p:cNvPicPr>
-          <p:nvPr/>
-        </p:nvPicPr>
-        <p:blipFill>
-          <a:blip r:embed="rId3"/>
-          <a:stretch>
-            <a:fillRect/>
-          </a:stretch>
-        </p:blipFill>
-        <p:spPr>
-          <a:xfrm>
-            <a:off x="5559261" y="5483922"/>
-            <a:ext cx="3479800" cy="571500"/>
-          </a:xfrm>
-          <a:prstGeom prst="rect">
-            <a:avLst/>
-          </a:prstGeom>
-        </p:spPr>
-      </p:pic>
-      <p:pic>
-        <p:nvPicPr>
-          <p:cNvPr id="15" name="Picture 14">
-            <a:extLst>
-              <a:ext uri="{FF2B5EF4-FFF2-40B4-BE49-F238E27FC236}">
-                <a16:creationId xmlns:a16="http://schemas.microsoft.com/office/drawing/2014/main" id="{98C04F29-2B9C-8B49-AA3D-22B136F80831}"/>
-              </a:ext>
-            </a:extLst>
-          </p:cNvPr>
-          <p:cNvPicPr>
-            <a:picLocks noChangeAspect="1"/>
-          </p:cNvPicPr>
-          <p:nvPr/>
-        </p:nvPicPr>
-        <p:blipFill>
-          <a:blip r:embed="rId4"/>
-          <a:stretch>
-            <a:fillRect/>
-          </a:stretch>
-        </p:blipFill>
-        <p:spPr>
-          <a:xfrm>
-            <a:off x="7433235" y="6055422"/>
-            <a:ext cx="3708400" cy="571500"/>
-          </a:xfrm>
-          <a:prstGeom prst="rect">
-            <a:avLst/>
-          </a:prstGeom>
-        </p:spPr>
-      </p:pic>
-      <p:pic>
-        <p:nvPicPr>
-          <p:cNvPr id="16" name="Picture 15">
-            <a:extLst>
-              <a:ext uri="{FF2B5EF4-FFF2-40B4-BE49-F238E27FC236}">
-                <a16:creationId xmlns:a16="http://schemas.microsoft.com/office/drawing/2014/main" id="{E5053D54-1145-854E-A151-40AA0720506D}"/>
-              </a:ext>
-            </a:extLst>
-          </p:cNvPr>
-          <p:cNvPicPr>
-            <a:picLocks noChangeAspect="1"/>
-          </p:cNvPicPr>
-          <p:nvPr/>
-        </p:nvPicPr>
-        <p:blipFill>
-          <a:blip r:embed="rId5"/>
-          <a:stretch>
-            <a:fillRect/>
-          </a:stretch>
-        </p:blipFill>
-        <p:spPr>
-          <a:xfrm>
-            <a:off x="7520432" y="4085886"/>
-            <a:ext cx="2235200" cy="381000"/>
-          </a:xfrm>
-          <a:prstGeom prst="rect">
-            <a:avLst/>
-          </a:prstGeom>
-        </p:spPr>
-      </p:pic>
     </p:spTree>
     <p:extLst>
       <p:ext uri="{BB962C8B-B14F-4D97-AF65-F5344CB8AC3E}">
@@ -11894,6 +12052,140 @@
   <p:clrMapOvr>
     <a:masterClrMapping/>
   </p:clrMapOvr>
+  <p:timing>
+    <p:tnLst>
+      <p:par>
+        <p:cTn id="1" dur="indefinite" restart="never" nodeType="tmRoot">
+          <p:childTnLst>
+            <p:seq concurrent="1" nextAc="seek">
+              <p:cTn id="2" dur="indefinite" nodeType="mainSeq">
+                <p:childTnLst>
+                  <p:par>
+                    <p:cTn id="3" fill="hold">
+                      <p:stCondLst>
+                        <p:cond delay="indefinite"/>
+                      </p:stCondLst>
+                      <p:childTnLst>
+                        <p:par>
+                          <p:cTn id="4" fill="hold">
+                            <p:stCondLst>
+                              <p:cond delay="0"/>
+                            </p:stCondLst>
+                            <p:childTnLst>
+                              <p:par>
+                                <p:cTn id="5" presetID="1" presetClass="entr" presetSubtype="0" fill="hold" grpId="0" nodeType="clickEffect">
+                                  <p:stCondLst>
+                                    <p:cond delay="0"/>
+                                  </p:stCondLst>
+                                  <p:childTnLst>
+                                    <p:set>
+                                      <p:cBhvr>
+                                        <p:cTn id="6" dur="1" fill="hold">
+                                          <p:stCondLst>
+                                            <p:cond delay="0"/>
+                                          </p:stCondLst>
+                                        </p:cTn>
+                                        <p:tgtEl>
+                                          <p:spTgt spid="19"/>
+                                        </p:tgtEl>
+                                        <p:attrNameLst>
+                                          <p:attrName>style.visibility</p:attrName>
+                                        </p:attrNameLst>
+                                      </p:cBhvr>
+                                      <p:to>
+                                        <p:strVal val="visible"/>
+                                      </p:to>
+                                    </p:set>
+                                  </p:childTnLst>
+                                </p:cTn>
+                              </p:par>
+                              <p:par>
+                                <p:cTn id="7" presetID="1" presetClass="entr" presetSubtype="0" fill="hold" grpId="0" nodeType="withEffect">
+                                  <p:stCondLst>
+                                    <p:cond delay="0"/>
+                                  </p:stCondLst>
+                                  <p:childTnLst>
+                                    <p:set>
+                                      <p:cBhvr>
+                                        <p:cTn id="8" dur="1" fill="hold">
+                                          <p:stCondLst>
+                                            <p:cond delay="0"/>
+                                          </p:stCondLst>
+                                        </p:cTn>
+                                        <p:tgtEl>
+                                          <p:spTgt spid="18"/>
+                                        </p:tgtEl>
+                                        <p:attrNameLst>
+                                          <p:attrName>style.visibility</p:attrName>
+                                        </p:attrNameLst>
+                                      </p:cBhvr>
+                                      <p:to>
+                                        <p:strVal val="visible"/>
+                                      </p:to>
+                                    </p:set>
+                                  </p:childTnLst>
+                                </p:cTn>
+                              </p:par>
+                              <p:par>
+                                <p:cTn id="9" presetID="1" presetClass="entr" presetSubtype="0" fill="hold" grpId="0" nodeType="withEffect">
+                                  <p:stCondLst>
+                                    <p:cond delay="0"/>
+                                  </p:stCondLst>
+                                  <p:childTnLst>
+                                    <p:set>
+                                      <p:cBhvr>
+                                        <p:cTn id="10" dur="1" fill="hold">
+                                          <p:stCondLst>
+                                            <p:cond delay="0"/>
+                                          </p:stCondLst>
+                                        </p:cTn>
+                                        <p:tgtEl>
+                                          <p:spTgt spid="17"/>
+                                        </p:tgtEl>
+                                        <p:attrNameLst>
+                                          <p:attrName>style.visibility</p:attrName>
+                                        </p:attrNameLst>
+                                      </p:cBhvr>
+                                      <p:to>
+                                        <p:strVal val="visible"/>
+                                      </p:to>
+                                    </p:set>
+                                  </p:childTnLst>
+                                </p:cTn>
+                              </p:par>
+                            </p:childTnLst>
+                          </p:cTn>
+                        </p:par>
+                      </p:childTnLst>
+                    </p:cTn>
+                  </p:par>
+                </p:childTnLst>
+              </p:cTn>
+              <p:prevCondLst>
+                <p:cond evt="onPrev" delay="0">
+                  <p:tgtEl>
+                    <p:sldTgt/>
+                  </p:tgtEl>
+                </p:cond>
+              </p:prevCondLst>
+              <p:nextCondLst>
+                <p:cond evt="onNext" delay="0">
+                  <p:tgtEl>
+                    <p:sldTgt/>
+                  </p:tgtEl>
+                </p:cond>
+              </p:nextCondLst>
+            </p:seq>
+          </p:childTnLst>
+        </p:cTn>
+      </p:par>
+    </p:tnLst>
+    <p:bldLst>
+      <p:bldP spid="17" grpId="0" animBg="1"/>
+      <p:bldP spid="18" grpId="0" animBg="1"/>
+      <p:bldP spid="19" grpId="0" animBg="1"/>
+    </p:bldLst>
+  </p:timing>
 </p:sld>
 </file>
 
@@ -12819,8 +13111,8 @@
         </p:nvSpPr>
         <p:spPr>
           <a:xfrm>
-            <a:off x="838200" y="1447800"/>
-            <a:ext cx="10515600" cy="5048250"/>
+            <a:off x="416689" y="1447800"/>
+            <a:ext cx="11418753" cy="5048250"/>
           </a:xfrm>
         </p:spPr>
         <p:txBody>
@@ -12855,7 +13147,7 @@
             </a:r>
             <a:r>
               <a:rPr lang="en-US" sz="1200" dirty="0"/>
-              <a:t>. Geometric approximation via coresets. </a:t>
+              <a:t>.  Geometric approximation via coresets. </a:t>
             </a:r>
             <a:r>
               <a:rPr lang="en-US" sz="1200" i="1" dirty="0"/>
@@ -12891,23 +13183,7 @@
             </a:br>
             <a:r>
               <a:rPr lang="en-US" sz="1200" dirty="0"/>
-              <a:t>Jeff M. Phillips and Wai Ming Tai. Improved coresets for kernel density estimates. In </a:t>
-            </a:r>
-            <a:r>
-              <a:rPr lang="en-US" sz="1200" dirty="0" err="1"/>
-              <a:t>Ar</a:t>
-            </a:r>
-            <a:r>
-              <a:rPr lang="en-US" sz="1200" dirty="0"/>
-              <a:t>- tur </a:t>
-            </a:r>
-            <a:r>
-              <a:rPr lang="en-US" sz="1200" dirty="0" err="1"/>
-              <a:t>Czumaj</a:t>
-            </a:r>
-            <a:r>
-              <a:rPr lang="en-US" sz="1200" dirty="0"/>
-              <a:t>, editor, </a:t>
+              <a:t>Jeff M. Phillips and Wai Ming Tai.  Improved coresets for kernel density estimates. </a:t>
             </a:r>
             <a:r>
               <a:rPr lang="en-US" sz="1200" i="1" dirty="0"/>
@@ -12929,23 +13205,7 @@
             </a:br>
             <a:r>
               <a:rPr lang="en-US" sz="1200" dirty="0"/>
-              <a:t>Dan Feldman and Michael Langberg. A unified framework for approximating and clustering data. In </a:t>
-            </a:r>
-            <a:r>
-              <a:rPr lang="en-US" sz="1200" dirty="0" err="1"/>
-              <a:t>Fortnow</a:t>
-            </a:r>
-            <a:r>
-              <a:rPr lang="en-US" sz="1200" dirty="0"/>
-              <a:t> and </a:t>
-            </a:r>
-            <a:r>
-              <a:rPr lang="en-US" sz="1200" dirty="0" err="1"/>
-              <a:t>Vadhan</a:t>
-            </a:r>
-            <a:r>
-              <a:rPr lang="en-US" sz="1200" dirty="0"/>
-              <a:t> (2011), pages 569–578 </a:t>
+              <a:t>Dan Feldman and Michael Langberg.  A unified framework for approximating and clustering data. 2011</a:t>
             </a:r>
             <a:br>
               <a:rPr lang="en-US" sz="1200" dirty="0"/>
@@ -12955,8 +13215,11 @@
             </a:br>
             <a:r>
               <a:rPr lang="en-US" sz="1200" dirty="0"/>
-              <a:t>Jeff M. Phillips and Wai Ming Tai. Near-optimal coresets of kernel density estimates </a:t>
+              <a:t>Jeff M. Phillips and Wai Ming Tai.  Near-optimal coresets of kernel density estimates </a:t>
             </a:r>
+            <a:br>
+              <a:rPr lang="en-US" sz="1200" dirty="0"/>
+            </a:br>
             <a:br>
               <a:rPr lang="en-US" sz="1200" dirty="0"/>
             </a:br>
@@ -12974,14 +13237,7 @@
             </a:r>
             <a:r>
               <a:rPr lang="en-US" sz="1200" dirty="0"/>
-              <a:t> and Dan Feldman. Coresets for monotonic functions with applications to deep </a:t>
-            </a:r>
-            <a:br>
-              <a:rPr lang="en-US" sz="1200" dirty="0"/>
-            </a:br>
-            <a:r>
-              <a:rPr lang="en-US" sz="1200" dirty="0"/>
-              <a:t>learning.</a:t>
+              <a:t> and Dan Feldman.  Coresets for monotonic functions with applications to deep  learning.</a:t>
             </a:r>
             <a:br>
               <a:rPr lang="en-US" sz="1200" dirty="0"/>
@@ -13019,7 +13275,7 @@
             </a:r>
             <a:r>
               <a:rPr lang="en-US" sz="1200" dirty="0"/>
-              <a:t>. Maximum margin coresets for active and noise tolerant learning. In Manuela M. Veloso, editor, </a:t>
+              <a:t>.  Maximum margin coresets for active and noise tolerant learning. </a:t>
             </a:r>
             <a:r>
               <a:rPr lang="en-US" sz="1200" i="1" dirty="0"/>
@@ -13045,23 +13301,11 @@
             </a:r>
             <a:r>
               <a:rPr lang="en-US" sz="1200" dirty="0"/>
-              <a:t> and Akash Kushal. Smaller coresets for k-median and k-means clustering. In JosephS.B.MitchellandGunterRote,editors,</a:t>
+              <a:t> and Akash Kushal.  Smaller coresets for k-median and k-means clustering. T</a:t>
             </a:r>
             <a:r>
               <a:rPr lang="en-US" sz="1200" i="1" dirty="0"/>
-              <a:t>Proceedingsofthe21stACMSymposiumonCom- </a:t>
-            </a:r>
-            <a:r>
-              <a:rPr lang="en-US" sz="1200" i="1" dirty="0" err="1"/>
-              <a:t>putational</a:t>
-            </a:r>
-            <a:r>
-              <a:rPr lang="en-US" sz="1200" i="1" dirty="0"/>
-              <a:t> Geometry, Pisa, Italy, June 6-8, 2005</a:t>
-            </a:r>
-            <a:r>
-              <a:rPr lang="en-US" sz="1200" dirty="0"/>
-              <a:t>, pages 126–134 </a:t>
+              <a:t>he21st ACM Symposium on Computational Geometry, Pisa, Italy, June 6-8, 2005</a:t>
             </a:r>
             <a:br>
               <a:rPr lang="en-US" sz="1200" dirty="0"/>
@@ -13079,7 +13323,7 @@
             </a:r>
             <a:r>
               <a:rPr lang="en-US" sz="1200" dirty="0"/>
-              <a:t>, Sridhar Rajagopalan, and Bruce G. Lindsay. Random sampling techniques for space efficient online computation of order statistics of large datasets. </a:t>
+              <a:t>, Sridhar Rajagopalan, and Bruce G. Lindsay.  Random sampling techniques for space efficient online computation of order statistics of large datasets. </a:t>
             </a:r>
             <a:br>
               <a:rPr lang="en-US" sz="1200" dirty="0"/>
@@ -13113,7 +13357,7 @@
             </a:r>
             <a:r>
               <a:rPr lang="en-US" sz="1200" dirty="0"/>
-              <a:t>, and David P. Woodruff. On coresets for logistic regression. </a:t>
+              <a:t>, and David P. Woodruff.  On coresets for logistic regression. </a:t>
             </a:r>
             <a:br>
               <a:rPr lang="en-US" sz="1200" dirty="0"/>
@@ -13131,23 +13375,7 @@
             </a:r>
             <a:r>
               <a:rPr lang="en-US" sz="1200" dirty="0"/>
-              <a:t>, Kevin J. Lang, and Edo Liberty. Optimal quantile approximation in streams. In </a:t>
-            </a:r>
-            <a:r>
-              <a:rPr lang="en-US" sz="1200" dirty="0" err="1"/>
-              <a:t>Irit</a:t>
-            </a:r>
-            <a:r>
-              <a:rPr lang="en-US" sz="1200" dirty="0"/>
-              <a:t> </a:t>
-            </a:r>
-            <a:r>
-              <a:rPr lang="en-US" sz="1200" dirty="0" err="1"/>
-              <a:t>Dinur</a:t>
-            </a:r>
-            <a:r>
-              <a:rPr lang="en-US" sz="1200" dirty="0"/>
-              <a:t>, editor, </a:t>
+              <a:t>, Kevin J. Lang, and Edo Liberty.  Optimal quantile approximation in streams. </a:t>
             </a:r>
             <a:r>
               <a:rPr lang="en-US" sz="1200" i="1" dirty="0"/>
@@ -13179,6 +13407,9 @@
               <a:rPr lang="en-US" sz="1200" dirty="0"/>
               <a:t>, 3:463–482, March 2003 </a:t>
             </a:r>
+            <a:br>
+              <a:rPr lang="en-US" sz="1200" dirty="0"/>
+            </a:br>
             <a:br>
               <a:rPr lang="en-US" sz="1200" dirty="0"/>
             </a:br>
@@ -13222,15 +13453,7 @@
             </a:r>
             <a:r>
               <a:rPr lang="en-US" sz="1200" dirty="0"/>
-              <a:t>. Balancing vectors and gaussian measures of n-dimensional convex bod- </a:t>
-            </a:r>
-            <a:r>
-              <a:rPr lang="en-US" sz="1200" dirty="0" err="1"/>
-              <a:t>ies</a:t>
-            </a:r>
-            <a:r>
-              <a:rPr lang="en-US" sz="1200" dirty="0"/>
-              <a:t>. </a:t>
+              <a:t>. Balancing vectors and gaussian measures of n-dimensional convex bodies. </a:t>
             </a:r>
             <a:r>
               <a:rPr lang="en-US" sz="1200" i="1" dirty="0"/>
@@ -15327,170 +15550,300 @@
           <a:chExt cx="0" cy="0"/>
         </a:xfrm>
       </p:grpSpPr>
-      <p:sp>
-        <p:nvSpPr>
-          <p:cNvPr id="8" name="Oval 7">
-            <a:extLst>
-              <a:ext uri="{FF2B5EF4-FFF2-40B4-BE49-F238E27FC236}">
-                <a16:creationId xmlns:a16="http://schemas.microsoft.com/office/drawing/2014/main" id="{8C0BB476-4275-2048-AF81-6398B3822C4E}"/>
-              </a:ext>
-            </a:extLst>
-          </p:cNvPr>
-          <p:cNvSpPr/>
-          <p:nvPr/>
-        </p:nvSpPr>
-        <p:spPr>
-          <a:xfrm rot="10800000">
-            <a:off x="946074" y="1434974"/>
+      <p:grpSp>
+        <p:nvGrpSpPr>
+          <p:cNvPr id="52" name="Group 51">
+            <a:extLst>
+              <a:ext uri="{FF2B5EF4-FFF2-40B4-BE49-F238E27FC236}">
+                <a16:creationId xmlns:a16="http://schemas.microsoft.com/office/drawing/2014/main" id="{79BA66F3-1BCF-6440-BE8B-15F99AE93B2D}"/>
+              </a:ext>
+            </a:extLst>
+          </p:cNvPr>
+          <p:cNvGrpSpPr/>
+          <p:nvPr/>
+        </p:nvGrpSpPr>
+        <p:grpSpPr>
+          <a:xfrm>
+            <a:off x="7145156" y="1464117"/>
             <a:ext cx="4572000" cy="4572000"/>
-          </a:xfrm>
-          <a:prstGeom prst="ellipse">
-            <a:avLst/>
-          </a:prstGeom>
-          <a:gradFill flip="none" rotWithShape="1">
-            <a:gsLst>
-              <a:gs pos="0">
-                <a:schemeClr val="accent1">
-                  <a:lumMod val="5000"/>
-                  <a:lumOff val="95000"/>
-                  <a:alpha val="0"/>
-                </a:schemeClr>
-              </a:gs>
-              <a:gs pos="76000">
-                <a:schemeClr val="accent1">
-                  <a:lumMod val="45000"/>
-                  <a:lumOff val="55000"/>
-                </a:schemeClr>
-              </a:gs>
-              <a:gs pos="42000">
-                <a:schemeClr val="accent1">
-                  <a:lumMod val="0"/>
-                  <a:lumOff val="100000"/>
-                  <a:alpha val="71000"/>
-                </a:schemeClr>
-              </a:gs>
-              <a:gs pos="57000">
-                <a:schemeClr val="accent1">
-                  <a:lumMod val="30000"/>
-                  <a:lumOff val="70000"/>
-                  <a:alpha val="56000"/>
-                </a:schemeClr>
-              </a:gs>
-            </a:gsLst>
-            <a:lin ang="0" scaled="1"/>
-            <a:tileRect/>
-          </a:gradFill>
-          <a:ln>
-            <a:noFill/>
-          </a:ln>
-        </p:spPr>
-        <p:style>
-          <a:lnRef idx="2">
-            <a:schemeClr val="accent1">
-              <a:shade val="50000"/>
-            </a:schemeClr>
-          </a:lnRef>
-          <a:fillRef idx="1">
-            <a:schemeClr val="accent1"/>
-          </a:fillRef>
-          <a:effectRef idx="0">
-            <a:schemeClr val="accent1"/>
-          </a:effectRef>
-          <a:fontRef idx="minor">
-            <a:schemeClr val="lt1"/>
-          </a:fontRef>
-        </p:style>
-        <p:txBody>
-          <a:bodyPr rtlCol="0" anchor="ctr"/>
-          <a:lstStyle/>
-          <a:p>
-            <a:pPr algn="ctr"/>
-            <a:endParaRPr lang="en-US"/>
-          </a:p>
-        </p:txBody>
-      </p:sp>
-      <p:sp>
-        <p:nvSpPr>
-          <p:cNvPr id="38" name="Oval 37">
-            <a:extLst>
-              <a:ext uri="{FF2B5EF4-FFF2-40B4-BE49-F238E27FC236}">
-                <a16:creationId xmlns:a16="http://schemas.microsoft.com/office/drawing/2014/main" id="{B57E1502-E599-3746-924B-966A2E1CCDC2}"/>
-              </a:ext>
-            </a:extLst>
-          </p:cNvPr>
-          <p:cNvSpPr/>
-          <p:nvPr/>
-        </p:nvSpPr>
-        <p:spPr>
-          <a:xfrm rot="10800000">
-            <a:off x="7163009" y="1483112"/>
+            <a:chOff x="929745" y="1462189"/>
+            <a:chExt cx="4572000" cy="4572000"/>
+          </a:xfrm>
+        </p:grpSpPr>
+        <p:sp>
+          <p:nvSpPr>
+            <p:cNvPr id="53" name="Oval 52">
+              <a:extLst>
+                <a:ext uri="{FF2B5EF4-FFF2-40B4-BE49-F238E27FC236}">
+                  <a16:creationId xmlns:a16="http://schemas.microsoft.com/office/drawing/2014/main" id="{EBDC4950-1801-D547-9EF0-8C1994AAB9D2}"/>
+                </a:ext>
+              </a:extLst>
+            </p:cNvPr>
+            <p:cNvSpPr/>
+            <p:nvPr/>
+          </p:nvSpPr>
+          <p:spPr>
+            <a:xfrm rot="10800000">
+              <a:off x="929745" y="1462189"/>
+              <a:ext cx="4572000" cy="4572000"/>
+            </a:xfrm>
+            <a:prstGeom prst="ellipse">
+              <a:avLst/>
+            </a:prstGeom>
+            <a:gradFill flip="none" rotWithShape="1">
+              <a:gsLst>
+                <a:gs pos="0">
+                  <a:schemeClr val="accent1">
+                    <a:lumMod val="5000"/>
+                    <a:lumOff val="95000"/>
+                    <a:alpha val="0"/>
+                  </a:schemeClr>
+                </a:gs>
+                <a:gs pos="76000">
+                  <a:schemeClr val="accent1">
+                    <a:lumMod val="45000"/>
+                    <a:lumOff val="55000"/>
+                  </a:schemeClr>
+                </a:gs>
+                <a:gs pos="42000">
+                  <a:schemeClr val="accent1">
+                    <a:lumMod val="0"/>
+                    <a:lumOff val="100000"/>
+                    <a:alpha val="71000"/>
+                  </a:schemeClr>
+                </a:gs>
+                <a:gs pos="57000">
+                  <a:schemeClr val="accent1">
+                    <a:lumMod val="30000"/>
+                    <a:lumOff val="70000"/>
+                    <a:alpha val="56000"/>
+                  </a:schemeClr>
+                </a:gs>
+              </a:gsLst>
+              <a:lin ang="0" scaled="1"/>
+              <a:tileRect/>
+            </a:gradFill>
+            <a:ln>
+              <a:noFill/>
+            </a:ln>
+          </p:spPr>
+          <p:style>
+            <a:lnRef idx="2">
+              <a:schemeClr val="accent1">
+                <a:shade val="50000"/>
+              </a:schemeClr>
+            </a:lnRef>
+            <a:fillRef idx="1">
+              <a:schemeClr val="accent1"/>
+            </a:fillRef>
+            <a:effectRef idx="0">
+              <a:schemeClr val="accent1"/>
+            </a:effectRef>
+            <a:fontRef idx="minor">
+              <a:schemeClr val="lt1"/>
+            </a:fontRef>
+          </p:style>
+          <p:txBody>
+            <a:bodyPr rtlCol="0" anchor="ctr"/>
+            <a:lstStyle/>
+            <a:p>
+              <a:pPr algn="ctr"/>
+              <a:endParaRPr lang="en-US" dirty="0"/>
+            </a:p>
+          </p:txBody>
+        </p:sp>
+        <p:cxnSp>
+          <p:nvCxnSpPr>
+            <p:cNvPr id="54" name="Straight Arrow Connector 53">
+              <a:extLst>
+                <a:ext uri="{FF2B5EF4-FFF2-40B4-BE49-F238E27FC236}">
+                  <a16:creationId xmlns:a16="http://schemas.microsoft.com/office/drawing/2014/main" id="{9E7C2E64-7B42-B84D-8BCB-FFDAD40B5FE5}"/>
+                </a:ext>
+              </a:extLst>
+            </p:cNvPr>
+            <p:cNvCxnSpPr>
+              <a:cxnSpLocks/>
+            </p:cNvCxnSpPr>
+            <p:nvPr/>
+          </p:nvCxnSpPr>
+          <p:spPr>
+            <a:xfrm flipH="1">
+              <a:off x="2033250" y="3752715"/>
+              <a:ext cx="1180530" cy="0"/>
+            </a:xfrm>
+            <a:prstGeom prst="straightConnector1">
+              <a:avLst/>
+            </a:prstGeom>
+            <a:ln w="38100" cmpd="dbl">
+              <a:solidFill>
+                <a:schemeClr val="tx1"/>
+              </a:solidFill>
+              <a:tailEnd type="triangle"/>
+            </a:ln>
+          </p:spPr>
+          <p:style>
+            <a:lnRef idx="1">
+              <a:schemeClr val="accent1"/>
+            </a:lnRef>
+            <a:fillRef idx="0">
+              <a:schemeClr val="accent1"/>
+            </a:fillRef>
+            <a:effectRef idx="0">
+              <a:schemeClr val="accent1"/>
+            </a:effectRef>
+            <a:fontRef idx="minor">
+              <a:schemeClr val="tx1"/>
+            </a:fontRef>
+          </p:style>
+        </p:cxnSp>
+      </p:grpSp>
+      <p:grpSp>
+        <p:nvGrpSpPr>
+          <p:cNvPr id="51" name="Group 50">
+            <a:extLst>
+              <a:ext uri="{FF2B5EF4-FFF2-40B4-BE49-F238E27FC236}">
+                <a16:creationId xmlns:a16="http://schemas.microsoft.com/office/drawing/2014/main" id="{C72D08D4-271F-6745-A737-5EB2121B513D}"/>
+              </a:ext>
+            </a:extLst>
+          </p:cNvPr>
+          <p:cNvGrpSpPr/>
+          <p:nvPr/>
+        </p:nvGrpSpPr>
+        <p:grpSpPr>
+          <a:xfrm>
+            <a:off x="929745" y="1462189"/>
             <a:ext cx="4572000" cy="4572000"/>
-          </a:xfrm>
-          <a:prstGeom prst="ellipse">
-            <a:avLst/>
-          </a:prstGeom>
-          <a:gradFill flip="none" rotWithShape="1">
-            <a:gsLst>
-              <a:gs pos="0">
-                <a:schemeClr val="accent1">
-                  <a:lumMod val="5000"/>
-                  <a:lumOff val="95000"/>
-                  <a:alpha val="0"/>
-                </a:schemeClr>
-              </a:gs>
-              <a:gs pos="76000">
-                <a:schemeClr val="accent1">
-                  <a:lumMod val="45000"/>
-                  <a:lumOff val="55000"/>
-                </a:schemeClr>
-              </a:gs>
-              <a:gs pos="42000">
-                <a:schemeClr val="accent1">
-                  <a:lumMod val="0"/>
-                  <a:lumOff val="100000"/>
-                  <a:alpha val="71000"/>
-                </a:schemeClr>
-              </a:gs>
-              <a:gs pos="57000">
-                <a:schemeClr val="accent1">
-                  <a:lumMod val="30000"/>
-                  <a:lumOff val="70000"/>
-                  <a:alpha val="56000"/>
-                </a:schemeClr>
-              </a:gs>
-            </a:gsLst>
-            <a:lin ang="0" scaled="1"/>
-            <a:tileRect/>
-          </a:gradFill>
-          <a:ln>
-            <a:noFill/>
-          </a:ln>
-        </p:spPr>
-        <p:style>
-          <a:lnRef idx="2">
-            <a:schemeClr val="accent1">
-              <a:shade val="50000"/>
-            </a:schemeClr>
-          </a:lnRef>
-          <a:fillRef idx="1">
-            <a:schemeClr val="accent1"/>
-          </a:fillRef>
-          <a:effectRef idx="0">
-            <a:schemeClr val="accent1"/>
-          </a:effectRef>
-          <a:fontRef idx="minor">
-            <a:schemeClr val="lt1"/>
-          </a:fontRef>
-        </p:style>
-        <p:txBody>
-          <a:bodyPr rtlCol="0" anchor="ctr"/>
-          <a:lstStyle/>
-          <a:p>
-            <a:pPr algn="ctr"/>
-            <a:endParaRPr lang="en-US"/>
-          </a:p>
-        </p:txBody>
-      </p:sp>
+            <a:chOff x="929745" y="1462189"/>
+            <a:chExt cx="4572000" cy="4572000"/>
+          </a:xfrm>
+        </p:grpSpPr>
+        <p:sp>
+          <p:nvSpPr>
+            <p:cNvPr id="8" name="Oval 7">
+              <a:extLst>
+                <a:ext uri="{FF2B5EF4-FFF2-40B4-BE49-F238E27FC236}">
+                  <a16:creationId xmlns:a16="http://schemas.microsoft.com/office/drawing/2014/main" id="{8C0BB476-4275-2048-AF81-6398B3822C4E}"/>
+                </a:ext>
+              </a:extLst>
+            </p:cNvPr>
+            <p:cNvSpPr/>
+            <p:nvPr/>
+          </p:nvSpPr>
+          <p:spPr>
+            <a:xfrm rot="10800000">
+              <a:off x="929745" y="1462189"/>
+              <a:ext cx="4572000" cy="4572000"/>
+            </a:xfrm>
+            <a:prstGeom prst="ellipse">
+              <a:avLst/>
+            </a:prstGeom>
+            <a:gradFill flip="none" rotWithShape="1">
+              <a:gsLst>
+                <a:gs pos="0">
+                  <a:schemeClr val="accent1">
+                    <a:lumMod val="5000"/>
+                    <a:lumOff val="95000"/>
+                    <a:alpha val="0"/>
+                  </a:schemeClr>
+                </a:gs>
+                <a:gs pos="76000">
+                  <a:schemeClr val="accent1">
+                    <a:lumMod val="45000"/>
+                    <a:lumOff val="55000"/>
+                  </a:schemeClr>
+                </a:gs>
+                <a:gs pos="42000">
+                  <a:schemeClr val="accent1">
+                    <a:lumMod val="0"/>
+                    <a:lumOff val="100000"/>
+                    <a:alpha val="71000"/>
+                  </a:schemeClr>
+                </a:gs>
+                <a:gs pos="57000">
+                  <a:schemeClr val="accent1">
+                    <a:lumMod val="30000"/>
+                    <a:lumOff val="70000"/>
+                    <a:alpha val="56000"/>
+                  </a:schemeClr>
+                </a:gs>
+              </a:gsLst>
+              <a:lin ang="0" scaled="1"/>
+              <a:tileRect/>
+            </a:gradFill>
+            <a:ln>
+              <a:noFill/>
+            </a:ln>
+          </p:spPr>
+          <p:style>
+            <a:lnRef idx="2">
+              <a:schemeClr val="accent1">
+                <a:shade val="50000"/>
+              </a:schemeClr>
+            </a:lnRef>
+            <a:fillRef idx="1">
+              <a:schemeClr val="accent1"/>
+            </a:fillRef>
+            <a:effectRef idx="0">
+              <a:schemeClr val="accent1"/>
+            </a:effectRef>
+            <a:fontRef idx="minor">
+              <a:schemeClr val="lt1"/>
+            </a:fontRef>
+          </p:style>
+          <p:txBody>
+            <a:bodyPr rtlCol="0" anchor="ctr"/>
+            <a:lstStyle/>
+            <a:p>
+              <a:pPr algn="ctr"/>
+              <a:endParaRPr lang="en-US" dirty="0"/>
+            </a:p>
+          </p:txBody>
+        </p:sp>
+        <p:cxnSp>
+          <p:nvCxnSpPr>
+            <p:cNvPr id="19" name="Straight Arrow Connector 18">
+              <a:extLst>
+                <a:ext uri="{FF2B5EF4-FFF2-40B4-BE49-F238E27FC236}">
+                  <a16:creationId xmlns:a16="http://schemas.microsoft.com/office/drawing/2014/main" id="{85763B0D-1C84-9D4D-A4F5-6D901CB02F04}"/>
+                </a:ext>
+              </a:extLst>
+            </p:cNvPr>
+            <p:cNvCxnSpPr>
+              <a:cxnSpLocks/>
+            </p:cNvCxnSpPr>
+            <p:nvPr/>
+          </p:nvCxnSpPr>
+          <p:spPr>
+            <a:xfrm flipH="1">
+              <a:off x="2033250" y="3752715"/>
+              <a:ext cx="1180530" cy="0"/>
+            </a:xfrm>
+            <a:prstGeom prst="straightConnector1">
+              <a:avLst/>
+            </a:prstGeom>
+            <a:ln w="38100" cmpd="dbl">
+              <a:solidFill>
+                <a:schemeClr val="tx1"/>
+              </a:solidFill>
+              <a:tailEnd type="triangle"/>
+            </a:ln>
+          </p:spPr>
+          <p:style>
+            <a:lnRef idx="1">
+              <a:schemeClr val="accent1"/>
+            </a:lnRef>
+            <a:fillRef idx="0">
+              <a:schemeClr val="accent1"/>
+            </a:fillRef>
+            <a:effectRef idx="0">
+              <a:schemeClr val="accent1"/>
+            </a:effectRef>
+            <a:fontRef idx="minor">
+              <a:schemeClr val="tx1"/>
+            </a:fontRef>
+          </p:style>
+        </p:cxnSp>
+      </p:grpSp>
       <p:sp>
         <p:nvSpPr>
           <p:cNvPr id="2" name="Title 1">
@@ -16999,6 +17352,66 @@
           </a:fontRef>
         </p:style>
       </p:cxnSp>
+      <p:pic>
+        <p:nvPicPr>
+          <p:cNvPr id="47" name="Picture 46">
+            <a:extLst>
+              <a:ext uri="{FF2B5EF4-FFF2-40B4-BE49-F238E27FC236}">
+                <a16:creationId xmlns:a16="http://schemas.microsoft.com/office/drawing/2014/main" id="{42CBAEF4-831C-AC4F-83FE-E814CC87496F}"/>
+              </a:ext>
+            </a:extLst>
+          </p:cNvPr>
+          <p:cNvPicPr>
+            <a:picLocks noChangeAspect="1"/>
+          </p:cNvPicPr>
+          <p:nvPr/>
+        </p:nvPicPr>
+        <p:blipFill>
+          <a:blip r:embed="rId6"/>
+          <a:stretch>
+            <a:fillRect/>
+          </a:stretch>
+        </p:blipFill>
+        <p:spPr>
+          <a:xfrm>
+            <a:off x="3289539" y="3821458"/>
+            <a:ext cx="127000" cy="203200"/>
+          </a:xfrm>
+          <a:prstGeom prst="rect">
+            <a:avLst/>
+          </a:prstGeom>
+        </p:spPr>
+      </p:pic>
+      <p:pic>
+        <p:nvPicPr>
+          <p:cNvPr id="55" name="Picture 54">
+            <a:extLst>
+              <a:ext uri="{FF2B5EF4-FFF2-40B4-BE49-F238E27FC236}">
+                <a16:creationId xmlns:a16="http://schemas.microsoft.com/office/drawing/2014/main" id="{421D500A-523F-5645-A455-4EF9C9CAA549}"/>
+              </a:ext>
+            </a:extLst>
+          </p:cNvPr>
+          <p:cNvPicPr>
+            <a:picLocks noChangeAspect="1"/>
+          </p:cNvPicPr>
+          <p:nvPr/>
+        </p:nvPicPr>
+        <p:blipFill>
+          <a:blip r:embed="rId6"/>
+          <a:stretch>
+            <a:fillRect/>
+          </a:stretch>
+        </p:blipFill>
+        <p:spPr>
+          <a:xfrm>
+            <a:off x="9529927" y="3830220"/>
+            <a:ext cx="127000" cy="203200"/>
+          </a:xfrm>
+          <a:prstGeom prst="rect">
+            <a:avLst/>
+          </a:prstGeom>
+        </p:spPr>
+      </p:pic>
     </p:spTree>
     <p:extLst>
       <p:ext uri="{BB962C8B-B14F-4D97-AF65-F5344CB8AC3E}">
@@ -17030,16 +17443,16 @@
                             </p:stCondLst>
                             <p:childTnLst>
                               <p:par>
-                                <p:cTn id="5" presetID="8" presetClass="emph" presetSubtype="0" fill="hold" grpId="0" nodeType="clickEffect">
+                                <p:cTn id="5" presetID="8" presetClass="emph" presetSubtype="0" fill="hold" nodeType="clickEffect">
                                   <p:stCondLst>
                                     <p:cond delay="0"/>
                                   </p:stCondLst>
                                   <p:childTnLst>
                                     <p:animRot by="21600000">
                                       <p:cBhvr>
-                                        <p:cTn id="6" dur="10000" fill="hold"/>
+                                        <p:cTn id="6" dur="7000" fill="hold"/>
                                         <p:tgtEl>
-                                          <p:spTgt spid="38"/>
+                                          <p:spTgt spid="52"/>
                                         </p:tgtEl>
                                         <p:attrNameLst>
                                           <p:attrName>r</p:attrName>
@@ -17050,16 +17463,16 @@
                                 </p:cTn>
                               </p:par>
                               <p:par>
-                                <p:cTn id="7" presetID="8" presetClass="emph" presetSubtype="0" fill="hold" grpId="0" nodeType="withEffect">
+                                <p:cTn id="7" presetID="8" presetClass="emph" presetSubtype="0" fill="hold" nodeType="withEffect">
                                   <p:stCondLst>
                                     <p:cond delay="0"/>
                                   </p:stCondLst>
                                   <p:childTnLst>
                                     <p:animRot by="21600000">
                                       <p:cBhvr>
-                                        <p:cTn id="8" dur="10000" fill="hold"/>
+                                        <p:cTn id="8" dur="7000" fill="hold"/>
                                         <p:tgtEl>
-                                          <p:spTgt spid="8"/>
+                                          <p:spTgt spid="51"/>
                                         </p:tgtEl>
                                         <p:attrNameLst>
                                           <p:attrName>r</p:attrName>
@@ -17096,10 +17509,6 @@
         </p:cTn>
       </p:par>
     </p:tnLst>
-    <p:bldLst>
-      <p:bldP spid="8" grpId="0" animBg="1"/>
-      <p:bldP spid="38" grpId="0" animBg="1"/>
-    </p:bldLst>
   </p:timing>
 </p:sld>
 </file>

--- a/presentation.pptx
+++ b/presentation.pptx
@@ -5,7 +5,7 @@
     <p:sldMasterId id="2147483648" r:id="rId1"/>
   </p:sldMasterIdLst>
   <p:notesMasterIdLst>
-    <p:notesMasterId r:id="rId24"/>
+    <p:notesMasterId r:id="rId23"/>
   </p:notesMasterIdLst>
   <p:sldIdLst>
     <p:sldId id="256" r:id="rId2"/>
@@ -23,13 +23,12 @@
     <p:sldId id="270" r:id="rId14"/>
     <p:sldId id="283" r:id="rId15"/>
     <p:sldId id="278" r:id="rId16"/>
-    <p:sldId id="280" r:id="rId17"/>
-    <p:sldId id="281" r:id="rId18"/>
-    <p:sldId id="279" r:id="rId19"/>
-    <p:sldId id="271" r:id="rId20"/>
-    <p:sldId id="282" r:id="rId21"/>
-    <p:sldId id="273" r:id="rId22"/>
-    <p:sldId id="284" r:id="rId23"/>
+    <p:sldId id="281" r:id="rId17"/>
+    <p:sldId id="279" r:id="rId18"/>
+    <p:sldId id="271" r:id="rId19"/>
+    <p:sldId id="282" r:id="rId20"/>
+    <p:sldId id="273" r:id="rId21"/>
+    <p:sldId id="284" r:id="rId22"/>
   </p:sldIdLst>
   <p:sldSz cx="12192000" cy="6858000"/>
   <p:notesSz cx="6858000" cy="9144000"/>
@@ -218,7 +217,7 @@
           <a:p>
             <a:fld id="{FA95D490-2886-AE43-A288-25A1BF0BA6BD}" type="datetimeFigureOut">
               <a:rPr lang="en-US" smtClean="0"/>
-              <a:t>2/14/19</a:t>
+              <a:t>3/12/19</a:t>
             </a:fld>
             <a:endParaRPr lang="en-US"/>
           </a:p>
@@ -727,7 +726,7 @@
     </p:spTree>
     <p:extLst>
       <p:ext uri="{BB962C8B-B14F-4D97-AF65-F5344CB8AC3E}">
-        <p14:creationId xmlns:p14="http://schemas.microsoft.com/office/powerpoint/2010/main" val="1933422549"/>
+        <p14:creationId xmlns:p14="http://schemas.microsoft.com/office/powerpoint/2010/main" val="2976287719"/>
       </p:ext>
     </p:extLst>
   </p:cSld>
@@ -811,7 +810,7 @@
     </p:spTree>
     <p:extLst>
       <p:ext uri="{BB962C8B-B14F-4D97-AF65-F5344CB8AC3E}">
-        <p14:creationId xmlns:p14="http://schemas.microsoft.com/office/powerpoint/2010/main" val="2976287719"/>
+        <p14:creationId xmlns:p14="http://schemas.microsoft.com/office/powerpoint/2010/main" val="2984890887"/>
       </p:ext>
     </p:extLst>
   </p:cSld>
@@ -895,90 +894,6 @@
     </p:spTree>
     <p:extLst>
       <p:ext uri="{BB962C8B-B14F-4D97-AF65-F5344CB8AC3E}">
-        <p14:creationId xmlns:p14="http://schemas.microsoft.com/office/powerpoint/2010/main" val="2984890887"/>
-      </p:ext>
-    </p:extLst>
-  </p:cSld>
-  <p:clrMapOvr>
-    <a:masterClrMapping/>
-  </p:clrMapOvr>
-</p:notes>
-</file>
-
-<file path=ppt/notesSlides/notesSlide6.xml><?xml version="1.0" encoding="utf-8"?>
-<p:notes xmlns:a="http://schemas.openxmlformats.org/drawingml/2006/main" xmlns:r="http://schemas.openxmlformats.org/officeDocument/2006/relationships" xmlns:p="http://schemas.openxmlformats.org/presentationml/2006/main">
-  <p:cSld>
-    <p:spTree>
-      <p:nvGrpSpPr>
-        <p:cNvPr id="1" name=""/>
-        <p:cNvGrpSpPr/>
-        <p:nvPr/>
-      </p:nvGrpSpPr>
-      <p:grpSpPr>
-        <a:xfrm>
-          <a:off x="0" y="0"/>
-          <a:ext cx="0" cy="0"/>
-          <a:chOff x="0" y="0"/>
-          <a:chExt cx="0" cy="0"/>
-        </a:xfrm>
-      </p:grpSpPr>
-      <p:sp>
-        <p:nvSpPr>
-          <p:cNvPr id="2" name="Slide Image Placeholder 1"/>
-          <p:cNvSpPr>
-            <a:spLocks noGrp="1" noRot="1" noChangeAspect="1"/>
-          </p:cNvSpPr>
-          <p:nvPr>
-            <p:ph type="sldImg"/>
-          </p:nvPr>
-        </p:nvSpPr>
-        <p:spPr/>
-      </p:sp>
-      <p:sp>
-        <p:nvSpPr>
-          <p:cNvPr id="3" name="Notes Placeholder 2"/>
-          <p:cNvSpPr>
-            <a:spLocks noGrp="1"/>
-          </p:cNvSpPr>
-          <p:nvPr>
-            <p:ph type="body" idx="1"/>
-          </p:nvPr>
-        </p:nvSpPr>
-        <p:spPr/>
-        <p:txBody>
-          <a:bodyPr/>
-          <a:lstStyle/>
-          <a:p>
-            <a:endParaRPr lang="en-US" dirty="0"/>
-          </a:p>
-        </p:txBody>
-      </p:sp>
-      <p:sp>
-        <p:nvSpPr>
-          <p:cNvPr id="4" name="Slide Number Placeholder 3"/>
-          <p:cNvSpPr>
-            <a:spLocks noGrp="1"/>
-          </p:cNvSpPr>
-          <p:nvPr>
-            <p:ph type="sldNum" sz="quarter" idx="5"/>
-          </p:nvPr>
-        </p:nvSpPr>
-        <p:spPr/>
-        <p:txBody>
-          <a:bodyPr/>
-          <a:lstStyle/>
-          <a:p>
-            <a:fld id="{09D08A87-9A2C-5743-90B0-0B7C68297D5F}" type="slidenum">
-              <a:rPr lang="en-US" smtClean="0"/>
-              <a:t>19</a:t>
-            </a:fld>
-            <a:endParaRPr lang="en-US"/>
-          </a:p>
-        </p:txBody>
-      </p:sp>
-    </p:spTree>
-    <p:extLst>
-      <p:ext uri="{BB962C8B-B14F-4D97-AF65-F5344CB8AC3E}">
         <p14:creationId xmlns:p14="http://schemas.microsoft.com/office/powerpoint/2010/main" val="2057148433"/>
       </p:ext>
     </p:extLst>
@@ -1136,7 +1051,7 @@
           <a:p>
             <a:fld id="{D20E0131-AE01-1143-89A5-E9E562D2FEE3}" type="datetimeFigureOut">
               <a:rPr lang="en-US" smtClean="0"/>
-              <a:t>2/14/19</a:t>
+              <a:t>3/12/19</a:t>
             </a:fld>
             <a:endParaRPr lang="en-US"/>
           </a:p>
@@ -1334,7 +1249,7 @@
           <a:p>
             <a:fld id="{D20E0131-AE01-1143-89A5-E9E562D2FEE3}" type="datetimeFigureOut">
               <a:rPr lang="en-US" smtClean="0"/>
-              <a:t>2/14/19</a:t>
+              <a:t>3/12/19</a:t>
             </a:fld>
             <a:endParaRPr lang="en-US"/>
           </a:p>
@@ -1542,7 +1457,7 @@
           <a:p>
             <a:fld id="{D20E0131-AE01-1143-89A5-E9E562D2FEE3}" type="datetimeFigureOut">
               <a:rPr lang="en-US" smtClean="0"/>
-              <a:t>2/14/19</a:t>
+              <a:t>3/12/19</a:t>
             </a:fld>
             <a:endParaRPr lang="en-US"/>
           </a:p>
@@ -1740,7 +1655,7 @@
           <a:p>
             <a:fld id="{D20E0131-AE01-1143-89A5-E9E562D2FEE3}" type="datetimeFigureOut">
               <a:rPr lang="en-US" smtClean="0"/>
-              <a:t>2/14/19</a:t>
+              <a:t>3/12/19</a:t>
             </a:fld>
             <a:endParaRPr lang="en-US"/>
           </a:p>
@@ -2015,7 +1930,7 @@
           <a:p>
             <a:fld id="{D20E0131-AE01-1143-89A5-E9E562D2FEE3}" type="datetimeFigureOut">
               <a:rPr lang="en-US" smtClean="0"/>
-              <a:t>2/14/19</a:t>
+              <a:t>3/12/19</a:t>
             </a:fld>
             <a:endParaRPr lang="en-US"/>
           </a:p>
@@ -2280,7 +2195,7 @@
           <a:p>
             <a:fld id="{D20E0131-AE01-1143-89A5-E9E562D2FEE3}" type="datetimeFigureOut">
               <a:rPr lang="en-US" smtClean="0"/>
-              <a:t>2/14/19</a:t>
+              <a:t>3/12/19</a:t>
             </a:fld>
             <a:endParaRPr lang="en-US"/>
           </a:p>
@@ -2692,7 +2607,7 @@
           <a:p>
             <a:fld id="{D20E0131-AE01-1143-89A5-E9E562D2FEE3}" type="datetimeFigureOut">
               <a:rPr lang="en-US" smtClean="0"/>
-              <a:t>2/14/19</a:t>
+              <a:t>3/12/19</a:t>
             </a:fld>
             <a:endParaRPr lang="en-US"/>
           </a:p>
@@ -2833,7 +2748,7 @@
           <a:p>
             <a:fld id="{D20E0131-AE01-1143-89A5-E9E562D2FEE3}" type="datetimeFigureOut">
               <a:rPr lang="en-US" smtClean="0"/>
-              <a:t>2/14/19</a:t>
+              <a:t>3/12/19</a:t>
             </a:fld>
             <a:endParaRPr lang="en-US"/>
           </a:p>
@@ -2946,7 +2861,7 @@
           <a:p>
             <a:fld id="{D20E0131-AE01-1143-89A5-E9E562D2FEE3}" type="datetimeFigureOut">
               <a:rPr lang="en-US" smtClean="0"/>
-              <a:t>2/14/19</a:t>
+              <a:t>3/12/19</a:t>
             </a:fld>
             <a:endParaRPr lang="en-US"/>
           </a:p>
@@ -3257,7 +3172,7 @@
           <a:p>
             <a:fld id="{D20E0131-AE01-1143-89A5-E9E562D2FEE3}" type="datetimeFigureOut">
               <a:rPr lang="en-US" smtClean="0"/>
-              <a:t>2/14/19</a:t>
+              <a:t>3/12/19</a:t>
             </a:fld>
             <a:endParaRPr lang="en-US"/>
           </a:p>
@@ -3545,7 +3460,7 @@
           <a:p>
             <a:fld id="{D20E0131-AE01-1143-89A5-E9E562D2FEE3}" type="datetimeFigureOut">
               <a:rPr lang="en-US" smtClean="0"/>
-              <a:t>2/14/19</a:t>
+              <a:t>3/12/19</a:t>
             </a:fld>
             <a:endParaRPr lang="en-US"/>
           </a:p>
@@ -3786,7 +3701,7 @@
           <a:p>
             <a:fld id="{D20E0131-AE01-1143-89A5-E9E562D2FEE3}" type="datetimeFigureOut">
               <a:rPr lang="en-US" smtClean="0"/>
-              <a:t>2/14/19</a:t>
+              <a:t>3/12/19</a:t>
             </a:fld>
             <a:endParaRPr lang="en-US"/>
           </a:p>
@@ -8584,128 +8499,6 @@
           <a:chExt cx="0" cy="0"/>
         </a:xfrm>
       </p:grpSpPr>
-      <p:sp>
-        <p:nvSpPr>
-          <p:cNvPr id="9" name="Title 8">
-            <a:extLst>
-              <a:ext uri="{FF2B5EF4-FFF2-40B4-BE49-F238E27FC236}">
-                <a16:creationId xmlns:a16="http://schemas.microsoft.com/office/drawing/2014/main" id="{D76CB4EF-8345-0145-A57A-14C39AC36653}"/>
-              </a:ext>
-            </a:extLst>
-          </p:cNvPr>
-          <p:cNvSpPr>
-            <a:spLocks noGrp="1"/>
-          </p:cNvSpPr>
-          <p:nvPr>
-            <p:ph type="title"/>
-          </p:nvPr>
-        </p:nvSpPr>
-        <p:spPr/>
-        <p:txBody>
-          <a:bodyPr/>
-          <a:lstStyle/>
-          <a:p>
-            <a:r>
-              <a:rPr lang="en-US" dirty="0"/>
-              <a:t>Bounding sums of matrices</a:t>
-            </a:r>
-          </a:p>
-        </p:txBody>
-      </p:sp>
-      <p:pic>
-        <p:nvPicPr>
-          <p:cNvPr id="3" name="Picture 2">
-            <a:extLst>
-              <a:ext uri="{FF2B5EF4-FFF2-40B4-BE49-F238E27FC236}">
-                <a16:creationId xmlns:a16="http://schemas.microsoft.com/office/drawing/2014/main" id="{F85306B4-3352-7B47-BA68-3484D36AC409}"/>
-              </a:ext>
-            </a:extLst>
-          </p:cNvPr>
-          <p:cNvPicPr>
-            <a:picLocks noChangeAspect="1"/>
-          </p:cNvPicPr>
-          <p:nvPr/>
-        </p:nvPicPr>
-        <p:blipFill>
-          <a:blip r:embed="rId3"/>
-          <a:stretch>
-            <a:fillRect/>
-          </a:stretch>
-        </p:blipFill>
-        <p:spPr>
-          <a:xfrm>
-            <a:off x="4003548" y="1690688"/>
-            <a:ext cx="3124200" cy="863600"/>
-          </a:xfrm>
-          <a:prstGeom prst="rect">
-            <a:avLst/>
-          </a:prstGeom>
-        </p:spPr>
-      </p:pic>
-      <p:sp>
-        <p:nvSpPr>
-          <p:cNvPr id="24" name="Rectangle 23">
-            <a:extLst>
-              <a:ext uri="{FF2B5EF4-FFF2-40B4-BE49-F238E27FC236}">
-                <a16:creationId xmlns:a16="http://schemas.microsoft.com/office/drawing/2014/main" id="{6A1CF52E-6BD6-5244-9132-1E6F4AA875C5}"/>
-              </a:ext>
-            </a:extLst>
-          </p:cNvPr>
-          <p:cNvSpPr/>
-          <p:nvPr/>
-        </p:nvSpPr>
-        <p:spPr>
-          <a:xfrm>
-            <a:off x="1151966" y="3008874"/>
-            <a:ext cx="7515455" cy="523220"/>
-          </a:xfrm>
-          <a:prstGeom prst="rect">
-            <a:avLst/>
-          </a:prstGeom>
-        </p:spPr>
-        <p:txBody>
-          <a:bodyPr wrap="none">
-            <a:spAutoFit/>
-          </a:bodyPr>
-          <a:lstStyle/>
-          <a:p>
-            <a:r>
-              <a:rPr lang="en-US" sz="2800" dirty="0"/>
-              <a:t>I did not know the answer to this one for a while...</a:t>
-            </a:r>
-          </a:p>
-        </p:txBody>
-      </p:sp>
-    </p:spTree>
-    <p:extLst>
-      <p:ext uri="{BB962C8B-B14F-4D97-AF65-F5344CB8AC3E}">
-        <p14:creationId xmlns:p14="http://schemas.microsoft.com/office/powerpoint/2010/main" val="1441811928"/>
-      </p:ext>
-    </p:extLst>
-  </p:cSld>
-  <p:clrMapOvr>
-    <a:masterClrMapping/>
-  </p:clrMapOvr>
-</p:sld>
-</file>
-
-<file path=ppt/slides/slide17.xml><?xml version="1.0" encoding="utf-8"?>
-<p:sld xmlns:a="http://schemas.openxmlformats.org/drawingml/2006/main" xmlns:r="http://schemas.openxmlformats.org/officeDocument/2006/relationships" xmlns:p="http://schemas.openxmlformats.org/presentationml/2006/main">
-  <p:cSld>
-    <p:spTree>
-      <p:nvGrpSpPr>
-        <p:cNvPr id="1" name=""/>
-        <p:cNvGrpSpPr/>
-        <p:nvPr/>
-      </p:nvGrpSpPr>
-      <p:grpSpPr>
-        <a:xfrm>
-          <a:off x="0" y="0"/>
-          <a:ext cx="0" cy="0"/>
-          <a:chOff x="0" y="0"/>
-          <a:chExt cx="0" cy="0"/>
-        </a:xfrm>
-      </p:grpSpPr>
       <p:pic>
         <p:nvPicPr>
           <p:cNvPr id="4" name="Picture 3">
@@ -8886,7 +8679,7 @@
 </p:sld>
 </file>
 
-<file path=ppt/slides/slide18.xml><?xml version="1.0" encoding="utf-8"?>
+<file path=ppt/slides/slide17.xml><?xml version="1.0" encoding="utf-8"?>
 <p:sld xmlns:a="http://schemas.openxmlformats.org/drawingml/2006/main" xmlns:r="http://schemas.openxmlformats.org/officeDocument/2006/relationships" xmlns:p="http://schemas.openxmlformats.org/presentationml/2006/main">
   <p:cSld>
     <p:spTree>
@@ -9547,7 +9340,7 @@
 </p:sld>
 </file>
 
-<file path=ppt/slides/slide19.xml><?xml version="1.0" encoding="utf-8"?>
+<file path=ppt/slides/slide18.xml><?xml version="1.0" encoding="utf-8"?>
 <p:sld xmlns:a="http://schemas.openxmlformats.org/drawingml/2006/main" xmlns:r="http://schemas.openxmlformats.org/officeDocument/2006/relationships" xmlns:p="http://schemas.openxmlformats.org/presentationml/2006/main">
   <p:cSld>
     <p:spTree>
@@ -9951,6 +9744,537 @@
   <p:clrMapOvr>
     <a:masterClrMapping/>
   </p:clrMapOvr>
+</p:sld>
+</file>
+
+<file path=ppt/slides/slide19.xml><?xml version="1.0" encoding="utf-8"?>
+<p:sld xmlns:a="http://schemas.openxmlformats.org/drawingml/2006/main" xmlns:r="http://schemas.openxmlformats.org/officeDocument/2006/relationships" xmlns:p="http://schemas.openxmlformats.org/presentationml/2006/main">
+  <p:cSld>
+    <p:spTree>
+      <p:nvGrpSpPr>
+        <p:cNvPr id="1" name=""/>
+        <p:cNvGrpSpPr/>
+        <p:nvPr/>
+      </p:nvGrpSpPr>
+      <p:grpSpPr>
+        <a:xfrm>
+          <a:off x="0" y="0"/>
+          <a:ext cx="0" cy="0"/>
+          <a:chOff x="0" y="0"/>
+          <a:chExt cx="0" cy="0"/>
+        </a:xfrm>
+      </p:grpSpPr>
+      <p:sp>
+        <p:nvSpPr>
+          <p:cNvPr id="17" name="TextBox 16">
+            <a:extLst>
+              <a:ext uri="{FF2B5EF4-FFF2-40B4-BE49-F238E27FC236}">
+                <a16:creationId xmlns:a16="http://schemas.microsoft.com/office/drawing/2014/main" id="{DFE9D5CB-79D8-5C4F-9FC7-2EA5BB0CBD71}"/>
+              </a:ext>
+            </a:extLst>
+          </p:cNvPr>
+          <p:cNvSpPr txBox="1"/>
+          <p:nvPr/>
+        </p:nvSpPr>
+        <p:spPr>
+          <a:xfrm>
+            <a:off x="7679582" y="397484"/>
+            <a:ext cx="4152099" cy="954107"/>
+          </a:xfrm>
+          <a:prstGeom prst="rect">
+            <a:avLst/>
+          </a:prstGeom>
+          <a:solidFill>
+            <a:schemeClr val="accent4">
+              <a:lumMod val="40000"/>
+              <a:lumOff val="60000"/>
+            </a:schemeClr>
+          </a:solidFill>
+        </p:spPr>
+        <p:txBody>
+          <a:bodyPr wrap="none" rtlCol="0">
+            <a:spAutoFit/>
+          </a:bodyPr>
+          <a:lstStyle/>
+          <a:p>
+            <a:r>
+              <a:rPr lang="en-US" sz="2800" dirty="0"/>
+              <a:t>Resolves the open problem</a:t>
+            </a:r>
+          </a:p>
+          <a:p>
+            <a:r>
+              <a:rPr lang="en-US" sz="2800" dirty="0"/>
+              <a:t>See Philips an Tai 2018</a:t>
+            </a:r>
+          </a:p>
+        </p:txBody>
+      </p:sp>
+      <p:sp>
+        <p:nvSpPr>
+          <p:cNvPr id="18" name="TextBox 17">
+            <a:extLst>
+              <a:ext uri="{FF2B5EF4-FFF2-40B4-BE49-F238E27FC236}">
+                <a16:creationId xmlns:a16="http://schemas.microsoft.com/office/drawing/2014/main" id="{7223DCF0-05B0-AC4D-A58D-205896BD1374}"/>
+              </a:ext>
+            </a:extLst>
+          </p:cNvPr>
+          <p:cNvSpPr txBox="1"/>
+          <p:nvPr/>
+        </p:nvSpPr>
+        <p:spPr>
+          <a:xfrm>
+            <a:off x="1121977" y="2581935"/>
+            <a:ext cx="5244317" cy="544777"/>
+          </a:xfrm>
+          <a:prstGeom prst="rect">
+            <a:avLst/>
+          </a:prstGeom>
+          <a:solidFill>
+            <a:schemeClr val="accent4">
+              <a:lumMod val="40000"/>
+              <a:lumOff val="60000"/>
+            </a:schemeClr>
+          </a:solidFill>
+        </p:spPr>
+        <p:txBody>
+          <a:bodyPr wrap="square" rtlCol="0">
+            <a:spAutoFit/>
+          </a:bodyPr>
+          <a:lstStyle/>
+          <a:p>
+            <a:endParaRPr lang="en-US" dirty="0"/>
+          </a:p>
+        </p:txBody>
+      </p:sp>
+      <p:sp>
+        <p:nvSpPr>
+          <p:cNvPr id="19" name="TextBox 18">
+            <a:extLst>
+              <a:ext uri="{FF2B5EF4-FFF2-40B4-BE49-F238E27FC236}">
+                <a16:creationId xmlns:a16="http://schemas.microsoft.com/office/drawing/2014/main" id="{B24B6C63-A514-F143-AAE8-DAE30635311E}"/>
+              </a:ext>
+            </a:extLst>
+          </p:cNvPr>
+          <p:cNvSpPr txBox="1"/>
+          <p:nvPr/>
+        </p:nvSpPr>
+        <p:spPr>
+          <a:xfrm>
+            <a:off x="1311890" y="4650329"/>
+            <a:ext cx="3967478" cy="544777"/>
+          </a:xfrm>
+          <a:prstGeom prst="rect">
+            <a:avLst/>
+          </a:prstGeom>
+          <a:solidFill>
+            <a:schemeClr val="accent4">
+              <a:lumMod val="40000"/>
+              <a:lumOff val="60000"/>
+            </a:schemeClr>
+          </a:solidFill>
+        </p:spPr>
+        <p:txBody>
+          <a:bodyPr wrap="square" rtlCol="0">
+            <a:spAutoFit/>
+          </a:bodyPr>
+          <a:lstStyle/>
+          <a:p>
+            <a:endParaRPr lang="en-US" dirty="0"/>
+          </a:p>
+        </p:txBody>
+      </p:sp>
+      <p:sp>
+        <p:nvSpPr>
+          <p:cNvPr id="2" name="Title 1">
+            <a:extLst>
+              <a:ext uri="{FF2B5EF4-FFF2-40B4-BE49-F238E27FC236}">
+                <a16:creationId xmlns:a16="http://schemas.microsoft.com/office/drawing/2014/main" id="{1778BF48-DFBB-304C-8C10-0A9888317EE0}"/>
+              </a:ext>
+            </a:extLst>
+          </p:cNvPr>
+          <p:cNvSpPr>
+            <a:spLocks noGrp="1"/>
+          </p:cNvSpPr>
+          <p:nvPr>
+            <p:ph type="title"/>
+          </p:nvPr>
+        </p:nvSpPr>
+        <p:spPr/>
+        <p:txBody>
+          <a:bodyPr/>
+          <a:lstStyle/>
+          <a:p>
+            <a:r>
+              <a:rPr lang="en-US" dirty="0"/>
+              <a:t>Results</a:t>
+            </a:r>
+          </a:p>
+        </p:txBody>
+      </p:sp>
+      <p:pic>
+        <p:nvPicPr>
+          <p:cNvPr id="4" name="Picture 3">
+            <a:extLst>
+              <a:ext uri="{FF2B5EF4-FFF2-40B4-BE49-F238E27FC236}">
+                <a16:creationId xmlns:a16="http://schemas.microsoft.com/office/drawing/2014/main" id="{4F16A3F3-AD7C-D340-B89A-94007DF8F4A4}"/>
+              </a:ext>
+            </a:extLst>
+          </p:cNvPr>
+          <p:cNvPicPr>
+            <a:picLocks noChangeAspect="1"/>
+          </p:cNvPicPr>
+          <p:nvPr/>
+        </p:nvPicPr>
+        <p:blipFill>
+          <a:blip r:embed="rId2"/>
+          <a:stretch>
+            <a:fillRect/>
+          </a:stretch>
+        </p:blipFill>
+        <p:spPr>
+          <a:xfrm>
+            <a:off x="3865036" y="4710217"/>
+            <a:ext cx="1114872" cy="359636"/>
+          </a:xfrm>
+          <a:prstGeom prst="rect">
+            <a:avLst/>
+          </a:prstGeom>
+        </p:spPr>
+      </p:pic>
+      <p:pic>
+        <p:nvPicPr>
+          <p:cNvPr id="14" name="Picture 13">
+            <a:extLst>
+              <a:ext uri="{FF2B5EF4-FFF2-40B4-BE49-F238E27FC236}">
+                <a16:creationId xmlns:a16="http://schemas.microsoft.com/office/drawing/2014/main" id="{673E78E5-4F09-6A40-9726-E2E04A935196}"/>
+              </a:ext>
+            </a:extLst>
+          </p:cNvPr>
+          <p:cNvPicPr>
+            <a:picLocks noChangeAspect="1"/>
+          </p:cNvPicPr>
+          <p:nvPr/>
+        </p:nvPicPr>
+        <p:blipFill>
+          <a:blip r:embed="rId3"/>
+          <a:stretch>
+            <a:fillRect/>
+          </a:stretch>
+        </p:blipFill>
+        <p:spPr>
+          <a:xfrm>
+            <a:off x="5559261" y="5069853"/>
+            <a:ext cx="3479800" cy="571500"/>
+          </a:xfrm>
+          <a:prstGeom prst="rect">
+            <a:avLst/>
+          </a:prstGeom>
+        </p:spPr>
+      </p:pic>
+      <p:pic>
+        <p:nvPicPr>
+          <p:cNvPr id="15" name="Picture 14">
+            <a:extLst>
+              <a:ext uri="{FF2B5EF4-FFF2-40B4-BE49-F238E27FC236}">
+                <a16:creationId xmlns:a16="http://schemas.microsoft.com/office/drawing/2014/main" id="{98C04F29-2B9C-8B49-AA3D-22B136F80831}"/>
+              </a:ext>
+            </a:extLst>
+          </p:cNvPr>
+          <p:cNvPicPr>
+            <a:picLocks noChangeAspect="1"/>
+          </p:cNvPicPr>
+          <p:nvPr/>
+        </p:nvPicPr>
+        <p:blipFill>
+          <a:blip r:embed="rId4"/>
+          <a:stretch>
+            <a:fillRect/>
+          </a:stretch>
+        </p:blipFill>
+        <p:spPr>
+          <a:xfrm>
+            <a:off x="7433235" y="5641353"/>
+            <a:ext cx="3708400" cy="571500"/>
+          </a:xfrm>
+          <a:prstGeom prst="rect">
+            <a:avLst/>
+          </a:prstGeom>
+        </p:spPr>
+      </p:pic>
+      <p:pic>
+        <p:nvPicPr>
+          <p:cNvPr id="16" name="Picture 15">
+            <a:extLst>
+              <a:ext uri="{FF2B5EF4-FFF2-40B4-BE49-F238E27FC236}">
+                <a16:creationId xmlns:a16="http://schemas.microsoft.com/office/drawing/2014/main" id="{E5053D54-1145-854E-A151-40AA0720506D}"/>
+              </a:ext>
+            </a:extLst>
+          </p:cNvPr>
+          <p:cNvPicPr>
+            <a:picLocks noChangeAspect="1"/>
+          </p:cNvPicPr>
+          <p:nvPr/>
+        </p:nvPicPr>
+        <p:blipFill>
+          <a:blip r:embed="rId5"/>
+          <a:stretch>
+            <a:fillRect/>
+          </a:stretch>
+        </p:blipFill>
+        <p:spPr>
+          <a:xfrm>
+            <a:off x="7520432" y="3671821"/>
+            <a:ext cx="2235200" cy="381000"/>
+          </a:xfrm>
+          <a:prstGeom prst="rect">
+            <a:avLst/>
+          </a:prstGeom>
+        </p:spPr>
+      </p:pic>
+      <p:sp>
+        <p:nvSpPr>
+          <p:cNvPr id="3" name="Content Placeholder 2">
+            <a:extLst>
+              <a:ext uri="{FF2B5EF4-FFF2-40B4-BE49-F238E27FC236}">
+                <a16:creationId xmlns:a16="http://schemas.microsoft.com/office/drawing/2014/main" id="{FD18D2A5-CEE1-C74A-BE98-ABFA8FD647A2}"/>
+              </a:ext>
+            </a:extLst>
+          </p:cNvPr>
+          <p:cNvSpPr>
+            <a:spLocks noGrp="1"/>
+          </p:cNvSpPr>
+          <p:nvPr>
+            <p:ph idx="1"/>
+          </p:nvPr>
+        </p:nvSpPr>
+        <p:spPr>
+          <a:xfrm>
+            <a:off x="838200" y="1606897"/>
+            <a:ext cx="10515600" cy="5722051"/>
+          </a:xfrm>
+        </p:spPr>
+        <p:txBody>
+          <a:bodyPr>
+            <a:normAutofit/>
+          </a:bodyPr>
+          <a:lstStyle/>
+          <a:p>
+            <a:r>
+              <a:rPr lang="en-US" dirty="0"/>
+              <a:t>Sigmoid Activation Regression, Logistic Regression </a:t>
+            </a:r>
+          </a:p>
+          <a:p>
+            <a:r>
+              <a:rPr lang="en-US" dirty="0"/>
+              <a:t>Covariance approximation, Graph Laplacians Quadratic forms</a:t>
+            </a:r>
+          </a:p>
+          <a:p>
+            <a:r>
+              <a:rPr lang="en-US" dirty="0"/>
+              <a:t>Gaussian Kernel Density estimation</a:t>
+            </a:r>
+          </a:p>
+          <a:p>
+            <a:pPr marL="0" indent="0">
+              <a:buNone/>
+            </a:pPr>
+            <a:endParaRPr lang="en-US" dirty="0"/>
+          </a:p>
+          <a:p>
+            <a:pPr marL="0" indent="0">
+              <a:buNone/>
+            </a:pPr>
+            <a:r>
+              <a:rPr lang="en-US" dirty="0"/>
+              <a:t>All have the above have Class Discrepancy of </a:t>
+            </a:r>
+          </a:p>
+          <a:p>
+            <a:pPr marL="0" indent="0">
+              <a:buNone/>
+            </a:pPr>
+            <a:endParaRPr lang="en-US" dirty="0"/>
+          </a:p>
+          <a:p>
+            <a:pPr marL="514350" indent="-514350">
+              <a:buAutoNum type="arabicParenR"/>
+            </a:pPr>
+            <a:r>
+              <a:rPr lang="en-US" dirty="0"/>
+              <a:t>coresets of size                   </a:t>
+            </a:r>
+          </a:p>
+          <a:p>
+            <a:pPr marL="514350" indent="-514350">
+              <a:buAutoNum type="arabicParenR"/>
+            </a:pPr>
+            <a:r>
+              <a:rPr lang="en-US" dirty="0"/>
+              <a:t>Streaming Coresets of size </a:t>
+            </a:r>
+          </a:p>
+          <a:p>
+            <a:pPr marL="514350" indent="-514350">
+              <a:buFont typeface="Arial" panose="020B0604020202020204" pitchFamily="34" charset="0"/>
+              <a:buAutoNum type="arabicParenR"/>
+            </a:pPr>
+            <a:r>
+              <a:rPr lang="en-US" dirty="0"/>
+              <a:t>Randomized Streaming Coresets of size </a:t>
+            </a:r>
+          </a:p>
+          <a:p>
+            <a:endParaRPr lang="en-US" dirty="0"/>
+          </a:p>
+        </p:txBody>
+      </p:sp>
+    </p:spTree>
+    <p:extLst>
+      <p:ext uri="{BB962C8B-B14F-4D97-AF65-F5344CB8AC3E}">
+        <p14:creationId xmlns:p14="http://schemas.microsoft.com/office/powerpoint/2010/main" val="1593919672"/>
+      </p:ext>
+    </p:extLst>
+  </p:cSld>
+  <p:clrMapOvr>
+    <a:masterClrMapping/>
+  </p:clrMapOvr>
+  <p:timing>
+    <p:tnLst>
+      <p:par>
+        <p:cTn id="1" dur="indefinite" restart="never" nodeType="tmRoot">
+          <p:childTnLst>
+            <p:seq concurrent="1" nextAc="seek">
+              <p:cTn id="2" dur="indefinite" nodeType="mainSeq">
+                <p:childTnLst>
+                  <p:par>
+                    <p:cTn id="3" fill="hold">
+                      <p:stCondLst>
+                        <p:cond delay="indefinite"/>
+                      </p:stCondLst>
+                      <p:childTnLst>
+                        <p:par>
+                          <p:cTn id="4" fill="hold">
+                            <p:stCondLst>
+                              <p:cond delay="0"/>
+                            </p:stCondLst>
+                            <p:childTnLst>
+                              <p:par>
+                                <p:cTn id="5" presetID="1" presetClass="entr" presetSubtype="0" fill="hold" grpId="0" nodeType="clickEffect">
+                                  <p:stCondLst>
+                                    <p:cond delay="0"/>
+                                  </p:stCondLst>
+                                  <p:childTnLst>
+                                    <p:set>
+                                      <p:cBhvr>
+                                        <p:cTn id="6" dur="1" fill="hold">
+                                          <p:stCondLst>
+                                            <p:cond delay="0"/>
+                                          </p:stCondLst>
+                                        </p:cTn>
+                                        <p:tgtEl>
+                                          <p:spTgt spid="19"/>
+                                        </p:tgtEl>
+                                        <p:attrNameLst>
+                                          <p:attrName>style.visibility</p:attrName>
+                                        </p:attrNameLst>
+                                      </p:cBhvr>
+                                      <p:to>
+                                        <p:strVal val="visible"/>
+                                      </p:to>
+                                    </p:set>
+                                  </p:childTnLst>
+                                </p:cTn>
+                              </p:par>
+                              <p:par>
+                                <p:cTn id="7" presetID="1" presetClass="entr" presetSubtype="0" fill="hold" grpId="0" nodeType="withEffect">
+                                  <p:stCondLst>
+                                    <p:cond delay="0"/>
+                                  </p:stCondLst>
+                                  <p:childTnLst>
+                                    <p:set>
+                                      <p:cBhvr>
+                                        <p:cTn id="8" dur="1" fill="hold">
+                                          <p:stCondLst>
+                                            <p:cond delay="0"/>
+                                          </p:stCondLst>
+                                        </p:cTn>
+                                        <p:tgtEl>
+                                          <p:spTgt spid="18"/>
+                                        </p:tgtEl>
+                                        <p:attrNameLst>
+                                          <p:attrName>style.visibility</p:attrName>
+                                        </p:attrNameLst>
+                                      </p:cBhvr>
+                                      <p:to>
+                                        <p:strVal val="visible"/>
+                                      </p:to>
+                                    </p:set>
+                                  </p:childTnLst>
+                                </p:cTn>
+                              </p:par>
+                              <p:par>
+                                <p:cTn id="9" presetID="1" presetClass="entr" presetSubtype="0" fill="hold" grpId="0" nodeType="withEffect">
+                                  <p:stCondLst>
+                                    <p:cond delay="0"/>
+                                  </p:stCondLst>
+                                  <p:childTnLst>
+                                    <p:set>
+                                      <p:cBhvr>
+                                        <p:cTn id="10" dur="1" fill="hold">
+                                          <p:stCondLst>
+                                            <p:cond delay="0"/>
+                                          </p:stCondLst>
+                                        </p:cTn>
+                                        <p:tgtEl>
+                                          <p:spTgt spid="17"/>
+                                        </p:tgtEl>
+                                        <p:attrNameLst>
+                                          <p:attrName>style.visibility</p:attrName>
+                                        </p:attrNameLst>
+                                      </p:cBhvr>
+                                      <p:to>
+                                        <p:strVal val="visible"/>
+                                      </p:to>
+                                    </p:set>
+                                  </p:childTnLst>
+                                </p:cTn>
+                              </p:par>
+                            </p:childTnLst>
+                          </p:cTn>
+                        </p:par>
+                      </p:childTnLst>
+                    </p:cTn>
+                  </p:par>
+                </p:childTnLst>
+              </p:cTn>
+              <p:prevCondLst>
+                <p:cond evt="onPrev" delay="0">
+                  <p:tgtEl>
+                    <p:sldTgt/>
+                  </p:tgtEl>
+                </p:cond>
+              </p:prevCondLst>
+              <p:nextCondLst>
+                <p:cond evt="onNext" delay="0">
+                  <p:tgtEl>
+                    <p:sldTgt/>
+                  </p:tgtEl>
+                </p:cond>
+              </p:nextCondLst>
+            </p:seq>
+          </p:childTnLst>
+        </p:cTn>
+      </p:par>
+    </p:tnLst>
+    <p:bldLst>
+      <p:bldP spid="17" grpId="0" animBg="1"/>
+      <p:bldP spid="18" grpId="0" animBg="1"/>
+      <p:bldP spid="19" grpId="0" animBg="1"/>
+    </p:bldLst>
+  </p:timing>
 </p:sld>
 </file>
 
@@ -11677,130 +12001,10 @@
       </p:grpSpPr>
       <p:sp>
         <p:nvSpPr>
-          <p:cNvPr id="17" name="TextBox 16">
-            <a:extLst>
-              <a:ext uri="{FF2B5EF4-FFF2-40B4-BE49-F238E27FC236}">
-                <a16:creationId xmlns:a16="http://schemas.microsoft.com/office/drawing/2014/main" id="{DFE9D5CB-79D8-5C4F-9FC7-2EA5BB0CBD71}"/>
-              </a:ext>
-            </a:extLst>
-          </p:cNvPr>
-          <p:cNvSpPr txBox="1"/>
-          <p:nvPr/>
-        </p:nvSpPr>
-        <p:spPr>
-          <a:xfrm>
-            <a:off x="7679582" y="397484"/>
-            <a:ext cx="4152099" cy="954107"/>
-          </a:xfrm>
-          <a:prstGeom prst="rect">
-            <a:avLst/>
-          </a:prstGeom>
-          <a:solidFill>
-            <a:schemeClr val="accent4">
-              <a:lumMod val="40000"/>
-              <a:lumOff val="60000"/>
-            </a:schemeClr>
-          </a:solidFill>
-        </p:spPr>
-        <p:txBody>
-          <a:bodyPr wrap="none" rtlCol="0">
-            <a:spAutoFit/>
-          </a:bodyPr>
-          <a:lstStyle/>
-          <a:p>
-            <a:r>
-              <a:rPr lang="en-US" sz="2800" dirty="0"/>
-              <a:t>Resolves the open problem</a:t>
-            </a:r>
-          </a:p>
-          <a:p>
-            <a:r>
-              <a:rPr lang="en-US" sz="2800" dirty="0"/>
-              <a:t>See Philips an Tai 2018</a:t>
-            </a:r>
-          </a:p>
-        </p:txBody>
-      </p:sp>
-      <p:sp>
-        <p:nvSpPr>
-          <p:cNvPr id="18" name="TextBox 17">
-            <a:extLst>
-              <a:ext uri="{FF2B5EF4-FFF2-40B4-BE49-F238E27FC236}">
-                <a16:creationId xmlns:a16="http://schemas.microsoft.com/office/drawing/2014/main" id="{7223DCF0-05B0-AC4D-A58D-205896BD1374}"/>
-              </a:ext>
-            </a:extLst>
-          </p:cNvPr>
-          <p:cNvSpPr txBox="1"/>
-          <p:nvPr/>
-        </p:nvSpPr>
-        <p:spPr>
-          <a:xfrm>
-            <a:off x="1121977" y="2554120"/>
-            <a:ext cx="5244317" cy="725099"/>
-          </a:xfrm>
-          <a:prstGeom prst="rect">
-            <a:avLst/>
-          </a:prstGeom>
-          <a:solidFill>
-            <a:schemeClr val="accent4">
-              <a:lumMod val="40000"/>
-              <a:lumOff val="60000"/>
-            </a:schemeClr>
-          </a:solidFill>
-        </p:spPr>
-        <p:txBody>
-          <a:bodyPr wrap="square" rtlCol="0">
-            <a:spAutoFit/>
-          </a:bodyPr>
-          <a:lstStyle/>
-          <a:p>
-            <a:endParaRPr lang="en-US" dirty="0"/>
-          </a:p>
-        </p:txBody>
-      </p:sp>
-      <p:sp>
-        <p:nvSpPr>
-          <p:cNvPr id="19" name="TextBox 18">
-            <a:extLst>
-              <a:ext uri="{FF2B5EF4-FFF2-40B4-BE49-F238E27FC236}">
-                <a16:creationId xmlns:a16="http://schemas.microsoft.com/office/drawing/2014/main" id="{B24B6C63-A514-F143-AAE8-DAE30635311E}"/>
-              </a:ext>
-            </a:extLst>
-          </p:cNvPr>
-          <p:cNvSpPr txBox="1"/>
-          <p:nvPr/>
-        </p:nvSpPr>
-        <p:spPr>
-          <a:xfrm>
-            <a:off x="1311890" y="4518604"/>
-            <a:ext cx="3967478" cy="725099"/>
-          </a:xfrm>
-          <a:prstGeom prst="rect">
-            <a:avLst/>
-          </a:prstGeom>
-          <a:solidFill>
-            <a:schemeClr val="accent4">
-              <a:lumMod val="40000"/>
-              <a:lumOff val="60000"/>
-            </a:schemeClr>
-          </a:solidFill>
-        </p:spPr>
-        <p:txBody>
-          <a:bodyPr wrap="square" rtlCol="0">
-            <a:spAutoFit/>
-          </a:bodyPr>
-          <a:lstStyle/>
-          <a:p>
-            <a:endParaRPr lang="en-US" dirty="0"/>
-          </a:p>
-        </p:txBody>
-      </p:sp>
-      <p:sp>
-        <p:nvSpPr>
           <p:cNvPr id="2" name="Title 1">
             <a:extLst>
               <a:ext uri="{FF2B5EF4-FFF2-40B4-BE49-F238E27FC236}">
-                <a16:creationId xmlns:a16="http://schemas.microsoft.com/office/drawing/2014/main" id="{1778BF48-DFBB-304C-8C10-0A9888317EE0}"/>
+                <a16:creationId xmlns:a16="http://schemas.microsoft.com/office/drawing/2014/main" id="{FE355E14-0AA7-074B-813A-46D4B6BE3400}"/>
               </a:ext>
             </a:extLst>
           </p:cNvPr>
@@ -11818,418 +12022,7 @@
           <a:p>
             <a:r>
               <a:rPr lang="en-US" dirty="0"/>
-              <a:t>Results</a:t>
-            </a:r>
-          </a:p>
-        </p:txBody>
-      </p:sp>
-      <p:pic>
-        <p:nvPicPr>
-          <p:cNvPr id="4" name="Picture 3">
-            <a:extLst>
-              <a:ext uri="{FF2B5EF4-FFF2-40B4-BE49-F238E27FC236}">
-                <a16:creationId xmlns:a16="http://schemas.microsoft.com/office/drawing/2014/main" id="{4F16A3F3-AD7C-D340-B89A-94007DF8F4A4}"/>
-              </a:ext>
-            </a:extLst>
-          </p:cNvPr>
-          <p:cNvPicPr>
-            <a:picLocks noChangeAspect="1"/>
-          </p:cNvPicPr>
-          <p:nvPr/>
-        </p:nvPicPr>
-        <p:blipFill>
-          <a:blip r:embed="rId2"/>
-          <a:stretch>
-            <a:fillRect/>
-          </a:stretch>
-        </p:blipFill>
-        <p:spPr>
-          <a:xfrm>
-            <a:off x="3865036" y="4710217"/>
-            <a:ext cx="1114872" cy="359636"/>
-          </a:xfrm>
-          <a:prstGeom prst="rect">
-            <a:avLst/>
-          </a:prstGeom>
-        </p:spPr>
-      </p:pic>
-      <p:pic>
-        <p:nvPicPr>
-          <p:cNvPr id="14" name="Picture 13">
-            <a:extLst>
-              <a:ext uri="{FF2B5EF4-FFF2-40B4-BE49-F238E27FC236}">
-                <a16:creationId xmlns:a16="http://schemas.microsoft.com/office/drawing/2014/main" id="{673E78E5-4F09-6A40-9726-E2E04A935196}"/>
-              </a:ext>
-            </a:extLst>
-          </p:cNvPr>
-          <p:cNvPicPr>
-            <a:picLocks noChangeAspect="1"/>
-          </p:cNvPicPr>
-          <p:nvPr/>
-        </p:nvPicPr>
-        <p:blipFill>
-          <a:blip r:embed="rId3"/>
-          <a:stretch>
-            <a:fillRect/>
-          </a:stretch>
-        </p:blipFill>
-        <p:spPr>
-          <a:xfrm>
-            <a:off x="5559261" y="5069853"/>
-            <a:ext cx="3479800" cy="571500"/>
-          </a:xfrm>
-          <a:prstGeom prst="rect">
-            <a:avLst/>
-          </a:prstGeom>
-        </p:spPr>
-      </p:pic>
-      <p:pic>
-        <p:nvPicPr>
-          <p:cNvPr id="15" name="Picture 14">
-            <a:extLst>
-              <a:ext uri="{FF2B5EF4-FFF2-40B4-BE49-F238E27FC236}">
-                <a16:creationId xmlns:a16="http://schemas.microsoft.com/office/drawing/2014/main" id="{98C04F29-2B9C-8B49-AA3D-22B136F80831}"/>
-              </a:ext>
-            </a:extLst>
-          </p:cNvPr>
-          <p:cNvPicPr>
-            <a:picLocks noChangeAspect="1"/>
-          </p:cNvPicPr>
-          <p:nvPr/>
-        </p:nvPicPr>
-        <p:blipFill>
-          <a:blip r:embed="rId4"/>
-          <a:stretch>
-            <a:fillRect/>
-          </a:stretch>
-        </p:blipFill>
-        <p:spPr>
-          <a:xfrm>
-            <a:off x="7433235" y="5641353"/>
-            <a:ext cx="3708400" cy="571500"/>
-          </a:xfrm>
-          <a:prstGeom prst="rect">
-            <a:avLst/>
-          </a:prstGeom>
-        </p:spPr>
-      </p:pic>
-      <p:pic>
-        <p:nvPicPr>
-          <p:cNvPr id="16" name="Picture 15">
-            <a:extLst>
-              <a:ext uri="{FF2B5EF4-FFF2-40B4-BE49-F238E27FC236}">
-                <a16:creationId xmlns:a16="http://schemas.microsoft.com/office/drawing/2014/main" id="{E5053D54-1145-854E-A151-40AA0720506D}"/>
-              </a:ext>
-            </a:extLst>
-          </p:cNvPr>
-          <p:cNvPicPr>
-            <a:picLocks noChangeAspect="1"/>
-          </p:cNvPicPr>
-          <p:nvPr/>
-        </p:nvPicPr>
-        <p:blipFill>
-          <a:blip r:embed="rId5"/>
-          <a:stretch>
-            <a:fillRect/>
-          </a:stretch>
-        </p:blipFill>
-        <p:spPr>
-          <a:xfrm>
-            <a:off x="7520432" y="3671821"/>
-            <a:ext cx="2235200" cy="381000"/>
-          </a:xfrm>
-          <a:prstGeom prst="rect">
-            <a:avLst/>
-          </a:prstGeom>
-        </p:spPr>
-      </p:pic>
-      <p:sp>
-        <p:nvSpPr>
-          <p:cNvPr id="3" name="Content Placeholder 2">
-            <a:extLst>
-              <a:ext uri="{FF2B5EF4-FFF2-40B4-BE49-F238E27FC236}">
-                <a16:creationId xmlns:a16="http://schemas.microsoft.com/office/drawing/2014/main" id="{FD18D2A5-CEE1-C74A-BE98-ABFA8FD647A2}"/>
-              </a:ext>
-            </a:extLst>
-          </p:cNvPr>
-          <p:cNvSpPr>
-            <a:spLocks noGrp="1"/>
-          </p:cNvSpPr>
-          <p:nvPr>
-            <p:ph idx="1"/>
-          </p:nvPr>
-        </p:nvSpPr>
-        <p:spPr>
-          <a:xfrm>
-            <a:off x="838200" y="1606897"/>
-            <a:ext cx="10515600" cy="5722051"/>
-          </a:xfrm>
-        </p:spPr>
-        <p:txBody>
-          <a:bodyPr>
-            <a:normAutofit/>
-          </a:bodyPr>
-          <a:lstStyle/>
-          <a:p>
-            <a:r>
-              <a:rPr lang="en-US" dirty="0"/>
-              <a:t>Sigmoid Activation Regression, Logistic Regression, </a:t>
-            </a:r>
-          </a:p>
-          <a:p>
-            <a:r>
-              <a:rPr lang="en-US" dirty="0"/>
-              <a:t>Covariance approximation and Graph Laplacians Quadratic forms</a:t>
-            </a:r>
-          </a:p>
-          <a:p>
-            <a:r>
-              <a:rPr lang="en-US" dirty="0"/>
-              <a:t>Gaussian Kernel Density estimation  </a:t>
-            </a:r>
-          </a:p>
-          <a:p>
-            <a:pPr marL="0" indent="0">
-              <a:buNone/>
-            </a:pPr>
-            <a:endParaRPr lang="en-US" dirty="0"/>
-          </a:p>
-          <a:p>
-            <a:pPr marL="0" indent="0">
-              <a:buNone/>
-            </a:pPr>
-            <a:r>
-              <a:rPr lang="en-US" dirty="0"/>
-              <a:t>All have the above have Class Discrepancy of </a:t>
-            </a:r>
-          </a:p>
-          <a:p>
-            <a:pPr marL="0" indent="0">
-              <a:buNone/>
-            </a:pPr>
-            <a:endParaRPr lang="en-US" dirty="0"/>
-          </a:p>
-          <a:p>
-            <a:pPr marL="514350" indent="-514350">
-              <a:buAutoNum type="arabicParenR"/>
-            </a:pPr>
-            <a:r>
-              <a:rPr lang="en-US" dirty="0"/>
-              <a:t>coresets of size                   </a:t>
-            </a:r>
-          </a:p>
-          <a:p>
-            <a:pPr marL="514350" indent="-514350">
-              <a:buAutoNum type="arabicParenR"/>
-            </a:pPr>
-            <a:r>
-              <a:rPr lang="en-US" dirty="0"/>
-              <a:t>Streaming Coresets of size </a:t>
-            </a:r>
-          </a:p>
-          <a:p>
-            <a:pPr marL="514350" indent="-514350">
-              <a:buFont typeface="Arial" panose="020B0604020202020204" pitchFamily="34" charset="0"/>
-              <a:buAutoNum type="arabicParenR"/>
-            </a:pPr>
-            <a:r>
-              <a:rPr lang="en-US" dirty="0"/>
-              <a:t>Randomized Streaming Coresets of size </a:t>
-            </a:r>
-          </a:p>
-          <a:p>
-            <a:endParaRPr lang="en-US" dirty="0"/>
-          </a:p>
-        </p:txBody>
-      </p:sp>
-    </p:spTree>
-    <p:extLst>
-      <p:ext uri="{BB962C8B-B14F-4D97-AF65-F5344CB8AC3E}">
-        <p14:creationId xmlns:p14="http://schemas.microsoft.com/office/powerpoint/2010/main" val="1593919672"/>
-      </p:ext>
-    </p:extLst>
-  </p:cSld>
-  <p:clrMapOvr>
-    <a:masterClrMapping/>
-  </p:clrMapOvr>
-  <p:timing>
-    <p:tnLst>
-      <p:par>
-        <p:cTn id="1" dur="indefinite" restart="never" nodeType="tmRoot">
-          <p:childTnLst>
-            <p:seq concurrent="1" nextAc="seek">
-              <p:cTn id="2" dur="indefinite" nodeType="mainSeq">
-                <p:childTnLst>
-                  <p:par>
-                    <p:cTn id="3" fill="hold">
-                      <p:stCondLst>
-                        <p:cond delay="indefinite"/>
-                      </p:stCondLst>
-                      <p:childTnLst>
-                        <p:par>
-                          <p:cTn id="4" fill="hold">
-                            <p:stCondLst>
-                              <p:cond delay="0"/>
-                            </p:stCondLst>
-                            <p:childTnLst>
-                              <p:par>
-                                <p:cTn id="5" presetID="1" presetClass="entr" presetSubtype="0" fill="hold" grpId="0" nodeType="clickEffect">
-                                  <p:stCondLst>
-                                    <p:cond delay="0"/>
-                                  </p:stCondLst>
-                                  <p:childTnLst>
-                                    <p:set>
-                                      <p:cBhvr>
-                                        <p:cTn id="6" dur="1" fill="hold">
-                                          <p:stCondLst>
-                                            <p:cond delay="0"/>
-                                          </p:stCondLst>
-                                        </p:cTn>
-                                        <p:tgtEl>
-                                          <p:spTgt spid="19"/>
-                                        </p:tgtEl>
-                                        <p:attrNameLst>
-                                          <p:attrName>style.visibility</p:attrName>
-                                        </p:attrNameLst>
-                                      </p:cBhvr>
-                                      <p:to>
-                                        <p:strVal val="visible"/>
-                                      </p:to>
-                                    </p:set>
-                                  </p:childTnLst>
-                                </p:cTn>
-                              </p:par>
-                              <p:par>
-                                <p:cTn id="7" presetID="1" presetClass="entr" presetSubtype="0" fill="hold" grpId="0" nodeType="withEffect">
-                                  <p:stCondLst>
-                                    <p:cond delay="0"/>
-                                  </p:stCondLst>
-                                  <p:childTnLst>
-                                    <p:set>
-                                      <p:cBhvr>
-                                        <p:cTn id="8" dur="1" fill="hold">
-                                          <p:stCondLst>
-                                            <p:cond delay="0"/>
-                                          </p:stCondLst>
-                                        </p:cTn>
-                                        <p:tgtEl>
-                                          <p:spTgt spid="18"/>
-                                        </p:tgtEl>
-                                        <p:attrNameLst>
-                                          <p:attrName>style.visibility</p:attrName>
-                                        </p:attrNameLst>
-                                      </p:cBhvr>
-                                      <p:to>
-                                        <p:strVal val="visible"/>
-                                      </p:to>
-                                    </p:set>
-                                  </p:childTnLst>
-                                </p:cTn>
-                              </p:par>
-                              <p:par>
-                                <p:cTn id="9" presetID="1" presetClass="entr" presetSubtype="0" fill="hold" grpId="0" nodeType="withEffect">
-                                  <p:stCondLst>
-                                    <p:cond delay="0"/>
-                                  </p:stCondLst>
-                                  <p:childTnLst>
-                                    <p:set>
-                                      <p:cBhvr>
-                                        <p:cTn id="10" dur="1" fill="hold">
-                                          <p:stCondLst>
-                                            <p:cond delay="0"/>
-                                          </p:stCondLst>
-                                        </p:cTn>
-                                        <p:tgtEl>
-                                          <p:spTgt spid="17"/>
-                                        </p:tgtEl>
-                                        <p:attrNameLst>
-                                          <p:attrName>style.visibility</p:attrName>
-                                        </p:attrNameLst>
-                                      </p:cBhvr>
-                                      <p:to>
-                                        <p:strVal val="visible"/>
-                                      </p:to>
-                                    </p:set>
-                                  </p:childTnLst>
-                                </p:cTn>
-                              </p:par>
-                            </p:childTnLst>
-                          </p:cTn>
-                        </p:par>
-                      </p:childTnLst>
-                    </p:cTn>
-                  </p:par>
-                </p:childTnLst>
-              </p:cTn>
-              <p:prevCondLst>
-                <p:cond evt="onPrev" delay="0">
-                  <p:tgtEl>
-                    <p:sldTgt/>
-                  </p:tgtEl>
-                </p:cond>
-              </p:prevCondLst>
-              <p:nextCondLst>
-                <p:cond evt="onNext" delay="0">
-                  <p:tgtEl>
-                    <p:sldTgt/>
-                  </p:tgtEl>
-                </p:cond>
-              </p:nextCondLst>
-            </p:seq>
-          </p:childTnLst>
-        </p:cTn>
-      </p:par>
-    </p:tnLst>
-    <p:bldLst>
-      <p:bldP spid="17" grpId="0" animBg="1"/>
-      <p:bldP spid="18" grpId="0" animBg="1"/>
-      <p:bldP spid="19" grpId="0" animBg="1"/>
-    </p:bldLst>
-  </p:timing>
-</p:sld>
-</file>
-
-<file path=ppt/slides/slide21.xml><?xml version="1.0" encoding="utf-8"?>
-<p:sld xmlns:a="http://schemas.openxmlformats.org/drawingml/2006/main" xmlns:r="http://schemas.openxmlformats.org/officeDocument/2006/relationships" xmlns:p="http://schemas.openxmlformats.org/presentationml/2006/main">
-  <p:cSld>
-    <p:spTree>
-      <p:nvGrpSpPr>
-        <p:cNvPr id="1" name=""/>
-        <p:cNvGrpSpPr/>
-        <p:nvPr/>
-      </p:nvGrpSpPr>
-      <p:grpSpPr>
-        <a:xfrm>
-          <a:off x="0" y="0"/>
-          <a:ext cx="0" cy="0"/>
-          <a:chOff x="0" y="0"/>
-          <a:chExt cx="0" cy="0"/>
-        </a:xfrm>
-      </p:grpSpPr>
-      <p:sp>
-        <p:nvSpPr>
-          <p:cNvPr id="2" name="Title 1">
-            <a:extLst>
-              <a:ext uri="{FF2B5EF4-FFF2-40B4-BE49-F238E27FC236}">
-                <a16:creationId xmlns:a16="http://schemas.microsoft.com/office/drawing/2014/main" id="{FE355E14-0AA7-074B-813A-46D4B6BE3400}"/>
-              </a:ext>
-            </a:extLst>
-          </p:cNvPr>
-          <p:cNvSpPr>
-            <a:spLocks noGrp="1"/>
-          </p:cNvSpPr>
-          <p:nvPr>
-            <p:ph type="title"/>
-          </p:nvPr>
-        </p:nvSpPr>
-        <p:spPr/>
-        <p:txBody>
-          <a:bodyPr/>
-          <a:lstStyle/>
-          <a:p>
-            <a:r>
-              <a:rPr lang="en-US" dirty="0"/>
-              <a:t>Back to square one... (same only different)</a:t>
+              <a:t>Back to square one  (same only different...)</a:t>
             </a:r>
           </a:p>
         </p:txBody>
@@ -13076,7 +12869,7 @@
 </p:sld>
 </file>
 
-<file path=ppt/slides/slide22.xml><?xml version="1.0" encoding="utf-8"?>
+<file path=ppt/slides/slide21.xml><?xml version="1.0" encoding="utf-8"?>
 <p:sld xmlns:a="http://schemas.openxmlformats.org/drawingml/2006/main" xmlns:r="http://schemas.openxmlformats.org/officeDocument/2006/relationships" xmlns:p="http://schemas.openxmlformats.org/presentationml/2006/main">
   <p:cSld>
     <p:spTree>
